--- a/Netty入门指南.pptx
+++ b/Netty入门指南.pptx
@@ -5,7 +5,7 @@
     <p:sldMasterId id="2147483648" r:id="rId1"/>
   </p:sldMasterIdLst>
   <p:notesMasterIdLst>
-    <p:notesMasterId r:id="rId14"/>
+    <p:notesMasterId r:id="rId15"/>
   </p:notesMasterIdLst>
   <p:sldIdLst>
     <p:sldId id="256" r:id="rId2"/>
@@ -14,12 +14,13 @@
     <p:sldId id="259" r:id="rId5"/>
     <p:sldId id="260" r:id="rId6"/>
     <p:sldId id="267" r:id="rId7"/>
-    <p:sldId id="261" r:id="rId8"/>
-    <p:sldId id="262" r:id="rId9"/>
-    <p:sldId id="263" r:id="rId10"/>
-    <p:sldId id="264" r:id="rId11"/>
-    <p:sldId id="265" r:id="rId12"/>
-    <p:sldId id="266" r:id="rId13"/>
+    <p:sldId id="268" r:id="rId8"/>
+    <p:sldId id="261" r:id="rId9"/>
+    <p:sldId id="262" r:id="rId10"/>
+    <p:sldId id="263" r:id="rId11"/>
+    <p:sldId id="264" r:id="rId12"/>
+    <p:sldId id="265" r:id="rId13"/>
+    <p:sldId id="266" r:id="rId14"/>
   </p:sldIdLst>
   <p:sldSz cx="12192000" cy="6858000"/>
   <p:notesSz cx="6858000" cy="9144000"/>
@@ -208,7 +209,7 @@
           <a:p>
             <a:fld id="{1A936FBA-7D4A-41DA-9DAD-4525C551E219}" type="datetimeFigureOut">
               <a:rPr lang="zh-CN" altLang="en-US" smtClean="0"/>
-              <a:t>2019/9/13</a:t>
+              <a:t>2019/10/14</a:t>
             </a:fld>
             <a:endParaRPr lang="zh-CN" altLang="en-US"/>
           </a:p>
@@ -885,7 +886,32 @@
           <a:bodyPr/>
           <a:lstStyle/>
           <a:p>
-            <a:endParaRPr lang="zh-CN" altLang="en-US" dirty="0"/>
+            <a:pPr marL="0" marR="0" lvl="0" indent="0" algn="l" defTabSz="914400" rtl="0" eaLnBrk="1" fontAlgn="auto" latinLnBrk="0" hangingPunct="1">
+              <a:lnSpc>
+                <a:spcPct val="100000"/>
+              </a:lnSpc>
+              <a:spcBef>
+                <a:spcPts val="0"/>
+              </a:spcBef>
+              <a:spcAft>
+                <a:spcPts val="0"/>
+              </a:spcAft>
+              <a:buClrTx/>
+              <a:buSzTx/>
+              <a:buFontTx/>
+              <a:buNone/>
+              <a:tabLst/>
+              <a:defRPr/>
+            </a:pPr>
+            <a:r>
+              <a:rPr lang="en-US" altLang="zh-CN" dirty="0" smtClean="0"/>
+              <a:t>Java  IO </a:t>
+            </a:r>
+            <a:r>
+              <a:rPr lang="zh-CN" altLang="en-US" dirty="0" smtClean="0"/>
+              <a:t>基础</a:t>
+            </a:r>
+            <a:endParaRPr lang="en-US" altLang="zh-CN" dirty="0" smtClean="0"/>
           </a:p>
         </p:txBody>
       </p:sp>
@@ -916,6 +942,227 @@
     <p:extLst>
       <p:ext uri="{BB962C8B-B14F-4D97-AF65-F5344CB8AC3E}">
         <p14:creationId xmlns:p14="http://schemas.microsoft.com/office/powerpoint/2010/main" val="1763236743"/>
+      </p:ext>
+    </p:extLst>
+  </p:cSld>
+  <p:clrMapOvr>
+    <a:masterClrMapping/>
+  </p:clrMapOvr>
+</p:notes>
+</file>
+
+<file path=ppt/notesSlides/notesSlide6.xml><?xml version="1.0" encoding="utf-8"?>
+<p:notes xmlns:a="http://schemas.openxmlformats.org/drawingml/2006/main" xmlns:r="http://schemas.openxmlformats.org/officeDocument/2006/relationships" xmlns:p="http://schemas.openxmlformats.org/presentationml/2006/main">
+  <p:cSld>
+    <p:spTree>
+      <p:nvGrpSpPr>
+        <p:cNvPr id="1" name=""/>
+        <p:cNvGrpSpPr/>
+        <p:nvPr/>
+      </p:nvGrpSpPr>
+      <p:grpSpPr>
+        <a:xfrm>
+          <a:off x="0" y="0"/>
+          <a:ext cx="0" cy="0"/>
+          <a:chOff x="0" y="0"/>
+          <a:chExt cx="0" cy="0"/>
+        </a:xfrm>
+      </p:grpSpPr>
+      <p:sp>
+        <p:nvSpPr>
+          <p:cNvPr id="2" name="幻灯片图像占位符 1"/>
+          <p:cNvSpPr>
+            <a:spLocks noGrp="1" noRot="1" noChangeAspect="1"/>
+          </p:cNvSpPr>
+          <p:nvPr>
+            <p:ph type="sldImg"/>
+          </p:nvPr>
+        </p:nvSpPr>
+        <p:spPr/>
+      </p:sp>
+      <p:sp>
+        <p:nvSpPr>
+          <p:cNvPr id="3" name="备注占位符 2"/>
+          <p:cNvSpPr>
+            <a:spLocks noGrp="1"/>
+          </p:cNvSpPr>
+          <p:nvPr>
+            <p:ph type="body" idx="1"/>
+          </p:nvPr>
+        </p:nvSpPr>
+        <p:spPr/>
+        <p:txBody>
+          <a:bodyPr/>
+          <a:lstStyle/>
+          <a:p>
+            <a:pPr marL="0" marR="0" lvl="0" indent="0" algn="l" defTabSz="914400" rtl="0" eaLnBrk="1" fontAlgn="auto" latinLnBrk="0" hangingPunct="1">
+              <a:lnSpc>
+                <a:spcPct val="100000"/>
+              </a:lnSpc>
+              <a:spcBef>
+                <a:spcPts val="0"/>
+              </a:spcBef>
+              <a:spcAft>
+                <a:spcPts val="0"/>
+              </a:spcAft>
+              <a:buClrTx/>
+              <a:buSzTx/>
+              <a:buFontTx/>
+              <a:buNone/>
+              <a:tabLst/>
+              <a:defRPr/>
+            </a:pPr>
+            <a:r>
+              <a:rPr lang="en-US" altLang="zh-CN" dirty="0" smtClean="0"/>
+              <a:t>Java  IO </a:t>
+            </a:r>
+            <a:r>
+              <a:rPr lang="zh-CN" altLang="en-US" dirty="0" smtClean="0"/>
+              <a:t>基础</a:t>
+            </a:r>
+            <a:endParaRPr lang="en-US" altLang="zh-CN" dirty="0" smtClean="0"/>
+          </a:p>
+        </p:txBody>
+      </p:sp>
+      <p:sp>
+        <p:nvSpPr>
+          <p:cNvPr id="4" name="灯片编号占位符 3"/>
+          <p:cNvSpPr>
+            <a:spLocks noGrp="1"/>
+          </p:cNvSpPr>
+          <p:nvPr>
+            <p:ph type="sldNum" sz="quarter" idx="10"/>
+          </p:nvPr>
+        </p:nvSpPr>
+        <p:spPr/>
+        <p:txBody>
+          <a:bodyPr/>
+          <a:lstStyle/>
+          <a:p>
+            <a:fld id="{8A599BE1-865F-412F-8128-78CA1426F296}" type="slidenum">
+              <a:rPr lang="zh-CN" altLang="en-US" smtClean="0"/>
+              <a:t>6</a:t>
+            </a:fld>
+            <a:endParaRPr lang="zh-CN" altLang="en-US"/>
+          </a:p>
+        </p:txBody>
+      </p:sp>
+    </p:spTree>
+    <p:extLst>
+      <p:ext uri="{BB962C8B-B14F-4D97-AF65-F5344CB8AC3E}">
+        <p14:creationId xmlns:p14="http://schemas.microsoft.com/office/powerpoint/2010/main" val="4044305252"/>
+      </p:ext>
+    </p:extLst>
+  </p:cSld>
+  <p:clrMapOvr>
+    <a:masterClrMapping/>
+  </p:clrMapOvr>
+</p:notes>
+</file>
+
+<file path=ppt/notesSlides/notesSlide7.xml><?xml version="1.0" encoding="utf-8"?>
+<p:notes xmlns:a="http://schemas.openxmlformats.org/drawingml/2006/main" xmlns:r="http://schemas.openxmlformats.org/officeDocument/2006/relationships" xmlns:p="http://schemas.openxmlformats.org/presentationml/2006/main">
+  <p:cSld>
+    <p:spTree>
+      <p:nvGrpSpPr>
+        <p:cNvPr id="1" name=""/>
+        <p:cNvGrpSpPr/>
+        <p:nvPr/>
+      </p:nvGrpSpPr>
+      <p:grpSpPr>
+        <a:xfrm>
+          <a:off x="0" y="0"/>
+          <a:ext cx="0" cy="0"/>
+          <a:chOff x="0" y="0"/>
+          <a:chExt cx="0" cy="0"/>
+        </a:xfrm>
+      </p:grpSpPr>
+      <p:sp>
+        <p:nvSpPr>
+          <p:cNvPr id="2" name="幻灯片图像占位符 1"/>
+          <p:cNvSpPr>
+            <a:spLocks noGrp="1" noRot="1" noChangeAspect="1"/>
+          </p:cNvSpPr>
+          <p:nvPr>
+            <p:ph type="sldImg"/>
+          </p:nvPr>
+        </p:nvSpPr>
+        <p:spPr/>
+      </p:sp>
+      <p:sp>
+        <p:nvSpPr>
+          <p:cNvPr id="3" name="备注占位符 2"/>
+          <p:cNvSpPr>
+            <a:spLocks noGrp="1"/>
+          </p:cNvSpPr>
+          <p:nvPr>
+            <p:ph type="body" idx="1"/>
+          </p:nvPr>
+        </p:nvSpPr>
+        <p:spPr/>
+        <p:txBody>
+          <a:bodyPr/>
+          <a:lstStyle/>
+          <a:p>
+            <a:r>
+              <a:rPr lang="en-US" altLang="zh-CN" sz="1200" dirty="0" smtClean="0"/>
+              <a:t>BIO</a:t>
+            </a:r>
+            <a:r>
+              <a:rPr lang="zh-CN" altLang="en-US" sz="1200" dirty="0" smtClean="0"/>
+              <a:t>、伪异步</a:t>
+            </a:r>
+            <a:r>
+              <a:rPr lang="en-US" altLang="zh-CN" sz="1200" dirty="0" smtClean="0"/>
+              <a:t>IO</a:t>
+            </a:r>
+            <a:r>
+              <a:rPr lang="zh-CN" altLang="en-US" sz="1200" dirty="0" smtClean="0"/>
+              <a:t>、</a:t>
+            </a:r>
+            <a:r>
+              <a:rPr lang="en-US" altLang="zh-CN" sz="1200" dirty="0" smtClean="0"/>
+              <a:t>NIO</a:t>
+            </a:r>
+            <a:r>
+              <a:rPr lang="zh-CN" altLang="en-US" sz="1200" dirty="0" smtClean="0"/>
+              <a:t>、</a:t>
+            </a:r>
+            <a:r>
+              <a:rPr lang="en-US" altLang="zh-CN" sz="1200" dirty="0" smtClean="0"/>
+              <a:t>AIO</a:t>
+            </a:r>
+            <a:endParaRPr lang="zh-CN" altLang="en-US" dirty="0"/>
+          </a:p>
+        </p:txBody>
+      </p:sp>
+      <p:sp>
+        <p:nvSpPr>
+          <p:cNvPr id="4" name="灯片编号占位符 3"/>
+          <p:cNvSpPr>
+            <a:spLocks noGrp="1"/>
+          </p:cNvSpPr>
+          <p:nvPr>
+            <p:ph type="sldNum" sz="quarter" idx="10"/>
+          </p:nvPr>
+        </p:nvSpPr>
+        <p:spPr/>
+        <p:txBody>
+          <a:bodyPr/>
+          <a:lstStyle/>
+          <a:p>
+            <a:fld id="{8A599BE1-865F-412F-8128-78CA1426F296}" type="slidenum">
+              <a:rPr lang="zh-CN" altLang="en-US" smtClean="0"/>
+              <a:t>7</a:t>
+            </a:fld>
+            <a:endParaRPr lang="zh-CN" altLang="en-US"/>
+          </a:p>
+        </p:txBody>
+      </p:sp>
+    </p:spTree>
+    <p:extLst>
+      <p:ext uri="{BB962C8B-B14F-4D97-AF65-F5344CB8AC3E}">
+        <p14:creationId xmlns:p14="http://schemas.microsoft.com/office/powerpoint/2010/main" val="3276725906"/>
       </p:ext>
     </p:extLst>
   </p:cSld>
@@ -1056,7 +1303,7 @@
           <a:p>
             <a:fld id="{CA6DA839-CEC4-41F8-84E7-732CD3CAE949}" type="datetimeFigureOut">
               <a:rPr lang="zh-CN" altLang="en-US" smtClean="0"/>
-              <a:t>2019/9/13</a:t>
+              <a:t>2019/10/14</a:t>
             </a:fld>
             <a:endParaRPr lang="zh-CN" altLang="en-US"/>
           </a:p>
@@ -1226,7 +1473,7 @@
           <a:p>
             <a:fld id="{CA6DA839-CEC4-41F8-84E7-732CD3CAE949}" type="datetimeFigureOut">
               <a:rPr lang="zh-CN" altLang="en-US" smtClean="0"/>
-              <a:t>2019/9/13</a:t>
+              <a:t>2019/10/14</a:t>
             </a:fld>
             <a:endParaRPr lang="zh-CN" altLang="en-US"/>
           </a:p>
@@ -1406,7 +1653,7 @@
           <a:p>
             <a:fld id="{CA6DA839-CEC4-41F8-84E7-732CD3CAE949}" type="datetimeFigureOut">
               <a:rPr lang="zh-CN" altLang="en-US" smtClean="0"/>
-              <a:t>2019/9/13</a:t>
+              <a:t>2019/10/14</a:t>
             </a:fld>
             <a:endParaRPr lang="zh-CN" altLang="en-US"/>
           </a:p>
@@ -1576,7 +1823,7 @@
           <a:p>
             <a:fld id="{CA6DA839-CEC4-41F8-84E7-732CD3CAE949}" type="datetimeFigureOut">
               <a:rPr lang="zh-CN" altLang="en-US" smtClean="0"/>
-              <a:t>2019/9/13</a:t>
+              <a:t>2019/10/14</a:t>
             </a:fld>
             <a:endParaRPr lang="zh-CN" altLang="en-US"/>
           </a:p>
@@ -1822,7 +2069,7 @@
           <a:p>
             <a:fld id="{CA6DA839-CEC4-41F8-84E7-732CD3CAE949}" type="datetimeFigureOut">
               <a:rPr lang="zh-CN" altLang="en-US" smtClean="0"/>
-              <a:t>2019/9/13</a:t>
+              <a:t>2019/10/14</a:t>
             </a:fld>
             <a:endParaRPr lang="zh-CN" altLang="en-US"/>
           </a:p>
@@ -2054,7 +2301,7 @@
           <a:p>
             <a:fld id="{CA6DA839-CEC4-41F8-84E7-732CD3CAE949}" type="datetimeFigureOut">
               <a:rPr lang="zh-CN" altLang="en-US" smtClean="0"/>
-              <a:t>2019/9/13</a:t>
+              <a:t>2019/10/14</a:t>
             </a:fld>
             <a:endParaRPr lang="zh-CN" altLang="en-US"/>
           </a:p>
@@ -2421,7 +2668,7 @@
           <a:p>
             <a:fld id="{CA6DA839-CEC4-41F8-84E7-732CD3CAE949}" type="datetimeFigureOut">
               <a:rPr lang="zh-CN" altLang="en-US" smtClean="0"/>
-              <a:t>2019/9/13</a:t>
+              <a:t>2019/10/14</a:t>
             </a:fld>
             <a:endParaRPr lang="zh-CN" altLang="en-US"/>
           </a:p>
@@ -2539,7 +2786,7 @@
           <a:p>
             <a:fld id="{CA6DA839-CEC4-41F8-84E7-732CD3CAE949}" type="datetimeFigureOut">
               <a:rPr lang="zh-CN" altLang="en-US" smtClean="0"/>
-              <a:t>2019/9/13</a:t>
+              <a:t>2019/10/14</a:t>
             </a:fld>
             <a:endParaRPr lang="zh-CN" altLang="en-US"/>
           </a:p>
@@ -2634,7 +2881,7 @@
           <a:p>
             <a:fld id="{CA6DA839-CEC4-41F8-84E7-732CD3CAE949}" type="datetimeFigureOut">
               <a:rPr lang="zh-CN" altLang="en-US" smtClean="0"/>
-              <a:t>2019/9/13</a:t>
+              <a:t>2019/10/14</a:t>
             </a:fld>
             <a:endParaRPr lang="zh-CN" altLang="en-US"/>
           </a:p>
@@ -2911,7 +3158,7 @@
           <a:p>
             <a:fld id="{CA6DA839-CEC4-41F8-84E7-732CD3CAE949}" type="datetimeFigureOut">
               <a:rPr lang="zh-CN" altLang="en-US" smtClean="0"/>
-              <a:t>2019/9/13</a:t>
+              <a:t>2019/10/14</a:t>
             </a:fld>
             <a:endParaRPr lang="zh-CN" altLang="en-US"/>
           </a:p>
@@ -3164,7 +3411,7 @@
           <a:p>
             <a:fld id="{CA6DA839-CEC4-41F8-84E7-732CD3CAE949}" type="datetimeFigureOut">
               <a:rPr lang="zh-CN" altLang="en-US" smtClean="0"/>
-              <a:t>2019/9/13</a:t>
+              <a:t>2019/10/14</a:t>
             </a:fld>
             <a:endParaRPr lang="zh-CN" altLang="en-US"/>
           </a:p>
@@ -3377,7 +3624,7 @@
           <a:p>
             <a:fld id="{CA6DA839-CEC4-41F8-84E7-732CD3CAE949}" type="datetimeFigureOut">
               <a:rPr lang="zh-CN" altLang="en-US" smtClean="0"/>
-              <a:t>2019/9/13</a:t>
+              <a:t>2019/10/14</a:t>
             </a:fld>
             <a:endParaRPr lang="zh-CN" altLang="en-US"/>
           </a:p>
@@ -3881,7 +4128,7 @@
         <p:spPr>
           <a:xfrm>
             <a:off x="5772834" y="3244334"/>
-            <a:ext cx="2087751" cy="369332"/>
+            <a:ext cx="1164421" cy="369332"/>
           </a:xfrm>
           <a:prstGeom prst="rect">
             <a:avLst/>
@@ -3899,7 +4146,7 @@
             </a:r>
             <a:r>
               <a:rPr lang="zh-CN" altLang="en-US" dirty="0" smtClean="0"/>
-              <a:t>示例聊天程序</a:t>
+              <a:t>介绍</a:t>
             </a:r>
             <a:endParaRPr lang="zh-CN" altLang="en-US" dirty="0"/>
           </a:p>
@@ -3908,7 +4155,7 @@
     </p:spTree>
     <p:extLst>
       <p:ext uri="{BB962C8B-B14F-4D97-AF65-F5344CB8AC3E}">
-        <p14:creationId xmlns:p14="http://schemas.microsoft.com/office/powerpoint/2010/main" val="952046167"/>
+        <p14:creationId xmlns:p14="http://schemas.microsoft.com/office/powerpoint/2010/main" val="2980363711"/>
       </p:ext>
     </p:extLst>
   </p:cSld>
@@ -3951,6 +4198,76 @@
         <p:spPr>
           <a:xfrm>
             <a:off x="5772834" y="3244334"/>
+            <a:ext cx="2087751" cy="369332"/>
+          </a:xfrm>
+          <a:prstGeom prst="rect">
+            <a:avLst/>
+          </a:prstGeom>
+        </p:spPr>
+        <p:txBody>
+          <a:bodyPr wrap="none">
+            <a:spAutoFit/>
+          </a:bodyPr>
+          <a:lstStyle/>
+          <a:p>
+            <a:r>
+              <a:rPr lang="en-US" altLang="zh-CN" dirty="0" err="1" smtClean="0"/>
+              <a:t>Netty</a:t>
+            </a:r>
+            <a:r>
+              <a:rPr lang="zh-CN" altLang="en-US" dirty="0" smtClean="0"/>
+              <a:t>示例聊天程序</a:t>
+            </a:r>
+            <a:endParaRPr lang="zh-CN" altLang="en-US" dirty="0"/>
+          </a:p>
+        </p:txBody>
+      </p:sp>
+    </p:spTree>
+    <p:extLst>
+      <p:ext uri="{BB962C8B-B14F-4D97-AF65-F5344CB8AC3E}">
+        <p14:creationId xmlns:p14="http://schemas.microsoft.com/office/powerpoint/2010/main" val="952046167"/>
+      </p:ext>
+    </p:extLst>
+  </p:cSld>
+  <p:clrMapOvr>
+    <a:masterClrMapping/>
+  </p:clrMapOvr>
+  <p:timing>
+    <p:tnLst>
+      <p:par>
+        <p:cTn id="1" dur="indefinite" restart="never" nodeType="tmRoot"/>
+      </p:par>
+    </p:tnLst>
+  </p:timing>
+</p:sld>
+</file>
+
+<file path=ppt/slides/slide12.xml><?xml version="1.0" encoding="utf-8"?>
+<p:sld xmlns:a="http://schemas.openxmlformats.org/drawingml/2006/main" xmlns:r="http://schemas.openxmlformats.org/officeDocument/2006/relationships" xmlns:p="http://schemas.openxmlformats.org/presentationml/2006/main">
+  <p:cSld>
+    <p:spTree>
+      <p:nvGrpSpPr>
+        <p:cNvPr id="1" name=""/>
+        <p:cNvGrpSpPr/>
+        <p:nvPr/>
+      </p:nvGrpSpPr>
+      <p:grpSpPr>
+        <a:xfrm>
+          <a:off x="0" y="0"/>
+          <a:ext cx="0" cy="0"/>
+          <a:chOff x="0" y="0"/>
+          <a:chExt cx="0" cy="0"/>
+        </a:xfrm>
+      </p:grpSpPr>
+      <p:sp>
+        <p:nvSpPr>
+          <p:cNvPr id="2" name="矩形 1"/>
+          <p:cNvSpPr/>
+          <p:nvPr/>
+        </p:nvSpPr>
+        <p:spPr>
+          <a:xfrm>
+            <a:off x="5772834" y="3244334"/>
             <a:ext cx="1417376" cy="369332"/>
           </a:xfrm>
           <a:prstGeom prst="rect">
@@ -3999,7 +4316,7 @@
 </p:sld>
 </file>
 
-<file path=ppt/slides/slide12.xml><?xml version="1.0" encoding="utf-8"?>
+<file path=ppt/slides/slide13.xml><?xml version="1.0" encoding="utf-8"?>
 <p:sld xmlns:a="http://schemas.openxmlformats.org/drawingml/2006/main" xmlns:r="http://schemas.openxmlformats.org/officeDocument/2006/relationships" xmlns:p="http://schemas.openxmlformats.org/presentationml/2006/main">
   <p:cSld>
     <p:spTree>
@@ -4499,6 +4816,12 @@
             <a:endParaRPr lang="en-US" altLang="zh-CN" sz="2400" dirty="0" smtClean="0"/>
           </a:p>
           <a:p>
+            <a:endParaRPr lang="en-US" altLang="zh-CN" dirty="0" smtClean="0"/>
+          </a:p>
+          <a:p>
+            <a:pPr marL="0" indent="0">
+              <a:buNone/>
+            </a:pPr>
             <a:endParaRPr lang="en-US" altLang="zh-CN" dirty="0"/>
           </a:p>
           <a:p>
@@ -4774,7 +5097,7 @@
               <a:buChar char="•"/>
             </a:pPr>
             <a:r>
-              <a:rPr lang="zh-CN" altLang="en-US" sz="1600" dirty="0" smtClean="0">
+              <a:rPr lang="zh-CN" altLang="en-US" sz="1600" b="1" dirty="0" smtClean="0">
                 <a:solidFill>
                   <a:srgbClr val="494949"/>
                 </a:solidFill>
@@ -4785,7 +5108,7 @@
               <a:t>问题</a:t>
             </a:r>
             <a:r>
-              <a:rPr lang="en-US" altLang="zh-CN" sz="1600" dirty="0" smtClean="0">
+              <a:rPr lang="en-US" altLang="zh-CN" sz="1600" b="1" dirty="0" smtClean="0">
                 <a:solidFill>
                   <a:srgbClr val="494949"/>
                 </a:solidFill>
@@ -4796,7 +5119,7 @@
               <a:t>1</a:t>
             </a:r>
             <a:r>
-              <a:rPr lang="zh-CN" altLang="en-US" sz="1600" dirty="0" smtClean="0">
+              <a:rPr lang="zh-CN" altLang="en-US" sz="1600" b="1" dirty="0" smtClean="0">
                 <a:solidFill>
                   <a:srgbClr val="494949"/>
                 </a:solidFill>
@@ -4806,7 +5129,7 @@
               </a:rPr>
               <a:t>：输入和输出的参照对象是谁？</a:t>
             </a:r>
-            <a:endParaRPr lang="en-US" altLang="zh-CN" sz="1600" dirty="0" smtClean="0">
+            <a:endParaRPr lang="en-US" altLang="zh-CN" sz="1600" b="1" dirty="0" smtClean="0">
               <a:solidFill>
                 <a:srgbClr val="494949"/>
               </a:solidFill>
@@ -4821,7 +5144,7 @@
               <a:buChar char="•"/>
             </a:pPr>
             <a:r>
-              <a:rPr lang="zh-CN" altLang="en-US" sz="1600" dirty="0" smtClean="0">
+              <a:rPr lang="zh-CN" altLang="en-US" sz="1600" b="1" dirty="0" smtClean="0">
                 <a:solidFill>
                   <a:srgbClr val="494949"/>
                 </a:solidFill>
@@ -4832,7 +5155,7 @@
               <a:t>问题</a:t>
             </a:r>
             <a:r>
-              <a:rPr lang="en-US" altLang="zh-CN" sz="1600" dirty="0" smtClean="0">
+              <a:rPr lang="en-US" altLang="zh-CN" sz="1600" b="1" dirty="0" smtClean="0">
                 <a:solidFill>
                   <a:srgbClr val="494949"/>
                 </a:solidFill>
@@ -4843,7 +5166,7 @@
               <a:t>2</a:t>
             </a:r>
             <a:r>
-              <a:rPr lang="zh-CN" altLang="en-US" sz="1600" dirty="0" smtClean="0">
+              <a:rPr lang="zh-CN" altLang="en-US" sz="1600" b="1" dirty="0" smtClean="0">
                 <a:solidFill>
                   <a:srgbClr val="494949"/>
                 </a:solidFill>
@@ -4854,7 +5177,7 @@
               <a:t>：</a:t>
             </a:r>
             <a:r>
-              <a:rPr lang="en-US" altLang="zh-CN" sz="1600" dirty="0" smtClean="0">
+              <a:rPr lang="en-US" altLang="zh-CN" sz="1600" b="1" dirty="0" smtClean="0">
                 <a:solidFill>
                   <a:srgbClr val="494949"/>
                 </a:solidFill>
@@ -4865,7 +5188,7 @@
               <a:t>JVM</a:t>
             </a:r>
             <a:r>
-              <a:rPr lang="zh-CN" altLang="en-US" sz="1600" dirty="0" smtClean="0">
+              <a:rPr lang="zh-CN" altLang="en-US" sz="1600" b="1" dirty="0" smtClean="0">
                 <a:solidFill>
                   <a:srgbClr val="494949"/>
                 </a:solidFill>
@@ -4875,7 +5198,7 @@
               </a:rPr>
               <a:t>为什么不代劳关闭流？</a:t>
             </a:r>
-            <a:endParaRPr lang="en-US" altLang="zh-CN" sz="1600" dirty="0" smtClean="0">
+            <a:endParaRPr lang="en-US" altLang="zh-CN" sz="1600" b="1" dirty="0" smtClean="0">
               <a:solidFill>
                 <a:srgbClr val="494949"/>
               </a:solidFill>
@@ -5157,7 +5480,7 @@
         <p:spPr>
           <a:xfrm>
             <a:off x="0" y="853031"/>
-            <a:ext cx="2262158" cy="369332"/>
+            <a:ext cx="3626314" cy="369332"/>
           </a:xfrm>
           <a:prstGeom prst="rect">
             <a:avLst/>
@@ -5171,11 +5494,15 @@
           <a:p>
             <a:r>
               <a:rPr lang="zh-CN" altLang="en-US" dirty="0" smtClean="0"/>
-              <a:t>演示程序</a:t>
-            </a:r>
-            <a:r>
-              <a:rPr lang="zh-CN" altLang="en-US" dirty="0"/>
-              <a:t>输出</a:t>
+              <a:t>演示</a:t>
+            </a:r>
+            <a:r>
+              <a:rPr lang="en-US" altLang="zh-CN" dirty="0" smtClean="0"/>
+              <a:t>IO</a:t>
+            </a:r>
+            <a:r>
+              <a:rPr lang="zh-CN" altLang="en-US" dirty="0" smtClean="0"/>
+              <a:t>流自动关闭程序输出</a:t>
             </a:r>
             <a:r>
               <a:rPr lang="zh-CN" altLang="en-US" dirty="0" smtClean="0"/>
@@ -5231,7 +5558,7 @@
           <p:nvPr/>
         </p:nvPicPr>
         <p:blipFill>
-          <a:blip r:embed="rId2">
+          <a:blip r:embed="rId3">
             <a:extLst>
               <a:ext uri="{28A0092B-C50C-407E-A947-70E740481C1C}">
                 <a14:useLocalDpi xmlns:a14="http://schemas.microsoft.com/office/drawing/2010/main" val="0"/>
@@ -5345,14 +5672,14 @@
       </p:grpSpPr>
       <p:sp>
         <p:nvSpPr>
-          <p:cNvPr id="2" name="矩形 1"/>
+          <p:cNvPr id="4" name="矩形 3"/>
           <p:cNvSpPr/>
           <p:nvPr/>
         </p:nvSpPr>
         <p:spPr>
           <a:xfrm>
-            <a:off x="4649779" y="2845435"/>
-            <a:ext cx="4894289" cy="369332"/>
+            <a:off x="316417" y="257294"/>
+            <a:ext cx="4801314" cy="369332"/>
           </a:xfrm>
           <a:prstGeom prst="rect">
             <a:avLst/>
@@ -5365,36 +5692,102 @@
           <a:lstStyle/>
           <a:p>
             <a:r>
-              <a:rPr lang="en-US" altLang="zh-CN" dirty="0" smtClean="0"/>
-              <a:t>BIO</a:t>
+              <a:rPr lang="zh-CN" altLang="en-US" b="1" dirty="0"/>
+              <a:t>网络编程释疑之：同步，异步，阻塞，非阻塞</a:t>
+            </a:r>
+            <a:endParaRPr lang="zh-CN" altLang="en-US" b="1" dirty="0"/>
+          </a:p>
+        </p:txBody>
+      </p:sp>
+      <p:pic>
+        <p:nvPicPr>
+          <p:cNvPr id="1026" name="Picture 2" descr="https://pic3.zhimg.com/80/e83d68da03da2e8c1568b4b4b630edfd_hd.jpg"/>
+          <p:cNvPicPr>
+            <a:picLocks noChangeAspect="1" noChangeArrowheads="1"/>
+          </p:cNvPicPr>
+          <p:nvPr/>
+        </p:nvPicPr>
+        <p:blipFill>
+          <a:blip r:embed="rId3">
+            <a:extLst>
+              <a:ext uri="{28A0092B-C50C-407E-A947-70E740481C1C}">
+                <a14:useLocalDpi xmlns:a14="http://schemas.microsoft.com/office/drawing/2010/main" val="0"/>
+              </a:ext>
+            </a:extLst>
+          </a:blip>
+          <a:srcRect/>
+          <a:stretch>
+            <a:fillRect/>
+          </a:stretch>
+        </p:blipFill>
+        <p:spPr bwMode="auto">
+          <a:xfrm>
+            <a:off x="316417" y="761218"/>
+            <a:ext cx="6858000" cy="3600451"/>
+          </a:xfrm>
+          <a:prstGeom prst="rect">
+            <a:avLst/>
+          </a:prstGeom>
+          <a:noFill/>
+          <a:extLst>
+            <a:ext uri="{909E8E84-426E-40DD-AFC4-6F175D3DCCD1}">
+              <a14:hiddenFill xmlns:a14="http://schemas.microsoft.com/office/drawing/2010/main">
+                <a:solidFill>
+                  <a:srgbClr val="FFFFFF"/>
+                </a:solidFill>
+              </a14:hiddenFill>
+            </a:ext>
+          </a:extLst>
+        </p:spPr>
+      </p:pic>
+      <p:sp>
+        <p:nvSpPr>
+          <p:cNvPr id="6" name="矩形 5"/>
+          <p:cNvSpPr/>
+          <p:nvPr/>
+        </p:nvSpPr>
+        <p:spPr>
+          <a:xfrm>
+            <a:off x="487679" y="4675890"/>
+            <a:ext cx="11199223" cy="923330"/>
+          </a:xfrm>
+          <a:prstGeom prst="rect">
+            <a:avLst/>
+          </a:prstGeom>
+        </p:spPr>
+        <p:txBody>
+          <a:bodyPr wrap="square">
+            <a:spAutoFit/>
+          </a:bodyPr>
+          <a:lstStyle/>
+          <a:p>
+            <a:r>
+              <a:rPr lang="zh-CN" altLang="en-US" dirty="0"/>
+              <a:t>对于一个套接字上的输入操作，第一步通常涉及等待数据从网络中到达。当所有等待分组到达时，它被复制到内核中的某个缓冲区。第二步就是把数据从内核缓冲区复制到应用程序缓冲区。 好，下面我们以阻塞套接字的</a:t>
+            </a:r>
+            <a:r>
+              <a:rPr lang="en-US" altLang="zh-CN" dirty="0" err="1"/>
+              <a:t>recvfrom</a:t>
+            </a:r>
+            <a:r>
+              <a:rPr lang="zh-CN" altLang="en-US" dirty="0"/>
+              <a:t>的的调用图来说明</a:t>
             </a:r>
             <a:r>
               <a:rPr lang="zh-CN" altLang="en-US" dirty="0" smtClean="0"/>
-              <a:t>、伪异步</a:t>
-            </a:r>
-            <a:r>
-              <a:rPr lang="en-US" altLang="zh-CN" dirty="0" smtClean="0"/>
-              <a:t>IO</a:t>
-            </a:r>
-            <a:r>
-              <a:rPr lang="zh-CN" altLang="en-US" dirty="0" smtClean="0"/>
-              <a:t>、</a:t>
-            </a:r>
-            <a:r>
-              <a:rPr lang="en-US" altLang="zh-CN" dirty="0" smtClean="0"/>
-              <a:t>NIO</a:t>
-            </a:r>
-            <a:r>
-              <a:rPr lang="zh-CN" altLang="en-US" dirty="0" smtClean="0"/>
-              <a:t>、</a:t>
-            </a:r>
-            <a:r>
-              <a:rPr lang="en-US" altLang="zh-CN" dirty="0" smtClean="0"/>
-              <a:t>AIO</a:t>
-            </a:r>
-            <a:r>
-              <a:rPr lang="zh-CN" altLang="en-US" dirty="0" smtClean="0"/>
-              <a:t>概念，示例聊天程序</a:t>
+              <a:t>阻塞。</a:t>
+            </a:r>
+            <a:r>
+              <a:rPr lang="zh-CN" altLang="en-US" dirty="0"/>
+              <a:t>标红的这部分过程就是阻塞，直到阻塞结束</a:t>
+            </a:r>
+            <a:r>
+              <a:rPr lang="en-US" altLang="zh-CN" dirty="0" err="1"/>
+              <a:t>recvfrom</a:t>
+            </a:r>
+            <a:r>
+              <a:rPr lang="zh-CN" altLang="en-US" dirty="0"/>
+              <a:t>才能返回。</a:t>
             </a:r>
             <a:endParaRPr lang="zh-CN" altLang="en-US" dirty="0"/>
           </a:p>
@@ -5403,20 +5796,13 @@
     </p:spTree>
     <p:extLst>
       <p:ext uri="{BB962C8B-B14F-4D97-AF65-F5344CB8AC3E}">
-        <p14:creationId xmlns:p14="http://schemas.microsoft.com/office/powerpoint/2010/main" val="3674061985"/>
+        <p14:creationId xmlns:p14="http://schemas.microsoft.com/office/powerpoint/2010/main" val="3930769226"/>
       </p:ext>
     </p:extLst>
   </p:cSld>
   <p:clrMapOvr>
     <a:masterClrMapping/>
   </p:clrMapOvr>
-  <p:timing>
-    <p:tnLst>
-      <p:par>
-        <p:cTn id="1" dur="indefinite" restart="never" nodeType="tmRoot"/>
-      </p:par>
-    </p:tnLst>
-  </p:timing>
 </p:sld>
 </file>
 
@@ -5445,8 +5831,8 @@
         </p:nvSpPr>
         <p:spPr>
           <a:xfrm>
-            <a:off x="5772834" y="3244334"/>
-            <a:ext cx="1204176" cy="369332"/>
+            <a:off x="4649779" y="2845435"/>
+            <a:ext cx="4894289" cy="369332"/>
           </a:xfrm>
           <a:prstGeom prst="rect">
             <a:avLst/>
@@ -5460,11 +5846,11 @@
           <a:p>
             <a:r>
               <a:rPr lang="en-US" altLang="zh-CN" dirty="0" smtClean="0"/>
-              <a:t>4</a:t>
+              <a:t>BIO</a:t>
             </a:r>
             <a:r>
               <a:rPr lang="zh-CN" altLang="en-US" dirty="0" smtClean="0"/>
-              <a:t>类</a:t>
+              <a:t>、伪异步</a:t>
             </a:r>
             <a:r>
               <a:rPr lang="en-US" altLang="zh-CN" dirty="0" smtClean="0"/>
@@ -5472,7 +5858,23 @@
             </a:r>
             <a:r>
               <a:rPr lang="zh-CN" altLang="en-US" dirty="0" smtClean="0"/>
-              <a:t>总结</a:t>
+              <a:t>、</a:t>
+            </a:r>
+            <a:r>
+              <a:rPr lang="en-US" altLang="zh-CN" dirty="0" smtClean="0"/>
+              <a:t>NIO</a:t>
+            </a:r>
+            <a:r>
+              <a:rPr lang="zh-CN" altLang="en-US" dirty="0" smtClean="0"/>
+              <a:t>、</a:t>
+            </a:r>
+            <a:r>
+              <a:rPr lang="en-US" altLang="zh-CN" dirty="0" smtClean="0"/>
+              <a:t>AIO</a:t>
+            </a:r>
+            <a:r>
+              <a:rPr lang="zh-CN" altLang="en-US" dirty="0" smtClean="0"/>
+              <a:t>概念，示例聊天程序</a:t>
             </a:r>
             <a:endParaRPr lang="zh-CN" altLang="en-US" dirty="0"/>
           </a:p>
@@ -5481,7 +5883,7 @@
     </p:spTree>
     <p:extLst>
       <p:ext uri="{BB962C8B-B14F-4D97-AF65-F5344CB8AC3E}">
-        <p14:creationId xmlns:p14="http://schemas.microsoft.com/office/powerpoint/2010/main" val="1810501488"/>
+        <p14:creationId xmlns:p14="http://schemas.microsoft.com/office/powerpoint/2010/main" val="3674061985"/>
       </p:ext>
     </p:extLst>
   </p:cSld>
@@ -5524,7 +5926,7 @@
         <p:spPr>
           <a:xfrm>
             <a:off x="5772834" y="3244334"/>
-            <a:ext cx="1164421" cy="369332"/>
+            <a:ext cx="1204176" cy="369332"/>
           </a:xfrm>
           <a:prstGeom prst="rect">
             <a:avLst/>
@@ -5537,12 +5939,20 @@
           <a:lstStyle/>
           <a:p>
             <a:r>
-              <a:rPr lang="en-US" altLang="zh-CN" dirty="0" err="1" smtClean="0"/>
-              <a:t>Netty</a:t>
+              <a:rPr lang="en-US" altLang="zh-CN" dirty="0" smtClean="0"/>
+              <a:t>4</a:t>
             </a:r>
             <a:r>
               <a:rPr lang="zh-CN" altLang="en-US" dirty="0" smtClean="0"/>
-              <a:t>介绍</a:t>
+              <a:t>类</a:t>
+            </a:r>
+            <a:r>
+              <a:rPr lang="en-US" altLang="zh-CN" dirty="0" smtClean="0"/>
+              <a:t>IO</a:t>
+            </a:r>
+            <a:r>
+              <a:rPr lang="zh-CN" altLang="en-US" dirty="0" smtClean="0"/>
+              <a:t>总结</a:t>
             </a:r>
             <a:endParaRPr lang="zh-CN" altLang="en-US" dirty="0"/>
           </a:p>
@@ -5551,7 +5961,7 @@
     </p:spTree>
     <p:extLst>
       <p:ext uri="{BB962C8B-B14F-4D97-AF65-F5344CB8AC3E}">
-        <p14:creationId xmlns:p14="http://schemas.microsoft.com/office/powerpoint/2010/main" val="2980363711"/>
+        <p14:creationId xmlns:p14="http://schemas.microsoft.com/office/powerpoint/2010/main" val="1810501488"/>
       </p:ext>
     </p:extLst>
   </p:cSld>

--- a/Netty入门指南.pptx
+++ b/Netty入门指南.pptx
@@ -209,7 +209,7 @@
           <a:p>
             <a:fld id="{1A936FBA-7D4A-41DA-9DAD-4525C551E219}" type="datetimeFigureOut">
               <a:rPr lang="zh-CN" altLang="en-US" smtClean="0"/>
-              <a:t>2019/10/14</a:t>
+              <a:t>2019/10/17</a:t>
             </a:fld>
             <a:endParaRPr lang="zh-CN" altLang="en-US"/>
           </a:p>
@@ -1303,7 +1303,7 @@
           <a:p>
             <a:fld id="{CA6DA839-CEC4-41F8-84E7-732CD3CAE949}" type="datetimeFigureOut">
               <a:rPr lang="zh-CN" altLang="en-US" smtClean="0"/>
-              <a:t>2019/10/14</a:t>
+              <a:t>2019/10/17</a:t>
             </a:fld>
             <a:endParaRPr lang="zh-CN" altLang="en-US"/>
           </a:p>
@@ -1473,7 +1473,7 @@
           <a:p>
             <a:fld id="{CA6DA839-CEC4-41F8-84E7-732CD3CAE949}" type="datetimeFigureOut">
               <a:rPr lang="zh-CN" altLang="en-US" smtClean="0"/>
-              <a:t>2019/10/14</a:t>
+              <a:t>2019/10/17</a:t>
             </a:fld>
             <a:endParaRPr lang="zh-CN" altLang="en-US"/>
           </a:p>
@@ -1653,7 +1653,7 @@
           <a:p>
             <a:fld id="{CA6DA839-CEC4-41F8-84E7-732CD3CAE949}" type="datetimeFigureOut">
               <a:rPr lang="zh-CN" altLang="en-US" smtClean="0"/>
-              <a:t>2019/10/14</a:t>
+              <a:t>2019/10/17</a:t>
             </a:fld>
             <a:endParaRPr lang="zh-CN" altLang="en-US"/>
           </a:p>
@@ -1823,7 +1823,7 @@
           <a:p>
             <a:fld id="{CA6DA839-CEC4-41F8-84E7-732CD3CAE949}" type="datetimeFigureOut">
               <a:rPr lang="zh-CN" altLang="en-US" smtClean="0"/>
-              <a:t>2019/10/14</a:t>
+              <a:t>2019/10/17</a:t>
             </a:fld>
             <a:endParaRPr lang="zh-CN" altLang="en-US"/>
           </a:p>
@@ -2069,7 +2069,7 @@
           <a:p>
             <a:fld id="{CA6DA839-CEC4-41F8-84E7-732CD3CAE949}" type="datetimeFigureOut">
               <a:rPr lang="zh-CN" altLang="en-US" smtClean="0"/>
-              <a:t>2019/10/14</a:t>
+              <a:t>2019/10/17</a:t>
             </a:fld>
             <a:endParaRPr lang="zh-CN" altLang="en-US"/>
           </a:p>
@@ -2301,7 +2301,7 @@
           <a:p>
             <a:fld id="{CA6DA839-CEC4-41F8-84E7-732CD3CAE949}" type="datetimeFigureOut">
               <a:rPr lang="zh-CN" altLang="en-US" smtClean="0"/>
-              <a:t>2019/10/14</a:t>
+              <a:t>2019/10/17</a:t>
             </a:fld>
             <a:endParaRPr lang="zh-CN" altLang="en-US"/>
           </a:p>
@@ -2668,7 +2668,7 @@
           <a:p>
             <a:fld id="{CA6DA839-CEC4-41F8-84E7-732CD3CAE949}" type="datetimeFigureOut">
               <a:rPr lang="zh-CN" altLang="en-US" smtClean="0"/>
-              <a:t>2019/10/14</a:t>
+              <a:t>2019/10/17</a:t>
             </a:fld>
             <a:endParaRPr lang="zh-CN" altLang="en-US"/>
           </a:p>
@@ -2786,7 +2786,7 @@
           <a:p>
             <a:fld id="{CA6DA839-CEC4-41F8-84E7-732CD3CAE949}" type="datetimeFigureOut">
               <a:rPr lang="zh-CN" altLang="en-US" smtClean="0"/>
-              <a:t>2019/10/14</a:t>
+              <a:t>2019/10/17</a:t>
             </a:fld>
             <a:endParaRPr lang="zh-CN" altLang="en-US"/>
           </a:p>
@@ -2881,7 +2881,7 @@
           <a:p>
             <a:fld id="{CA6DA839-CEC4-41F8-84E7-732CD3CAE949}" type="datetimeFigureOut">
               <a:rPr lang="zh-CN" altLang="en-US" smtClean="0"/>
-              <a:t>2019/10/14</a:t>
+              <a:t>2019/10/17</a:t>
             </a:fld>
             <a:endParaRPr lang="zh-CN" altLang="en-US"/>
           </a:p>
@@ -3158,7 +3158,7 @@
           <a:p>
             <a:fld id="{CA6DA839-CEC4-41F8-84E7-732CD3CAE949}" type="datetimeFigureOut">
               <a:rPr lang="zh-CN" altLang="en-US" smtClean="0"/>
-              <a:t>2019/10/14</a:t>
+              <a:t>2019/10/17</a:t>
             </a:fld>
             <a:endParaRPr lang="zh-CN" altLang="en-US"/>
           </a:p>
@@ -3411,7 +3411,7 @@
           <a:p>
             <a:fld id="{CA6DA839-CEC4-41F8-84E7-732CD3CAE949}" type="datetimeFigureOut">
               <a:rPr lang="zh-CN" altLang="en-US" smtClean="0"/>
-              <a:t>2019/10/14</a:t>
+              <a:t>2019/10/17</a:t>
             </a:fld>
             <a:endParaRPr lang="zh-CN" altLang="en-US"/>
           </a:p>
@@ -3624,7 +3624,7 @@
           <a:p>
             <a:fld id="{CA6DA839-CEC4-41F8-84E7-732CD3CAE949}" type="datetimeFigureOut">
               <a:rPr lang="zh-CN" altLang="en-US" smtClean="0"/>
-              <a:t>2019/10/14</a:t>
+              <a:t>2019/10/17</a:t>
             </a:fld>
             <a:endParaRPr lang="zh-CN" altLang="en-US"/>
           </a:p>
@@ -4670,7 +4670,7 @@
             </a:pPr>
             <a:r>
               <a:rPr lang="zh-CN" altLang="en-US" b="1" dirty="0" smtClean="0"/>
-              <a:t>纲要：</a:t>
+              <a:t>目录：</a:t>
             </a:r>
             <a:endParaRPr lang="en-US" altLang="zh-CN" b="1" dirty="0" smtClean="0"/>
           </a:p>
@@ -5502,11 +5502,7 @@
             </a:r>
             <a:r>
               <a:rPr lang="zh-CN" altLang="en-US" dirty="0" smtClean="0"/>
-              <a:t>流自动关闭程序输出</a:t>
-            </a:r>
-            <a:r>
-              <a:rPr lang="zh-CN" altLang="en-US" dirty="0" smtClean="0"/>
-              <a:t>结果：</a:t>
+              <a:t>流自动关闭程序输出结果：</a:t>
             </a:r>
             <a:endParaRPr lang="zh-CN" altLang="en-US" dirty="0"/>
           </a:p>
@@ -5679,21 +5675,67 @@
         <p:spPr>
           <a:xfrm>
             <a:off x="316417" y="257294"/>
-            <a:ext cx="4801314" cy="369332"/>
+            <a:ext cx="4847766" cy="923330"/>
           </a:xfrm>
           <a:prstGeom prst="rect">
             <a:avLst/>
           </a:prstGeom>
         </p:spPr>
         <p:txBody>
-          <a:bodyPr wrap="none">
+          <a:bodyPr wrap="square">
             <a:spAutoFit/>
           </a:bodyPr>
           <a:lstStyle/>
           <a:p>
             <a:r>
               <a:rPr lang="zh-CN" altLang="en-US" b="1" dirty="0"/>
-              <a:t>网络编程释疑之：同步，异步，阻塞，非阻塞</a:t>
+              <a:t>网络编程释疑之：同步，异步，阻塞，非</a:t>
+            </a:r>
+            <a:r>
+              <a:rPr lang="zh-CN" altLang="en-US" b="1" dirty="0" smtClean="0"/>
+              <a:t>阻塞</a:t>
+            </a:r>
+            <a:endParaRPr lang="en-US" altLang="zh-CN" b="1" dirty="0" smtClean="0"/>
+          </a:p>
+          <a:p>
+            <a:endParaRPr lang="en-US" altLang="zh-CN" b="1" dirty="0" smtClean="0"/>
+          </a:p>
+          <a:p>
+            <a:r>
+              <a:rPr lang="en-US" altLang="zh-CN" dirty="0" smtClean="0">
+                <a:hlinkClick r:id="rId3"/>
+              </a:rPr>
+              <a:t>《</a:t>
+            </a:r>
+            <a:r>
+              <a:rPr lang="en-US" altLang="zh-CN" dirty="0">
+                <a:hlinkClick r:id="rId3"/>
+              </a:rPr>
+              <a:t>UNIX</a:t>
+            </a:r>
+            <a:r>
+              <a:rPr lang="zh-CN" altLang="en-US" dirty="0">
+                <a:hlinkClick r:id="rId3"/>
+              </a:rPr>
+              <a:t>网络编程：卷一</a:t>
+            </a:r>
+            <a:r>
+              <a:rPr lang="en-US" altLang="zh-CN" dirty="0">
+                <a:hlinkClick r:id="rId3"/>
+              </a:rPr>
+              <a:t>》</a:t>
+            </a:r>
+            <a:r>
+              <a:rPr lang="zh-CN" altLang="en-US" dirty="0"/>
+              <a:t>第六章</a:t>
+            </a:r>
+            <a:r>
+              <a:rPr lang="en-US" altLang="zh-CN" dirty="0"/>
+              <a:t>——I/O</a:t>
+            </a:r>
+            <a:r>
+              <a:rPr lang="zh-CN" altLang="en-US" dirty="0"/>
+              <a:t>复用</a:t>
             </a:r>
             <a:endParaRPr lang="zh-CN" altLang="en-US" b="1" dirty="0"/>
           </a:p>
@@ -5708,7 +5750,7 @@
           <p:nvPr/>
         </p:nvPicPr>
         <p:blipFill>
-          <a:blip r:embed="rId3">
+          <a:blip r:embed="rId4">
             <a:extLst>
               <a:ext uri="{28A0092B-C50C-407E-A947-70E740481C1C}">
                 <a14:useLocalDpi xmlns:a14="http://schemas.microsoft.com/office/drawing/2010/main" val="0"/>
@@ -5722,7 +5764,7 @@
         </p:blipFill>
         <p:spPr bwMode="auto">
           <a:xfrm>
-            <a:off x="316417" y="761218"/>
+            <a:off x="316417" y="1285623"/>
             <a:ext cx="6858000" cy="3600451"/>
           </a:xfrm>
           <a:prstGeom prst="rect">
@@ -5748,7 +5790,7 @@
         </p:nvSpPr>
         <p:spPr>
           <a:xfrm>
-            <a:off x="487679" y="4675890"/>
+            <a:off x="316417" y="5268072"/>
             <a:ext cx="11199223" cy="923330"/>
           </a:xfrm>
           <a:prstGeom prst="rect">
@@ -5763,7 +5805,47 @@
           <a:p>
             <a:r>
               <a:rPr lang="zh-CN" altLang="en-US" dirty="0"/>
-              <a:t>对于一个套接字上的输入操作，第一步通常涉及等待数据从网络中到达。当所有等待分组到达时，它被复制到内核中的某个缓冲区。第二步就是把数据从内核缓冲区复制到应用程序缓冲区。 好，下面我们以阻塞套接字的</a:t>
+              <a:t>对于一个套接字上的输入操作，第一步通常涉及等待数据从网络中</a:t>
+            </a:r>
+            <a:r>
+              <a:rPr lang="zh-CN" altLang="en-US" dirty="0" smtClean="0"/>
+              <a:t>到达</a:t>
+            </a:r>
+            <a:r>
+              <a:rPr lang="zh-CN" altLang="en-US" dirty="0"/>
+              <a:t>，</a:t>
+            </a:r>
+            <a:r>
+              <a:rPr lang="zh-CN" altLang="en-US" dirty="0" smtClean="0"/>
+              <a:t>当</a:t>
+            </a:r>
+            <a:r>
+              <a:rPr lang="zh-CN" altLang="en-US" dirty="0"/>
+              <a:t>所有等待分组到达时，它被复制到内核中的</a:t>
+            </a:r>
+            <a:r>
+              <a:rPr lang="zh-CN" altLang="en-US"/>
+              <a:t>某个</a:t>
+            </a:r>
+            <a:r>
+              <a:rPr lang="zh-CN" altLang="en-US" smtClean="0"/>
+              <a:t>缓冲区；第二</a:t>
+            </a:r>
+            <a:r>
+              <a:rPr lang="zh-CN" altLang="en-US" dirty="0"/>
+              <a:t>步就是把数据从内核缓冲区复制到应用程序</a:t>
+            </a:r>
+            <a:r>
+              <a:rPr lang="zh-CN" altLang="en-US"/>
+              <a:t>缓冲区</a:t>
+            </a:r>
+            <a:r>
+              <a:rPr lang="zh-CN" altLang="en-US" smtClean="0"/>
+              <a:t>。下面</a:t>
+            </a:r>
+            <a:r>
+              <a:rPr lang="zh-CN" altLang="en-US" dirty="0"/>
+              <a:t>我们以阻塞套接字的</a:t>
             </a:r>
             <a:r>
               <a:rPr lang="en-US" altLang="zh-CN" dirty="0" err="1"/>
@@ -5789,7 +5871,6 @@
               <a:rPr lang="zh-CN" altLang="en-US" dirty="0"/>
               <a:t>才能返回。</a:t>
             </a:r>
-            <a:endParaRPr lang="zh-CN" altLang="en-US" dirty="0"/>
           </a:p>
         </p:txBody>
       </p:sp>

--- a/Netty入门指南.pptx
+++ b/Netty入门指南.pptx
@@ -5,7 +5,7 @@
     <p:sldMasterId id="2147483648" r:id="rId1"/>
   </p:sldMasterIdLst>
   <p:notesMasterIdLst>
-    <p:notesMasterId r:id="rId15"/>
+    <p:notesMasterId r:id="rId23"/>
   </p:notesMasterIdLst>
   <p:sldIdLst>
     <p:sldId id="256" r:id="rId2"/>
@@ -14,13 +14,21 @@
     <p:sldId id="259" r:id="rId5"/>
     <p:sldId id="260" r:id="rId6"/>
     <p:sldId id="267" r:id="rId7"/>
-    <p:sldId id="268" r:id="rId8"/>
-    <p:sldId id="261" r:id="rId9"/>
-    <p:sldId id="262" r:id="rId10"/>
-    <p:sldId id="263" r:id="rId11"/>
-    <p:sldId id="264" r:id="rId12"/>
-    <p:sldId id="265" r:id="rId13"/>
-    <p:sldId id="266" r:id="rId14"/>
+    <p:sldId id="269" r:id="rId8"/>
+    <p:sldId id="268" r:id="rId9"/>
+    <p:sldId id="270" r:id="rId10"/>
+    <p:sldId id="271" r:id="rId11"/>
+    <p:sldId id="272" r:id="rId12"/>
+    <p:sldId id="273" r:id="rId13"/>
+    <p:sldId id="274" r:id="rId14"/>
+    <p:sldId id="275" r:id="rId15"/>
+    <p:sldId id="276" r:id="rId16"/>
+    <p:sldId id="261" r:id="rId17"/>
+    <p:sldId id="262" r:id="rId18"/>
+    <p:sldId id="263" r:id="rId19"/>
+    <p:sldId id="264" r:id="rId20"/>
+    <p:sldId id="265" r:id="rId21"/>
+    <p:sldId id="266" r:id="rId22"/>
   </p:sldIdLst>
   <p:sldSz cx="12192000" cy="6858000"/>
   <p:notesSz cx="6858000" cy="9144000"/>
@@ -1106,11 +1114,27 @@
           <a:p>
             <a:r>
               <a:rPr lang="en-US" altLang="zh-CN" sz="1200" dirty="0" smtClean="0"/>
-              <a:t>BIO</a:t>
+              <a:t>5</a:t>
             </a:r>
             <a:r>
               <a:rPr lang="zh-CN" altLang="en-US" sz="1200" dirty="0" smtClean="0"/>
-              <a:t>、伪异步</a:t>
+              <a:t>种</a:t>
+            </a:r>
+            <a:r>
+              <a:rPr lang="en-US" altLang="zh-CN" sz="1200" dirty="0" smtClean="0"/>
+              <a:t>I/O</a:t>
+            </a:r>
+            <a:r>
+              <a:rPr lang="zh-CN" altLang="en-US" sz="1200" dirty="0" smtClean="0"/>
+              <a:t>模型</a:t>
+            </a:r>
+            <a:r>
+              <a:rPr lang="en-US" altLang="zh-CN" sz="1200" dirty="0" smtClean="0"/>
+              <a:t>—</a:t>
+            </a:r>
+            <a:r>
+              <a:rPr lang="zh-CN" altLang="en-US" sz="1200" dirty="0" smtClean="0"/>
+              <a:t>阻塞</a:t>
             </a:r>
             <a:r>
               <a:rPr lang="en-US" altLang="zh-CN" sz="1200" dirty="0" smtClean="0"/>
@@ -1118,21 +1142,9 @@
             </a:r>
             <a:r>
               <a:rPr lang="zh-CN" altLang="en-US" sz="1200" dirty="0" smtClean="0"/>
-              <a:t>、</a:t>
-            </a:r>
-            <a:r>
-              <a:rPr lang="en-US" altLang="zh-CN" sz="1200" dirty="0" smtClean="0"/>
-              <a:t>NIO</a:t>
-            </a:r>
-            <a:r>
-              <a:rPr lang="zh-CN" altLang="en-US" sz="1200" dirty="0" smtClean="0"/>
-              <a:t>、</a:t>
-            </a:r>
-            <a:r>
-              <a:rPr lang="en-US" altLang="zh-CN" sz="1200" dirty="0" smtClean="0"/>
-              <a:t>AIO</a:t>
-            </a:r>
-            <a:endParaRPr lang="zh-CN" altLang="en-US" dirty="0"/>
+              <a:t>模型</a:t>
+            </a:r>
+            <a:endParaRPr lang="en-US" altLang="zh-CN" sz="1200" dirty="0" smtClean="0"/>
           </a:p>
         </p:txBody>
       </p:sp>
@@ -1153,7 +1165,7 @@
           <a:p>
             <a:fld id="{8A599BE1-865F-412F-8128-78CA1426F296}" type="slidenum">
               <a:rPr lang="zh-CN" altLang="en-US" smtClean="0"/>
-              <a:t>7</a:t>
+              <a:t>8</a:t>
             </a:fld>
             <a:endParaRPr lang="zh-CN" altLang="en-US"/>
           </a:p>
@@ -4119,6 +4131,1539 @@
           <a:chExt cx="0" cy="0"/>
         </a:xfrm>
       </p:grpSpPr>
+      <p:pic>
+        <p:nvPicPr>
+          <p:cNvPr id="4098" name="Picture 2" descr="IOå¤ç¨æ¨¡å"/>
+          <p:cNvPicPr>
+            <a:picLocks noChangeAspect="1" noChangeArrowheads="1"/>
+          </p:cNvPicPr>
+          <p:nvPr/>
+        </p:nvPicPr>
+        <p:blipFill>
+          <a:blip r:embed="rId2">
+            <a:extLst>
+              <a:ext uri="{28A0092B-C50C-407E-A947-70E740481C1C}">
+                <a14:useLocalDpi xmlns:a14="http://schemas.microsoft.com/office/drawing/2010/main" val="0"/>
+              </a:ext>
+            </a:extLst>
+          </a:blip>
+          <a:srcRect/>
+          <a:stretch>
+            <a:fillRect/>
+          </a:stretch>
+        </p:blipFill>
+        <p:spPr bwMode="auto">
+          <a:xfrm>
+            <a:off x="1516380" y="708660"/>
+            <a:ext cx="8176260" cy="4260427"/>
+          </a:xfrm>
+          <a:prstGeom prst="rect">
+            <a:avLst/>
+          </a:prstGeom>
+          <a:noFill/>
+          <a:extLst>
+            <a:ext uri="{909E8E84-426E-40DD-AFC4-6F175D3DCCD1}">
+              <a14:hiddenFill xmlns:a14="http://schemas.microsoft.com/office/drawing/2010/main">
+                <a:solidFill>
+                  <a:srgbClr val="FFFFFF"/>
+                </a:solidFill>
+              </a14:hiddenFill>
+            </a:ext>
+          </a:extLst>
+        </p:spPr>
+      </p:pic>
+      <p:sp>
+        <p:nvSpPr>
+          <p:cNvPr id="2" name="矩形 1"/>
+          <p:cNvSpPr/>
+          <p:nvPr/>
+        </p:nvSpPr>
+        <p:spPr>
+          <a:xfrm>
+            <a:off x="594360" y="5511076"/>
+            <a:ext cx="10751820" cy="646331"/>
+          </a:xfrm>
+          <a:prstGeom prst="rect">
+            <a:avLst/>
+          </a:prstGeom>
+        </p:spPr>
+        <p:txBody>
+          <a:bodyPr wrap="square">
+            <a:spAutoFit/>
+          </a:bodyPr>
+          <a:lstStyle/>
+          <a:p>
+            <a:r>
+              <a:rPr lang="en-US" altLang="zh-CN" b="1" dirty="0" smtClean="0"/>
+              <a:t>I/O</a:t>
+            </a:r>
+            <a:r>
+              <a:rPr lang="zh-CN" altLang="en-US" b="1" dirty="0" smtClean="0"/>
+              <a:t>多路复用模型</a:t>
+            </a:r>
+            <a:r>
+              <a:rPr lang="zh-CN" altLang="en-US" dirty="0" smtClean="0"/>
+              <a:t>：虽然</a:t>
+            </a:r>
+            <a:r>
+              <a:rPr lang="en-US" altLang="zh-CN" dirty="0" smtClean="0"/>
+              <a:t>I/O</a:t>
+            </a:r>
+            <a:r>
+              <a:rPr lang="zh-CN" altLang="en-US" dirty="0" smtClean="0"/>
+              <a:t>多路复用的函数也是阻塞的，但是其与以上两种还是有不同的，</a:t>
+            </a:r>
+            <a:r>
+              <a:rPr lang="en-US" altLang="zh-CN" dirty="0" smtClean="0"/>
+              <a:t>I/O</a:t>
+            </a:r>
+            <a:r>
+              <a:rPr lang="zh-CN" altLang="en-US" dirty="0" smtClean="0"/>
+              <a:t>多路复用是阻塞在</a:t>
+            </a:r>
+            <a:r>
+              <a:rPr lang="en-US" altLang="zh-CN" dirty="0" smtClean="0"/>
+              <a:t>select</a:t>
+            </a:r>
+            <a:r>
+              <a:rPr lang="zh-CN" altLang="en-US" dirty="0" smtClean="0"/>
+              <a:t>、</a:t>
+            </a:r>
+            <a:r>
+              <a:rPr lang="en-US" altLang="zh-CN" dirty="0" smtClean="0"/>
+              <a:t>poll</a:t>
+            </a:r>
+            <a:r>
+              <a:rPr lang="zh-CN" altLang="en-US" dirty="0" smtClean="0"/>
+              <a:t>、</a:t>
+            </a:r>
+            <a:r>
+              <a:rPr lang="en-US" altLang="zh-CN" dirty="0" err="1" smtClean="0"/>
+              <a:t>epoll</a:t>
+            </a:r>
+            <a:r>
+              <a:rPr lang="zh-CN" altLang="en-US" dirty="0" smtClean="0"/>
+              <a:t>这样的系统调用之上，而没有阻塞在真正的</a:t>
+            </a:r>
+            <a:r>
+              <a:rPr lang="en-US" altLang="zh-CN" dirty="0" smtClean="0"/>
+              <a:t>I/O</a:t>
+            </a:r>
+            <a:r>
+              <a:rPr lang="zh-CN" altLang="en-US" dirty="0" smtClean="0"/>
+              <a:t>系统调用如</a:t>
+            </a:r>
+            <a:r>
+              <a:rPr lang="en-US" altLang="zh-CN" dirty="0" err="1" smtClean="0"/>
+              <a:t>recvfrom</a:t>
+            </a:r>
+            <a:r>
+              <a:rPr lang="zh-CN" altLang="en-US" dirty="0" smtClean="0"/>
+              <a:t>之上。</a:t>
+            </a:r>
+            <a:endParaRPr lang="zh-CN" altLang="en-US" dirty="0"/>
+          </a:p>
+        </p:txBody>
+      </p:sp>
+    </p:spTree>
+    <p:extLst>
+      <p:ext uri="{BB962C8B-B14F-4D97-AF65-F5344CB8AC3E}">
+        <p14:creationId xmlns:p14="http://schemas.microsoft.com/office/powerpoint/2010/main" val="2025310464"/>
+      </p:ext>
+    </p:extLst>
+  </p:cSld>
+  <p:clrMapOvr>
+    <a:masterClrMapping/>
+  </p:clrMapOvr>
+</p:sld>
+</file>
+
+<file path=ppt/slides/slide11.xml><?xml version="1.0" encoding="utf-8"?>
+<p:sld xmlns:a="http://schemas.openxmlformats.org/drawingml/2006/main" xmlns:r="http://schemas.openxmlformats.org/officeDocument/2006/relationships" xmlns:p="http://schemas.openxmlformats.org/presentationml/2006/main">
+  <p:cSld>
+    <p:spTree>
+      <p:nvGrpSpPr>
+        <p:cNvPr id="1" name=""/>
+        <p:cNvGrpSpPr/>
+        <p:nvPr/>
+      </p:nvGrpSpPr>
+      <p:grpSpPr>
+        <a:xfrm>
+          <a:off x="0" y="0"/>
+          <a:ext cx="0" cy="0"/>
+          <a:chOff x="0" y="0"/>
+          <a:chExt cx="0" cy="0"/>
+        </a:xfrm>
+      </p:grpSpPr>
+      <p:pic>
+        <p:nvPicPr>
+          <p:cNvPr id="5122" name="Picture 2" descr="https://pic4.zhimg.com/80/6294fb7f7f5c22e39187a490c35ac6f0_hd.jpg"/>
+          <p:cNvPicPr>
+            <a:picLocks noChangeAspect="1" noChangeArrowheads="1"/>
+          </p:cNvPicPr>
+          <p:nvPr/>
+        </p:nvPicPr>
+        <p:blipFill>
+          <a:blip r:embed="rId2">
+            <a:extLst>
+              <a:ext uri="{28A0092B-C50C-407E-A947-70E740481C1C}">
+                <a14:useLocalDpi xmlns:a14="http://schemas.microsoft.com/office/drawing/2010/main" val="0"/>
+              </a:ext>
+            </a:extLst>
+          </a:blip>
+          <a:srcRect/>
+          <a:stretch>
+            <a:fillRect/>
+          </a:stretch>
+        </p:blipFill>
+        <p:spPr bwMode="auto">
+          <a:xfrm>
+            <a:off x="2020406" y="244157"/>
+            <a:ext cx="7542693" cy="4703708"/>
+          </a:xfrm>
+          <a:prstGeom prst="rect">
+            <a:avLst/>
+          </a:prstGeom>
+          <a:noFill/>
+          <a:extLst>
+            <a:ext uri="{909E8E84-426E-40DD-AFC4-6F175D3DCCD1}">
+              <a14:hiddenFill xmlns:a14="http://schemas.microsoft.com/office/drawing/2010/main">
+                <a:solidFill>
+                  <a:srgbClr val="FFFFFF"/>
+                </a:solidFill>
+              </a14:hiddenFill>
+            </a:ext>
+          </a:extLst>
+        </p:spPr>
+      </p:pic>
+      <p:sp>
+        <p:nvSpPr>
+          <p:cNvPr id="2" name="矩形 1"/>
+          <p:cNvSpPr/>
+          <p:nvPr/>
+        </p:nvSpPr>
+        <p:spPr>
+          <a:xfrm>
+            <a:off x="747866" y="5347454"/>
+            <a:ext cx="10644034" cy="646331"/>
+          </a:xfrm>
+          <a:prstGeom prst="rect">
+            <a:avLst/>
+          </a:prstGeom>
+        </p:spPr>
+        <p:txBody>
+          <a:bodyPr wrap="square">
+            <a:spAutoFit/>
+          </a:bodyPr>
+          <a:lstStyle/>
+          <a:p>
+            <a:r>
+              <a:rPr lang="zh-CN" altLang="en-US" b="1" dirty="0"/>
+              <a:t>信号</a:t>
+            </a:r>
+            <a:r>
+              <a:rPr lang="zh-CN" altLang="en-US" b="1" dirty="0" smtClean="0"/>
+              <a:t>驱动</a:t>
+            </a:r>
+            <a:r>
+              <a:rPr lang="en-US" altLang="zh-CN" b="1" dirty="0" smtClean="0"/>
+              <a:t>I/O</a:t>
+            </a:r>
+            <a:r>
+              <a:rPr lang="zh-CN" altLang="en-US" b="1" dirty="0" smtClean="0"/>
+              <a:t>模型</a:t>
+            </a:r>
+            <a:r>
+              <a:rPr lang="en-US" altLang="zh-CN" b="1" dirty="0" smtClean="0"/>
+              <a:t>(SIGIO)</a:t>
+            </a:r>
+            <a:r>
+              <a:rPr lang="zh-CN" altLang="en-US" dirty="0" smtClean="0"/>
+              <a:t>，</a:t>
+            </a:r>
+            <a:r>
+              <a:rPr lang="zh-CN" altLang="en-US" dirty="0"/>
+              <a:t>进程预先告知内核，使</a:t>
+            </a:r>
+            <a:r>
+              <a:rPr lang="zh-CN" altLang="en-US" dirty="0" smtClean="0"/>
+              <a:t>得当</a:t>
+            </a:r>
+            <a:r>
+              <a:rPr lang="zh-CN" altLang="en-US" dirty="0"/>
+              <a:t>某个</a:t>
+            </a:r>
+            <a:r>
+              <a:rPr lang="en-US" altLang="zh-CN" dirty="0" smtClean="0"/>
+              <a:t>socket</a:t>
+            </a:r>
+            <a:r>
+              <a:rPr lang="zh-CN" altLang="en-US" dirty="0" smtClean="0"/>
+              <a:t>有</a:t>
+            </a:r>
+            <a:r>
+              <a:rPr lang="en-US" altLang="zh-CN" dirty="0"/>
+              <a:t>events</a:t>
+            </a:r>
+            <a:r>
+              <a:rPr lang="zh-CN" altLang="en-US" dirty="0"/>
+              <a:t>（事件）发生时，内核使用信号通知相关进程。</a:t>
+            </a:r>
+            <a:endParaRPr lang="zh-CN" altLang="en-US" dirty="0"/>
+          </a:p>
+        </p:txBody>
+      </p:sp>
+    </p:spTree>
+    <p:extLst>
+      <p:ext uri="{BB962C8B-B14F-4D97-AF65-F5344CB8AC3E}">
+        <p14:creationId xmlns:p14="http://schemas.microsoft.com/office/powerpoint/2010/main" val="1955753108"/>
+      </p:ext>
+    </p:extLst>
+  </p:cSld>
+  <p:clrMapOvr>
+    <a:masterClrMapping/>
+  </p:clrMapOvr>
+</p:sld>
+</file>
+
+<file path=ppt/slides/slide12.xml><?xml version="1.0" encoding="utf-8"?>
+<p:sld xmlns:a="http://schemas.openxmlformats.org/drawingml/2006/main" xmlns:r="http://schemas.openxmlformats.org/officeDocument/2006/relationships" xmlns:p="http://schemas.openxmlformats.org/presentationml/2006/main">
+  <p:cSld>
+    <p:spTree>
+      <p:nvGrpSpPr>
+        <p:cNvPr id="1" name=""/>
+        <p:cNvGrpSpPr/>
+        <p:nvPr/>
+      </p:nvGrpSpPr>
+      <p:grpSpPr>
+        <a:xfrm>
+          <a:off x="0" y="0"/>
+          <a:ext cx="0" cy="0"/>
+          <a:chOff x="0" y="0"/>
+          <a:chExt cx="0" cy="0"/>
+        </a:xfrm>
+      </p:grpSpPr>
+      <p:pic>
+        <p:nvPicPr>
+          <p:cNvPr id="6146" name="Picture 2" descr="å¼æ­¥IO"/>
+          <p:cNvPicPr>
+            <a:picLocks noChangeAspect="1" noChangeArrowheads="1"/>
+          </p:cNvPicPr>
+          <p:nvPr/>
+        </p:nvPicPr>
+        <p:blipFill>
+          <a:blip r:embed="rId2">
+            <a:extLst>
+              <a:ext uri="{28A0092B-C50C-407E-A947-70E740481C1C}">
+                <a14:useLocalDpi xmlns:a14="http://schemas.microsoft.com/office/drawing/2010/main" val="0"/>
+              </a:ext>
+            </a:extLst>
+          </a:blip>
+          <a:srcRect/>
+          <a:stretch>
+            <a:fillRect/>
+          </a:stretch>
+        </p:blipFill>
+        <p:spPr bwMode="auto">
+          <a:xfrm>
+            <a:off x="1214755" y="243840"/>
+            <a:ext cx="8805545" cy="4790756"/>
+          </a:xfrm>
+          <a:prstGeom prst="rect">
+            <a:avLst/>
+          </a:prstGeom>
+          <a:noFill/>
+          <a:extLst>
+            <a:ext uri="{909E8E84-426E-40DD-AFC4-6F175D3DCCD1}">
+              <a14:hiddenFill xmlns:a14="http://schemas.microsoft.com/office/drawing/2010/main">
+                <a:solidFill>
+                  <a:srgbClr val="FFFFFF"/>
+                </a:solidFill>
+              </a14:hiddenFill>
+            </a:ext>
+          </a:extLst>
+        </p:spPr>
+      </p:pic>
+      <p:sp>
+        <p:nvSpPr>
+          <p:cNvPr id="2" name="矩形 1"/>
+          <p:cNvSpPr/>
+          <p:nvPr/>
+        </p:nvSpPr>
+        <p:spPr>
+          <a:xfrm>
+            <a:off x="756825" y="5705594"/>
+            <a:ext cx="10642695" cy="646331"/>
+          </a:xfrm>
+          <a:prstGeom prst="rect">
+            <a:avLst/>
+          </a:prstGeom>
+        </p:spPr>
+        <p:txBody>
+          <a:bodyPr wrap="square">
+            <a:spAutoFit/>
+          </a:bodyPr>
+          <a:lstStyle/>
+          <a:p>
+            <a:r>
+              <a:rPr lang="zh-CN" altLang="en-US" b="1" dirty="0">
+                <a:solidFill>
+                  <a:srgbClr val="000000"/>
+                </a:solidFill>
+                <a:latin typeface="Verdana" panose="020B0604030504040204" pitchFamily="34" charset="0"/>
+              </a:rPr>
+              <a:t>异步</a:t>
+            </a:r>
+            <a:r>
+              <a:rPr lang="en-US" altLang="zh-CN" b="1" dirty="0">
+                <a:solidFill>
+                  <a:srgbClr val="000000"/>
+                </a:solidFill>
+                <a:latin typeface="Verdana" panose="020B0604030504040204" pitchFamily="34" charset="0"/>
+              </a:rPr>
+              <a:t>I/O</a:t>
+            </a:r>
+            <a:r>
+              <a:rPr lang="zh-CN" altLang="en-US" b="1" dirty="0" smtClean="0">
+                <a:solidFill>
+                  <a:srgbClr val="000000"/>
+                </a:solidFill>
+                <a:latin typeface="Verdana" panose="020B0604030504040204" pitchFamily="34" charset="0"/>
+              </a:rPr>
+              <a:t>模型，</a:t>
+            </a:r>
+            <a:r>
+              <a:rPr lang="zh-CN" altLang="en-US" dirty="0"/>
+              <a:t>这类函数的工作机制是告知内核启动某个操作，并让内核在整个操作（包括将数据从内核拷贝到用户空间）完成后通知我们。</a:t>
+            </a:r>
+            <a:endParaRPr lang="zh-CN" altLang="en-US" b="1" i="0" dirty="0">
+              <a:solidFill>
+                <a:srgbClr val="000000"/>
+              </a:solidFill>
+              <a:effectLst/>
+              <a:latin typeface="Verdana" panose="020B0604030504040204" pitchFamily="34" charset="0"/>
+            </a:endParaRPr>
+          </a:p>
+        </p:txBody>
+      </p:sp>
+    </p:spTree>
+    <p:extLst>
+      <p:ext uri="{BB962C8B-B14F-4D97-AF65-F5344CB8AC3E}">
+        <p14:creationId xmlns:p14="http://schemas.microsoft.com/office/powerpoint/2010/main" val="2149471993"/>
+      </p:ext>
+    </p:extLst>
+  </p:cSld>
+  <p:clrMapOvr>
+    <a:masterClrMapping/>
+  </p:clrMapOvr>
+</p:sld>
+</file>
+
+<file path=ppt/slides/slide13.xml><?xml version="1.0" encoding="utf-8"?>
+<p:sld xmlns:a="http://schemas.openxmlformats.org/drawingml/2006/main" xmlns:r="http://schemas.openxmlformats.org/officeDocument/2006/relationships" xmlns:p="http://schemas.openxmlformats.org/presentationml/2006/main">
+  <p:cSld>
+    <p:spTree>
+      <p:nvGrpSpPr>
+        <p:cNvPr id="1" name=""/>
+        <p:cNvGrpSpPr/>
+        <p:nvPr/>
+      </p:nvGrpSpPr>
+      <p:grpSpPr>
+        <a:xfrm>
+          <a:off x="0" y="0"/>
+          <a:ext cx="0" cy="0"/>
+          <a:chOff x="0" y="0"/>
+          <a:chExt cx="0" cy="0"/>
+        </a:xfrm>
+      </p:grpSpPr>
+      <p:sp>
+        <p:nvSpPr>
+          <p:cNvPr id="2" name="矩形 1"/>
+          <p:cNvSpPr/>
+          <p:nvPr/>
+        </p:nvSpPr>
+        <p:spPr>
+          <a:xfrm>
+            <a:off x="239885" y="203954"/>
+            <a:ext cx="2619628" cy="461665"/>
+          </a:xfrm>
+          <a:prstGeom prst="rect">
+            <a:avLst/>
+          </a:prstGeom>
+        </p:spPr>
+        <p:txBody>
+          <a:bodyPr wrap="none">
+            <a:spAutoFit/>
+          </a:bodyPr>
+          <a:lstStyle/>
+          <a:p>
+            <a:r>
+              <a:rPr lang="en-US" altLang="zh-CN" sz="2400" b="1" dirty="0" smtClean="0"/>
+              <a:t>5</a:t>
+            </a:r>
+            <a:r>
+              <a:rPr lang="zh-CN" altLang="en-US" sz="2400" b="1" dirty="0" smtClean="0"/>
+              <a:t>种</a:t>
+            </a:r>
+            <a:r>
+              <a:rPr lang="en-US" altLang="zh-CN" sz="2400" b="1" dirty="0" smtClean="0"/>
+              <a:t>I/O</a:t>
+            </a:r>
+            <a:r>
+              <a:rPr lang="zh-CN" altLang="en-US" sz="2400" b="1" dirty="0"/>
+              <a:t>模型的比较</a:t>
+            </a:r>
+          </a:p>
+        </p:txBody>
+      </p:sp>
+      <p:pic>
+        <p:nvPicPr>
+          <p:cNvPr id="7172" name="Picture 4" descr="æ¨¡åçæ¯è¾"/>
+          <p:cNvPicPr>
+            <a:picLocks noChangeAspect="1" noChangeArrowheads="1"/>
+          </p:cNvPicPr>
+          <p:nvPr/>
+        </p:nvPicPr>
+        <p:blipFill>
+          <a:blip r:embed="rId2">
+            <a:extLst>
+              <a:ext uri="{28A0092B-C50C-407E-A947-70E740481C1C}">
+                <a14:useLocalDpi xmlns:a14="http://schemas.microsoft.com/office/drawing/2010/main" val="0"/>
+              </a:ext>
+            </a:extLst>
+          </a:blip>
+          <a:srcRect/>
+          <a:stretch>
+            <a:fillRect/>
+          </a:stretch>
+        </p:blipFill>
+        <p:spPr bwMode="auto">
+          <a:xfrm>
+            <a:off x="239885" y="853122"/>
+            <a:ext cx="11620500" cy="5657851"/>
+          </a:xfrm>
+          <a:prstGeom prst="rect">
+            <a:avLst/>
+          </a:prstGeom>
+          <a:noFill/>
+          <a:extLst>
+            <a:ext uri="{909E8E84-426E-40DD-AFC4-6F175D3DCCD1}">
+              <a14:hiddenFill xmlns:a14="http://schemas.microsoft.com/office/drawing/2010/main">
+                <a:solidFill>
+                  <a:srgbClr val="FFFFFF"/>
+                </a:solidFill>
+              </a14:hiddenFill>
+            </a:ext>
+          </a:extLst>
+        </p:spPr>
+      </p:pic>
+    </p:spTree>
+    <p:extLst>
+      <p:ext uri="{BB962C8B-B14F-4D97-AF65-F5344CB8AC3E}">
+        <p14:creationId xmlns:p14="http://schemas.microsoft.com/office/powerpoint/2010/main" val="1754053333"/>
+      </p:ext>
+    </p:extLst>
+  </p:cSld>
+  <p:clrMapOvr>
+    <a:masterClrMapping/>
+  </p:clrMapOvr>
+</p:sld>
+</file>
+
+<file path=ppt/slides/slide14.xml><?xml version="1.0" encoding="utf-8"?>
+<p:sld xmlns:a="http://schemas.openxmlformats.org/drawingml/2006/main" xmlns:r="http://schemas.openxmlformats.org/officeDocument/2006/relationships" xmlns:p="http://schemas.openxmlformats.org/presentationml/2006/main">
+  <p:cSld>
+    <p:spTree>
+      <p:nvGrpSpPr>
+        <p:cNvPr id="1" name=""/>
+        <p:cNvGrpSpPr/>
+        <p:nvPr/>
+      </p:nvGrpSpPr>
+      <p:grpSpPr>
+        <a:xfrm>
+          <a:off x="0" y="0"/>
+          <a:ext cx="0" cy="0"/>
+          <a:chOff x="0" y="0"/>
+          <a:chExt cx="0" cy="0"/>
+        </a:xfrm>
+      </p:grpSpPr>
+      <p:sp>
+        <p:nvSpPr>
+          <p:cNvPr id="2" name="矩形 1"/>
+          <p:cNvSpPr/>
+          <p:nvPr/>
+        </p:nvSpPr>
+        <p:spPr>
+          <a:xfrm>
+            <a:off x="243840" y="327303"/>
+            <a:ext cx="11605260" cy="3693319"/>
+          </a:xfrm>
+          <a:prstGeom prst="rect">
+            <a:avLst/>
+          </a:prstGeom>
+        </p:spPr>
+        <p:txBody>
+          <a:bodyPr wrap="square">
+            <a:spAutoFit/>
+          </a:bodyPr>
+          <a:lstStyle/>
+          <a:p>
+            <a:r>
+              <a:rPr lang="zh-CN" altLang="en-US" b="1" dirty="0"/>
+              <a:t>同步</a:t>
+            </a:r>
+            <a:r>
+              <a:rPr lang="en-US" altLang="zh-CN" b="1" dirty="0"/>
+              <a:t>IO</a:t>
+            </a:r>
+            <a:r>
+              <a:rPr lang="zh-CN" altLang="en-US" b="1" dirty="0"/>
+              <a:t>、异步</a:t>
+            </a:r>
+            <a:r>
+              <a:rPr lang="en-US" altLang="zh-CN" b="1" dirty="0"/>
+              <a:t>IO</a:t>
+            </a:r>
+            <a:r>
+              <a:rPr lang="zh-CN" altLang="en-US" b="1" dirty="0"/>
+              <a:t>、阻塞</a:t>
+            </a:r>
+            <a:r>
+              <a:rPr lang="en-US" altLang="zh-CN" b="1" dirty="0"/>
+              <a:t>IO</a:t>
+            </a:r>
+            <a:r>
+              <a:rPr lang="zh-CN" altLang="en-US" b="1" dirty="0"/>
+              <a:t>、非阻塞</a:t>
+            </a:r>
+            <a:r>
+              <a:rPr lang="en-US" altLang="zh-CN" b="1" dirty="0" smtClean="0"/>
+              <a:t>IO</a:t>
+            </a:r>
+            <a:r>
+              <a:rPr lang="zh-CN" altLang="en-US" b="1" dirty="0" smtClean="0"/>
+              <a:t>：</a:t>
+            </a:r>
+            <a:endParaRPr lang="en-US" altLang="zh-CN" b="1" dirty="0" smtClean="0"/>
+          </a:p>
+          <a:p>
+            <a:endParaRPr lang="en-US" altLang="zh-CN" dirty="0"/>
+          </a:p>
+          <a:p>
+            <a:r>
+              <a:rPr lang="zh-CN" altLang="en-US" dirty="0"/>
+              <a:t>一个</a:t>
+            </a:r>
+            <a:r>
+              <a:rPr lang="en-US" altLang="zh-CN" dirty="0"/>
+              <a:t>IO</a:t>
+            </a:r>
+            <a:r>
+              <a:rPr lang="zh-CN" altLang="en-US" dirty="0"/>
+              <a:t>操作可以分为两个步骤：发起</a:t>
+            </a:r>
+            <a:r>
+              <a:rPr lang="en-US" altLang="zh-CN" dirty="0"/>
+              <a:t>IO</a:t>
+            </a:r>
+            <a:r>
+              <a:rPr lang="zh-CN" altLang="en-US" dirty="0"/>
+              <a:t>请求和实际的</a:t>
+            </a:r>
+            <a:r>
+              <a:rPr lang="en-US" altLang="zh-CN" dirty="0"/>
+              <a:t>IO</a:t>
+            </a:r>
+            <a:r>
+              <a:rPr lang="zh-CN" altLang="en-US" dirty="0"/>
+              <a:t>操作</a:t>
+            </a:r>
+          </a:p>
+          <a:p>
+            <a:r>
+              <a:rPr lang="zh-CN" altLang="en-US" dirty="0" smtClean="0"/>
+              <a:t>例如</a:t>
+            </a:r>
+            <a:r>
+              <a:rPr lang="zh-CN" altLang="en-US" dirty="0"/>
+              <a:t>：</a:t>
+            </a:r>
+          </a:p>
+          <a:p>
+            <a:r>
+              <a:rPr lang="en-US" altLang="zh-CN" dirty="0"/>
+              <a:t>1</a:t>
+            </a:r>
+            <a:r>
+              <a:rPr lang="zh-CN" altLang="en-US" dirty="0"/>
+              <a:t>、操作系统的一次写操作分为两步：将数据从用户空间拷贝到系统空间；从系统空间往网卡写。</a:t>
+            </a:r>
+          </a:p>
+          <a:p>
+            <a:r>
+              <a:rPr lang="en-US" altLang="zh-CN" dirty="0"/>
+              <a:t>2</a:t>
+            </a:r>
+            <a:r>
+              <a:rPr lang="zh-CN" altLang="en-US" dirty="0"/>
+              <a:t>、一次读操作分为两步：将数据从网卡拷贝到系统空间；将数据从系统空间拷贝到用户空间。</a:t>
+            </a:r>
+          </a:p>
+          <a:p>
+            <a:endParaRPr lang="zh-CN" altLang="en-US" dirty="0"/>
+          </a:p>
+          <a:p>
+            <a:r>
+              <a:rPr lang="zh-CN" altLang="en-US" dirty="0"/>
+              <a:t>阻塞</a:t>
+            </a:r>
+            <a:r>
+              <a:rPr lang="en-US" altLang="zh-CN" dirty="0"/>
+              <a:t>IO</a:t>
+            </a:r>
+            <a:r>
+              <a:rPr lang="zh-CN" altLang="en-US" dirty="0"/>
+              <a:t>和非阻塞</a:t>
+            </a:r>
+            <a:r>
+              <a:rPr lang="en-US" altLang="zh-CN" dirty="0"/>
+              <a:t>IO</a:t>
+            </a:r>
+            <a:r>
+              <a:rPr lang="zh-CN" altLang="en-US" dirty="0"/>
+              <a:t>的区别在于第一步，发起</a:t>
+            </a:r>
+            <a:r>
+              <a:rPr lang="en-US" altLang="zh-CN" dirty="0"/>
+              <a:t>IO</a:t>
+            </a:r>
+            <a:r>
+              <a:rPr lang="zh-CN" altLang="en-US" dirty="0"/>
+              <a:t>请求是否会被阻塞，如果阻塞直到完成那么就是传统的阻塞</a:t>
+            </a:r>
+            <a:r>
+              <a:rPr lang="en-US" altLang="zh-CN" dirty="0"/>
+              <a:t>IO</a:t>
+            </a:r>
+            <a:r>
+              <a:rPr lang="zh-CN" altLang="en-US" dirty="0"/>
+              <a:t>，如果不阻塞，那么就是非阻塞</a:t>
+            </a:r>
+            <a:r>
+              <a:rPr lang="en-US" altLang="zh-CN" dirty="0"/>
+              <a:t>IO</a:t>
+            </a:r>
+            <a:r>
+              <a:rPr lang="zh-CN" altLang="en-US" dirty="0"/>
+              <a:t>。</a:t>
+            </a:r>
+          </a:p>
+          <a:p>
+            <a:endParaRPr lang="zh-CN" altLang="en-US" dirty="0"/>
+          </a:p>
+          <a:p>
+            <a:r>
+              <a:rPr lang="zh-CN" altLang="en-US" dirty="0"/>
+              <a:t>同步</a:t>
+            </a:r>
+            <a:r>
+              <a:rPr lang="en-US" altLang="zh-CN" dirty="0"/>
+              <a:t>IO</a:t>
+            </a:r>
+            <a:r>
+              <a:rPr lang="zh-CN" altLang="en-US" dirty="0"/>
+              <a:t>和异步</a:t>
+            </a:r>
+            <a:r>
+              <a:rPr lang="en-US" altLang="zh-CN" dirty="0"/>
+              <a:t>IO</a:t>
+            </a:r>
+            <a:r>
+              <a:rPr lang="zh-CN" altLang="en-US" dirty="0"/>
+              <a:t>的区别就在于第二个步骤是否阻塞，如果实际的</a:t>
+            </a:r>
+            <a:r>
+              <a:rPr lang="en-US" altLang="zh-CN" dirty="0"/>
+              <a:t>IO</a:t>
+            </a:r>
+            <a:r>
+              <a:rPr lang="zh-CN" altLang="en-US" dirty="0"/>
+              <a:t>读写阻塞请求进程，那么就是同步</a:t>
+            </a:r>
+            <a:r>
+              <a:rPr lang="en-US" altLang="zh-CN" dirty="0"/>
+              <a:t>IO</a:t>
+            </a:r>
+            <a:r>
+              <a:rPr lang="zh-CN" altLang="en-US" dirty="0"/>
+              <a:t>，因此阻塞</a:t>
+            </a:r>
+            <a:r>
+              <a:rPr lang="en-US" altLang="zh-CN" dirty="0"/>
+              <a:t>IO</a:t>
+            </a:r>
+            <a:r>
+              <a:rPr lang="zh-CN" altLang="en-US" dirty="0"/>
+              <a:t>、非阻塞</a:t>
+            </a:r>
+            <a:r>
+              <a:rPr lang="en-US" altLang="zh-CN" dirty="0"/>
+              <a:t>IO</a:t>
+            </a:r>
+            <a:r>
+              <a:rPr lang="zh-CN" altLang="en-US" dirty="0"/>
+              <a:t>、</a:t>
+            </a:r>
+            <a:r>
+              <a:rPr lang="en-US" altLang="zh-CN" dirty="0"/>
+              <a:t>IO</a:t>
+            </a:r>
+            <a:r>
+              <a:rPr lang="zh-CN" altLang="en-US" dirty="0"/>
+              <a:t>复用、信号驱动</a:t>
+            </a:r>
+            <a:r>
+              <a:rPr lang="en-US" altLang="zh-CN" dirty="0"/>
+              <a:t>IO</a:t>
+            </a:r>
+            <a:r>
+              <a:rPr lang="zh-CN" altLang="en-US" dirty="0"/>
+              <a:t>都是同步</a:t>
+            </a:r>
+            <a:r>
+              <a:rPr lang="en-US" altLang="zh-CN" dirty="0"/>
+              <a:t>IO</a:t>
+            </a:r>
+            <a:r>
+              <a:rPr lang="zh-CN" altLang="en-US" dirty="0"/>
+              <a:t>，如果不阻塞，而是操作系统做完</a:t>
+            </a:r>
+            <a:r>
+              <a:rPr lang="en-US" altLang="zh-CN" dirty="0"/>
+              <a:t>IO</a:t>
+            </a:r>
+            <a:r>
+              <a:rPr lang="zh-CN" altLang="en-US" dirty="0"/>
+              <a:t>两个阶段的操作再将结果返回，那么就是异步</a:t>
+            </a:r>
+            <a:r>
+              <a:rPr lang="en-US" altLang="zh-CN" dirty="0"/>
+              <a:t>IO</a:t>
+            </a:r>
+            <a:r>
+              <a:rPr lang="zh-CN" altLang="en-US" dirty="0"/>
+              <a:t>。</a:t>
+            </a:r>
+          </a:p>
+        </p:txBody>
+      </p:sp>
+      <p:sp>
+        <p:nvSpPr>
+          <p:cNvPr id="3" name="矩形 2"/>
+          <p:cNvSpPr/>
+          <p:nvPr/>
+        </p:nvSpPr>
+        <p:spPr>
+          <a:xfrm>
+            <a:off x="243840" y="4219278"/>
+            <a:ext cx="11605260" cy="1107996"/>
+          </a:xfrm>
+          <a:prstGeom prst="rect">
+            <a:avLst/>
+          </a:prstGeom>
+        </p:spPr>
+        <p:txBody>
+          <a:bodyPr wrap="square">
+            <a:spAutoFit/>
+          </a:bodyPr>
+          <a:lstStyle/>
+          <a:p>
+            <a:r>
+              <a:rPr lang="en-US" altLang="zh-CN" dirty="0"/>
+              <a:t>JAVA </a:t>
+            </a:r>
+            <a:r>
+              <a:rPr lang="en-US" altLang="zh-CN" dirty="0" smtClean="0"/>
+              <a:t>NIO</a:t>
+            </a:r>
+            <a:r>
+              <a:rPr lang="zh-CN" altLang="en-US" dirty="0" smtClean="0"/>
+              <a:t>不是</a:t>
+            </a:r>
+            <a:r>
+              <a:rPr lang="zh-CN" altLang="en-US" dirty="0"/>
+              <a:t>同步非阻塞</a:t>
+            </a:r>
+            <a:r>
+              <a:rPr lang="en-US" altLang="zh-CN" dirty="0"/>
+              <a:t>I/O</a:t>
+            </a:r>
+            <a:r>
+              <a:rPr lang="zh-CN" altLang="en-US" dirty="0"/>
+              <a:t>吗，为什么说</a:t>
+            </a:r>
+            <a:r>
+              <a:rPr lang="en-US" altLang="zh-CN" dirty="0"/>
+              <a:t>JAVA NIO</a:t>
+            </a:r>
+            <a:r>
+              <a:rPr lang="zh-CN" altLang="en-US" dirty="0"/>
+              <a:t>提供了基于</a:t>
+            </a:r>
+            <a:r>
+              <a:rPr lang="en-US" altLang="zh-CN" dirty="0"/>
+              <a:t>Selector</a:t>
+            </a:r>
+            <a:r>
+              <a:rPr lang="zh-CN" altLang="en-US" dirty="0"/>
+              <a:t>的异步网络</a:t>
+            </a:r>
+            <a:r>
+              <a:rPr lang="en-US" altLang="zh-CN" dirty="0"/>
+              <a:t>I/O</a:t>
+            </a:r>
+            <a:r>
+              <a:rPr lang="zh-CN" altLang="en-US" dirty="0"/>
+              <a:t>？</a:t>
+            </a:r>
+          </a:p>
+          <a:p>
+            <a:r>
+              <a:rPr lang="en-US" altLang="zh-CN" sz="1600" dirty="0">
+                <a:latin typeface="+mn-ea"/>
+              </a:rPr>
+              <a:t>java </a:t>
+            </a:r>
+            <a:r>
+              <a:rPr lang="en-US" altLang="zh-CN" sz="1600" dirty="0" err="1">
+                <a:latin typeface="+mn-ea"/>
+              </a:rPr>
+              <a:t>nio</a:t>
+            </a:r>
+            <a:r>
+              <a:rPr lang="zh-CN" altLang="en-US" sz="1600" dirty="0">
+                <a:latin typeface="+mn-ea"/>
+              </a:rPr>
+              <a:t>的</a:t>
+            </a:r>
+            <a:r>
+              <a:rPr lang="en-US" altLang="zh-CN" sz="1600" dirty="0" err="1">
+                <a:latin typeface="+mn-ea"/>
+              </a:rPr>
+              <a:t>io</a:t>
+            </a:r>
+            <a:r>
+              <a:rPr lang="zh-CN" altLang="en-US" sz="1600" dirty="0">
+                <a:latin typeface="+mn-ea"/>
+              </a:rPr>
+              <a:t>模型是同步非阻塞，这里的同步异步指的是真正</a:t>
+            </a:r>
+            <a:r>
+              <a:rPr lang="en-US" altLang="zh-CN" sz="1600" dirty="0" err="1">
+                <a:latin typeface="+mn-ea"/>
+              </a:rPr>
+              <a:t>io</a:t>
+            </a:r>
+            <a:r>
+              <a:rPr lang="zh-CN" altLang="en-US" sz="1600" dirty="0">
+                <a:latin typeface="+mn-ea"/>
+              </a:rPr>
+              <a:t>操作（数据内核态用户态的拷贝）是否需要进程参与。</a:t>
+            </a:r>
+          </a:p>
+          <a:p>
+            <a:r>
+              <a:rPr lang="zh-CN" altLang="en-US" sz="1600" dirty="0">
+                <a:latin typeface="+mn-ea"/>
+              </a:rPr>
+              <a:t>而说</a:t>
+            </a:r>
+            <a:r>
+              <a:rPr lang="en-US" altLang="zh-CN" sz="1600" dirty="0">
+                <a:latin typeface="+mn-ea"/>
+              </a:rPr>
+              <a:t>java </a:t>
+            </a:r>
+            <a:r>
+              <a:rPr lang="en-US" altLang="zh-CN" sz="1600" dirty="0" err="1">
+                <a:latin typeface="+mn-ea"/>
+              </a:rPr>
+              <a:t>nio</a:t>
+            </a:r>
+            <a:r>
+              <a:rPr lang="zh-CN" altLang="en-US" sz="1600" dirty="0">
+                <a:latin typeface="+mn-ea"/>
+              </a:rPr>
+              <a:t>提供了异步处理，这个异步应该是指编程模型上的异步。基于</a:t>
+            </a:r>
+            <a:r>
+              <a:rPr lang="en-US" altLang="zh-CN" sz="1600" dirty="0">
+                <a:latin typeface="+mn-ea"/>
+              </a:rPr>
+              <a:t>reactor</a:t>
+            </a:r>
+            <a:r>
+              <a:rPr lang="zh-CN" altLang="en-US" sz="1600" dirty="0">
+                <a:latin typeface="+mn-ea"/>
+              </a:rPr>
+              <a:t>模式的事件驱动，事件处理器的注册和处理器的执行是异步</a:t>
+            </a:r>
+            <a:r>
+              <a:rPr lang="zh-CN" altLang="en-US" sz="1600" dirty="0" smtClean="0">
+                <a:latin typeface="+mn-ea"/>
+              </a:rPr>
+              <a:t>的。</a:t>
+            </a:r>
+            <a:endParaRPr lang="zh-CN" altLang="en-US" sz="1600" dirty="0">
+              <a:latin typeface="+mn-ea"/>
+            </a:endParaRPr>
+          </a:p>
+        </p:txBody>
+      </p:sp>
+      <p:sp>
+        <p:nvSpPr>
+          <p:cNvPr id="4" name="矩形 3"/>
+          <p:cNvSpPr/>
+          <p:nvPr/>
+        </p:nvSpPr>
+        <p:spPr>
+          <a:xfrm>
+            <a:off x="243840" y="5519204"/>
+            <a:ext cx="11605260" cy="1107996"/>
+          </a:xfrm>
+          <a:prstGeom prst="rect">
+            <a:avLst/>
+          </a:prstGeom>
+        </p:spPr>
+        <p:txBody>
+          <a:bodyPr wrap="square">
+            <a:spAutoFit/>
+          </a:bodyPr>
+          <a:lstStyle/>
+          <a:p>
+            <a:r>
+              <a:rPr lang="en-US" altLang="zh-CN" dirty="0" smtClean="0">
+                <a:latin typeface="+mn-ea"/>
+              </a:rPr>
+              <a:t>AIO(</a:t>
+            </a:r>
+            <a:r>
+              <a:rPr lang="en-US" altLang="zh-CN" dirty="0" err="1" smtClean="0">
+                <a:latin typeface="+mn-ea"/>
+              </a:rPr>
+              <a:t>Async</a:t>
+            </a:r>
+            <a:r>
+              <a:rPr lang="en-US" altLang="zh-CN" dirty="0" smtClean="0">
+                <a:latin typeface="+mn-ea"/>
+              </a:rPr>
+              <a:t> I/O)</a:t>
+            </a:r>
+            <a:r>
+              <a:rPr lang="zh-CN" altLang="en-US" dirty="0" smtClean="0">
+                <a:latin typeface="+mn-ea"/>
+              </a:rPr>
+              <a:t>里面会更进一步：不但等待就绪是非阻塞的，就连数据从网卡到内存的过程也是异步的。</a:t>
+            </a:r>
+          </a:p>
+          <a:p>
+            <a:r>
+              <a:rPr lang="zh-CN" altLang="en-US" sz="1600" dirty="0" smtClean="0">
+                <a:latin typeface="+mn-ea"/>
+              </a:rPr>
+              <a:t>换句话说，</a:t>
+            </a:r>
+            <a:r>
+              <a:rPr lang="en-US" altLang="zh-CN" sz="1600" dirty="0" smtClean="0">
+                <a:latin typeface="+mn-ea"/>
+              </a:rPr>
+              <a:t>BIO</a:t>
+            </a:r>
+            <a:r>
+              <a:rPr lang="zh-CN" altLang="en-US" sz="1600" dirty="0" smtClean="0">
+                <a:latin typeface="+mn-ea"/>
+              </a:rPr>
+              <a:t>里用户最关心“我要读”，</a:t>
+            </a:r>
+            <a:r>
+              <a:rPr lang="en-US" altLang="zh-CN" sz="1600" dirty="0" smtClean="0">
+                <a:latin typeface="+mn-ea"/>
+              </a:rPr>
+              <a:t>NIO</a:t>
+            </a:r>
+            <a:r>
+              <a:rPr lang="zh-CN" altLang="en-US" sz="1600" dirty="0" smtClean="0">
+                <a:latin typeface="+mn-ea"/>
+              </a:rPr>
+              <a:t>里用户最关心</a:t>
+            </a:r>
+            <a:r>
+              <a:rPr lang="en-US" altLang="zh-CN" sz="1600" dirty="0" smtClean="0">
+                <a:latin typeface="+mn-ea"/>
+              </a:rPr>
+              <a:t>"</a:t>
+            </a:r>
+            <a:r>
+              <a:rPr lang="zh-CN" altLang="en-US" sz="1600" dirty="0" smtClean="0">
+                <a:latin typeface="+mn-ea"/>
+              </a:rPr>
+              <a:t>我可以读了</a:t>
+            </a:r>
+            <a:r>
+              <a:rPr lang="en-US" altLang="zh-CN" sz="1600" dirty="0" smtClean="0">
+                <a:latin typeface="+mn-ea"/>
+              </a:rPr>
+              <a:t>"</a:t>
+            </a:r>
+            <a:r>
+              <a:rPr lang="zh-CN" altLang="en-US" sz="1600" dirty="0" smtClean="0">
+                <a:latin typeface="+mn-ea"/>
+              </a:rPr>
+              <a:t>，在</a:t>
+            </a:r>
+            <a:r>
+              <a:rPr lang="en-US" altLang="zh-CN" sz="1600" dirty="0" smtClean="0">
+                <a:latin typeface="+mn-ea"/>
+              </a:rPr>
+              <a:t>AIO</a:t>
+            </a:r>
+            <a:r>
+              <a:rPr lang="zh-CN" altLang="en-US" sz="1600" dirty="0" smtClean="0">
+                <a:latin typeface="+mn-ea"/>
+              </a:rPr>
+              <a:t>模型里用户更需要关注的是“读完了”。</a:t>
+            </a:r>
+          </a:p>
+          <a:p>
+            <a:r>
+              <a:rPr lang="en-US" altLang="zh-CN" sz="1600" dirty="0" smtClean="0">
+                <a:latin typeface="+mn-ea"/>
+              </a:rPr>
+              <a:t>NIO</a:t>
+            </a:r>
+            <a:r>
+              <a:rPr lang="zh-CN" altLang="en-US" sz="1600" dirty="0">
+                <a:latin typeface="+mn-ea"/>
+              </a:rPr>
+              <a:t>一个重要的特点是：</a:t>
+            </a:r>
+            <a:r>
+              <a:rPr lang="en-US" altLang="zh-CN" sz="1600" dirty="0">
+                <a:latin typeface="+mn-ea"/>
+              </a:rPr>
+              <a:t>socket</a:t>
+            </a:r>
+            <a:r>
+              <a:rPr lang="zh-CN" altLang="en-US" sz="1600" dirty="0">
+                <a:latin typeface="+mn-ea"/>
+              </a:rPr>
+              <a:t>主要的读、写、注册和接收函数，在等待就绪阶段都是非阻塞的，真正的</a:t>
+            </a:r>
+            <a:r>
+              <a:rPr lang="en-US" altLang="zh-CN" sz="1600" dirty="0">
+                <a:latin typeface="+mn-ea"/>
+              </a:rPr>
+              <a:t>I/O</a:t>
+            </a:r>
+            <a:r>
+              <a:rPr lang="zh-CN" altLang="en-US" sz="1600" dirty="0">
+                <a:latin typeface="+mn-ea"/>
+              </a:rPr>
+              <a:t>操作是同步的（消耗</a:t>
+            </a:r>
+            <a:r>
+              <a:rPr lang="en-US" altLang="zh-CN" sz="1600" dirty="0">
+                <a:latin typeface="+mn-ea"/>
+              </a:rPr>
+              <a:t>CPU</a:t>
+            </a:r>
+            <a:r>
+              <a:rPr lang="zh-CN" altLang="en-US" sz="1600" dirty="0">
+                <a:latin typeface="+mn-ea"/>
+              </a:rPr>
+              <a:t>但性能非常高）。</a:t>
+            </a:r>
+          </a:p>
+        </p:txBody>
+      </p:sp>
+    </p:spTree>
+    <p:extLst>
+      <p:ext uri="{BB962C8B-B14F-4D97-AF65-F5344CB8AC3E}">
+        <p14:creationId xmlns:p14="http://schemas.microsoft.com/office/powerpoint/2010/main" val="2772658625"/>
+      </p:ext>
+    </p:extLst>
+  </p:cSld>
+  <p:clrMapOvr>
+    <a:masterClrMapping/>
+  </p:clrMapOvr>
+</p:sld>
+</file>
+
+<file path=ppt/slides/slide15.xml><?xml version="1.0" encoding="utf-8"?>
+<p:sld xmlns:a="http://schemas.openxmlformats.org/drawingml/2006/main" xmlns:r="http://schemas.openxmlformats.org/officeDocument/2006/relationships" xmlns:p="http://schemas.openxmlformats.org/presentationml/2006/main">
+  <p:cSld>
+    <p:spTree>
+      <p:nvGrpSpPr>
+        <p:cNvPr id="1" name=""/>
+        <p:cNvGrpSpPr/>
+        <p:nvPr/>
+      </p:nvGrpSpPr>
+      <p:grpSpPr>
+        <a:xfrm>
+          <a:off x="0" y="0"/>
+          <a:ext cx="0" cy="0"/>
+          <a:chOff x="0" y="0"/>
+          <a:chExt cx="0" cy="0"/>
+        </a:xfrm>
+      </p:grpSpPr>
+      <p:sp>
+        <p:nvSpPr>
+          <p:cNvPr id="2" name="矩形 1"/>
+          <p:cNvSpPr/>
+          <p:nvPr/>
+        </p:nvSpPr>
+        <p:spPr>
+          <a:xfrm>
+            <a:off x="269769" y="379214"/>
+            <a:ext cx="2142702" cy="369332"/>
+          </a:xfrm>
+          <a:prstGeom prst="rect">
+            <a:avLst/>
+          </a:prstGeom>
+        </p:spPr>
+        <p:txBody>
+          <a:bodyPr wrap="none">
+            <a:spAutoFit/>
+          </a:bodyPr>
+          <a:lstStyle/>
+          <a:p>
+            <a:r>
+              <a:rPr lang="en-US" altLang="zh-CN" dirty="0"/>
+              <a:t>Java NIO</a:t>
+            </a:r>
+            <a:r>
+              <a:rPr lang="zh-CN" altLang="en-US" dirty="0"/>
+              <a:t>的核心组成</a:t>
+            </a:r>
+          </a:p>
+        </p:txBody>
+      </p:sp>
+      <p:sp>
+        <p:nvSpPr>
+          <p:cNvPr id="3" name="矩形 2"/>
+          <p:cNvSpPr/>
+          <p:nvPr/>
+        </p:nvSpPr>
+        <p:spPr>
+          <a:xfrm>
+            <a:off x="269768" y="954316"/>
+            <a:ext cx="11579331" cy="923330"/>
+          </a:xfrm>
+          <a:prstGeom prst="rect">
+            <a:avLst/>
+          </a:prstGeom>
+        </p:spPr>
+        <p:txBody>
+          <a:bodyPr wrap="square">
+            <a:spAutoFit/>
+          </a:bodyPr>
+          <a:lstStyle/>
+          <a:p>
+            <a:r>
+              <a:rPr lang="en-US" altLang="zh-CN" dirty="0"/>
+              <a:t>1</a:t>
+            </a:r>
+            <a:r>
+              <a:rPr lang="zh-CN" altLang="en-US" dirty="0"/>
+              <a:t>、通道</a:t>
+            </a:r>
+            <a:r>
+              <a:rPr lang="en-US" altLang="zh-CN" dirty="0"/>
+              <a:t>(Channel) </a:t>
+            </a:r>
+            <a:r>
+              <a:rPr lang="zh-CN" altLang="en-US" dirty="0"/>
+              <a:t>和 缓冲区</a:t>
+            </a:r>
+            <a:r>
+              <a:rPr lang="en-US" altLang="zh-CN" dirty="0"/>
+              <a:t>(Buffer)</a:t>
+            </a:r>
+          </a:p>
+          <a:p>
+            <a:r>
+              <a:rPr lang="zh-CN" altLang="en-US" dirty="0" smtClean="0"/>
+              <a:t>在</a:t>
+            </a:r>
+            <a:r>
+              <a:rPr lang="en-US" altLang="zh-CN" dirty="0"/>
+              <a:t>NIO </a:t>
+            </a:r>
+            <a:r>
+              <a:rPr lang="zh-CN" altLang="en-US" dirty="0"/>
+              <a:t>中都从一个</a:t>
+            </a:r>
+            <a:r>
+              <a:rPr lang="en-US" altLang="zh-CN" dirty="0"/>
+              <a:t>Channel </a:t>
+            </a:r>
+            <a:r>
+              <a:rPr lang="zh-CN" altLang="en-US" dirty="0"/>
+              <a:t>开始。</a:t>
+            </a:r>
+            <a:r>
+              <a:rPr lang="en-US" altLang="zh-CN" dirty="0"/>
+              <a:t>Channel </a:t>
+            </a:r>
+            <a:r>
+              <a:rPr lang="zh-CN" altLang="en-US" dirty="0"/>
+              <a:t>有点象流。 数据可以从</a:t>
+            </a:r>
+            <a:r>
+              <a:rPr lang="en-US" altLang="zh-CN" dirty="0"/>
+              <a:t>Channel</a:t>
+            </a:r>
+            <a:r>
+              <a:rPr lang="zh-CN" altLang="en-US" dirty="0"/>
+              <a:t>读到</a:t>
+            </a:r>
+            <a:r>
+              <a:rPr lang="en-US" altLang="zh-CN" dirty="0"/>
+              <a:t>Buffer</a:t>
+            </a:r>
+            <a:r>
+              <a:rPr lang="zh-CN" altLang="en-US" dirty="0"/>
+              <a:t>中，也可以从</a:t>
+            </a:r>
+            <a:r>
+              <a:rPr lang="en-US" altLang="zh-CN" dirty="0"/>
+              <a:t>Buffer </a:t>
+            </a:r>
+            <a:r>
+              <a:rPr lang="zh-CN" altLang="en-US" dirty="0"/>
+              <a:t>写到</a:t>
+            </a:r>
+            <a:r>
+              <a:rPr lang="en-US" altLang="zh-CN" dirty="0"/>
+              <a:t>Channel</a:t>
+            </a:r>
+            <a:r>
+              <a:rPr lang="zh-CN" altLang="en-US" dirty="0"/>
+              <a:t>中。这里有个图示：</a:t>
+            </a:r>
+          </a:p>
+        </p:txBody>
+      </p:sp>
+      <p:pic>
+        <p:nvPicPr>
+          <p:cNvPr id="8194" name="Picture 2" descr="http://ata2-img.cn-hangzhou.img-pub.aliyun-inc.com/ba76486545ee41994605dd9102bc621e.png"/>
+          <p:cNvPicPr>
+            <a:picLocks noChangeAspect="1" noChangeArrowheads="1"/>
+          </p:cNvPicPr>
+          <p:nvPr/>
+        </p:nvPicPr>
+        <p:blipFill>
+          <a:blip r:embed="rId2">
+            <a:extLst>
+              <a:ext uri="{28A0092B-C50C-407E-A947-70E740481C1C}">
+                <a14:useLocalDpi xmlns:a14="http://schemas.microsoft.com/office/drawing/2010/main" val="0"/>
+              </a:ext>
+            </a:extLst>
+          </a:blip>
+          <a:srcRect/>
+          <a:stretch>
+            <a:fillRect/>
+          </a:stretch>
+        </p:blipFill>
+        <p:spPr bwMode="auto">
+          <a:xfrm>
+            <a:off x="3874135" y="1877646"/>
+            <a:ext cx="3219450" cy="2200275"/>
+          </a:xfrm>
+          <a:prstGeom prst="rect">
+            <a:avLst/>
+          </a:prstGeom>
+          <a:noFill/>
+          <a:extLst>
+            <a:ext uri="{909E8E84-426E-40DD-AFC4-6F175D3DCCD1}">
+              <a14:hiddenFill xmlns:a14="http://schemas.microsoft.com/office/drawing/2010/main">
+                <a:solidFill>
+                  <a:srgbClr val="FFFFFF"/>
+                </a:solidFill>
+              </a14:hiddenFill>
+            </a:ext>
+          </a:extLst>
+        </p:spPr>
+      </p:pic>
+    </p:spTree>
+    <p:extLst>
+      <p:ext uri="{BB962C8B-B14F-4D97-AF65-F5344CB8AC3E}">
+        <p14:creationId xmlns:p14="http://schemas.microsoft.com/office/powerpoint/2010/main" val="206667542"/>
+      </p:ext>
+    </p:extLst>
+  </p:cSld>
+  <p:clrMapOvr>
+    <a:masterClrMapping/>
+  </p:clrMapOvr>
+</p:sld>
+</file>
+
+<file path=ppt/slides/slide16.xml><?xml version="1.0" encoding="utf-8"?>
+<p:sld xmlns:a="http://schemas.openxmlformats.org/drawingml/2006/main" xmlns:r="http://schemas.openxmlformats.org/officeDocument/2006/relationships" xmlns:p="http://schemas.openxmlformats.org/presentationml/2006/main">
+  <p:cSld>
+    <p:spTree>
+      <p:nvGrpSpPr>
+        <p:cNvPr id="1" name=""/>
+        <p:cNvGrpSpPr/>
+        <p:nvPr/>
+      </p:nvGrpSpPr>
+      <p:grpSpPr>
+        <a:xfrm>
+          <a:off x="0" y="0"/>
+          <a:ext cx="0" cy="0"/>
+          <a:chOff x="0" y="0"/>
+          <a:chExt cx="0" cy="0"/>
+        </a:xfrm>
+      </p:grpSpPr>
+      <p:pic>
+        <p:nvPicPr>
+          <p:cNvPr id="3" name="图片 2"/>
+          <p:cNvPicPr>
+            <a:picLocks noChangeAspect="1"/>
+          </p:cNvPicPr>
+          <p:nvPr/>
+        </p:nvPicPr>
+        <p:blipFill>
+          <a:blip r:embed="rId2"/>
+          <a:stretch>
+            <a:fillRect/>
+          </a:stretch>
+        </p:blipFill>
+        <p:spPr>
+          <a:xfrm>
+            <a:off x="87630" y="0"/>
+            <a:ext cx="12001500" cy="4686300"/>
+          </a:xfrm>
+          <a:prstGeom prst="rect">
+            <a:avLst/>
+          </a:prstGeom>
+        </p:spPr>
+      </p:pic>
+    </p:spTree>
+    <p:extLst>
+      <p:ext uri="{BB962C8B-B14F-4D97-AF65-F5344CB8AC3E}">
+        <p14:creationId xmlns:p14="http://schemas.microsoft.com/office/powerpoint/2010/main" val="3674061985"/>
+      </p:ext>
+    </p:extLst>
+  </p:cSld>
+  <p:clrMapOvr>
+    <a:masterClrMapping/>
+  </p:clrMapOvr>
+  <p:timing>
+    <p:tnLst>
+      <p:par>
+        <p:cTn id="1" dur="indefinite" restart="never" nodeType="tmRoot"/>
+      </p:par>
+    </p:tnLst>
+  </p:timing>
+</p:sld>
+</file>
+
+<file path=ppt/slides/slide17.xml><?xml version="1.0" encoding="utf-8"?>
+<p:sld xmlns:a="http://schemas.openxmlformats.org/drawingml/2006/main" xmlns:r="http://schemas.openxmlformats.org/officeDocument/2006/relationships" xmlns:p="http://schemas.openxmlformats.org/presentationml/2006/main">
+  <p:cSld>
+    <p:spTree>
+      <p:nvGrpSpPr>
+        <p:cNvPr id="1" name=""/>
+        <p:cNvGrpSpPr/>
+        <p:nvPr/>
+      </p:nvGrpSpPr>
+      <p:grpSpPr>
+        <a:xfrm>
+          <a:off x="0" y="0"/>
+          <a:ext cx="0" cy="0"/>
+          <a:chOff x="0" y="0"/>
+          <a:chExt cx="0" cy="0"/>
+        </a:xfrm>
+      </p:grpSpPr>
+      <p:sp>
+        <p:nvSpPr>
+          <p:cNvPr id="2" name="矩形 1"/>
+          <p:cNvSpPr/>
+          <p:nvPr/>
+        </p:nvSpPr>
+        <p:spPr>
+          <a:xfrm>
+            <a:off x="5772834" y="3244334"/>
+            <a:ext cx="1204176" cy="369332"/>
+          </a:xfrm>
+          <a:prstGeom prst="rect">
+            <a:avLst/>
+          </a:prstGeom>
+        </p:spPr>
+        <p:txBody>
+          <a:bodyPr wrap="none">
+            <a:spAutoFit/>
+          </a:bodyPr>
+          <a:lstStyle/>
+          <a:p>
+            <a:r>
+              <a:rPr lang="en-US" altLang="zh-CN" dirty="0" smtClean="0"/>
+              <a:t>4</a:t>
+            </a:r>
+            <a:r>
+              <a:rPr lang="zh-CN" altLang="en-US" dirty="0" smtClean="0"/>
+              <a:t>类</a:t>
+            </a:r>
+            <a:r>
+              <a:rPr lang="en-US" altLang="zh-CN" dirty="0" smtClean="0"/>
+              <a:t>IO</a:t>
+            </a:r>
+            <a:r>
+              <a:rPr lang="zh-CN" altLang="en-US" dirty="0" smtClean="0"/>
+              <a:t>总结</a:t>
+            </a:r>
+            <a:endParaRPr lang="zh-CN" altLang="en-US" dirty="0"/>
+          </a:p>
+        </p:txBody>
+      </p:sp>
+    </p:spTree>
+    <p:extLst>
+      <p:ext uri="{BB962C8B-B14F-4D97-AF65-F5344CB8AC3E}">
+        <p14:creationId xmlns:p14="http://schemas.microsoft.com/office/powerpoint/2010/main" val="1810501488"/>
+      </p:ext>
+    </p:extLst>
+  </p:cSld>
+  <p:clrMapOvr>
+    <a:masterClrMapping/>
+  </p:clrMapOvr>
+  <p:timing>
+    <p:tnLst>
+      <p:par>
+        <p:cTn id="1" dur="indefinite" restart="never" nodeType="tmRoot"/>
+      </p:par>
+    </p:tnLst>
+  </p:timing>
+</p:sld>
+</file>
+
+<file path=ppt/slides/slide18.xml><?xml version="1.0" encoding="utf-8"?>
+<p:sld xmlns:a="http://schemas.openxmlformats.org/drawingml/2006/main" xmlns:r="http://schemas.openxmlformats.org/officeDocument/2006/relationships" xmlns:p="http://schemas.openxmlformats.org/presentationml/2006/main">
+  <p:cSld>
+    <p:spTree>
+      <p:nvGrpSpPr>
+        <p:cNvPr id="1" name=""/>
+        <p:cNvGrpSpPr/>
+        <p:nvPr/>
+      </p:nvGrpSpPr>
+      <p:grpSpPr>
+        <a:xfrm>
+          <a:off x="0" y="0"/>
+          <a:ext cx="0" cy="0"/>
+          <a:chOff x="0" y="0"/>
+          <a:chExt cx="0" cy="0"/>
+        </a:xfrm>
+      </p:grpSpPr>
       <p:sp>
         <p:nvSpPr>
           <p:cNvPr id="2" name="矩形 1"/>
@@ -4172,7 +5717,7 @@
 </p:sld>
 </file>
 
-<file path=ppt/slides/slide11.xml><?xml version="1.0" encoding="utf-8"?>
+<file path=ppt/slides/slide19.xml><?xml version="1.0" encoding="utf-8"?>
 <p:sld xmlns:a="http://schemas.openxmlformats.org/drawingml/2006/main" xmlns:r="http://schemas.openxmlformats.org/officeDocument/2006/relationships" xmlns:p="http://schemas.openxmlformats.org/presentationml/2006/main">
   <p:cSld>
     <p:spTree>
@@ -4226,154 +5771,6 @@
     <p:extLst>
       <p:ext uri="{BB962C8B-B14F-4D97-AF65-F5344CB8AC3E}">
         <p14:creationId xmlns:p14="http://schemas.microsoft.com/office/powerpoint/2010/main" val="952046167"/>
-      </p:ext>
-    </p:extLst>
-  </p:cSld>
-  <p:clrMapOvr>
-    <a:masterClrMapping/>
-  </p:clrMapOvr>
-  <p:timing>
-    <p:tnLst>
-      <p:par>
-        <p:cTn id="1" dur="indefinite" restart="never" nodeType="tmRoot"/>
-      </p:par>
-    </p:tnLst>
-  </p:timing>
-</p:sld>
-</file>
-
-<file path=ppt/slides/slide12.xml><?xml version="1.0" encoding="utf-8"?>
-<p:sld xmlns:a="http://schemas.openxmlformats.org/drawingml/2006/main" xmlns:r="http://schemas.openxmlformats.org/officeDocument/2006/relationships" xmlns:p="http://schemas.openxmlformats.org/presentationml/2006/main">
-  <p:cSld>
-    <p:spTree>
-      <p:nvGrpSpPr>
-        <p:cNvPr id="1" name=""/>
-        <p:cNvGrpSpPr/>
-        <p:nvPr/>
-      </p:nvGrpSpPr>
-      <p:grpSpPr>
-        <a:xfrm>
-          <a:off x="0" y="0"/>
-          <a:ext cx="0" cy="0"/>
-          <a:chOff x="0" y="0"/>
-          <a:chExt cx="0" cy="0"/>
-        </a:xfrm>
-      </p:grpSpPr>
-      <p:sp>
-        <p:nvSpPr>
-          <p:cNvPr id="2" name="矩形 1"/>
-          <p:cNvSpPr/>
-          <p:nvPr/>
-        </p:nvSpPr>
-        <p:spPr>
-          <a:xfrm>
-            <a:off x="5772834" y="3244334"/>
-            <a:ext cx="1417376" cy="369332"/>
-          </a:xfrm>
-          <a:prstGeom prst="rect">
-            <a:avLst/>
-          </a:prstGeom>
-        </p:spPr>
-        <p:txBody>
-          <a:bodyPr wrap="none">
-            <a:spAutoFit/>
-          </a:bodyPr>
-          <a:lstStyle/>
-          <a:p>
-            <a:r>
-              <a:rPr lang="zh-CN" altLang="en-US" dirty="0" smtClean="0"/>
-              <a:t>常用</a:t>
-            </a:r>
-            <a:r>
-              <a:rPr lang="en-US" altLang="zh-CN" dirty="0" smtClean="0"/>
-              <a:t>API</a:t>
-            </a:r>
-            <a:r>
-              <a:rPr lang="zh-CN" altLang="en-US" dirty="0" smtClean="0"/>
-              <a:t>介绍</a:t>
-            </a:r>
-            <a:endParaRPr lang="zh-CN" altLang="en-US" dirty="0"/>
-          </a:p>
-        </p:txBody>
-      </p:sp>
-    </p:spTree>
-    <p:extLst>
-      <p:ext uri="{BB962C8B-B14F-4D97-AF65-F5344CB8AC3E}">
-        <p14:creationId xmlns:p14="http://schemas.microsoft.com/office/powerpoint/2010/main" val="3099890673"/>
-      </p:ext>
-    </p:extLst>
-  </p:cSld>
-  <p:clrMapOvr>
-    <a:masterClrMapping/>
-  </p:clrMapOvr>
-  <p:timing>
-    <p:tnLst>
-      <p:par>
-        <p:cTn id="1" dur="indefinite" restart="never" nodeType="tmRoot"/>
-      </p:par>
-    </p:tnLst>
-  </p:timing>
-</p:sld>
-</file>
-
-<file path=ppt/slides/slide13.xml><?xml version="1.0" encoding="utf-8"?>
-<p:sld xmlns:a="http://schemas.openxmlformats.org/drawingml/2006/main" xmlns:r="http://schemas.openxmlformats.org/officeDocument/2006/relationships" xmlns:p="http://schemas.openxmlformats.org/presentationml/2006/main">
-  <p:cSld>
-    <p:spTree>
-      <p:nvGrpSpPr>
-        <p:cNvPr id="1" name=""/>
-        <p:cNvGrpSpPr/>
-        <p:nvPr/>
-      </p:nvGrpSpPr>
-      <p:grpSpPr>
-        <a:xfrm>
-          <a:off x="0" y="0"/>
-          <a:ext cx="0" cy="0"/>
-          <a:chOff x="0" y="0"/>
-          <a:chExt cx="0" cy="0"/>
-        </a:xfrm>
-      </p:grpSpPr>
-      <p:sp>
-        <p:nvSpPr>
-          <p:cNvPr id="2" name="矩形 1"/>
-          <p:cNvSpPr/>
-          <p:nvPr/>
-        </p:nvSpPr>
-        <p:spPr>
-          <a:xfrm>
-            <a:off x="4312249" y="3097048"/>
-            <a:ext cx="3703578" cy="369332"/>
-          </a:xfrm>
-          <a:prstGeom prst="rect">
-            <a:avLst/>
-          </a:prstGeom>
-        </p:spPr>
-        <p:txBody>
-          <a:bodyPr wrap="none">
-            <a:spAutoFit/>
-          </a:bodyPr>
-          <a:lstStyle/>
-          <a:p>
-            <a:r>
-              <a:rPr lang="zh-CN" altLang="en-US" dirty="0" smtClean="0"/>
-              <a:t>原理、</a:t>
-            </a:r>
-            <a:r>
-              <a:rPr lang="en-US" altLang="zh-CN" dirty="0" err="1" smtClean="0"/>
-              <a:t>Netty</a:t>
-            </a:r>
-            <a:r>
-              <a:rPr lang="zh-CN" altLang="en-US" dirty="0" smtClean="0"/>
-              <a:t>服务端、客户端时序图</a:t>
-            </a:r>
-            <a:endParaRPr lang="zh-CN" altLang="en-US" dirty="0"/>
-          </a:p>
-        </p:txBody>
-      </p:sp>
-    </p:spTree>
-    <p:extLst>
-      <p:ext uri="{BB962C8B-B14F-4D97-AF65-F5344CB8AC3E}">
-        <p14:creationId xmlns:p14="http://schemas.microsoft.com/office/powerpoint/2010/main" val="2036840676"/>
       </p:ext>
     </p:extLst>
   </p:cSld>
@@ -4443,89 +5840,131 @@
         <p:spPr/>
         <p:txBody>
           <a:bodyPr>
-            <a:normAutofit lnSpcReduction="10000"/>
+            <a:normAutofit fontScale="92500"/>
           </a:bodyPr>
           <a:lstStyle/>
           <a:p>
             <a:r>
-              <a:rPr lang="en-US" altLang="zh-CN" dirty="0" smtClean="0"/>
+              <a:rPr lang="en-US" altLang="zh-CN" dirty="0" smtClean="0">
+                <a:latin typeface="+mn-ea"/>
+              </a:rPr>
               <a:t>1</a:t>
             </a:r>
             <a:r>
-              <a:rPr lang="zh-CN" altLang="en-US" dirty="0" smtClean="0"/>
+              <a:rPr lang="zh-CN" altLang="en-US" dirty="0" smtClean="0">
+                <a:latin typeface="+mn-ea"/>
+              </a:rPr>
               <a:t>、</a:t>
             </a:r>
             <a:r>
-              <a:rPr lang="en-US" altLang="zh-CN" dirty="0" smtClean="0"/>
-              <a:t>《 </a:t>
-            </a:r>
-            <a:r>
-              <a:rPr lang="en-US" altLang="zh-CN" dirty="0" err="1" smtClean="0"/>
+              <a:rPr lang="en-US" altLang="zh-CN" dirty="0" smtClean="0">
+                <a:latin typeface="+mn-ea"/>
+              </a:rPr>
+              <a:t>《</a:t>
+            </a:r>
+            <a:r>
+              <a:rPr lang="en-US" altLang="zh-CN" dirty="0" err="1" smtClean="0">
+                <a:latin typeface="+mn-ea"/>
+              </a:rPr>
               <a:t>Netty</a:t>
             </a:r>
             <a:r>
-              <a:rPr lang="zh-CN" altLang="en-US" dirty="0" smtClean="0"/>
+              <a:rPr lang="zh-CN" altLang="en-US" dirty="0" smtClean="0">
+                <a:latin typeface="+mn-ea"/>
+              </a:rPr>
               <a:t>权威指南（第二版）</a:t>
             </a:r>
             <a:r>
-              <a:rPr lang="en-US" altLang="zh-CN" dirty="0" smtClean="0"/>
+              <a:rPr lang="en-US" altLang="zh-CN" dirty="0" smtClean="0">
+                <a:latin typeface="+mn-ea"/>
+              </a:rPr>
               <a:t>》     		</a:t>
             </a:r>
             <a:r>
-              <a:rPr lang="zh-CN" altLang="en-US" dirty="0" smtClean="0"/>
+              <a:rPr lang="zh-CN" altLang="en-US" dirty="0" smtClean="0">
+                <a:latin typeface="+mn-ea"/>
+              </a:rPr>
               <a:t>李林峰</a:t>
             </a:r>
             <a:r>
-              <a:rPr lang="en-US" altLang="zh-CN" dirty="0" smtClean="0"/>
+              <a:rPr lang="en-US" altLang="zh-CN" dirty="0" smtClean="0">
+                <a:latin typeface="+mn-ea"/>
+              </a:rPr>
               <a:t>/</a:t>
             </a:r>
             <a:r>
-              <a:rPr lang="zh-CN" altLang="en-US" dirty="0" smtClean="0"/>
+              <a:rPr lang="zh-CN" altLang="en-US" dirty="0" smtClean="0">
+                <a:latin typeface="+mn-ea"/>
+              </a:rPr>
               <a:t>著</a:t>
             </a:r>
-            <a:endParaRPr lang="en-US" altLang="zh-CN" dirty="0" smtClean="0"/>
-          </a:p>
-          <a:p>
-            <a:endParaRPr lang="en-US" altLang="zh-CN" dirty="0" smtClean="0"/>
-          </a:p>
-          <a:p>
-            <a:r>
-              <a:rPr lang="en-US" altLang="zh-CN" dirty="0" smtClean="0"/>
+            <a:endParaRPr lang="en-US" altLang="zh-CN" dirty="0" smtClean="0">
+              <a:latin typeface="+mn-ea"/>
+            </a:endParaRPr>
+          </a:p>
+          <a:p>
+            <a:endParaRPr lang="en-US" altLang="zh-CN" dirty="0" smtClean="0">
+              <a:latin typeface="+mn-ea"/>
+            </a:endParaRPr>
+          </a:p>
+          <a:p>
+            <a:r>
+              <a:rPr lang="en-US" altLang="zh-CN" dirty="0" smtClean="0">
+                <a:latin typeface="+mn-ea"/>
+              </a:rPr>
               <a:t>2</a:t>
             </a:r>
             <a:r>
-              <a:rPr lang="zh-CN" altLang="en-US" dirty="0" smtClean="0"/>
+              <a:rPr lang="zh-CN" altLang="en-US" dirty="0" smtClean="0">
+                <a:latin typeface="+mn-ea"/>
+              </a:rPr>
               <a:t>、</a:t>
             </a:r>
             <a:r>
-              <a:rPr lang="en-US" altLang="zh-CN" dirty="0" smtClean="0"/>
+              <a:rPr lang="en-US" altLang="zh-CN" dirty="0" smtClean="0">
+                <a:latin typeface="+mn-ea"/>
+              </a:rPr>
               <a:t>B</a:t>
             </a:r>
             <a:r>
-              <a:rPr lang="zh-CN" altLang="en-US" dirty="0" smtClean="0"/>
-              <a:t>站   </a:t>
-            </a:r>
-            <a:r>
-              <a:rPr lang="en-US" altLang="zh-CN" dirty="0" err="1" smtClean="0"/>
-              <a:t>Netty</a:t>
-            </a:r>
-            <a:r>
-              <a:rPr lang="en-US" altLang="zh-CN" dirty="0" smtClean="0"/>
-              <a:t> </a:t>
-            </a:r>
-            <a:r>
-              <a:rPr lang="zh-CN" altLang="en-US" dirty="0" smtClean="0"/>
-              <a:t>零基础到精通                 </a:t>
-            </a:r>
-            <a:r>
-              <a:rPr lang="en-US" altLang="zh-CN" dirty="0" smtClean="0"/>
+              <a:rPr lang="zh-CN" altLang="en-US" dirty="0" smtClean="0">
+                <a:latin typeface="+mn-ea"/>
+              </a:rPr>
+              <a:t>站</a:t>
+            </a:r>
+            <a:r>
+              <a:rPr lang="en-US" altLang="zh-CN" dirty="0" err="1" smtClean="0">
+                <a:latin typeface="+mn-ea"/>
+              </a:rPr>
+              <a:t>netty</a:t>
+            </a:r>
+            <a:r>
+              <a:rPr lang="zh-CN" altLang="en-US" dirty="0" smtClean="0">
+                <a:latin typeface="+mn-ea"/>
+              </a:rPr>
+              <a:t>零</a:t>
+            </a:r>
+            <a:r>
+              <a:rPr lang="zh-CN" altLang="en-US" dirty="0" smtClean="0">
+                <a:latin typeface="+mn-ea"/>
+              </a:rPr>
+              <a:t>基础到精通                 </a:t>
+            </a:r>
+            <a:r>
+              <a:rPr lang="en-US" altLang="zh-CN" dirty="0" smtClean="0">
+                <a:latin typeface="+mn-ea"/>
+              </a:rPr>
               <a:t>		</a:t>
             </a:r>
             <a:r>
-              <a:rPr lang="zh-CN" altLang="en-US" dirty="0" smtClean="0"/>
+              <a:rPr lang="zh-CN" altLang="en-US" dirty="0" smtClean="0">
+                <a:latin typeface="+mn-ea"/>
+              </a:rPr>
               <a:t>讲师：张龙</a:t>
             </a:r>
-            <a:endParaRPr lang="en-US" altLang="zh-CN" dirty="0" smtClean="0"/>
+            <a:endParaRPr lang="en-US" altLang="zh-CN" dirty="0" smtClean="0">
+              <a:latin typeface="+mn-ea"/>
+            </a:endParaRPr>
           </a:p>
           <a:p>
             <a:pPr marL="914400" lvl="2" indent="0">
@@ -4533,76 +5972,109 @@
             </a:pPr>
             <a:r>
               <a:rPr lang="en-US" altLang="zh-CN" dirty="0" smtClean="0">
+                <a:latin typeface="+mn-ea"/>
                 <a:hlinkClick r:id="rId3"/>
               </a:rPr>
               <a:t>https://www.bilibili.com/video/av33707223/?p=1</a:t>
             </a:r>
-            <a:endParaRPr lang="en-US" altLang="zh-CN" dirty="0" smtClean="0"/>
+            <a:endParaRPr lang="en-US" altLang="zh-CN" dirty="0" smtClean="0">
+              <a:latin typeface="+mn-ea"/>
+            </a:endParaRPr>
           </a:p>
           <a:p>
             <a:pPr marL="914400" lvl="2" indent="0">
               <a:buNone/>
             </a:pPr>
+            <a:endParaRPr lang="en-US" altLang="zh-CN" dirty="0" smtClean="0">
+              <a:latin typeface="+mn-ea"/>
+            </a:endParaRPr>
+          </a:p>
+          <a:p>
+            <a:r>
+              <a:rPr lang="en-US" altLang="zh-CN" dirty="0" smtClean="0">
+                <a:latin typeface="+mn-ea"/>
+              </a:rPr>
+              <a:t>3</a:t>
+            </a:r>
+            <a:r>
+              <a:rPr lang="zh-CN" altLang="en-US" dirty="0" smtClean="0">
+                <a:latin typeface="+mn-ea"/>
+              </a:rPr>
+              <a:t>、网络博客：</a:t>
+            </a:r>
+            <a:r>
+              <a:rPr lang="en-US" altLang="zh-CN" dirty="0" smtClean="0">
+                <a:latin typeface="+mn-ea"/>
+              </a:rPr>
+              <a:t>CSDN</a:t>
+            </a:r>
+            <a:r>
+              <a:rPr lang="zh-CN" altLang="en-US" dirty="0" smtClean="0">
+                <a:latin typeface="+mn-ea"/>
+              </a:rPr>
+              <a:t>、博客</a:t>
+            </a:r>
+            <a:r>
+              <a:rPr lang="zh-CN" altLang="en-US" dirty="0" smtClean="0">
+                <a:latin typeface="+mn-ea"/>
+              </a:rPr>
+              <a:t>园、知乎等</a:t>
+            </a:r>
+            <a:endParaRPr lang="en-US" altLang="zh-CN" dirty="0" smtClean="0">
+              <a:latin typeface="+mn-ea"/>
+            </a:endParaRPr>
+          </a:p>
+          <a:p>
             <a:endParaRPr lang="en-US" altLang="zh-CN" dirty="0" smtClean="0"/>
           </a:p>
           <a:p>
-            <a:r>
-              <a:rPr lang="en-US" altLang="zh-CN" dirty="0" smtClean="0"/>
-              <a:t>3</a:t>
-            </a:r>
-            <a:r>
-              <a:rPr lang="zh-CN" altLang="en-US" dirty="0" smtClean="0"/>
-              <a:t>、网络博客：</a:t>
-            </a:r>
-            <a:r>
-              <a:rPr lang="en-US" altLang="zh-CN" dirty="0" smtClean="0"/>
-              <a:t>CSDN</a:t>
-            </a:r>
-            <a:r>
-              <a:rPr lang="zh-CN" altLang="en-US" dirty="0" smtClean="0"/>
-              <a:t>、博客园等</a:t>
-            </a:r>
+            <a:endParaRPr lang="en-US" altLang="zh-CN" dirty="0"/>
+          </a:p>
+          <a:p>
             <a:endParaRPr lang="en-US" altLang="zh-CN" dirty="0" smtClean="0"/>
           </a:p>
           <a:p>
-            <a:endParaRPr lang="en-US" altLang="zh-CN" dirty="0" smtClean="0"/>
-          </a:p>
-          <a:p>
-            <a:endParaRPr lang="en-US" altLang="zh-CN" dirty="0"/>
-          </a:p>
-          <a:p>
-            <a:endParaRPr lang="en-US" altLang="zh-CN" dirty="0" smtClean="0"/>
-          </a:p>
-          <a:p>
-            <a:r>
-              <a:rPr lang="zh-CN" altLang="en-US" sz="1400" dirty="0" smtClean="0"/>
+            <a:r>
+              <a:rPr lang="zh-CN" altLang="en-US" sz="1400" dirty="0" smtClean="0">
+                <a:latin typeface="+mn-ea"/>
+              </a:rPr>
               <a:t>尚硅谷</a:t>
             </a:r>
             <a:r>
-              <a:rPr lang="en-US" altLang="zh-CN" sz="1400" dirty="0" smtClean="0"/>
+              <a:rPr lang="en-US" altLang="zh-CN" sz="1400" dirty="0" smtClean="0">
+                <a:latin typeface="+mn-ea"/>
+              </a:rPr>
               <a:t>B</a:t>
             </a:r>
             <a:r>
-              <a:rPr lang="zh-CN" altLang="en-US" sz="1400" dirty="0" smtClean="0"/>
+              <a:rPr lang="zh-CN" altLang="en-US" sz="1400" dirty="0" smtClean="0">
+                <a:latin typeface="+mn-ea"/>
+              </a:rPr>
               <a:t>站官方号</a:t>
             </a:r>
             <a:r>
-              <a:rPr lang="zh-CN" altLang="en-US" sz="1400" dirty="0"/>
+              <a:rPr lang="zh-CN" altLang="en-US" sz="1400" dirty="0">
+                <a:latin typeface="+mn-ea"/>
+              </a:rPr>
               <a:t>：</a:t>
             </a:r>
             <a:r>
               <a:rPr lang="en-US" altLang="zh-CN" sz="1400" dirty="0" smtClean="0">
+                <a:latin typeface="+mn-ea"/>
                 <a:hlinkClick r:id="rId4"/>
               </a:rPr>
               <a:t>https</a:t>
             </a:r>
             <a:r>
               <a:rPr lang="en-US" altLang="zh-CN" sz="1400" dirty="0">
+                <a:latin typeface="+mn-ea"/>
                 <a:hlinkClick r:id="rId4"/>
               </a:rPr>
               <a:t>://space.bilibili.com/302417610/</a:t>
             </a:r>
-            <a:endParaRPr lang="zh-CN" altLang="en-US" sz="1400" dirty="0"/>
+            <a:endParaRPr lang="zh-CN" altLang="en-US" sz="1400" dirty="0">
+              <a:latin typeface="+mn-ea"/>
+            </a:endParaRPr>
           </a:p>
         </p:txBody>
       </p:sp>
@@ -4610,6 +6082,154 @@
     <p:extLst>
       <p:ext uri="{BB962C8B-B14F-4D97-AF65-F5344CB8AC3E}">
         <p14:creationId xmlns:p14="http://schemas.microsoft.com/office/powerpoint/2010/main" val="122729479"/>
+      </p:ext>
+    </p:extLst>
+  </p:cSld>
+  <p:clrMapOvr>
+    <a:masterClrMapping/>
+  </p:clrMapOvr>
+  <p:timing>
+    <p:tnLst>
+      <p:par>
+        <p:cTn id="1" dur="indefinite" restart="never" nodeType="tmRoot"/>
+      </p:par>
+    </p:tnLst>
+  </p:timing>
+</p:sld>
+</file>
+
+<file path=ppt/slides/slide20.xml><?xml version="1.0" encoding="utf-8"?>
+<p:sld xmlns:a="http://schemas.openxmlformats.org/drawingml/2006/main" xmlns:r="http://schemas.openxmlformats.org/officeDocument/2006/relationships" xmlns:p="http://schemas.openxmlformats.org/presentationml/2006/main">
+  <p:cSld>
+    <p:spTree>
+      <p:nvGrpSpPr>
+        <p:cNvPr id="1" name=""/>
+        <p:cNvGrpSpPr/>
+        <p:nvPr/>
+      </p:nvGrpSpPr>
+      <p:grpSpPr>
+        <a:xfrm>
+          <a:off x="0" y="0"/>
+          <a:ext cx="0" cy="0"/>
+          <a:chOff x="0" y="0"/>
+          <a:chExt cx="0" cy="0"/>
+        </a:xfrm>
+      </p:grpSpPr>
+      <p:sp>
+        <p:nvSpPr>
+          <p:cNvPr id="2" name="矩形 1"/>
+          <p:cNvSpPr/>
+          <p:nvPr/>
+        </p:nvSpPr>
+        <p:spPr>
+          <a:xfrm>
+            <a:off x="5772834" y="3244334"/>
+            <a:ext cx="1417376" cy="369332"/>
+          </a:xfrm>
+          <a:prstGeom prst="rect">
+            <a:avLst/>
+          </a:prstGeom>
+        </p:spPr>
+        <p:txBody>
+          <a:bodyPr wrap="none">
+            <a:spAutoFit/>
+          </a:bodyPr>
+          <a:lstStyle/>
+          <a:p>
+            <a:r>
+              <a:rPr lang="zh-CN" altLang="en-US" dirty="0" smtClean="0"/>
+              <a:t>常用</a:t>
+            </a:r>
+            <a:r>
+              <a:rPr lang="en-US" altLang="zh-CN" dirty="0" smtClean="0"/>
+              <a:t>API</a:t>
+            </a:r>
+            <a:r>
+              <a:rPr lang="zh-CN" altLang="en-US" dirty="0" smtClean="0"/>
+              <a:t>介绍</a:t>
+            </a:r>
+            <a:endParaRPr lang="zh-CN" altLang="en-US" dirty="0"/>
+          </a:p>
+        </p:txBody>
+      </p:sp>
+    </p:spTree>
+    <p:extLst>
+      <p:ext uri="{BB962C8B-B14F-4D97-AF65-F5344CB8AC3E}">
+        <p14:creationId xmlns:p14="http://schemas.microsoft.com/office/powerpoint/2010/main" val="3099890673"/>
+      </p:ext>
+    </p:extLst>
+  </p:cSld>
+  <p:clrMapOvr>
+    <a:masterClrMapping/>
+  </p:clrMapOvr>
+  <p:timing>
+    <p:tnLst>
+      <p:par>
+        <p:cTn id="1" dur="indefinite" restart="never" nodeType="tmRoot"/>
+      </p:par>
+    </p:tnLst>
+  </p:timing>
+</p:sld>
+</file>
+
+<file path=ppt/slides/slide21.xml><?xml version="1.0" encoding="utf-8"?>
+<p:sld xmlns:a="http://schemas.openxmlformats.org/drawingml/2006/main" xmlns:r="http://schemas.openxmlformats.org/officeDocument/2006/relationships" xmlns:p="http://schemas.openxmlformats.org/presentationml/2006/main">
+  <p:cSld>
+    <p:spTree>
+      <p:nvGrpSpPr>
+        <p:cNvPr id="1" name=""/>
+        <p:cNvGrpSpPr/>
+        <p:nvPr/>
+      </p:nvGrpSpPr>
+      <p:grpSpPr>
+        <a:xfrm>
+          <a:off x="0" y="0"/>
+          <a:ext cx="0" cy="0"/>
+          <a:chOff x="0" y="0"/>
+          <a:chExt cx="0" cy="0"/>
+        </a:xfrm>
+      </p:grpSpPr>
+      <p:sp>
+        <p:nvSpPr>
+          <p:cNvPr id="2" name="矩形 1"/>
+          <p:cNvSpPr/>
+          <p:nvPr/>
+        </p:nvSpPr>
+        <p:spPr>
+          <a:xfrm>
+            <a:off x="4312249" y="3097048"/>
+            <a:ext cx="3703578" cy="369332"/>
+          </a:xfrm>
+          <a:prstGeom prst="rect">
+            <a:avLst/>
+          </a:prstGeom>
+        </p:spPr>
+        <p:txBody>
+          <a:bodyPr wrap="none">
+            <a:spAutoFit/>
+          </a:bodyPr>
+          <a:lstStyle/>
+          <a:p>
+            <a:r>
+              <a:rPr lang="zh-CN" altLang="en-US" dirty="0" smtClean="0"/>
+              <a:t>原理、</a:t>
+            </a:r>
+            <a:r>
+              <a:rPr lang="en-US" altLang="zh-CN" dirty="0" err="1" smtClean="0"/>
+              <a:t>Netty</a:t>
+            </a:r>
+            <a:r>
+              <a:rPr lang="zh-CN" altLang="en-US" dirty="0" smtClean="0"/>
+              <a:t>服务端、客户端时序图</a:t>
+            </a:r>
+            <a:endParaRPr lang="zh-CN" altLang="en-US" dirty="0"/>
+          </a:p>
+        </p:txBody>
+      </p:sp>
+    </p:spTree>
+    <p:extLst>
+      <p:ext uri="{BB962C8B-B14F-4D97-AF65-F5344CB8AC3E}">
+        <p14:creationId xmlns:p14="http://schemas.microsoft.com/office/powerpoint/2010/main" val="2036840676"/>
       </p:ext>
     </p:extLst>
   </p:cSld>
@@ -4655,8 +6275,8 @@
         </p:nvSpPr>
         <p:spPr>
           <a:xfrm>
-            <a:off x="371475" y="361950"/>
-            <a:ext cx="11449049" cy="6172200"/>
+            <a:off x="497599" y="261051"/>
+            <a:ext cx="11200415" cy="6172200"/>
           </a:xfrm>
         </p:spPr>
         <p:txBody>
@@ -4676,144 +6296,249 @@
           </a:p>
           <a:p>
             <a:r>
-              <a:rPr lang="en-US" altLang="zh-CN" sz="2400" dirty="0" smtClean="0"/>
+              <a:rPr lang="en-US" altLang="zh-CN" sz="2400" dirty="0" smtClean="0">
+                <a:latin typeface="+mn-ea"/>
+              </a:rPr>
               <a:t>1</a:t>
             </a:r>
             <a:r>
-              <a:rPr lang="zh-CN" altLang="en-US" sz="2400" dirty="0" smtClean="0"/>
+              <a:rPr lang="zh-CN" altLang="en-US" sz="2400" dirty="0" smtClean="0">
+                <a:latin typeface="+mn-ea"/>
+              </a:rPr>
               <a:t>、</a:t>
             </a:r>
             <a:r>
-              <a:rPr lang="en-US" altLang="zh-CN" sz="2400" dirty="0"/>
+              <a:rPr lang="en-US" altLang="zh-CN" sz="2400" dirty="0">
+                <a:latin typeface="+mn-ea"/>
+              </a:rPr>
               <a:t>J</a:t>
             </a:r>
             <a:r>
-              <a:rPr lang="en-US" altLang="zh-CN" sz="2400" dirty="0" smtClean="0"/>
-              <a:t>ava  IO </a:t>
-            </a:r>
-            <a:r>
-              <a:rPr lang="zh-CN" altLang="en-US" sz="2400" dirty="0" smtClean="0"/>
+              <a:rPr lang="en-US" altLang="zh-CN" sz="2400" dirty="0" smtClean="0">
+                <a:latin typeface="+mn-ea"/>
+              </a:rPr>
+              <a:t>ava </a:t>
+            </a:r>
+            <a:r>
+              <a:rPr lang="en-US" altLang="zh-CN" sz="2400" dirty="0" smtClean="0">
+                <a:latin typeface="+mn-ea"/>
+              </a:rPr>
+              <a:t>IO</a:t>
+            </a:r>
+            <a:r>
+              <a:rPr lang="zh-CN" altLang="en-US" sz="2400" dirty="0" smtClean="0">
+                <a:latin typeface="+mn-ea"/>
+              </a:rPr>
               <a:t>基础</a:t>
             </a:r>
-            <a:endParaRPr lang="en-US" altLang="zh-CN" sz="2400" dirty="0" smtClean="0"/>
-          </a:p>
-          <a:p>
-            <a:r>
-              <a:rPr lang="en-US" altLang="zh-CN" sz="2400" dirty="0" smtClean="0"/>
+            <a:endParaRPr lang="en-US" altLang="zh-CN" sz="2400" dirty="0" smtClean="0">
+              <a:latin typeface="+mn-ea"/>
+            </a:endParaRPr>
+          </a:p>
+          <a:p>
+            <a:r>
+              <a:rPr lang="en-US" altLang="zh-CN" sz="2400" dirty="0" smtClean="0">
+                <a:latin typeface="+mn-ea"/>
+              </a:rPr>
               <a:t>2</a:t>
             </a:r>
             <a:r>
-              <a:rPr lang="zh-CN" altLang="en-US" sz="2400" dirty="0" smtClean="0"/>
+              <a:rPr lang="zh-CN" altLang="en-US" sz="2400" dirty="0" smtClean="0">
+                <a:latin typeface="+mn-ea"/>
+              </a:rPr>
               <a:t>、</a:t>
             </a:r>
             <a:r>
-              <a:rPr lang="en-US" altLang="zh-CN" sz="2400" dirty="0" smtClean="0"/>
+              <a:rPr lang="en-US" altLang="zh-CN" sz="2400" dirty="0">
+                <a:latin typeface="+mn-ea"/>
+              </a:rPr>
+              <a:t>Unix</a:t>
+            </a:r>
+            <a:r>
+              <a:rPr lang="zh-CN" altLang="en-US" sz="2400" dirty="0">
+                <a:latin typeface="+mn-ea"/>
+              </a:rPr>
+              <a:t>网络编程</a:t>
+            </a:r>
+            <a:r>
+              <a:rPr lang="en-US" altLang="zh-CN" sz="2400" dirty="0">
+                <a:latin typeface="+mn-ea"/>
+              </a:rPr>
+              <a:t>5</a:t>
+            </a:r>
+            <a:r>
+              <a:rPr lang="zh-CN" altLang="en-US" sz="2400" dirty="0">
+                <a:latin typeface="+mn-ea"/>
+              </a:rPr>
+              <a:t>种</a:t>
+            </a:r>
+            <a:r>
+              <a:rPr lang="en-US" altLang="zh-CN" sz="2400" dirty="0">
+                <a:latin typeface="+mn-ea"/>
+              </a:rPr>
+              <a:t>I/O</a:t>
+            </a:r>
+            <a:r>
+              <a:rPr lang="zh-CN" altLang="en-US" sz="2400" dirty="0" smtClean="0">
+                <a:latin typeface="+mn-ea"/>
+              </a:rPr>
+              <a:t>模型</a:t>
+            </a:r>
+            <a:endParaRPr lang="en-US" altLang="zh-CN" sz="2400" dirty="0" smtClean="0">
+              <a:latin typeface="+mn-ea"/>
+            </a:endParaRPr>
+          </a:p>
+          <a:p>
+            <a:r>
+              <a:rPr lang="en-US" altLang="zh-CN" sz="2400" dirty="0" smtClean="0">
+                <a:latin typeface="+mn-ea"/>
+              </a:rPr>
+              <a:t>3</a:t>
+            </a:r>
+            <a:r>
+              <a:rPr lang="zh-CN" altLang="en-US" sz="2400" dirty="0" smtClean="0">
+                <a:latin typeface="+mn-ea"/>
+              </a:rPr>
+              <a:t>、</a:t>
+            </a:r>
+            <a:r>
+              <a:rPr lang="en-US" altLang="zh-CN" sz="2400" dirty="0" smtClean="0">
+                <a:latin typeface="+mn-ea"/>
+              </a:rPr>
+              <a:t>Java</a:t>
+            </a:r>
+            <a:r>
+              <a:rPr lang="zh-CN" altLang="en-US" sz="2400" dirty="0" smtClean="0">
+                <a:latin typeface="+mn-ea"/>
+              </a:rPr>
+              <a:t>语言</a:t>
+            </a:r>
+            <a:r>
+              <a:rPr lang="en-US" altLang="zh-CN" sz="2400" dirty="0" smtClean="0">
+                <a:latin typeface="+mn-ea"/>
+              </a:rPr>
               <a:t>BIO</a:t>
             </a:r>
             <a:r>
-              <a:rPr lang="zh-CN" altLang="en-US" sz="2400" dirty="0" smtClean="0"/>
+              <a:rPr lang="zh-CN" altLang="en-US" sz="2400" dirty="0">
+                <a:latin typeface="+mn-ea"/>
+              </a:rPr>
               <a:t>、伪异步</a:t>
             </a:r>
             <a:r>
-              <a:rPr lang="en-US" altLang="zh-CN" sz="2400" dirty="0" smtClean="0"/>
+              <a:rPr lang="en-US" altLang="zh-CN" sz="2400" dirty="0">
+                <a:latin typeface="+mn-ea"/>
+              </a:rPr>
               <a:t>IO</a:t>
             </a:r>
             <a:r>
-              <a:rPr lang="zh-CN" altLang="en-US" sz="2400" dirty="0" smtClean="0"/>
+              <a:rPr lang="zh-CN" altLang="en-US" sz="2400" dirty="0">
+                <a:latin typeface="+mn-ea"/>
+              </a:rPr>
               <a:t>、</a:t>
             </a:r>
             <a:r>
-              <a:rPr lang="en-US" altLang="zh-CN" sz="2400" dirty="0" smtClean="0"/>
+              <a:rPr lang="en-US" altLang="zh-CN" sz="2400" dirty="0">
+                <a:latin typeface="+mn-ea"/>
+              </a:rPr>
               <a:t>NIO</a:t>
             </a:r>
             <a:r>
-              <a:rPr lang="zh-CN" altLang="en-US" sz="2400" dirty="0" smtClean="0"/>
+              <a:rPr lang="zh-CN" altLang="en-US" sz="2400" dirty="0">
+                <a:latin typeface="+mn-ea"/>
+              </a:rPr>
               <a:t>、</a:t>
             </a:r>
             <a:r>
-              <a:rPr lang="en-US" altLang="zh-CN" sz="2400" dirty="0" smtClean="0"/>
+              <a:rPr lang="en-US" altLang="zh-CN" sz="2400" dirty="0" smtClean="0">
+                <a:latin typeface="+mn-ea"/>
+              </a:rPr>
               <a:t>AIO</a:t>
             </a:r>
-          </a:p>
-          <a:p>
-            <a:r>
-              <a:rPr lang="en-US" altLang="zh-CN" sz="2400" dirty="0" smtClean="0"/>
-              <a:t>3</a:t>
-            </a:r>
-            <a:r>
-              <a:rPr lang="zh-CN" altLang="en-US" sz="2400" dirty="0" smtClean="0"/>
+            <a:endParaRPr lang="en-US" altLang="zh-CN" sz="2400" dirty="0" smtClean="0">
+              <a:latin typeface="+mn-ea"/>
+            </a:endParaRPr>
+          </a:p>
+          <a:p>
+            <a:r>
+              <a:rPr lang="en-US" altLang="zh-CN" sz="2400" dirty="0" smtClean="0">
+                <a:latin typeface="+mn-ea"/>
+              </a:rPr>
+              <a:t>4</a:t>
+            </a:r>
+            <a:r>
+              <a:rPr lang="zh-CN" altLang="en-US" sz="2400" dirty="0" smtClean="0">
+                <a:latin typeface="+mn-ea"/>
+              </a:rPr>
               <a:t>、</a:t>
             </a:r>
             <a:r>
-              <a:rPr lang="en-US" altLang="zh-CN" sz="2400" dirty="0" smtClean="0"/>
-              <a:t>4</a:t>
-            </a:r>
-            <a:r>
-              <a:rPr lang="zh-CN" altLang="en-US" sz="2400" dirty="0" smtClean="0"/>
-              <a:t>类</a:t>
-            </a:r>
-            <a:r>
-              <a:rPr lang="en-US" altLang="zh-CN" sz="2400" dirty="0" smtClean="0"/>
-              <a:t>IO</a:t>
-            </a:r>
-            <a:r>
-              <a:rPr lang="zh-CN" altLang="en-US" sz="2400" dirty="0"/>
-              <a:t>总结</a:t>
-            </a:r>
-            <a:endParaRPr lang="en-US" altLang="zh-CN" sz="2400" dirty="0" smtClean="0"/>
-          </a:p>
-          <a:p>
-            <a:r>
-              <a:rPr lang="en-US" altLang="zh-CN" sz="2400" dirty="0" smtClean="0"/>
-              <a:t>4</a:t>
-            </a:r>
-            <a:r>
-              <a:rPr lang="zh-CN" altLang="en-US" sz="2400" dirty="0" smtClean="0"/>
+              <a:rPr lang="en-US" altLang="zh-CN" sz="2400" dirty="0" err="1" smtClean="0">
+                <a:latin typeface="+mn-ea"/>
+              </a:rPr>
+              <a:t>Netty</a:t>
+            </a:r>
+            <a:r>
+              <a:rPr lang="zh-CN" altLang="en-US" sz="2400" dirty="0" smtClean="0">
+                <a:latin typeface="+mn-ea"/>
+              </a:rPr>
+              <a:t>介绍</a:t>
+            </a:r>
+            <a:endParaRPr lang="en-US" altLang="zh-CN" sz="2400" dirty="0" smtClean="0">
+              <a:latin typeface="+mn-ea"/>
+            </a:endParaRPr>
+          </a:p>
+          <a:p>
+            <a:r>
+              <a:rPr lang="en-US" altLang="zh-CN" sz="2400" dirty="0" smtClean="0">
+                <a:latin typeface="+mn-ea"/>
+              </a:rPr>
+              <a:t>5</a:t>
+            </a:r>
+            <a:r>
+              <a:rPr lang="zh-CN" altLang="en-US" sz="2400" dirty="0" smtClean="0">
+                <a:latin typeface="+mn-ea"/>
+              </a:rPr>
               <a:t>、</a:t>
             </a:r>
             <a:r>
-              <a:rPr lang="en-US" altLang="zh-CN" sz="2400" dirty="0" err="1" smtClean="0"/>
+              <a:rPr lang="en-US" altLang="zh-CN" sz="2400" dirty="0" err="1" smtClean="0">
+                <a:latin typeface="+mn-ea"/>
+              </a:rPr>
               <a:t>Netty</a:t>
             </a:r>
             <a:r>
-              <a:rPr lang="zh-CN" altLang="en-US" sz="2400" dirty="0" smtClean="0"/>
-              <a:t>介绍</a:t>
-            </a:r>
-            <a:endParaRPr lang="en-US" altLang="zh-CN" sz="2400" dirty="0" smtClean="0"/>
-          </a:p>
-          <a:p>
-            <a:r>
-              <a:rPr lang="en-US" altLang="zh-CN" sz="2400" dirty="0" smtClean="0"/>
-              <a:t>5</a:t>
-            </a:r>
-            <a:r>
-              <a:rPr lang="zh-CN" altLang="en-US" sz="2400" dirty="0" smtClean="0"/>
-              <a:t>、</a:t>
-            </a:r>
-            <a:r>
-              <a:rPr lang="en-US" altLang="zh-CN" sz="2400" dirty="0" err="1" smtClean="0"/>
-              <a:t>Netty</a:t>
-            </a:r>
-            <a:r>
-              <a:rPr lang="zh-CN" altLang="en-US" sz="2400" dirty="0" smtClean="0"/>
+              <a:rPr lang="zh-CN" altLang="en-US" sz="2400" dirty="0" smtClean="0">
+                <a:latin typeface="+mn-ea"/>
+              </a:rPr>
               <a:t>常用场景</a:t>
             </a:r>
-            <a:endParaRPr lang="en-US" altLang="zh-CN" sz="2400" dirty="0" smtClean="0"/>
-          </a:p>
-          <a:p>
-            <a:r>
-              <a:rPr lang="en-US" altLang="zh-CN" sz="2400" dirty="0" smtClean="0"/>
+            <a:endParaRPr lang="en-US" altLang="zh-CN" sz="2400" dirty="0" smtClean="0">
+              <a:latin typeface="+mn-ea"/>
+            </a:endParaRPr>
+          </a:p>
+          <a:p>
+            <a:r>
+              <a:rPr lang="en-US" altLang="zh-CN" sz="2400" dirty="0" smtClean="0">
+                <a:latin typeface="+mn-ea"/>
+              </a:rPr>
               <a:t>6</a:t>
             </a:r>
             <a:r>
-              <a:rPr lang="zh-CN" altLang="en-US" sz="2400" dirty="0"/>
+              <a:rPr lang="zh-CN" altLang="en-US" sz="2400" dirty="0">
+                <a:latin typeface="+mn-ea"/>
+              </a:rPr>
               <a:t>、源码简单</a:t>
             </a:r>
             <a:r>
-              <a:rPr lang="zh-CN" altLang="en-US" sz="2400" dirty="0" smtClean="0"/>
+              <a:rPr lang="zh-CN" altLang="en-US" sz="2400" dirty="0" smtClean="0">
+                <a:latin typeface="+mn-ea"/>
+              </a:rPr>
               <a:t>解析</a:t>
             </a:r>
-            <a:endParaRPr lang="en-US" altLang="zh-CN" sz="2400" dirty="0" smtClean="0"/>
+            <a:endParaRPr lang="en-US" altLang="zh-CN" sz="2400" dirty="0" smtClean="0">
+              <a:latin typeface="+mn-ea"/>
+            </a:endParaRPr>
           </a:p>
           <a:p>
             <a:endParaRPr lang="en-US" altLang="zh-CN" dirty="0" smtClean="0"/>
@@ -4836,49 +6561,79 @@
           </a:p>
           <a:p>
             <a:r>
-              <a:rPr lang="en-US" altLang="zh-CN" sz="2400" dirty="0"/>
+              <a:rPr lang="en-US" altLang="zh-CN" sz="2400" dirty="0">
+                <a:latin typeface="+mn-ea"/>
+              </a:rPr>
               <a:t>1</a:t>
             </a:r>
             <a:r>
-              <a:rPr lang="zh-CN" altLang="en-US" sz="2400" dirty="0"/>
+              <a:rPr lang="zh-CN" altLang="en-US" sz="2400" dirty="0">
+                <a:latin typeface="+mn-ea"/>
+              </a:rPr>
               <a:t>、了解</a:t>
             </a:r>
             <a:r>
-              <a:rPr lang="en-US" altLang="zh-CN" sz="2400" dirty="0"/>
+              <a:rPr lang="en-US" altLang="zh-CN" sz="2400" dirty="0">
+                <a:latin typeface="+mn-ea"/>
+              </a:rPr>
               <a:t>Java</a:t>
             </a:r>
             <a:r>
-              <a:rPr lang="zh-CN" altLang="en-US" sz="2400" dirty="0"/>
+              <a:rPr lang="zh-CN" altLang="en-US" sz="2400" dirty="0">
+                <a:latin typeface="+mn-ea"/>
+              </a:rPr>
               <a:t>原</a:t>
             </a:r>
             <a:r>
-              <a:rPr lang="zh-CN" altLang="en-US" sz="2400" dirty="0" smtClean="0"/>
+              <a:rPr lang="zh-CN" altLang="en-US" sz="2400" dirty="0" smtClean="0">
+                <a:latin typeface="+mn-ea"/>
+              </a:rPr>
               <a:t>生</a:t>
             </a:r>
             <a:r>
-              <a:rPr lang="en-US" altLang="zh-CN" sz="2400" dirty="0" smtClean="0"/>
+              <a:rPr lang="en-US" altLang="zh-CN" sz="2400" dirty="0" smtClean="0">
+                <a:latin typeface="+mn-ea"/>
+              </a:rPr>
               <a:t>IO</a:t>
             </a:r>
-            <a:endParaRPr lang="en-US" altLang="zh-CN" sz="2400" dirty="0"/>
-          </a:p>
-          <a:p>
-            <a:r>
-              <a:rPr lang="en-US" altLang="zh-CN" sz="2400" dirty="0" smtClean="0"/>
+            <a:endParaRPr lang="en-US" altLang="zh-CN" sz="2400" dirty="0">
+              <a:latin typeface="+mn-ea"/>
+            </a:endParaRPr>
+          </a:p>
+          <a:p>
+            <a:r>
+              <a:rPr lang="en-US" altLang="zh-CN" sz="2400" dirty="0" smtClean="0">
+                <a:latin typeface="+mn-ea"/>
+              </a:rPr>
               <a:t>2</a:t>
             </a:r>
             <a:r>
-              <a:rPr lang="zh-CN" altLang="en-US" sz="2400" dirty="0"/>
+              <a:rPr lang="zh-CN" altLang="en-US" sz="2400" dirty="0">
+                <a:latin typeface="+mn-ea"/>
+              </a:rPr>
               <a:t>、了解</a:t>
             </a:r>
             <a:r>
-              <a:rPr lang="en-US" altLang="zh-CN" sz="2400" dirty="0" err="1"/>
+              <a:rPr lang="en-US" altLang="zh-CN" sz="2400" dirty="0" err="1" smtClean="0">
+                <a:latin typeface="+mn-ea"/>
+              </a:rPr>
               <a:t>Netty</a:t>
             </a:r>
             <a:r>
-              <a:rPr lang="zh-CN" altLang="en-US" sz="2400" dirty="0"/>
-              <a:t>框架的使用场景</a:t>
-            </a:r>
-            <a:endParaRPr lang="en-US" altLang="zh-CN" sz="2400" dirty="0"/>
+              <a:rPr lang="zh-CN" altLang="en-US" sz="2400" dirty="0" smtClean="0">
+                <a:latin typeface="+mn-ea"/>
+              </a:rPr>
+              <a:t>的</a:t>
+            </a:r>
+            <a:r>
+              <a:rPr lang="zh-CN" altLang="en-US" sz="2400" dirty="0">
+                <a:latin typeface="+mn-ea"/>
+              </a:rPr>
+              <a:t>使用场景</a:t>
+            </a:r>
+            <a:endParaRPr lang="en-US" altLang="zh-CN" sz="2400" dirty="0">
+              <a:latin typeface="+mn-ea"/>
+            </a:endParaRPr>
           </a:p>
         </p:txBody>
       </p:sp>
@@ -5583,8 +7338,8 @@
         </p:nvSpPr>
         <p:spPr>
           <a:xfrm>
-            <a:off x="1" y="0"/>
-            <a:ext cx="4529042" cy="369332"/>
+            <a:off x="0" y="0"/>
+            <a:ext cx="4945380" cy="6740307"/>
           </a:xfrm>
           <a:prstGeom prst="rect">
             <a:avLst/>
@@ -5597,42 +7352,494 @@
           <a:lstStyle/>
           <a:p>
             <a:r>
-              <a:rPr lang="en-US" altLang="zh-CN" u="sng" dirty="0" smtClean="0"/>
-              <a:t>Linux</a:t>
-            </a:r>
-            <a:r>
-              <a:rPr lang="zh-CN" altLang="en-US" u="sng" dirty="0"/>
-              <a:t>查看文件占用</a:t>
-            </a:r>
-            <a:r>
-              <a:rPr lang="en-US" altLang="zh-CN" u="sng" dirty="0"/>
-              <a:t>: /</a:t>
-            </a:r>
-            <a:r>
-              <a:rPr lang="en-US" altLang="zh-CN" u="sng" dirty="0" err="1"/>
+              <a:rPr lang="en-US" altLang="zh-CN" dirty="0" err="1">
+                <a:latin typeface="+mn-ea"/>
+              </a:rPr>
+              <a:t>lsof</a:t>
+            </a:r>
+            <a:r>
+              <a:rPr lang="en-US" altLang="zh-CN" dirty="0">
+                <a:latin typeface="+mn-ea"/>
+              </a:rPr>
+              <a:t> </a:t>
+            </a:r>
+            <a:r>
+              <a:rPr lang="zh-CN" altLang="en-US" dirty="0" smtClean="0">
+                <a:latin typeface="+mn-ea"/>
+              </a:rPr>
+              <a:t>命令</a:t>
+            </a:r>
+            <a:r>
+              <a:rPr lang="en-US" altLang="zh-CN" dirty="0" smtClean="0">
+                <a:latin typeface="+mn-ea"/>
+              </a:rPr>
+              <a:t>(</a:t>
+            </a:r>
+            <a:r>
+              <a:rPr lang="en-US" altLang="zh-CN" dirty="0">
+                <a:latin typeface="+mn-ea"/>
+              </a:rPr>
+              <a:t>list open files</a:t>
+            </a:r>
+            <a:r>
+              <a:rPr lang="en-US" altLang="zh-CN" dirty="0" smtClean="0">
+                <a:latin typeface="+mn-ea"/>
+              </a:rPr>
+              <a:t>)</a:t>
+            </a:r>
+          </a:p>
+          <a:p>
+            <a:endParaRPr lang="en-US" altLang="zh-CN" dirty="0" smtClean="0">
+              <a:latin typeface="+mn-ea"/>
+            </a:endParaRPr>
+          </a:p>
+          <a:p>
+            <a:r>
+              <a:rPr lang="zh-CN" altLang="en-US" dirty="0" smtClean="0">
+                <a:latin typeface="+mn-ea"/>
+              </a:rPr>
+              <a:t>列出</a:t>
+            </a:r>
+            <a:r>
+              <a:rPr lang="zh-CN" altLang="en-US" dirty="0">
+                <a:latin typeface="+mn-ea"/>
+              </a:rPr>
+              <a:t>当前系统打开文件的</a:t>
+            </a:r>
+            <a:r>
+              <a:rPr lang="zh-CN" altLang="en-US" dirty="0">
+                <a:latin typeface="+mn-ea"/>
+              </a:rPr>
+              <a:t>工具，每行显示一个打开的文件，默认如果后面不跟任何东西，将打开系统打开的所有</a:t>
+            </a:r>
+            <a:r>
+              <a:rPr lang="zh-CN" altLang="en-US" dirty="0" smtClean="0">
+                <a:latin typeface="+mn-ea"/>
+              </a:rPr>
+              <a:t>文件</a:t>
+            </a:r>
+            <a:r>
+              <a:rPr lang="zh-CN" altLang="en-US" dirty="0">
+                <a:latin typeface="+mn-ea"/>
+              </a:rPr>
+              <a:t>。</a:t>
+            </a:r>
+            <a:endParaRPr lang="en-US" altLang="zh-CN" dirty="0">
+              <a:latin typeface="+mn-ea"/>
+            </a:endParaRPr>
+          </a:p>
+          <a:p>
+            <a:endParaRPr lang="en-US" altLang="zh-CN" u="sng" dirty="0" smtClean="0">
+              <a:latin typeface="+mn-ea"/>
+            </a:endParaRPr>
+          </a:p>
+          <a:p>
+            <a:r>
+              <a:rPr lang="en-US" altLang="zh-CN" dirty="0" smtClean="0">
+                <a:latin typeface="+mn-ea"/>
+              </a:rPr>
+              <a:t>/</a:t>
+            </a:r>
+            <a:r>
+              <a:rPr lang="en-US" altLang="zh-CN" dirty="0" err="1">
+                <a:latin typeface="+mn-ea"/>
+              </a:rPr>
               <a:t>usr</a:t>
             </a:r>
             <a:r>
-              <a:rPr lang="en-US" altLang="zh-CN" u="sng" dirty="0"/>
+              <a:rPr lang="en-US" altLang="zh-CN" dirty="0">
+                <a:latin typeface="+mn-ea"/>
+              </a:rPr>
               <a:t>/</a:t>
             </a:r>
             <a:r>
-              <a:rPr lang="en-US" altLang="zh-CN" u="sng" dirty="0" err="1"/>
+              <a:rPr lang="en-US" altLang="zh-CN" dirty="0" err="1">
+                <a:latin typeface="+mn-ea"/>
+              </a:rPr>
               <a:t>sbin</a:t>
             </a:r>
             <a:r>
-              <a:rPr lang="en-US" altLang="zh-CN" u="sng" dirty="0"/>
+              <a:rPr lang="en-US" altLang="zh-CN" dirty="0">
+                <a:latin typeface="+mn-ea"/>
+              </a:rPr>
               <a:t>/</a:t>
             </a:r>
             <a:r>
-              <a:rPr lang="en-US" altLang="zh-CN" u="sng" dirty="0" err="1"/>
+              <a:rPr lang="en-US" altLang="zh-CN" dirty="0" err="1">
+                <a:latin typeface="+mn-ea"/>
+              </a:rPr>
               <a:t>lsof</a:t>
             </a:r>
             <a:r>
-              <a:rPr lang="en-US" altLang="zh-CN" u="sng" dirty="0"/>
-              <a:t> -p 6692 -r5</a:t>
-            </a:r>
-            <a:endParaRPr lang="zh-CN" altLang="en-US" dirty="0"/>
+              <a:rPr lang="en-US" altLang="zh-CN" dirty="0">
+                <a:latin typeface="+mn-ea"/>
+              </a:rPr>
+              <a:t> -p 6692 </a:t>
+            </a:r>
+            <a:r>
+              <a:rPr lang="en-US" altLang="zh-CN" dirty="0" smtClean="0">
+                <a:latin typeface="+mn-ea"/>
+              </a:rPr>
+              <a:t>-r 5</a:t>
+            </a:r>
+          </a:p>
+          <a:p>
+            <a:endParaRPr lang="en-US" altLang="zh-CN" dirty="0" smtClean="0">
+              <a:latin typeface="+mn-ea"/>
+            </a:endParaRPr>
+          </a:p>
+          <a:p>
+            <a:r>
+              <a:rPr lang="en-US" altLang="zh-CN" dirty="0" smtClean="0">
+                <a:latin typeface="+mn-ea"/>
+              </a:rPr>
+              <a:t>COMMAND:</a:t>
+            </a:r>
+            <a:r>
+              <a:rPr lang="zh-CN" altLang="en-US" dirty="0" smtClean="0">
+                <a:latin typeface="+mn-ea"/>
+              </a:rPr>
+              <a:t>进程</a:t>
+            </a:r>
+            <a:r>
+              <a:rPr lang="zh-CN" altLang="en-US" dirty="0">
+                <a:latin typeface="+mn-ea"/>
+              </a:rPr>
+              <a:t>名称</a:t>
+            </a:r>
+          </a:p>
+          <a:p>
+            <a:r>
+              <a:rPr lang="en-US" altLang="zh-CN" dirty="0" smtClean="0">
+                <a:latin typeface="+mn-ea"/>
+              </a:rPr>
+              <a:t>PID:</a:t>
+            </a:r>
+            <a:r>
+              <a:rPr lang="zh-CN" altLang="en-US" dirty="0" smtClean="0">
+                <a:latin typeface="+mn-ea"/>
+              </a:rPr>
+              <a:t>进程</a:t>
+            </a:r>
+            <a:r>
+              <a:rPr lang="zh-CN" altLang="en-US" dirty="0">
+                <a:latin typeface="+mn-ea"/>
+              </a:rPr>
+              <a:t>标识符</a:t>
+            </a:r>
+          </a:p>
+          <a:p>
+            <a:r>
+              <a:rPr lang="en-US" altLang="zh-CN" dirty="0" smtClean="0">
+                <a:latin typeface="+mn-ea"/>
+              </a:rPr>
+              <a:t>USER:</a:t>
+            </a:r>
+            <a:r>
+              <a:rPr lang="zh-CN" altLang="en-US" dirty="0" smtClean="0">
+                <a:latin typeface="+mn-ea"/>
+              </a:rPr>
+              <a:t>进程</a:t>
+            </a:r>
+            <a:r>
+              <a:rPr lang="zh-CN" altLang="en-US" dirty="0">
+                <a:latin typeface="+mn-ea"/>
+              </a:rPr>
+              <a:t>所有者</a:t>
+            </a:r>
+          </a:p>
+          <a:p>
+            <a:r>
+              <a:rPr lang="en-US" altLang="zh-CN" dirty="0" smtClean="0">
+                <a:latin typeface="+mn-ea"/>
+              </a:rPr>
+              <a:t>FD:</a:t>
+            </a:r>
+            <a:r>
+              <a:rPr lang="zh-CN" altLang="en-US" dirty="0" smtClean="0">
+                <a:latin typeface="+mn-ea"/>
+              </a:rPr>
+              <a:t>文件</a:t>
+            </a:r>
+            <a:r>
+              <a:rPr lang="zh-CN" altLang="en-US" dirty="0">
+                <a:latin typeface="+mn-ea"/>
+              </a:rPr>
+              <a:t>描述符，应用程序通过文件描述符</a:t>
+            </a:r>
+            <a:r>
+              <a:rPr lang="zh-CN" altLang="en-US" dirty="0" smtClean="0">
+                <a:latin typeface="+mn-ea"/>
+              </a:rPr>
+              <a:t>识别到</a:t>
+            </a:r>
+            <a:r>
+              <a:rPr lang="zh-CN" altLang="en-US" dirty="0">
+                <a:latin typeface="+mn-ea"/>
+              </a:rPr>
+              <a:t>该文件。如</a:t>
+            </a:r>
+            <a:r>
+              <a:rPr lang="en-US" altLang="zh-CN" dirty="0" err="1">
+                <a:latin typeface="+mn-ea"/>
+              </a:rPr>
+              <a:t>cwd</a:t>
+            </a:r>
+            <a:r>
+              <a:rPr lang="zh-CN" altLang="en-US" dirty="0">
+                <a:latin typeface="+mn-ea"/>
+              </a:rPr>
+              <a:t>、</a:t>
+            </a:r>
+            <a:r>
+              <a:rPr lang="en-US" altLang="zh-CN" dirty="0">
+                <a:latin typeface="+mn-ea"/>
+              </a:rPr>
+              <a:t>txt</a:t>
+            </a:r>
+            <a:r>
+              <a:rPr lang="zh-CN" altLang="en-US" dirty="0">
+                <a:latin typeface="+mn-ea"/>
+              </a:rPr>
+              <a:t>等</a:t>
+            </a:r>
+          </a:p>
+          <a:p>
+            <a:r>
+              <a:rPr lang="en-US" altLang="zh-CN" dirty="0" smtClean="0">
+                <a:latin typeface="+mn-ea"/>
+              </a:rPr>
+              <a:t>TYPE:</a:t>
+            </a:r>
+            <a:r>
+              <a:rPr lang="zh-CN" altLang="en-US" dirty="0" smtClean="0">
+                <a:latin typeface="+mn-ea"/>
+              </a:rPr>
+              <a:t>文件类型</a:t>
+            </a:r>
+            <a:r>
+              <a:rPr lang="zh-CN" altLang="en-US" dirty="0">
+                <a:latin typeface="+mn-ea"/>
+              </a:rPr>
+              <a:t>，如</a:t>
+            </a:r>
+            <a:r>
+              <a:rPr lang="en-US" altLang="zh-CN" dirty="0">
+                <a:latin typeface="+mn-ea"/>
+              </a:rPr>
+              <a:t>DIR,REG</a:t>
+            </a:r>
+          </a:p>
+          <a:p>
+            <a:r>
+              <a:rPr lang="en-US" altLang="zh-CN" dirty="0" smtClean="0">
+                <a:latin typeface="+mn-ea"/>
+              </a:rPr>
+              <a:t>DEVICE:</a:t>
+            </a:r>
+            <a:r>
+              <a:rPr lang="zh-CN" altLang="en-US" dirty="0" smtClean="0">
+                <a:latin typeface="+mn-ea"/>
+              </a:rPr>
+              <a:t>指定</a:t>
+            </a:r>
+            <a:r>
+              <a:rPr lang="zh-CN" altLang="en-US" dirty="0">
+                <a:latin typeface="+mn-ea"/>
+              </a:rPr>
+              <a:t>磁盘名称</a:t>
+            </a:r>
+          </a:p>
+          <a:p>
+            <a:r>
+              <a:rPr lang="en-US" altLang="zh-CN" dirty="0" smtClean="0">
+                <a:latin typeface="+mn-ea"/>
+              </a:rPr>
+              <a:t>SIZE:</a:t>
+            </a:r>
+            <a:r>
+              <a:rPr lang="zh-CN" altLang="en-US" dirty="0" smtClean="0">
+                <a:latin typeface="+mn-ea"/>
+              </a:rPr>
+              <a:t>文件</a:t>
+            </a:r>
+            <a:r>
+              <a:rPr lang="zh-CN" altLang="en-US" dirty="0">
+                <a:latin typeface="+mn-ea"/>
+              </a:rPr>
+              <a:t>大小</a:t>
+            </a:r>
+          </a:p>
+          <a:p>
+            <a:r>
+              <a:rPr lang="en-US" altLang="zh-CN" dirty="0" smtClean="0">
+                <a:latin typeface="+mn-ea"/>
+              </a:rPr>
+              <a:t>NODE:</a:t>
+            </a:r>
+            <a:r>
+              <a:rPr lang="zh-CN" altLang="en-US" dirty="0" smtClean="0">
+                <a:latin typeface="+mn-ea"/>
+              </a:rPr>
+              <a:t>索引</a:t>
+            </a:r>
+            <a:r>
+              <a:rPr lang="zh-CN" altLang="en-US" dirty="0">
+                <a:latin typeface="+mn-ea"/>
+              </a:rPr>
+              <a:t>节点（文件在磁盘上的标识）</a:t>
+            </a:r>
+          </a:p>
+          <a:p>
+            <a:r>
+              <a:rPr lang="en-US" altLang="zh-CN" dirty="0" smtClean="0">
+                <a:latin typeface="+mn-ea"/>
+              </a:rPr>
+              <a:t>NAME:</a:t>
+            </a:r>
+            <a:r>
+              <a:rPr lang="zh-CN" altLang="en-US" dirty="0" smtClean="0">
+                <a:latin typeface="+mn-ea"/>
+              </a:rPr>
+              <a:t>打开</a:t>
+            </a:r>
+            <a:r>
+              <a:rPr lang="zh-CN" altLang="en-US" dirty="0">
+                <a:latin typeface="+mn-ea"/>
+              </a:rPr>
+              <a:t>文件的确切</a:t>
+            </a:r>
+            <a:r>
+              <a:rPr lang="zh-CN" altLang="en-US" dirty="0" smtClean="0">
+                <a:latin typeface="+mn-ea"/>
+              </a:rPr>
+              <a:t>名称</a:t>
+            </a:r>
+            <a:endParaRPr lang="en-US" altLang="zh-CN" dirty="0" smtClean="0">
+              <a:latin typeface="+mn-ea"/>
+            </a:endParaRPr>
+          </a:p>
+          <a:p>
+            <a:endParaRPr lang="en-US" altLang="zh-CN" dirty="0">
+              <a:latin typeface="+mn-ea"/>
+            </a:endParaRPr>
+          </a:p>
+          <a:p>
+            <a:r>
+              <a:rPr lang="zh-CN" altLang="en-US" dirty="0" smtClean="0">
+                <a:latin typeface="+mn-ea"/>
+              </a:rPr>
+              <a:t>结论：</a:t>
+            </a:r>
+            <a:r>
+              <a:rPr lang="en-US" altLang="zh-CN" dirty="0" err="1" smtClean="0">
+                <a:latin typeface="+mn-ea"/>
+              </a:rPr>
+              <a:t>jvm</a:t>
+            </a:r>
+            <a:r>
+              <a:rPr lang="zh-CN" altLang="en-US" dirty="0" smtClean="0">
+                <a:latin typeface="+mn-ea"/>
+              </a:rPr>
+              <a:t>在</a:t>
+            </a:r>
+            <a:r>
+              <a:rPr lang="en-US" altLang="zh-CN" dirty="0" smtClean="0">
+                <a:latin typeface="+mn-ea"/>
+              </a:rPr>
+              <a:t>full </a:t>
+            </a:r>
+            <a:r>
+              <a:rPr lang="en-US" altLang="zh-CN" dirty="0" err="1" smtClean="0">
+                <a:latin typeface="+mn-ea"/>
+              </a:rPr>
+              <a:t>gc</a:t>
+            </a:r>
+            <a:r>
+              <a:rPr lang="en-US" altLang="zh-CN" dirty="0" smtClean="0">
+                <a:latin typeface="+mn-ea"/>
+              </a:rPr>
+              <a:t>()</a:t>
+            </a:r>
+            <a:r>
+              <a:rPr lang="zh-CN" altLang="en-US" dirty="0" smtClean="0">
+                <a:latin typeface="+mn-ea"/>
+              </a:rPr>
+              <a:t>时，会将运行结束线程中的</a:t>
+            </a:r>
+            <a:r>
+              <a:rPr lang="en-US" altLang="zh-CN" dirty="0" smtClean="0">
+                <a:latin typeface="+mn-ea"/>
+              </a:rPr>
+              <a:t>IO</a:t>
+            </a:r>
+            <a:r>
+              <a:rPr lang="zh-CN" altLang="en-US" dirty="0" smtClean="0">
+                <a:latin typeface="+mn-ea"/>
+              </a:rPr>
+              <a:t>流关闭。</a:t>
+            </a:r>
+            <a:endParaRPr lang="en-US" altLang="zh-CN" dirty="0" smtClean="0">
+              <a:latin typeface="+mn-ea"/>
+            </a:endParaRPr>
+          </a:p>
+          <a:p>
+            <a:endParaRPr lang="en-US" altLang="zh-CN" dirty="0" smtClean="0">
+              <a:latin typeface="+mn-ea"/>
+            </a:endParaRPr>
+          </a:p>
+          <a:p>
+            <a:r>
+              <a:rPr lang="zh-CN" altLang="en-US" dirty="0" smtClean="0">
+                <a:solidFill>
+                  <a:srgbClr val="002060"/>
+                </a:solidFill>
+                <a:latin typeface="+mn-ea"/>
+              </a:rPr>
+              <a:t>疑问：未</a:t>
+            </a:r>
+            <a:r>
+              <a:rPr lang="zh-CN" altLang="en-US" dirty="0">
+                <a:solidFill>
+                  <a:srgbClr val="002060"/>
+                </a:solidFill>
+                <a:latin typeface="+mn-ea"/>
+              </a:rPr>
+              <a:t>运行结束线程的</a:t>
+            </a:r>
+            <a:r>
+              <a:rPr lang="en-US" altLang="zh-CN" dirty="0">
+                <a:solidFill>
+                  <a:srgbClr val="002060"/>
+                </a:solidFill>
+                <a:latin typeface="+mn-ea"/>
+              </a:rPr>
+              <a:t>IO</a:t>
+            </a:r>
+            <a:r>
+              <a:rPr lang="zh-CN" altLang="en-US" dirty="0">
+                <a:solidFill>
+                  <a:srgbClr val="002060"/>
+                </a:solidFill>
+                <a:latin typeface="+mn-ea"/>
+              </a:rPr>
+              <a:t>流不关闭？超过对象作用域自动关闭</a:t>
+            </a:r>
+            <a:r>
+              <a:rPr lang="zh-CN" altLang="en-US" dirty="0">
+                <a:solidFill>
+                  <a:srgbClr val="002060"/>
+                </a:solidFill>
+                <a:latin typeface="+mn-ea"/>
+              </a:rPr>
+              <a:t>？</a:t>
+            </a:r>
+            <a:endParaRPr lang="en-US" altLang="zh-CN" dirty="0">
+              <a:solidFill>
+                <a:srgbClr val="002060"/>
+              </a:solidFill>
+              <a:latin typeface="+mn-ea"/>
+            </a:endParaRPr>
           </a:p>
         </p:txBody>
       </p:sp>
@@ -5646,6 +7853,13 @@
   <p:clrMapOvr>
     <a:masterClrMapping/>
   </p:clrMapOvr>
+  <p:timing>
+    <p:tnLst>
+      <p:par>
+        <p:cTn id="1" dur="indefinite" restart="never" nodeType="tmRoot"/>
+      </p:par>
+    </p:tnLst>
+  </p:timing>
 </p:sld>
 </file>
 
@@ -5668,14 +7882,14 @@
       </p:grpSpPr>
       <p:sp>
         <p:nvSpPr>
-          <p:cNvPr id="4" name="矩形 3"/>
+          <p:cNvPr id="2" name="矩形 1"/>
           <p:cNvSpPr/>
           <p:nvPr/>
         </p:nvSpPr>
         <p:spPr>
           <a:xfrm>
-            <a:off x="316417" y="257294"/>
-            <a:ext cx="4847766" cy="923330"/>
+            <a:off x="0" y="0"/>
+            <a:ext cx="12192000" cy="6217087"/>
           </a:xfrm>
           <a:prstGeom prst="rect">
             <a:avLst/>
@@ -5688,196 +7902,603 @@
           <a:lstStyle/>
           <a:p>
             <a:r>
-              <a:rPr lang="zh-CN" altLang="en-US" b="1" dirty="0"/>
-              <a:t>网络编程释疑之：同步，异步，阻塞，非</a:t>
-            </a:r>
-            <a:r>
-              <a:rPr lang="zh-CN" altLang="en-US" b="1" dirty="0" smtClean="0"/>
-              <a:t>阻塞</a:t>
-            </a:r>
-            <a:endParaRPr lang="en-US" altLang="zh-CN" b="1" dirty="0" smtClean="0"/>
-          </a:p>
-          <a:p>
-            <a:endParaRPr lang="en-US" altLang="zh-CN" b="1" dirty="0" smtClean="0"/>
-          </a:p>
-          <a:p>
+              <a:rPr lang="zh-CN" altLang="en-US" sz="2000" b="1" dirty="0" smtClean="0">
+                <a:latin typeface="+mn-ea"/>
+              </a:rPr>
+              <a:t>文件句柄</a:t>
+            </a:r>
+            <a:endParaRPr lang="en-US" altLang="zh-CN" sz="2000" b="1" dirty="0" smtClean="0">
+              <a:latin typeface="+mn-ea"/>
+            </a:endParaRPr>
+          </a:p>
+          <a:p>
+            <a:r>
+              <a:rPr lang="en-US" altLang="zh-CN" b="1" dirty="0">
+                <a:latin typeface="+mn-ea"/>
+              </a:rPr>
+              <a:t> </a:t>
+            </a:r>
+            <a:r>
+              <a:rPr lang="en-US" altLang="zh-CN" b="1" dirty="0" smtClean="0">
+                <a:latin typeface="+mn-ea"/>
+              </a:rPr>
+              <a:t>   </a:t>
+            </a:r>
+            <a:r>
+              <a:rPr lang="zh-CN" altLang="en-US" dirty="0" smtClean="0">
+                <a:latin typeface="+mn-ea"/>
+              </a:rPr>
+              <a:t>在</a:t>
+            </a:r>
+            <a:r>
+              <a:rPr lang="zh-CN" altLang="en-US" dirty="0">
+                <a:latin typeface="+mn-ea"/>
+              </a:rPr>
+              <a:t>文件</a:t>
+            </a:r>
+            <a:r>
+              <a:rPr lang="en-US" altLang="zh-CN" dirty="0">
+                <a:latin typeface="+mn-ea"/>
+              </a:rPr>
+              <a:t>I/O</a:t>
+            </a:r>
+            <a:r>
+              <a:rPr lang="zh-CN" altLang="en-US" dirty="0">
+                <a:latin typeface="+mn-ea"/>
+              </a:rPr>
+              <a:t>中，要从一个文件读取数据，应用程序首先要调用操作系统函数并传送文件名，并选一个到该文件的路径来打开文件。该函数取回一个顺序号，即文件句柄（</a:t>
+            </a:r>
+            <a:r>
+              <a:rPr lang="en-US" altLang="zh-CN" dirty="0">
+                <a:latin typeface="+mn-ea"/>
+              </a:rPr>
+              <a:t>file handle</a:t>
+            </a:r>
+            <a:r>
+              <a:rPr lang="zh-CN" altLang="en-US" dirty="0">
+                <a:latin typeface="+mn-ea"/>
+              </a:rPr>
+              <a:t>），该文件句柄对于打开的文件是唯一的识别依据。要从文件中读取一块数据，应用程序需要调用函数</a:t>
+            </a:r>
+            <a:r>
+              <a:rPr lang="en-US" altLang="zh-CN" dirty="0" err="1">
+                <a:latin typeface="+mn-ea"/>
+              </a:rPr>
+              <a:t>ReadFile</a:t>
+            </a:r>
+            <a:r>
+              <a:rPr lang="zh-CN" altLang="en-US" dirty="0">
+                <a:latin typeface="+mn-ea"/>
+              </a:rPr>
+              <a:t>，并将文件句柄在内存中的地址和要拷贝的字节数传送给操作系统。当完成任务后，再通过调用系统函数来关闭该文件</a:t>
+            </a:r>
+            <a:r>
+              <a:rPr lang="zh-CN" altLang="en-US" dirty="0" smtClean="0">
+                <a:latin typeface="+mn-ea"/>
+              </a:rPr>
+              <a:t>。</a:t>
+            </a:r>
+            <a:endParaRPr lang="en-US" altLang="zh-CN" dirty="0" smtClean="0">
+              <a:latin typeface="+mn-ea"/>
+            </a:endParaRPr>
+          </a:p>
+          <a:p>
+            <a:endParaRPr lang="en-US" altLang="zh-CN" dirty="0">
+              <a:latin typeface="+mn-ea"/>
+            </a:endParaRPr>
+          </a:p>
+          <a:p>
+            <a:r>
+              <a:rPr lang="zh-CN" altLang="en-US" dirty="0">
+                <a:latin typeface="+mn-ea"/>
+              </a:rPr>
+              <a:t>问题阐述：</a:t>
+            </a:r>
+          </a:p>
+          <a:p>
+            <a:r>
+              <a:rPr lang="en-US" altLang="zh-CN" b="1" dirty="0">
+                <a:latin typeface="+mn-ea"/>
+              </a:rPr>
+              <a:t> </a:t>
+            </a:r>
+            <a:r>
+              <a:rPr lang="en-US" altLang="zh-CN" b="1" dirty="0" smtClean="0">
+                <a:latin typeface="+mn-ea"/>
+              </a:rPr>
+              <a:t>   </a:t>
+            </a:r>
             <a:r>
               <a:rPr lang="en-US" altLang="zh-CN" dirty="0" smtClean="0">
-                <a:hlinkClick r:id="rId3"/>
-              </a:rPr>
-              <a:t>《</a:t>
+                <a:latin typeface="+mn-ea"/>
+              </a:rPr>
+              <a:t>too</a:t>
             </a:r>
             <a:r>
               <a:rPr lang="en-US" altLang="zh-CN" dirty="0">
-                <a:hlinkClick r:id="rId3"/>
-              </a:rPr>
-              <a:t>UNIX</a:t>
+                <a:latin typeface="+mn-ea"/>
+              </a:rPr>
+              <a:t> many open files</a:t>
             </a:r>
             <a:r>
               <a:rPr lang="zh-CN" altLang="en-US" dirty="0">
-                <a:hlinkClick r:id="rId3"/>
-              </a:rPr>
-              <a:t>网络编程：卷一</a:t>
+                <a:latin typeface="+mn-ea"/>
+              </a:rPr>
+              <a:t>：顾名思义即打开过多文件数</a:t>
+            </a:r>
+            <a:r>
+              <a:rPr lang="zh-CN" altLang="en-US" dirty="0" smtClean="0">
+                <a:latin typeface="+mn-ea"/>
+              </a:rPr>
+              <a:t>。</a:t>
+            </a:r>
+            <a:endParaRPr lang="en-US" altLang="zh-CN" dirty="0" smtClean="0">
+              <a:latin typeface="+mn-ea"/>
+            </a:endParaRPr>
+          </a:p>
+          <a:p>
+            <a:r>
+              <a:rPr lang="zh-CN" altLang="en-US" dirty="0" smtClean="0">
+                <a:latin typeface="+mn-ea"/>
+              </a:rPr>
+              <a:t>这里</a:t>
+            </a:r>
+            <a:r>
+              <a:rPr lang="zh-CN" altLang="en-US" dirty="0">
+                <a:latin typeface="+mn-ea"/>
+              </a:rPr>
+              <a:t>的</a:t>
             </a:r>
             <a:r>
               <a:rPr lang="en-US" altLang="zh-CN" dirty="0">
-                <a:hlinkClick r:id="rId3"/>
-              </a:rPr>
-              <a:t>》</a:t>
+                <a:latin typeface="+mn-ea"/>
+              </a:rPr>
+              <a:t>files</a:t>
+            </a:r>
+            <a:r>
+              <a:rPr lang="zh-CN" altLang="en-US" dirty="0">
+                <a:latin typeface="+mn-ea"/>
+              </a:rPr>
+              <a:t>不单是文件的意思，也包括打开的通讯链接</a:t>
+            </a:r>
+            <a:r>
+              <a:rPr lang="en-US" altLang="zh-CN" dirty="0">
+                <a:latin typeface="+mn-ea"/>
+              </a:rPr>
+              <a:t>(</a:t>
+            </a:r>
+            <a:r>
+              <a:rPr lang="zh-CN" altLang="en-US" dirty="0" smtClean="0">
+                <a:latin typeface="+mn-ea"/>
+              </a:rPr>
+              <a:t>比如</a:t>
+            </a:r>
+            <a:r>
+              <a:rPr lang="en-US" altLang="zh-CN" dirty="0" smtClean="0">
+                <a:latin typeface="+mn-ea"/>
+              </a:rPr>
+              <a:t>socket</a:t>
+            </a:r>
+            <a:r>
+              <a:rPr lang="en-US" altLang="zh-CN" dirty="0">
+                <a:latin typeface="+mn-ea"/>
+              </a:rPr>
+              <a:t>)</a:t>
+            </a:r>
+            <a:r>
+              <a:rPr lang="zh-CN" altLang="en-US" dirty="0">
+                <a:latin typeface="+mn-ea"/>
+              </a:rPr>
+              <a:t>，正在监听的端口等等，所以有时候也可以叫做句柄</a:t>
+            </a:r>
+            <a:r>
+              <a:rPr lang="en-US" altLang="zh-CN" dirty="0" smtClean="0">
+                <a:latin typeface="+mn-ea"/>
+              </a:rPr>
+              <a:t>(handle</a:t>
+            </a:r>
+            <a:r>
+              <a:rPr lang="en-US" altLang="zh-CN" dirty="0">
+                <a:latin typeface="+mn-ea"/>
+              </a:rPr>
+              <a:t>)</a:t>
+            </a:r>
+            <a:r>
+              <a:rPr lang="zh-CN" altLang="en-US" dirty="0">
+                <a:latin typeface="+mn-ea"/>
+              </a:rPr>
+              <a:t>，这个错误通常也可以叫做句柄数超出系统限制。</a:t>
+            </a:r>
+          </a:p>
+          <a:p>
+            <a:endParaRPr lang="zh-CN" altLang="en-US" dirty="0">
+              <a:latin typeface="+mn-ea"/>
+            </a:endParaRPr>
+          </a:p>
+          <a:p>
+            <a:r>
+              <a:rPr lang="zh-CN" altLang="en-US" dirty="0" smtClean="0">
+                <a:latin typeface="+mn-ea"/>
+              </a:rPr>
+              <a:t>产生原因：</a:t>
+            </a:r>
+            <a:endParaRPr lang="zh-CN" altLang="en-US" dirty="0">
+              <a:latin typeface="+mn-ea"/>
+            </a:endParaRPr>
+          </a:p>
+          <a:p>
+            <a:r>
+              <a:rPr lang="zh-CN" altLang="en-US" dirty="0" smtClean="0">
+                <a:latin typeface="+mn-ea"/>
+              </a:rPr>
+              <a:t>    经常</a:t>
+            </a:r>
+            <a:r>
+              <a:rPr lang="zh-CN" altLang="en-US" dirty="0">
+                <a:latin typeface="+mn-ea"/>
+              </a:rPr>
+              <a:t>在</a:t>
+            </a:r>
+            <a:r>
+              <a:rPr lang="zh-CN" altLang="en-US" dirty="0" smtClean="0">
+                <a:latin typeface="+mn-ea"/>
+              </a:rPr>
+              <a:t>使用</a:t>
+            </a:r>
+            <a:r>
+              <a:rPr lang="en-US" altLang="zh-CN" dirty="0" err="1" smtClean="0">
+                <a:latin typeface="+mn-ea"/>
+              </a:rPr>
+              <a:t>linux</a:t>
+            </a:r>
+            <a:r>
+              <a:rPr lang="zh-CN" altLang="en-US" dirty="0">
+                <a:latin typeface="+mn-ea"/>
+              </a:rPr>
+              <a:t>的时候出现，大多数情况是由于程序没有正常关闭一些资源引起的，所以出现这种情况，请</a:t>
+            </a:r>
+            <a:r>
+              <a:rPr lang="zh-CN" altLang="en-US" dirty="0" smtClean="0">
+                <a:latin typeface="+mn-ea"/>
+              </a:rPr>
+              <a:t>检查</a:t>
+            </a:r>
+            <a:r>
+              <a:rPr lang="en-US" altLang="zh-CN" dirty="0" smtClean="0">
+                <a:latin typeface="+mn-ea"/>
+              </a:rPr>
+              <a:t>IO</a:t>
+            </a:r>
+            <a:r>
+              <a:rPr lang="zh-CN" altLang="en-US" dirty="0" smtClean="0">
+                <a:latin typeface="+mn-ea"/>
+              </a:rPr>
+              <a:t>读写，</a:t>
+            </a:r>
+            <a:r>
+              <a:rPr lang="en-US" altLang="zh-CN" dirty="0" smtClean="0">
+                <a:latin typeface="+mn-ea"/>
+              </a:rPr>
+              <a:t>socket</a:t>
+            </a:r>
+            <a:r>
+              <a:rPr lang="zh-CN" altLang="en-US" dirty="0">
+                <a:latin typeface="+mn-ea"/>
+              </a:rPr>
+              <a:t>通讯等是否正常关闭</a:t>
+            </a:r>
+            <a:r>
+              <a:rPr lang="zh-CN" altLang="en-US" dirty="0" smtClean="0">
+                <a:latin typeface="+mn-ea"/>
+              </a:rPr>
+              <a:t>。</a:t>
+            </a:r>
+            <a:r>
+              <a:rPr lang="en-US" altLang="zh-CN" dirty="0" smtClean="0">
+                <a:latin typeface="+mn-ea"/>
+              </a:rPr>
+              <a:t>Linux</a:t>
+            </a:r>
+            <a:r>
+              <a:rPr lang="zh-CN" altLang="en-US" dirty="0">
+                <a:latin typeface="+mn-ea"/>
+              </a:rPr>
+              <a:t>是有文件句柄限制的</a:t>
+            </a:r>
+            <a:r>
+              <a:rPr lang="zh-CN" altLang="en-US" dirty="0" smtClean="0">
+                <a:latin typeface="+mn-ea"/>
+              </a:rPr>
+              <a:t>，默认一般都是</a:t>
+            </a:r>
+            <a:r>
+              <a:rPr lang="en-US" altLang="zh-CN" dirty="0" smtClean="0">
+                <a:latin typeface="+mn-ea"/>
+              </a:rPr>
+              <a:t>1024</a:t>
+            </a:r>
+            <a:r>
+              <a:rPr lang="zh-CN" altLang="en-US" dirty="0" smtClean="0">
+                <a:latin typeface="+mn-ea"/>
+              </a:rPr>
+              <a:t>。</a:t>
+            </a:r>
+            <a:endParaRPr lang="en-US" altLang="zh-CN" dirty="0" smtClean="0">
+              <a:latin typeface="+mn-ea"/>
+            </a:endParaRPr>
+          </a:p>
+          <a:p>
+            <a:endParaRPr lang="en-US" altLang="zh-CN" dirty="0">
+              <a:latin typeface="+mn-ea"/>
+            </a:endParaRPr>
+          </a:p>
+          <a:p>
+            <a:endParaRPr lang="en-US" altLang="zh-CN" dirty="0" smtClean="0">
+              <a:latin typeface="+mn-ea"/>
+            </a:endParaRPr>
+          </a:p>
+          <a:p>
+            <a:endParaRPr lang="zh-CN" altLang="en-US" dirty="0">
+              <a:latin typeface="+mn-ea"/>
+            </a:endParaRPr>
+          </a:p>
+          <a:p>
+            <a:r>
+              <a:rPr lang="zh-CN" altLang="en-US" dirty="0" smtClean="0"/>
+              <a:t>分析</a:t>
             </a:r>
             <a:r>
               <a:rPr lang="zh-CN" altLang="en-US" dirty="0"/>
-              <a:t>第六章</a:t>
+              <a:t>句柄数，查找原因</a:t>
+            </a:r>
+            <a:r>
+              <a:rPr lang="zh-CN" altLang="en-US" dirty="0" smtClean="0"/>
+              <a:t>，需要</a:t>
+            </a:r>
+            <a:r>
+              <a:rPr lang="zh-CN" altLang="en-US" dirty="0"/>
+              <a:t>用到</a:t>
+            </a:r>
+            <a:r>
+              <a:rPr lang="en-US" altLang="zh-CN" dirty="0" err="1"/>
+              <a:t>lsof</a:t>
+            </a:r>
+            <a:r>
+              <a:rPr lang="zh-CN" altLang="en-US" dirty="0"/>
+              <a:t>这个命令</a:t>
+            </a:r>
+            <a:r>
+              <a:rPr lang="zh-CN" altLang="en-US" dirty="0" smtClean="0"/>
+              <a:t>了</a:t>
+            </a:r>
+            <a:endParaRPr lang="zh-CN" altLang="en-US" dirty="0"/>
+          </a:p>
+          <a:p>
+            <a:r>
+              <a:rPr lang="zh-CN" altLang="en-US" dirty="0" smtClean="0"/>
+              <a:t>（</a:t>
             </a:r>
             <a:r>
               <a:rPr lang="en-US" altLang="zh-CN" dirty="0"/>
-              <a:t>——I/O</a:t>
+              <a:t>1</a:t>
             </a:r>
             <a:r>
               <a:rPr lang="zh-CN" altLang="en-US" dirty="0"/>
-              <a:t>复用</a:t>
-            </a:r>
-            <a:endParaRPr lang="zh-CN" altLang="en-US" b="1" dirty="0"/>
-          </a:p>
-        </p:txBody>
-      </p:sp>
-      <p:pic>
-        <p:nvPicPr>
-          <p:cNvPr id="1026" name="Picture 2" descr="https://pic3.zhimg.com/80/e83d68da03da2e8c1568b4b4b630edfd_hd.jpg"/>
-          <p:cNvPicPr>
-            <a:picLocks noChangeAspect="1" noChangeArrowheads="1"/>
-          </p:cNvPicPr>
-          <p:nvPr/>
-        </p:nvPicPr>
-        <p:blipFill>
-          <a:blip r:embed="rId4">
-            <a:extLst>
-              <a:ext uri="{28A0092B-C50C-407E-A947-70E740481C1C}">
-                <a14:useLocalDpi xmlns:a14="http://schemas.microsoft.com/office/drawing/2010/main" val="0"/>
-              </a:ext>
-            </a:extLst>
-          </a:blip>
-          <a:srcRect/>
-          <a:stretch>
-            <a:fillRect/>
-          </a:stretch>
-        </p:blipFill>
-        <p:spPr bwMode="auto">
-          <a:xfrm>
-            <a:off x="316417" y="1285623"/>
-            <a:ext cx="6858000" cy="3600451"/>
-          </a:xfrm>
-          <a:prstGeom prst="rect">
-            <a:avLst/>
-          </a:prstGeom>
-          <a:noFill/>
-          <a:extLst>
-            <a:ext uri="{909E8E84-426E-40DD-AFC4-6F175D3DCCD1}">
-              <a14:hiddenFill xmlns:a14="http://schemas.microsoft.com/office/drawing/2010/main">
-                <a:solidFill>
-                  <a:srgbClr val="FFFFFF"/>
-                </a:solidFill>
-              </a14:hiddenFill>
-            </a:ext>
-          </a:extLst>
-        </p:spPr>
-      </p:pic>
-      <p:sp>
-        <p:nvSpPr>
-          <p:cNvPr id="6" name="矩形 5"/>
-          <p:cNvSpPr/>
-          <p:nvPr/>
-        </p:nvSpPr>
-        <p:spPr>
-          <a:xfrm>
-            <a:off x="316417" y="5268072"/>
-            <a:ext cx="11199223" cy="923330"/>
-          </a:xfrm>
-          <a:prstGeom prst="rect">
-            <a:avLst/>
-          </a:prstGeom>
-        </p:spPr>
-        <p:txBody>
-          <a:bodyPr wrap="square">
-            <a:spAutoFit/>
-          </a:bodyPr>
-          <a:lstStyle/>
-          <a:p>
+              <a:t>）统计各进程打开句柄数</a:t>
+            </a:r>
+            <a:r>
+              <a:rPr lang="zh-CN" altLang="en-US" dirty="0" smtClean="0"/>
+              <a:t>：</a:t>
+            </a:r>
+            <a:r>
+              <a:rPr lang="en-US" altLang="zh-CN" dirty="0"/>
+              <a:t> </a:t>
+            </a:r>
+            <a:r>
+              <a:rPr lang="en-US" altLang="zh-CN" dirty="0" err="1" smtClean="0"/>
+              <a:t>lsof</a:t>
+            </a:r>
+            <a:r>
+              <a:rPr lang="en-US" altLang="zh-CN" dirty="0" smtClean="0"/>
+              <a:t> -</a:t>
+            </a:r>
+            <a:r>
+              <a:rPr lang="en-US" altLang="zh-CN" dirty="0" err="1" smtClean="0"/>
+              <a:t>n|awk</a:t>
+            </a:r>
+            <a:r>
+              <a:rPr lang="en-US" altLang="zh-CN" dirty="0" smtClean="0"/>
+              <a:t> '{print $2}'|</a:t>
+            </a:r>
+            <a:r>
+              <a:rPr lang="en-US" altLang="zh-CN" dirty="0" err="1" smtClean="0"/>
+              <a:t>sort|uniq</a:t>
+            </a:r>
+            <a:r>
+              <a:rPr lang="en-US" altLang="zh-CN" dirty="0" smtClean="0"/>
+              <a:t> -</a:t>
+            </a:r>
+            <a:r>
+              <a:rPr lang="en-US" altLang="zh-CN" dirty="0" err="1" smtClean="0"/>
+              <a:t>c|sort</a:t>
+            </a:r>
+            <a:r>
+              <a:rPr lang="en-US" altLang="zh-CN" dirty="0" smtClean="0"/>
+              <a:t> -</a:t>
+            </a:r>
+            <a:r>
+              <a:rPr lang="en-US" altLang="zh-CN" dirty="0" err="1" smtClean="0"/>
+              <a:t>nr|more</a:t>
+            </a:r>
+            <a:r>
+              <a:rPr lang="en-US" altLang="zh-CN" dirty="0" smtClean="0"/>
+              <a:t> </a:t>
+            </a:r>
+          </a:p>
+          <a:p>
+            <a:r>
+              <a:rPr lang="zh-CN" altLang="en-US" dirty="0" smtClean="0"/>
+              <a:t>（</a:t>
+            </a:r>
+            <a:r>
+              <a:rPr lang="en-US" altLang="zh-CN" dirty="0" smtClean="0"/>
+              <a:t>2</a:t>
+            </a:r>
+            <a:r>
+              <a:rPr lang="zh-CN" altLang="en-US" dirty="0" smtClean="0"/>
+              <a:t>）统计各用户打开句柄数：</a:t>
+            </a:r>
+            <a:r>
+              <a:rPr lang="en-US" altLang="zh-CN" dirty="0" smtClean="0"/>
+              <a:t> </a:t>
+            </a:r>
+            <a:r>
+              <a:rPr lang="en-US" altLang="zh-CN" dirty="0" err="1" smtClean="0"/>
+              <a:t>lsof</a:t>
+            </a:r>
+            <a:r>
+              <a:rPr lang="en-US" altLang="zh-CN" dirty="0" smtClean="0"/>
+              <a:t> -</a:t>
+            </a:r>
+            <a:r>
+              <a:rPr lang="en-US" altLang="zh-CN" dirty="0" err="1" smtClean="0"/>
+              <a:t>n|awk</a:t>
+            </a:r>
+            <a:r>
+              <a:rPr lang="en-US" altLang="zh-CN" dirty="0" smtClean="0"/>
+              <a:t> '{print $3}'|</a:t>
+            </a:r>
+            <a:r>
+              <a:rPr lang="en-US" altLang="zh-CN" dirty="0" err="1" smtClean="0"/>
+              <a:t>sort|uniq</a:t>
+            </a:r>
+            <a:r>
+              <a:rPr lang="en-US" altLang="zh-CN" dirty="0" smtClean="0"/>
+              <a:t> -</a:t>
+            </a:r>
+            <a:r>
+              <a:rPr lang="en-US" altLang="zh-CN" dirty="0" err="1" smtClean="0"/>
+              <a:t>c|sort</a:t>
+            </a:r>
+            <a:r>
+              <a:rPr lang="en-US" altLang="zh-CN" dirty="0" smtClean="0"/>
+              <a:t> -</a:t>
+            </a:r>
+            <a:r>
+              <a:rPr lang="en-US" altLang="zh-CN" dirty="0" err="1" smtClean="0"/>
+              <a:t>nr|more</a:t>
+            </a:r>
+            <a:r>
+              <a:rPr lang="en-US" altLang="zh-CN" dirty="0" smtClean="0"/>
+              <a:t> </a:t>
+            </a:r>
+          </a:p>
+          <a:p>
+            <a:r>
+              <a:rPr lang="zh-CN" altLang="en-US" dirty="0" smtClean="0"/>
+              <a:t>（</a:t>
+            </a:r>
+            <a:r>
+              <a:rPr lang="en-US" altLang="zh-CN" dirty="0" smtClean="0"/>
+              <a:t>3</a:t>
+            </a:r>
+            <a:r>
+              <a:rPr lang="zh-CN" altLang="en-US" dirty="0" smtClean="0"/>
+              <a:t>）统计各命令打开句柄数：</a:t>
+            </a:r>
+            <a:r>
+              <a:rPr lang="en-US" altLang="zh-CN" dirty="0"/>
+              <a:t> </a:t>
+            </a:r>
+            <a:r>
+              <a:rPr lang="en-US" altLang="zh-CN" dirty="0" err="1"/>
+              <a:t>lsof</a:t>
+            </a:r>
+            <a:r>
+              <a:rPr lang="en-US" altLang="zh-CN" dirty="0"/>
+              <a:t> -</a:t>
+            </a:r>
+            <a:r>
+              <a:rPr lang="en-US" altLang="zh-CN" dirty="0" err="1"/>
+              <a:t>n|awk</a:t>
+            </a:r>
+            <a:r>
+              <a:rPr lang="en-US" altLang="zh-CN" dirty="0"/>
+              <a:t> '{print </a:t>
+            </a:r>
+            <a:r>
+              <a:rPr lang="en-US" altLang="zh-CN" dirty="0" smtClean="0"/>
+              <a:t>$1}'|</a:t>
+            </a:r>
+            <a:r>
+              <a:rPr lang="en-US" altLang="zh-CN" dirty="0" err="1"/>
+              <a:t>sort|uniq</a:t>
+            </a:r>
+            <a:r>
+              <a:rPr lang="en-US" altLang="zh-CN" dirty="0"/>
+              <a:t> -</a:t>
+            </a:r>
+            <a:r>
+              <a:rPr lang="en-US" altLang="zh-CN" dirty="0" err="1"/>
+              <a:t>c|sort</a:t>
+            </a:r>
+            <a:r>
+              <a:rPr lang="en-US" altLang="zh-CN" dirty="0"/>
+              <a:t> -</a:t>
+            </a:r>
+            <a:r>
+              <a:rPr lang="en-US" altLang="zh-CN" dirty="0" err="1"/>
+              <a:t>nr|more</a:t>
+            </a:r>
+            <a:r>
+              <a:rPr lang="en-US" altLang="zh-CN" dirty="0"/>
+              <a:t> </a:t>
+            </a:r>
+            <a:endParaRPr lang="en-US" altLang="zh-CN" dirty="0" smtClean="0"/>
+          </a:p>
+          <a:p>
+            <a:r>
+              <a:rPr lang="zh-CN" altLang="en-US" dirty="0" smtClean="0"/>
+              <a:t>（</a:t>
+            </a:r>
+            <a:r>
+              <a:rPr lang="en-US" altLang="zh-CN" dirty="0"/>
+              <a:t>3</a:t>
+            </a:r>
+            <a:r>
+              <a:rPr lang="zh-CN" altLang="en-US" dirty="0" smtClean="0"/>
+              <a:t>）</a:t>
+            </a:r>
+            <a:r>
+              <a:rPr lang="en-US" altLang="zh-CN" dirty="0" err="1" smtClean="0"/>
+              <a:t>ulimit</a:t>
+            </a:r>
+            <a:r>
+              <a:rPr lang="en-US" altLang="zh-CN" dirty="0"/>
+              <a:t> </a:t>
+            </a:r>
+            <a:r>
+              <a:rPr lang="en-US" altLang="zh-CN" dirty="0" smtClean="0"/>
+              <a:t>-n</a:t>
+            </a:r>
+            <a:r>
+              <a:rPr lang="en-US" altLang="zh-CN" dirty="0"/>
+              <a:t> </a:t>
+            </a:r>
             <a:r>
               <a:rPr lang="zh-CN" altLang="en-US" dirty="0"/>
-              <a:t>对于一个套接字上的输入操作，第一步通常涉及等待数据从网络中</a:t>
-            </a:r>
-            <a:r>
-              <a:rPr lang="zh-CN" altLang="en-US" dirty="0" smtClean="0"/>
-              <a:t>到达</a:t>
-            </a:r>
-            <a:r>
-              <a:rPr lang="zh-CN" altLang="en-US" dirty="0"/>
-              <a:t>，</a:t>
-            </a:r>
-            <a:r>
-              <a:rPr lang="zh-CN" altLang="en-US" dirty="0" smtClean="0"/>
-              <a:t>当</a:t>
-            </a:r>
-            <a:r>
-              <a:rPr lang="zh-CN" altLang="en-US" dirty="0"/>
-              <a:t>所有等待分组到达时，它被复制到内核中的</a:t>
-            </a:r>
-            <a:r>
-              <a:rPr lang="zh-CN" altLang="en-US"/>
-              <a:t>某个</a:t>
-            </a:r>
-            <a:r>
-              <a:rPr lang="zh-CN" altLang="en-US" smtClean="0"/>
-              <a:t>缓冲区；第二</a:t>
-            </a:r>
-            <a:r>
-              <a:rPr lang="zh-CN" altLang="en-US" dirty="0"/>
-              <a:t>步就是把数据从内核缓冲区复制到应用程序</a:t>
-            </a:r>
-            <a:r>
-              <a:rPr lang="zh-CN" altLang="en-US"/>
-              <a:t>缓冲区</a:t>
-            </a:r>
-            <a:r>
-              <a:rPr lang="zh-CN" altLang="en-US" smtClean="0"/>
-              <a:t>。下面</a:t>
-            </a:r>
-            <a:r>
-              <a:rPr lang="zh-CN" altLang="en-US" dirty="0"/>
-              <a:t>我们以阻塞套接字的</a:t>
-            </a:r>
-            <a:r>
-              <a:rPr lang="en-US" altLang="zh-CN" dirty="0" err="1"/>
-              <a:t>recvfrom</a:t>
-            </a:r>
-            <a:r>
-              <a:rPr lang="zh-CN" altLang="en-US" dirty="0"/>
-              <a:t>的的调用图来说明</a:t>
-            </a:r>
-            <a:r>
-              <a:rPr lang="zh-CN" altLang="en-US" dirty="0" smtClean="0"/>
-              <a:t>阻塞。</a:t>
-            </a:r>
-            <a:r>
-              <a:rPr lang="zh-CN" altLang="en-US" dirty="0"/>
-              <a:t>标红的这部分过程就是阻塞，直到阻塞结束</a:t>
-            </a:r>
-            <a:r>
-              <a:rPr lang="en-US" altLang="zh-CN" dirty="0" err="1"/>
-              <a:t>recvfrom</a:t>
-            </a:r>
-            <a:r>
-              <a:rPr lang="zh-CN" altLang="en-US" dirty="0"/>
-              <a:t>才能返回。</a:t>
-            </a:r>
+              <a:t>来查看当前用户句柄数限制</a:t>
+            </a:r>
+            <a:endParaRPr lang="zh-CN" altLang="en-US" dirty="0">
+              <a:latin typeface="+mn-ea"/>
+            </a:endParaRPr>
           </a:p>
         </p:txBody>
       </p:sp>
     </p:spTree>
     <p:extLst>
       <p:ext uri="{BB962C8B-B14F-4D97-AF65-F5344CB8AC3E}">
-        <p14:creationId xmlns:p14="http://schemas.microsoft.com/office/powerpoint/2010/main" val="3930769226"/>
+        <p14:creationId xmlns:p14="http://schemas.microsoft.com/office/powerpoint/2010/main" val="3080599946"/>
       </p:ext>
     </p:extLst>
   </p:cSld>
@@ -5906,78 +8527,262 @@
       </p:grpSpPr>
       <p:sp>
         <p:nvSpPr>
-          <p:cNvPr id="2" name="矩形 1"/>
+          <p:cNvPr id="4" name="矩形 3"/>
           <p:cNvSpPr/>
           <p:nvPr/>
         </p:nvSpPr>
         <p:spPr>
           <a:xfrm>
-            <a:off x="4649779" y="2845435"/>
-            <a:ext cx="4894289" cy="369332"/>
+            <a:off x="316417" y="199734"/>
+            <a:ext cx="4847766" cy="523220"/>
           </a:xfrm>
           <a:prstGeom prst="rect">
             <a:avLst/>
           </a:prstGeom>
         </p:spPr>
         <p:txBody>
-          <a:bodyPr wrap="none">
+          <a:bodyPr wrap="square">
             <a:spAutoFit/>
           </a:bodyPr>
           <a:lstStyle/>
           <a:p>
             <a:r>
-              <a:rPr lang="en-US" altLang="zh-CN" dirty="0" smtClean="0"/>
-              <a:t>BIO</a:t>
-            </a:r>
-            <a:r>
-              <a:rPr lang="zh-CN" altLang="en-US" dirty="0" smtClean="0"/>
-              <a:t>、伪异步</a:t>
-            </a:r>
-            <a:r>
-              <a:rPr lang="en-US" altLang="zh-CN" dirty="0" smtClean="0"/>
-              <a:t>IO</a:t>
-            </a:r>
-            <a:r>
-              <a:rPr lang="zh-CN" altLang="en-US" dirty="0" smtClean="0"/>
+              <a:rPr lang="en-US" altLang="zh-CN" sz="2800" b="1" dirty="0" smtClean="0">
+                <a:latin typeface="+mn-ea"/>
+              </a:rPr>
+              <a:t>2</a:t>
+            </a:r>
+            <a:r>
+              <a:rPr lang="zh-CN" altLang="en-US" sz="2800" b="1" dirty="0" smtClean="0">
+                <a:latin typeface="+mn-ea"/>
+              </a:rPr>
               <a:t>、</a:t>
             </a:r>
             <a:r>
-              <a:rPr lang="en-US" altLang="zh-CN" dirty="0" smtClean="0"/>
-              <a:t>NIO</a:t>
-            </a:r>
-            <a:r>
-              <a:rPr lang="zh-CN" altLang="en-US" dirty="0" smtClean="0"/>
-              <a:t>、</a:t>
-            </a:r>
-            <a:r>
-              <a:rPr lang="en-US" altLang="zh-CN" dirty="0" smtClean="0"/>
-              <a:t>AIO</a:t>
-            </a:r>
-            <a:r>
-              <a:rPr lang="zh-CN" altLang="en-US" dirty="0" smtClean="0"/>
-              <a:t>概念，示例聊天程序</a:t>
+              <a:rPr lang="en-US" altLang="zh-CN" sz="2800" b="1" dirty="0" smtClean="0">
+                <a:latin typeface="+mn-ea"/>
+              </a:rPr>
+              <a:t>Unix</a:t>
+            </a:r>
+            <a:r>
+              <a:rPr lang="zh-CN" altLang="en-US" sz="2800" b="1" dirty="0">
+                <a:latin typeface="+mn-ea"/>
+              </a:rPr>
+              <a:t>网络编程</a:t>
+            </a:r>
+            <a:r>
+              <a:rPr lang="en-US" altLang="zh-CN" sz="2800" b="1" dirty="0">
+                <a:latin typeface="+mn-ea"/>
+              </a:rPr>
+              <a:t>5</a:t>
+            </a:r>
+            <a:r>
+              <a:rPr lang="zh-CN" altLang="en-US" sz="2800" b="1" dirty="0">
+                <a:latin typeface="+mn-ea"/>
+              </a:rPr>
+              <a:t>种</a:t>
+            </a:r>
+            <a:r>
+              <a:rPr lang="en-US" altLang="zh-CN" sz="2800" b="1" dirty="0">
+                <a:latin typeface="+mn-ea"/>
+              </a:rPr>
+              <a:t>I/O</a:t>
+            </a:r>
+            <a:r>
+              <a:rPr lang="zh-CN" altLang="en-US" sz="2800" b="1" dirty="0">
+                <a:latin typeface="+mn-ea"/>
+              </a:rPr>
+              <a:t>模型</a:t>
+            </a:r>
+          </a:p>
+        </p:txBody>
+      </p:sp>
+      <p:sp>
+        <p:nvSpPr>
+          <p:cNvPr id="6" name="矩形 5"/>
+          <p:cNvSpPr/>
+          <p:nvPr/>
+        </p:nvSpPr>
+        <p:spPr>
+          <a:xfrm>
+            <a:off x="312794" y="5441560"/>
+            <a:ext cx="11467726" cy="646331"/>
+          </a:xfrm>
+          <a:prstGeom prst="rect">
+            <a:avLst/>
+          </a:prstGeom>
+        </p:spPr>
+        <p:txBody>
+          <a:bodyPr wrap="square">
+            <a:spAutoFit/>
+          </a:bodyPr>
+          <a:lstStyle/>
+          <a:p>
+            <a:r>
+              <a:rPr lang="zh-CN" altLang="en-US" b="1" dirty="0"/>
+              <a:t>阻塞</a:t>
+            </a:r>
+            <a:r>
+              <a:rPr lang="en-US" altLang="zh-CN" b="1" dirty="0"/>
+              <a:t>I/O(blocking I/O</a:t>
+            </a:r>
+            <a:r>
+              <a:rPr lang="zh-CN" altLang="en-US" b="1" dirty="0"/>
+              <a:t>）模型</a:t>
+            </a:r>
+            <a:r>
+              <a:rPr lang="zh-CN" altLang="en-US" dirty="0"/>
+              <a:t>，进程调用</a:t>
+            </a:r>
+            <a:r>
+              <a:rPr lang="en-US" altLang="zh-CN" dirty="0" err="1"/>
+              <a:t>recvfrom</a:t>
+            </a:r>
+            <a:r>
+              <a:rPr lang="zh-CN" altLang="en-US" dirty="0"/>
+              <a:t>，其系统调用直到数据报到达且被拷贝到应用进程的缓冲区中或者发生错误才返回。进程从调用</a:t>
+            </a:r>
+            <a:r>
+              <a:rPr lang="en-US" altLang="zh-CN" dirty="0" err="1"/>
+              <a:t>recvfrom</a:t>
+            </a:r>
+            <a:r>
+              <a:rPr lang="zh-CN" altLang="en-US" dirty="0"/>
+              <a:t>开始到它返回的整段时间内是被阻塞的。</a:t>
             </a:r>
             <a:endParaRPr lang="zh-CN" altLang="en-US" dirty="0"/>
           </a:p>
         </p:txBody>
       </p:sp>
+      <p:sp>
+        <p:nvSpPr>
+          <p:cNvPr id="2" name="矩形 1"/>
+          <p:cNvSpPr/>
+          <p:nvPr/>
+        </p:nvSpPr>
+        <p:spPr>
+          <a:xfrm>
+            <a:off x="312794" y="6228243"/>
+            <a:ext cx="4667063" cy="523220"/>
+          </a:xfrm>
+          <a:prstGeom prst="rect">
+            <a:avLst/>
+          </a:prstGeom>
+        </p:spPr>
+        <p:txBody>
+          <a:bodyPr wrap="square">
+            <a:spAutoFit/>
+          </a:bodyPr>
+          <a:lstStyle/>
+          <a:p>
+            <a:r>
+              <a:rPr lang="zh-CN" altLang="en-US" sz="1400" dirty="0" smtClean="0"/>
+              <a:t>来源</a:t>
+            </a:r>
+            <a:r>
+              <a:rPr lang="en-US" altLang="zh-CN" sz="1400" dirty="0" smtClean="0"/>
+              <a:t>:《</a:t>
+            </a:r>
+            <a:r>
+              <a:rPr lang="en-US" altLang="zh-CN" sz="1400" dirty="0"/>
+              <a:t>UNIX</a:t>
+            </a:r>
+            <a:r>
+              <a:rPr lang="zh-CN" altLang="en-US" sz="1400" dirty="0"/>
+              <a:t>网络编程：卷一</a:t>
+            </a:r>
+            <a:r>
+              <a:rPr lang="en-US" altLang="zh-CN" sz="1400" dirty="0"/>
+              <a:t>》</a:t>
+            </a:r>
+            <a:r>
+              <a:rPr lang="zh-CN" altLang="en-US" sz="1400" dirty="0"/>
+              <a:t>第六章</a:t>
+            </a:r>
+            <a:r>
+              <a:rPr lang="en-US" altLang="zh-CN" sz="1400" dirty="0"/>
+              <a:t>——I/O</a:t>
+            </a:r>
+            <a:r>
+              <a:rPr lang="zh-CN" altLang="en-US" sz="1400" dirty="0" smtClean="0"/>
+              <a:t>复用</a:t>
+            </a:r>
+            <a:endParaRPr lang="en-US" altLang="zh-CN" sz="1400" dirty="0" smtClean="0"/>
+          </a:p>
+          <a:p>
+            <a:r>
+              <a:rPr lang="zh-CN" altLang="en-US" sz="1400" dirty="0" smtClean="0">
+                <a:hlinkClick r:id="rId3"/>
+              </a:rPr>
+              <a:t>博客：</a:t>
+            </a:r>
+            <a:r>
+              <a:rPr lang="en-US" altLang="zh-CN" sz="1400" dirty="0" smtClean="0">
+                <a:hlinkClick r:id="rId3"/>
+              </a:rPr>
+              <a:t>https</a:t>
+            </a:r>
+            <a:r>
+              <a:rPr lang="en-US" altLang="zh-CN" sz="1400" dirty="0">
+                <a:hlinkClick r:id="rId3"/>
+              </a:rPr>
+              <a:t>://www.cnblogs.com/diegodu/p/6823855.html</a:t>
+            </a:r>
+            <a:endParaRPr lang="zh-CN" altLang="en-US" sz="1400" dirty="0"/>
+          </a:p>
+        </p:txBody>
+      </p:sp>
+      <p:pic>
+        <p:nvPicPr>
+          <p:cNvPr id="3" name="Picture 2" descr="é»å¡IO"/>
+          <p:cNvPicPr>
+            <a:picLocks noChangeAspect="1" noChangeArrowheads="1"/>
+          </p:cNvPicPr>
+          <p:nvPr/>
+        </p:nvPicPr>
+        <p:blipFill>
+          <a:blip r:embed="rId4">
+            <a:extLst>
+              <a:ext uri="{28A0092B-C50C-407E-A947-70E740481C1C}">
+                <a14:useLocalDpi xmlns:a14="http://schemas.microsoft.com/office/drawing/2010/main" val="0"/>
+              </a:ext>
+            </a:extLst>
+          </a:blip>
+          <a:srcRect/>
+          <a:stretch>
+            <a:fillRect/>
+          </a:stretch>
+        </p:blipFill>
+        <p:spPr bwMode="auto">
+          <a:xfrm>
+            <a:off x="1573717" y="798960"/>
+            <a:ext cx="8199636" cy="4403188"/>
+          </a:xfrm>
+          <a:prstGeom prst="rect">
+            <a:avLst/>
+          </a:prstGeom>
+          <a:noFill/>
+          <a:extLst>
+            <a:ext uri="{909E8E84-426E-40DD-AFC4-6F175D3DCCD1}">
+              <a14:hiddenFill xmlns:a14="http://schemas.microsoft.com/office/drawing/2010/main">
+                <a:solidFill>
+                  <a:srgbClr val="FFFFFF"/>
+                </a:solidFill>
+              </a14:hiddenFill>
+            </a:ext>
+          </a:extLst>
+        </p:spPr>
+      </p:pic>
     </p:spTree>
     <p:extLst>
       <p:ext uri="{BB962C8B-B14F-4D97-AF65-F5344CB8AC3E}">
-        <p14:creationId xmlns:p14="http://schemas.microsoft.com/office/powerpoint/2010/main" val="3674061985"/>
+        <p14:creationId xmlns:p14="http://schemas.microsoft.com/office/powerpoint/2010/main" val="3930769226"/>
       </p:ext>
     </p:extLst>
   </p:cSld>
   <p:clrMapOvr>
     <a:masterClrMapping/>
   </p:clrMapOvr>
-  <p:timing>
-    <p:tnLst>
-      <p:par>
-        <p:cTn id="1" dur="indefinite" restart="never" nodeType="tmRoot"/>
-      </p:par>
-    </p:tnLst>
-  </p:timing>
 </p:sld>
 </file>
 
@@ -5998,6 +8803,47 @@
           <a:chExt cx="0" cy="0"/>
         </a:xfrm>
       </p:grpSpPr>
+      <p:pic>
+        <p:nvPicPr>
+          <p:cNvPr id="3074" name="Picture 2" descr="éé»å¡IO"/>
+          <p:cNvPicPr>
+            <a:picLocks noChangeAspect="1" noChangeArrowheads="1"/>
+          </p:cNvPicPr>
+          <p:nvPr/>
+        </p:nvPicPr>
+        <p:blipFill>
+          <a:blip r:embed="rId2">
+            <a:extLst>
+              <a:ext uri="{28A0092B-C50C-407E-A947-70E740481C1C}">
+                <a14:useLocalDpi xmlns:a14="http://schemas.microsoft.com/office/drawing/2010/main" val="0"/>
+              </a:ext>
+            </a:extLst>
+          </a:blip>
+          <a:srcRect/>
+          <a:stretch>
+            <a:fillRect/>
+          </a:stretch>
+        </p:blipFill>
+        <p:spPr bwMode="auto">
+          <a:xfrm>
+            <a:off x="1706878" y="426720"/>
+            <a:ext cx="8496301" cy="4665599"/>
+          </a:xfrm>
+          <a:prstGeom prst="rect">
+            <a:avLst/>
+          </a:prstGeom>
+          <a:noFill/>
+          <a:extLst>
+            <a:ext uri="{909E8E84-426E-40DD-AFC4-6F175D3DCCD1}">
+              <a14:hiddenFill xmlns:a14="http://schemas.microsoft.com/office/drawing/2010/main">
+                <a:solidFill>
+                  <a:srgbClr val="FFFFFF"/>
+                </a:solidFill>
+              </a14:hiddenFill>
+            </a:ext>
+          </a:extLst>
+        </p:spPr>
+      </p:pic>
       <p:sp>
         <p:nvSpPr>
           <p:cNvPr id="2" name="矩形 1"/>
@@ -6006,56 +8852,80 @@
         </p:nvSpPr>
         <p:spPr>
           <a:xfrm>
-            <a:off x="5772834" y="3244334"/>
-            <a:ext cx="1204176" cy="369332"/>
+            <a:off x="396239" y="5486401"/>
+            <a:ext cx="11254740" cy="646331"/>
           </a:xfrm>
           <a:prstGeom prst="rect">
             <a:avLst/>
           </a:prstGeom>
         </p:spPr>
         <p:txBody>
-          <a:bodyPr wrap="none">
+          <a:bodyPr wrap="square">
             <a:spAutoFit/>
           </a:bodyPr>
           <a:lstStyle/>
           <a:p>
             <a:r>
-              <a:rPr lang="en-US" altLang="zh-CN" dirty="0" smtClean="0"/>
-              <a:t>4</a:t>
+              <a:rPr lang="zh-CN" altLang="en-US" b="1" dirty="0"/>
+              <a:t>非</a:t>
+            </a:r>
+            <a:r>
+              <a:rPr lang="zh-CN" altLang="en-US" b="1" dirty="0" smtClean="0"/>
+              <a:t>阻塞</a:t>
+            </a:r>
+            <a:r>
+              <a:rPr lang="en-US" altLang="zh-CN" b="1" dirty="0" smtClean="0"/>
+              <a:t>I/O(no blocking </a:t>
+            </a:r>
+            <a:r>
+              <a:rPr lang="en-US" altLang="zh-CN" b="1" dirty="0"/>
+              <a:t>I/O</a:t>
+            </a:r>
+            <a:r>
+              <a:rPr lang="zh-CN" altLang="en-US" b="1" dirty="0"/>
+              <a:t>）模型</a:t>
+            </a:r>
+            <a:r>
+              <a:rPr lang="zh-CN" altLang="en-US" dirty="0"/>
+              <a:t>，</a:t>
             </a:r>
             <a:r>
               <a:rPr lang="zh-CN" altLang="en-US" dirty="0" smtClean="0"/>
-              <a:t>类</a:t>
-            </a:r>
-            <a:r>
-              <a:rPr lang="en-US" altLang="zh-CN" dirty="0" smtClean="0"/>
-              <a:t>IO</a:t>
-            </a:r>
-            <a:r>
-              <a:rPr lang="zh-CN" altLang="en-US" dirty="0" smtClean="0"/>
-              <a:t>总结</a:t>
-            </a:r>
-            <a:endParaRPr lang="zh-CN" altLang="en-US" dirty="0"/>
+              <a:t>当</a:t>
+            </a:r>
+            <a:r>
+              <a:rPr lang="zh-CN" altLang="en-US" dirty="0"/>
+              <a:t>一个应用进程像这样对一个非阻塞描述字循环调用</a:t>
+            </a:r>
+            <a:r>
+              <a:rPr lang="en-US" altLang="zh-CN" dirty="0" err="1"/>
+              <a:t>recvfrom</a:t>
+            </a:r>
+            <a:r>
+              <a:rPr lang="zh-CN" altLang="en-US" dirty="0"/>
+              <a:t>时，我们称之为轮询（</a:t>
+            </a:r>
+            <a:r>
+              <a:rPr lang="en-US" altLang="zh-CN" dirty="0"/>
+              <a:t>polling</a:t>
+            </a:r>
+            <a:r>
+              <a:rPr lang="zh-CN" altLang="en-US" dirty="0"/>
+              <a:t>）。应用进程持续轮询内核，以查看某个操作是否就绪。</a:t>
+            </a:r>
           </a:p>
         </p:txBody>
       </p:sp>
     </p:spTree>
     <p:extLst>
       <p:ext uri="{BB962C8B-B14F-4D97-AF65-F5344CB8AC3E}">
-        <p14:creationId xmlns:p14="http://schemas.microsoft.com/office/powerpoint/2010/main" val="1810501488"/>
+        <p14:creationId xmlns:p14="http://schemas.microsoft.com/office/powerpoint/2010/main" val="3877995910"/>
       </p:ext>
     </p:extLst>
   </p:cSld>
   <p:clrMapOvr>
     <a:masterClrMapping/>
   </p:clrMapOvr>
-  <p:timing>
-    <p:tnLst>
-      <p:par>
-        <p:cTn id="1" dur="indefinite" restart="never" nodeType="tmRoot"/>
-      </p:par>
-    </p:tnLst>
-  </p:timing>
 </p:sld>
 </file>
 

--- a/Netty入门指南.pptx
+++ b/Netty入门指南.pptx
@@ -5,7 +5,7 @@
     <p:sldMasterId id="2147483648" r:id="rId1"/>
   </p:sldMasterIdLst>
   <p:notesMasterIdLst>
-    <p:notesMasterId r:id="rId23"/>
+    <p:notesMasterId r:id="rId26"/>
   </p:notesMasterIdLst>
   <p:sldIdLst>
     <p:sldId id="256" r:id="rId2"/>
@@ -14,21 +14,24 @@
     <p:sldId id="259" r:id="rId5"/>
     <p:sldId id="260" r:id="rId6"/>
     <p:sldId id="267" r:id="rId7"/>
-    <p:sldId id="269" r:id="rId8"/>
-    <p:sldId id="268" r:id="rId9"/>
-    <p:sldId id="270" r:id="rId10"/>
-    <p:sldId id="271" r:id="rId11"/>
-    <p:sldId id="272" r:id="rId12"/>
-    <p:sldId id="273" r:id="rId13"/>
-    <p:sldId id="274" r:id="rId14"/>
-    <p:sldId id="275" r:id="rId15"/>
-    <p:sldId id="276" r:id="rId16"/>
-    <p:sldId id="261" r:id="rId17"/>
-    <p:sldId id="262" r:id="rId18"/>
-    <p:sldId id="263" r:id="rId19"/>
-    <p:sldId id="264" r:id="rId20"/>
-    <p:sldId id="265" r:id="rId21"/>
-    <p:sldId id="266" r:id="rId22"/>
+    <p:sldId id="277" r:id="rId8"/>
+    <p:sldId id="269" r:id="rId9"/>
+    <p:sldId id="268" r:id="rId10"/>
+    <p:sldId id="270" r:id="rId11"/>
+    <p:sldId id="271" r:id="rId12"/>
+    <p:sldId id="272" r:id="rId13"/>
+    <p:sldId id="273" r:id="rId14"/>
+    <p:sldId id="274" r:id="rId15"/>
+    <p:sldId id="275" r:id="rId16"/>
+    <p:sldId id="276" r:id="rId17"/>
+    <p:sldId id="278" r:id="rId18"/>
+    <p:sldId id="279" r:id="rId19"/>
+    <p:sldId id="261" r:id="rId20"/>
+    <p:sldId id="262" r:id="rId21"/>
+    <p:sldId id="263" r:id="rId22"/>
+    <p:sldId id="264" r:id="rId23"/>
+    <p:sldId id="265" r:id="rId24"/>
+    <p:sldId id="266" r:id="rId25"/>
   </p:sldIdLst>
   <p:sldSz cx="12192000" cy="6858000"/>
   <p:notesSz cx="6858000" cy="9144000"/>
@@ -217,7 +220,7 @@
           <a:p>
             <a:fld id="{1A936FBA-7D4A-41DA-9DAD-4525C551E219}" type="datetimeFigureOut">
               <a:rPr lang="zh-CN" altLang="en-US" smtClean="0"/>
-              <a:t>2019/10/17</a:t>
+              <a:t>2019/10/23</a:t>
             </a:fld>
             <a:endParaRPr lang="zh-CN" altLang="en-US"/>
           </a:p>
@@ -1112,39 +1115,32 @@
           <a:bodyPr/>
           <a:lstStyle/>
           <a:p>
-            <a:r>
-              <a:rPr lang="en-US" altLang="zh-CN" sz="1200" dirty="0" smtClean="0"/>
-              <a:t>5</a:t>
-            </a:r>
-            <a:r>
-              <a:rPr lang="zh-CN" altLang="en-US" sz="1200" dirty="0" smtClean="0"/>
-              <a:t>种</a:t>
-            </a:r>
-            <a:r>
-              <a:rPr lang="en-US" altLang="zh-CN" sz="1200" dirty="0" smtClean="0"/>
-              <a:t>I/O</a:t>
-            </a:r>
-            <a:r>
-              <a:rPr lang="zh-CN" altLang="en-US" sz="1200" dirty="0" smtClean="0"/>
-              <a:t>模型</a:t>
-            </a:r>
-            <a:r>
-              <a:rPr lang="en-US" altLang="zh-CN" sz="1200" dirty="0" smtClean="0"/>
-              <a:t>—</a:t>
-            </a:r>
-            <a:r>
-              <a:rPr lang="zh-CN" altLang="en-US" sz="1200" dirty="0" smtClean="0"/>
-              <a:t>阻塞</a:t>
-            </a:r>
-            <a:r>
-              <a:rPr lang="en-US" altLang="zh-CN" sz="1200" dirty="0" smtClean="0"/>
-              <a:t>IO</a:t>
-            </a:r>
-            <a:r>
-              <a:rPr lang="zh-CN" altLang="en-US" sz="1200" dirty="0" smtClean="0"/>
-              <a:t>模型</a:t>
-            </a:r>
-            <a:endParaRPr lang="en-US" altLang="zh-CN" sz="1200" dirty="0" smtClean="0"/>
+            <a:pPr marL="0" marR="0" lvl="0" indent="0" algn="l" defTabSz="914400" rtl="0" eaLnBrk="1" fontAlgn="auto" latinLnBrk="0" hangingPunct="1">
+              <a:lnSpc>
+                <a:spcPct val="100000"/>
+              </a:lnSpc>
+              <a:spcBef>
+                <a:spcPts val="0"/>
+              </a:spcBef>
+              <a:spcAft>
+                <a:spcPts val="0"/>
+              </a:spcAft>
+              <a:buClrTx/>
+              <a:buSzTx/>
+              <a:buFontTx/>
+              <a:buNone/>
+              <a:tabLst/>
+              <a:defRPr/>
+            </a:pPr>
+            <a:r>
+              <a:rPr lang="en-US" altLang="zh-CN" dirty="0" smtClean="0"/>
+              <a:t>Java  IO </a:t>
+            </a:r>
+            <a:r>
+              <a:rPr lang="zh-CN" altLang="en-US" dirty="0" smtClean="0"/>
+              <a:t>基础</a:t>
+            </a:r>
+            <a:endParaRPr lang="en-US" altLang="zh-CN" dirty="0" smtClean="0"/>
           </a:p>
         </p:txBody>
       </p:sp>
@@ -1165,7 +1161,235 @@
           <a:p>
             <a:fld id="{8A599BE1-865F-412F-8128-78CA1426F296}" type="slidenum">
               <a:rPr lang="zh-CN" altLang="en-US" smtClean="0"/>
+              <a:t>7</a:t>
+            </a:fld>
+            <a:endParaRPr lang="zh-CN" altLang="en-US"/>
+          </a:p>
+        </p:txBody>
+      </p:sp>
+    </p:spTree>
+    <p:extLst>
+      <p:ext uri="{BB962C8B-B14F-4D97-AF65-F5344CB8AC3E}">
+        <p14:creationId xmlns:p14="http://schemas.microsoft.com/office/powerpoint/2010/main" val="1077873948"/>
+      </p:ext>
+    </p:extLst>
+  </p:cSld>
+  <p:clrMapOvr>
+    <a:masterClrMapping/>
+  </p:clrMapOvr>
+</p:notes>
+</file>
+
+<file path=ppt/notesSlides/notesSlide8.xml><?xml version="1.0" encoding="utf-8"?>
+<p:notes xmlns:a="http://schemas.openxmlformats.org/drawingml/2006/main" xmlns:r="http://schemas.openxmlformats.org/officeDocument/2006/relationships" xmlns:p="http://schemas.openxmlformats.org/presentationml/2006/main">
+  <p:cSld>
+    <p:spTree>
+      <p:nvGrpSpPr>
+        <p:cNvPr id="1" name=""/>
+        <p:cNvGrpSpPr/>
+        <p:nvPr/>
+      </p:nvGrpSpPr>
+      <p:grpSpPr>
+        <a:xfrm>
+          <a:off x="0" y="0"/>
+          <a:ext cx="0" cy="0"/>
+          <a:chOff x="0" y="0"/>
+          <a:chExt cx="0" cy="0"/>
+        </a:xfrm>
+      </p:grpSpPr>
+      <p:sp>
+        <p:nvSpPr>
+          <p:cNvPr id="2" name="幻灯片图像占位符 1"/>
+          <p:cNvSpPr>
+            <a:spLocks noGrp="1" noRot="1" noChangeAspect="1"/>
+          </p:cNvSpPr>
+          <p:nvPr>
+            <p:ph type="sldImg"/>
+          </p:nvPr>
+        </p:nvSpPr>
+        <p:spPr/>
+      </p:sp>
+      <p:sp>
+        <p:nvSpPr>
+          <p:cNvPr id="3" name="备注占位符 2"/>
+          <p:cNvSpPr>
+            <a:spLocks noGrp="1"/>
+          </p:cNvSpPr>
+          <p:nvPr>
+            <p:ph type="body" idx="1"/>
+          </p:nvPr>
+        </p:nvSpPr>
+        <p:spPr/>
+        <p:txBody>
+          <a:bodyPr/>
+          <a:lstStyle/>
+          <a:p>
+            <a:pPr marL="0" marR="0" lvl="0" indent="0" algn="l" defTabSz="914400" rtl="0" eaLnBrk="1" fontAlgn="auto" latinLnBrk="0" hangingPunct="1">
+              <a:lnSpc>
+                <a:spcPct val="100000"/>
+              </a:lnSpc>
+              <a:spcBef>
+                <a:spcPts val="0"/>
+              </a:spcBef>
+              <a:spcAft>
+                <a:spcPts val="0"/>
+              </a:spcAft>
+              <a:buClrTx/>
+              <a:buSzTx/>
+              <a:buFontTx/>
+              <a:buNone/>
+              <a:tabLst/>
+              <a:defRPr/>
+            </a:pPr>
+            <a:r>
+              <a:rPr lang="en-US" altLang="zh-CN" dirty="0" smtClean="0"/>
+              <a:t>Java  IO </a:t>
+            </a:r>
+            <a:r>
+              <a:rPr lang="zh-CN" altLang="en-US" dirty="0" smtClean="0"/>
+              <a:t>基础</a:t>
+            </a:r>
+            <a:endParaRPr lang="en-US" altLang="zh-CN" dirty="0" smtClean="0"/>
+          </a:p>
+          <a:p>
+            <a:endParaRPr lang="zh-CN" altLang="en-US" dirty="0"/>
+          </a:p>
+        </p:txBody>
+      </p:sp>
+      <p:sp>
+        <p:nvSpPr>
+          <p:cNvPr id="4" name="灯片编号占位符 3"/>
+          <p:cNvSpPr>
+            <a:spLocks noGrp="1"/>
+          </p:cNvSpPr>
+          <p:nvPr>
+            <p:ph type="sldNum" sz="quarter" idx="10"/>
+          </p:nvPr>
+        </p:nvSpPr>
+        <p:spPr/>
+        <p:txBody>
+          <a:bodyPr/>
+          <a:lstStyle/>
+          <a:p>
+            <a:fld id="{8A599BE1-865F-412F-8128-78CA1426F296}" type="slidenum">
+              <a:rPr lang="zh-CN" altLang="en-US" smtClean="0"/>
               <a:t>8</a:t>
+            </a:fld>
+            <a:endParaRPr lang="zh-CN" altLang="en-US"/>
+          </a:p>
+        </p:txBody>
+      </p:sp>
+    </p:spTree>
+    <p:extLst>
+      <p:ext uri="{BB962C8B-B14F-4D97-AF65-F5344CB8AC3E}">
+        <p14:creationId xmlns:p14="http://schemas.microsoft.com/office/powerpoint/2010/main" val="2508494078"/>
+      </p:ext>
+    </p:extLst>
+  </p:cSld>
+  <p:clrMapOvr>
+    <a:masterClrMapping/>
+  </p:clrMapOvr>
+</p:notes>
+</file>
+
+<file path=ppt/notesSlides/notesSlide9.xml><?xml version="1.0" encoding="utf-8"?>
+<p:notes xmlns:a="http://schemas.openxmlformats.org/drawingml/2006/main" xmlns:r="http://schemas.openxmlformats.org/officeDocument/2006/relationships" xmlns:p="http://schemas.openxmlformats.org/presentationml/2006/main">
+  <p:cSld>
+    <p:spTree>
+      <p:nvGrpSpPr>
+        <p:cNvPr id="1" name=""/>
+        <p:cNvGrpSpPr/>
+        <p:nvPr/>
+      </p:nvGrpSpPr>
+      <p:grpSpPr>
+        <a:xfrm>
+          <a:off x="0" y="0"/>
+          <a:ext cx="0" cy="0"/>
+          <a:chOff x="0" y="0"/>
+          <a:chExt cx="0" cy="0"/>
+        </a:xfrm>
+      </p:grpSpPr>
+      <p:sp>
+        <p:nvSpPr>
+          <p:cNvPr id="2" name="幻灯片图像占位符 1"/>
+          <p:cNvSpPr>
+            <a:spLocks noGrp="1" noRot="1" noChangeAspect="1"/>
+          </p:cNvSpPr>
+          <p:nvPr>
+            <p:ph type="sldImg"/>
+          </p:nvPr>
+        </p:nvSpPr>
+        <p:spPr/>
+      </p:sp>
+      <p:sp>
+        <p:nvSpPr>
+          <p:cNvPr id="3" name="备注占位符 2"/>
+          <p:cNvSpPr>
+            <a:spLocks noGrp="1"/>
+          </p:cNvSpPr>
+          <p:nvPr>
+            <p:ph type="body" idx="1"/>
+          </p:nvPr>
+        </p:nvSpPr>
+        <p:spPr/>
+        <p:txBody>
+          <a:bodyPr/>
+          <a:lstStyle/>
+          <a:p>
+            <a:r>
+              <a:rPr lang="en-US" altLang="zh-CN" sz="1200" dirty="0" smtClean="0"/>
+              <a:t>5</a:t>
+            </a:r>
+            <a:r>
+              <a:rPr lang="zh-CN" altLang="en-US" sz="1200" dirty="0" smtClean="0"/>
+              <a:t>种</a:t>
+            </a:r>
+            <a:r>
+              <a:rPr lang="en-US" altLang="zh-CN" sz="1200" dirty="0" smtClean="0"/>
+              <a:t>I/O</a:t>
+            </a:r>
+            <a:r>
+              <a:rPr lang="zh-CN" altLang="en-US" sz="1200" dirty="0" smtClean="0"/>
+              <a:t>模型</a:t>
+            </a:r>
+            <a:r>
+              <a:rPr lang="en-US" altLang="zh-CN" sz="1200" dirty="0" smtClean="0"/>
+              <a:t>—</a:t>
+            </a:r>
+            <a:r>
+              <a:rPr lang="zh-CN" altLang="en-US" sz="1200" dirty="0" smtClean="0"/>
+              <a:t>阻塞</a:t>
+            </a:r>
+            <a:r>
+              <a:rPr lang="en-US" altLang="zh-CN" sz="1200" dirty="0" smtClean="0"/>
+              <a:t>IO</a:t>
+            </a:r>
+            <a:r>
+              <a:rPr lang="zh-CN" altLang="en-US" sz="1200" dirty="0" smtClean="0"/>
+              <a:t>模型</a:t>
+            </a:r>
+            <a:endParaRPr lang="en-US" altLang="zh-CN" sz="1200" dirty="0" smtClean="0"/>
+          </a:p>
+        </p:txBody>
+      </p:sp>
+      <p:sp>
+        <p:nvSpPr>
+          <p:cNvPr id="4" name="灯片编号占位符 3"/>
+          <p:cNvSpPr>
+            <a:spLocks noGrp="1"/>
+          </p:cNvSpPr>
+          <p:nvPr>
+            <p:ph type="sldNum" sz="quarter" idx="10"/>
+          </p:nvPr>
+        </p:nvSpPr>
+        <p:spPr/>
+        <p:txBody>
+          <a:bodyPr/>
+          <a:lstStyle/>
+          <a:p>
+            <a:fld id="{8A599BE1-865F-412F-8128-78CA1426F296}" type="slidenum">
+              <a:rPr lang="zh-CN" altLang="en-US" smtClean="0"/>
+              <a:t>9</a:t>
             </a:fld>
             <a:endParaRPr lang="zh-CN" altLang="en-US"/>
           </a:p>
@@ -1315,7 +1539,7 @@
           <a:p>
             <a:fld id="{CA6DA839-CEC4-41F8-84E7-732CD3CAE949}" type="datetimeFigureOut">
               <a:rPr lang="zh-CN" altLang="en-US" smtClean="0"/>
-              <a:t>2019/10/17</a:t>
+              <a:t>2019/10/23</a:t>
             </a:fld>
             <a:endParaRPr lang="zh-CN" altLang="en-US"/>
           </a:p>
@@ -1485,7 +1709,7 @@
           <a:p>
             <a:fld id="{CA6DA839-CEC4-41F8-84E7-732CD3CAE949}" type="datetimeFigureOut">
               <a:rPr lang="zh-CN" altLang="en-US" smtClean="0"/>
-              <a:t>2019/10/17</a:t>
+              <a:t>2019/10/23</a:t>
             </a:fld>
             <a:endParaRPr lang="zh-CN" altLang="en-US"/>
           </a:p>
@@ -1665,7 +1889,7 @@
           <a:p>
             <a:fld id="{CA6DA839-CEC4-41F8-84E7-732CD3CAE949}" type="datetimeFigureOut">
               <a:rPr lang="zh-CN" altLang="en-US" smtClean="0"/>
-              <a:t>2019/10/17</a:t>
+              <a:t>2019/10/23</a:t>
             </a:fld>
             <a:endParaRPr lang="zh-CN" altLang="en-US"/>
           </a:p>
@@ -1835,7 +2059,7 @@
           <a:p>
             <a:fld id="{CA6DA839-CEC4-41F8-84E7-732CD3CAE949}" type="datetimeFigureOut">
               <a:rPr lang="zh-CN" altLang="en-US" smtClean="0"/>
-              <a:t>2019/10/17</a:t>
+              <a:t>2019/10/23</a:t>
             </a:fld>
             <a:endParaRPr lang="zh-CN" altLang="en-US"/>
           </a:p>
@@ -2081,7 +2305,7 @@
           <a:p>
             <a:fld id="{CA6DA839-CEC4-41F8-84E7-732CD3CAE949}" type="datetimeFigureOut">
               <a:rPr lang="zh-CN" altLang="en-US" smtClean="0"/>
-              <a:t>2019/10/17</a:t>
+              <a:t>2019/10/23</a:t>
             </a:fld>
             <a:endParaRPr lang="zh-CN" altLang="en-US"/>
           </a:p>
@@ -2313,7 +2537,7 @@
           <a:p>
             <a:fld id="{CA6DA839-CEC4-41F8-84E7-732CD3CAE949}" type="datetimeFigureOut">
               <a:rPr lang="zh-CN" altLang="en-US" smtClean="0"/>
-              <a:t>2019/10/17</a:t>
+              <a:t>2019/10/23</a:t>
             </a:fld>
             <a:endParaRPr lang="zh-CN" altLang="en-US"/>
           </a:p>
@@ -2680,7 +2904,7 @@
           <a:p>
             <a:fld id="{CA6DA839-CEC4-41F8-84E7-732CD3CAE949}" type="datetimeFigureOut">
               <a:rPr lang="zh-CN" altLang="en-US" smtClean="0"/>
-              <a:t>2019/10/17</a:t>
+              <a:t>2019/10/23</a:t>
             </a:fld>
             <a:endParaRPr lang="zh-CN" altLang="en-US"/>
           </a:p>
@@ -2798,7 +3022,7 @@
           <a:p>
             <a:fld id="{CA6DA839-CEC4-41F8-84E7-732CD3CAE949}" type="datetimeFigureOut">
               <a:rPr lang="zh-CN" altLang="en-US" smtClean="0"/>
-              <a:t>2019/10/17</a:t>
+              <a:t>2019/10/23</a:t>
             </a:fld>
             <a:endParaRPr lang="zh-CN" altLang="en-US"/>
           </a:p>
@@ -2893,7 +3117,7 @@
           <a:p>
             <a:fld id="{CA6DA839-CEC4-41F8-84E7-732CD3CAE949}" type="datetimeFigureOut">
               <a:rPr lang="zh-CN" altLang="en-US" smtClean="0"/>
-              <a:t>2019/10/17</a:t>
+              <a:t>2019/10/23</a:t>
             </a:fld>
             <a:endParaRPr lang="zh-CN" altLang="en-US"/>
           </a:p>
@@ -3170,7 +3394,7 @@
           <a:p>
             <a:fld id="{CA6DA839-CEC4-41F8-84E7-732CD3CAE949}" type="datetimeFigureOut">
               <a:rPr lang="zh-CN" altLang="en-US" smtClean="0"/>
-              <a:t>2019/10/17</a:t>
+              <a:t>2019/10/23</a:t>
             </a:fld>
             <a:endParaRPr lang="zh-CN" altLang="en-US"/>
           </a:p>
@@ -3423,7 +3647,7 @@
           <a:p>
             <a:fld id="{CA6DA839-CEC4-41F8-84E7-732CD3CAE949}" type="datetimeFigureOut">
               <a:rPr lang="zh-CN" altLang="en-US" smtClean="0"/>
-              <a:t>2019/10/17</a:t>
+              <a:t>2019/10/23</a:t>
             </a:fld>
             <a:endParaRPr lang="zh-CN" altLang="en-US"/>
           </a:p>
@@ -3636,7 +3860,7 @@
           <a:p>
             <a:fld id="{CA6DA839-CEC4-41F8-84E7-732CD3CAE949}" type="datetimeFigureOut">
               <a:rPr lang="zh-CN" altLang="en-US" smtClean="0"/>
-              <a:t>2019/10/17</a:t>
+              <a:t>2019/10/23</a:t>
             </a:fld>
             <a:endParaRPr lang="zh-CN" altLang="en-US"/>
           </a:p>
@@ -4133,6 +4357,149 @@
       </p:grpSpPr>
       <p:pic>
         <p:nvPicPr>
+          <p:cNvPr id="3074" name="Picture 2" descr="éé»å¡IO"/>
+          <p:cNvPicPr>
+            <a:picLocks noChangeAspect="1" noChangeArrowheads="1"/>
+          </p:cNvPicPr>
+          <p:nvPr/>
+        </p:nvPicPr>
+        <p:blipFill>
+          <a:blip r:embed="rId2">
+            <a:extLst>
+              <a:ext uri="{28A0092B-C50C-407E-A947-70E740481C1C}">
+                <a14:useLocalDpi xmlns:a14="http://schemas.microsoft.com/office/drawing/2010/main" val="0"/>
+              </a:ext>
+            </a:extLst>
+          </a:blip>
+          <a:srcRect/>
+          <a:stretch>
+            <a:fillRect/>
+          </a:stretch>
+        </p:blipFill>
+        <p:spPr bwMode="auto">
+          <a:xfrm>
+            <a:off x="1706878" y="426720"/>
+            <a:ext cx="8496301" cy="4665599"/>
+          </a:xfrm>
+          <a:prstGeom prst="rect">
+            <a:avLst/>
+          </a:prstGeom>
+          <a:noFill/>
+          <a:extLst>
+            <a:ext uri="{909E8E84-426E-40DD-AFC4-6F175D3DCCD1}">
+              <a14:hiddenFill xmlns:a14="http://schemas.microsoft.com/office/drawing/2010/main">
+                <a:solidFill>
+                  <a:srgbClr val="FFFFFF"/>
+                </a:solidFill>
+              </a14:hiddenFill>
+            </a:ext>
+          </a:extLst>
+        </p:spPr>
+      </p:pic>
+      <p:sp>
+        <p:nvSpPr>
+          <p:cNvPr id="2" name="矩形 1"/>
+          <p:cNvSpPr/>
+          <p:nvPr/>
+        </p:nvSpPr>
+        <p:spPr>
+          <a:xfrm>
+            <a:off x="396239" y="5486401"/>
+            <a:ext cx="11254740" cy="646331"/>
+          </a:xfrm>
+          <a:prstGeom prst="rect">
+            <a:avLst/>
+          </a:prstGeom>
+        </p:spPr>
+        <p:txBody>
+          <a:bodyPr wrap="square">
+            <a:spAutoFit/>
+          </a:bodyPr>
+          <a:lstStyle/>
+          <a:p>
+            <a:r>
+              <a:rPr lang="zh-CN" altLang="en-US" b="1" dirty="0"/>
+              <a:t>非</a:t>
+            </a:r>
+            <a:r>
+              <a:rPr lang="zh-CN" altLang="en-US" b="1" dirty="0" smtClean="0"/>
+              <a:t>阻塞</a:t>
+            </a:r>
+            <a:r>
+              <a:rPr lang="en-US" altLang="zh-CN" b="1" dirty="0" smtClean="0"/>
+              <a:t>I/O(no blocking </a:t>
+            </a:r>
+            <a:r>
+              <a:rPr lang="en-US" altLang="zh-CN" b="1" dirty="0"/>
+              <a:t>I/O</a:t>
+            </a:r>
+            <a:r>
+              <a:rPr lang="zh-CN" altLang="en-US" b="1" dirty="0"/>
+              <a:t>）模型</a:t>
+            </a:r>
+            <a:r>
+              <a:rPr lang="zh-CN" altLang="en-US" dirty="0"/>
+              <a:t>，</a:t>
+            </a:r>
+            <a:r>
+              <a:rPr lang="zh-CN" altLang="en-US" dirty="0" smtClean="0"/>
+              <a:t>当</a:t>
+            </a:r>
+            <a:r>
+              <a:rPr lang="zh-CN" altLang="en-US" dirty="0"/>
+              <a:t>一个应用进程像这样对一个非阻塞描述字循环调用</a:t>
+            </a:r>
+            <a:r>
+              <a:rPr lang="en-US" altLang="zh-CN" dirty="0" err="1"/>
+              <a:t>recvfrom</a:t>
+            </a:r>
+            <a:r>
+              <a:rPr lang="zh-CN" altLang="en-US" dirty="0"/>
+              <a:t>时，我们称之为轮询（</a:t>
+            </a:r>
+            <a:r>
+              <a:rPr lang="en-US" altLang="zh-CN" dirty="0"/>
+              <a:t>polling</a:t>
+            </a:r>
+            <a:r>
+              <a:rPr lang="zh-CN" altLang="en-US" dirty="0"/>
+              <a:t>）。应用进程持续轮询内核，以查看某个操作是否就绪。</a:t>
+            </a:r>
+          </a:p>
+        </p:txBody>
+      </p:sp>
+    </p:spTree>
+    <p:extLst>
+      <p:ext uri="{BB962C8B-B14F-4D97-AF65-F5344CB8AC3E}">
+        <p14:creationId xmlns:p14="http://schemas.microsoft.com/office/powerpoint/2010/main" val="3877995910"/>
+      </p:ext>
+    </p:extLst>
+  </p:cSld>
+  <p:clrMapOvr>
+    <a:masterClrMapping/>
+  </p:clrMapOvr>
+</p:sld>
+</file>
+
+<file path=ppt/slides/slide11.xml><?xml version="1.0" encoding="utf-8"?>
+<p:sld xmlns:a="http://schemas.openxmlformats.org/drawingml/2006/main" xmlns:r="http://schemas.openxmlformats.org/officeDocument/2006/relationships" xmlns:p="http://schemas.openxmlformats.org/presentationml/2006/main">
+  <p:cSld>
+    <p:spTree>
+      <p:nvGrpSpPr>
+        <p:cNvPr id="1" name=""/>
+        <p:cNvGrpSpPr/>
+        <p:nvPr/>
+      </p:nvGrpSpPr>
+      <p:grpSpPr>
+        <a:xfrm>
+          <a:off x="0" y="0"/>
+          <a:ext cx="0" cy="0"/>
+          <a:chOff x="0" y="0"/>
+          <a:chExt cx="0" cy="0"/>
+        </a:xfrm>
+      </p:grpSpPr>
+      <p:pic>
+        <p:nvPicPr>
           <p:cNvPr id="4098" name="Picture 2" descr="IOå¤ç¨æ¨¡å"/>
           <p:cNvPicPr>
             <a:picLocks noChangeAspect="1" noChangeArrowheads="1"/>
@@ -4278,7 +4645,7 @@
 </p:sld>
 </file>
 
-<file path=ppt/slides/slide11.xml><?xml version="1.0" encoding="utf-8"?>
+<file path=ppt/slides/slide12.xml><?xml version="1.0" encoding="utf-8"?>
 <p:sld xmlns:a="http://schemas.openxmlformats.org/drawingml/2006/main" xmlns:r="http://schemas.openxmlformats.org/officeDocument/2006/relationships" xmlns:p="http://schemas.openxmlformats.org/presentationml/2006/main">
   <p:cSld>
     <p:spTree>
@@ -4409,7 +4776,6 @@
               <a:rPr lang="zh-CN" altLang="en-US" dirty="0"/>
               <a:t>（事件）发生时，内核使用信号通知相关进程。</a:t>
             </a:r>
-            <a:endParaRPr lang="zh-CN" altLang="en-US" dirty="0"/>
           </a:p>
         </p:txBody>
       </p:sp>
@@ -4426,7 +4792,7 @@
 </p:sld>
 </file>
 
-<file path=ppt/slides/slide12.xml><?xml version="1.0" encoding="utf-8"?>
+<file path=ppt/slides/slide13.xml><?xml version="1.0" encoding="utf-8"?>
 <p:sld xmlns:a="http://schemas.openxmlformats.org/drawingml/2006/main" xmlns:r="http://schemas.openxmlformats.org/officeDocument/2006/relationships" xmlns:p="http://schemas.openxmlformats.org/presentationml/2006/main">
   <p:cSld>
     <p:spTree>
@@ -4559,7 +4925,7 @@
 </p:sld>
 </file>
 
-<file path=ppt/slides/slide13.xml><?xml version="1.0" encoding="utf-8"?>
+<file path=ppt/slides/slide14.xml><?xml version="1.0" encoding="utf-8"?>
 <p:sld xmlns:a="http://schemas.openxmlformats.org/drawingml/2006/main" xmlns:r="http://schemas.openxmlformats.org/officeDocument/2006/relationships" xmlns:p="http://schemas.openxmlformats.org/presentationml/2006/main">
   <p:cSld>
     <p:spTree>
@@ -4670,635 +5036,6 @@
 </p:sld>
 </file>
 
-<file path=ppt/slides/slide14.xml><?xml version="1.0" encoding="utf-8"?>
-<p:sld xmlns:a="http://schemas.openxmlformats.org/drawingml/2006/main" xmlns:r="http://schemas.openxmlformats.org/officeDocument/2006/relationships" xmlns:p="http://schemas.openxmlformats.org/presentationml/2006/main">
-  <p:cSld>
-    <p:spTree>
-      <p:nvGrpSpPr>
-        <p:cNvPr id="1" name=""/>
-        <p:cNvGrpSpPr/>
-        <p:nvPr/>
-      </p:nvGrpSpPr>
-      <p:grpSpPr>
-        <a:xfrm>
-          <a:off x="0" y="0"/>
-          <a:ext cx="0" cy="0"/>
-          <a:chOff x="0" y="0"/>
-          <a:chExt cx="0" cy="0"/>
-        </a:xfrm>
-      </p:grpSpPr>
-      <p:sp>
-        <p:nvSpPr>
-          <p:cNvPr id="2" name="矩形 1"/>
-          <p:cNvSpPr/>
-          <p:nvPr/>
-        </p:nvSpPr>
-        <p:spPr>
-          <a:xfrm>
-            <a:off x="243840" y="327303"/>
-            <a:ext cx="11605260" cy="3693319"/>
-          </a:xfrm>
-          <a:prstGeom prst="rect">
-            <a:avLst/>
-          </a:prstGeom>
-        </p:spPr>
-        <p:txBody>
-          <a:bodyPr wrap="square">
-            <a:spAutoFit/>
-          </a:bodyPr>
-          <a:lstStyle/>
-          <a:p>
-            <a:r>
-              <a:rPr lang="zh-CN" altLang="en-US" b="1" dirty="0"/>
-              <a:t>同步</a:t>
-            </a:r>
-            <a:r>
-              <a:rPr lang="en-US" altLang="zh-CN" b="1" dirty="0"/>
-              <a:t>IO</a:t>
-            </a:r>
-            <a:r>
-              <a:rPr lang="zh-CN" altLang="en-US" b="1" dirty="0"/>
-              <a:t>、异步</a:t>
-            </a:r>
-            <a:r>
-              <a:rPr lang="en-US" altLang="zh-CN" b="1" dirty="0"/>
-              <a:t>IO</a:t>
-            </a:r>
-            <a:r>
-              <a:rPr lang="zh-CN" altLang="en-US" b="1" dirty="0"/>
-              <a:t>、阻塞</a:t>
-            </a:r>
-            <a:r>
-              <a:rPr lang="en-US" altLang="zh-CN" b="1" dirty="0"/>
-              <a:t>IO</a:t>
-            </a:r>
-            <a:r>
-              <a:rPr lang="zh-CN" altLang="en-US" b="1" dirty="0"/>
-              <a:t>、非阻塞</a:t>
-            </a:r>
-            <a:r>
-              <a:rPr lang="en-US" altLang="zh-CN" b="1" dirty="0" smtClean="0"/>
-              <a:t>IO</a:t>
-            </a:r>
-            <a:r>
-              <a:rPr lang="zh-CN" altLang="en-US" b="1" dirty="0" smtClean="0"/>
-              <a:t>：</a:t>
-            </a:r>
-            <a:endParaRPr lang="en-US" altLang="zh-CN" b="1" dirty="0" smtClean="0"/>
-          </a:p>
-          <a:p>
-            <a:endParaRPr lang="en-US" altLang="zh-CN" dirty="0"/>
-          </a:p>
-          <a:p>
-            <a:r>
-              <a:rPr lang="zh-CN" altLang="en-US" dirty="0"/>
-              <a:t>一个</a:t>
-            </a:r>
-            <a:r>
-              <a:rPr lang="en-US" altLang="zh-CN" dirty="0"/>
-              <a:t>IO</a:t>
-            </a:r>
-            <a:r>
-              <a:rPr lang="zh-CN" altLang="en-US" dirty="0"/>
-              <a:t>操作可以分为两个步骤：发起</a:t>
-            </a:r>
-            <a:r>
-              <a:rPr lang="en-US" altLang="zh-CN" dirty="0"/>
-              <a:t>IO</a:t>
-            </a:r>
-            <a:r>
-              <a:rPr lang="zh-CN" altLang="en-US" dirty="0"/>
-              <a:t>请求和实际的</a:t>
-            </a:r>
-            <a:r>
-              <a:rPr lang="en-US" altLang="zh-CN" dirty="0"/>
-              <a:t>IO</a:t>
-            </a:r>
-            <a:r>
-              <a:rPr lang="zh-CN" altLang="en-US" dirty="0"/>
-              <a:t>操作</a:t>
-            </a:r>
-          </a:p>
-          <a:p>
-            <a:r>
-              <a:rPr lang="zh-CN" altLang="en-US" dirty="0" smtClean="0"/>
-              <a:t>例如</a:t>
-            </a:r>
-            <a:r>
-              <a:rPr lang="zh-CN" altLang="en-US" dirty="0"/>
-              <a:t>：</a:t>
-            </a:r>
-          </a:p>
-          <a:p>
-            <a:r>
-              <a:rPr lang="en-US" altLang="zh-CN" dirty="0"/>
-              <a:t>1</a:t>
-            </a:r>
-            <a:r>
-              <a:rPr lang="zh-CN" altLang="en-US" dirty="0"/>
-              <a:t>、操作系统的一次写操作分为两步：将数据从用户空间拷贝到系统空间；从系统空间往网卡写。</a:t>
-            </a:r>
-          </a:p>
-          <a:p>
-            <a:r>
-              <a:rPr lang="en-US" altLang="zh-CN" dirty="0"/>
-              <a:t>2</a:t>
-            </a:r>
-            <a:r>
-              <a:rPr lang="zh-CN" altLang="en-US" dirty="0"/>
-              <a:t>、一次读操作分为两步：将数据从网卡拷贝到系统空间；将数据从系统空间拷贝到用户空间。</a:t>
-            </a:r>
-          </a:p>
-          <a:p>
-            <a:endParaRPr lang="zh-CN" altLang="en-US" dirty="0"/>
-          </a:p>
-          <a:p>
-            <a:r>
-              <a:rPr lang="zh-CN" altLang="en-US" dirty="0"/>
-              <a:t>阻塞</a:t>
-            </a:r>
-            <a:r>
-              <a:rPr lang="en-US" altLang="zh-CN" dirty="0"/>
-              <a:t>IO</a:t>
-            </a:r>
-            <a:r>
-              <a:rPr lang="zh-CN" altLang="en-US" dirty="0"/>
-              <a:t>和非阻塞</a:t>
-            </a:r>
-            <a:r>
-              <a:rPr lang="en-US" altLang="zh-CN" dirty="0"/>
-              <a:t>IO</a:t>
-            </a:r>
-            <a:r>
-              <a:rPr lang="zh-CN" altLang="en-US" dirty="0"/>
-              <a:t>的区别在于第一步，发起</a:t>
-            </a:r>
-            <a:r>
-              <a:rPr lang="en-US" altLang="zh-CN" dirty="0"/>
-              <a:t>IO</a:t>
-            </a:r>
-            <a:r>
-              <a:rPr lang="zh-CN" altLang="en-US" dirty="0"/>
-              <a:t>请求是否会被阻塞，如果阻塞直到完成那么就是传统的阻塞</a:t>
-            </a:r>
-            <a:r>
-              <a:rPr lang="en-US" altLang="zh-CN" dirty="0"/>
-              <a:t>IO</a:t>
-            </a:r>
-            <a:r>
-              <a:rPr lang="zh-CN" altLang="en-US" dirty="0"/>
-              <a:t>，如果不阻塞，那么就是非阻塞</a:t>
-            </a:r>
-            <a:r>
-              <a:rPr lang="en-US" altLang="zh-CN" dirty="0"/>
-              <a:t>IO</a:t>
-            </a:r>
-            <a:r>
-              <a:rPr lang="zh-CN" altLang="en-US" dirty="0"/>
-              <a:t>。</a:t>
-            </a:r>
-          </a:p>
-          <a:p>
-            <a:endParaRPr lang="zh-CN" altLang="en-US" dirty="0"/>
-          </a:p>
-          <a:p>
-            <a:r>
-              <a:rPr lang="zh-CN" altLang="en-US" dirty="0"/>
-              <a:t>同步</a:t>
-            </a:r>
-            <a:r>
-              <a:rPr lang="en-US" altLang="zh-CN" dirty="0"/>
-              <a:t>IO</a:t>
-            </a:r>
-            <a:r>
-              <a:rPr lang="zh-CN" altLang="en-US" dirty="0"/>
-              <a:t>和异步</a:t>
-            </a:r>
-            <a:r>
-              <a:rPr lang="en-US" altLang="zh-CN" dirty="0"/>
-              <a:t>IO</a:t>
-            </a:r>
-            <a:r>
-              <a:rPr lang="zh-CN" altLang="en-US" dirty="0"/>
-              <a:t>的区别就在于第二个步骤是否阻塞，如果实际的</a:t>
-            </a:r>
-            <a:r>
-              <a:rPr lang="en-US" altLang="zh-CN" dirty="0"/>
-              <a:t>IO</a:t>
-            </a:r>
-            <a:r>
-              <a:rPr lang="zh-CN" altLang="en-US" dirty="0"/>
-              <a:t>读写阻塞请求进程，那么就是同步</a:t>
-            </a:r>
-            <a:r>
-              <a:rPr lang="en-US" altLang="zh-CN" dirty="0"/>
-              <a:t>IO</a:t>
-            </a:r>
-            <a:r>
-              <a:rPr lang="zh-CN" altLang="en-US" dirty="0"/>
-              <a:t>，因此阻塞</a:t>
-            </a:r>
-            <a:r>
-              <a:rPr lang="en-US" altLang="zh-CN" dirty="0"/>
-              <a:t>IO</a:t>
-            </a:r>
-            <a:r>
-              <a:rPr lang="zh-CN" altLang="en-US" dirty="0"/>
-              <a:t>、非阻塞</a:t>
-            </a:r>
-            <a:r>
-              <a:rPr lang="en-US" altLang="zh-CN" dirty="0"/>
-              <a:t>IO</a:t>
-            </a:r>
-            <a:r>
-              <a:rPr lang="zh-CN" altLang="en-US" dirty="0"/>
-              <a:t>、</a:t>
-            </a:r>
-            <a:r>
-              <a:rPr lang="en-US" altLang="zh-CN" dirty="0"/>
-              <a:t>IO</a:t>
-            </a:r>
-            <a:r>
-              <a:rPr lang="zh-CN" altLang="en-US" dirty="0"/>
-              <a:t>复用、信号驱动</a:t>
-            </a:r>
-            <a:r>
-              <a:rPr lang="en-US" altLang="zh-CN" dirty="0"/>
-              <a:t>IO</a:t>
-            </a:r>
-            <a:r>
-              <a:rPr lang="zh-CN" altLang="en-US" dirty="0"/>
-              <a:t>都是同步</a:t>
-            </a:r>
-            <a:r>
-              <a:rPr lang="en-US" altLang="zh-CN" dirty="0"/>
-              <a:t>IO</a:t>
-            </a:r>
-            <a:r>
-              <a:rPr lang="zh-CN" altLang="en-US" dirty="0"/>
-              <a:t>，如果不阻塞，而是操作系统做完</a:t>
-            </a:r>
-            <a:r>
-              <a:rPr lang="en-US" altLang="zh-CN" dirty="0"/>
-              <a:t>IO</a:t>
-            </a:r>
-            <a:r>
-              <a:rPr lang="zh-CN" altLang="en-US" dirty="0"/>
-              <a:t>两个阶段的操作再将结果返回，那么就是异步</a:t>
-            </a:r>
-            <a:r>
-              <a:rPr lang="en-US" altLang="zh-CN" dirty="0"/>
-              <a:t>IO</a:t>
-            </a:r>
-            <a:r>
-              <a:rPr lang="zh-CN" altLang="en-US" dirty="0"/>
-              <a:t>。</a:t>
-            </a:r>
-          </a:p>
-        </p:txBody>
-      </p:sp>
-      <p:sp>
-        <p:nvSpPr>
-          <p:cNvPr id="3" name="矩形 2"/>
-          <p:cNvSpPr/>
-          <p:nvPr/>
-        </p:nvSpPr>
-        <p:spPr>
-          <a:xfrm>
-            <a:off x="243840" y="4219278"/>
-            <a:ext cx="11605260" cy="1107996"/>
-          </a:xfrm>
-          <a:prstGeom prst="rect">
-            <a:avLst/>
-          </a:prstGeom>
-        </p:spPr>
-        <p:txBody>
-          <a:bodyPr wrap="square">
-            <a:spAutoFit/>
-          </a:bodyPr>
-          <a:lstStyle/>
-          <a:p>
-            <a:r>
-              <a:rPr lang="en-US" altLang="zh-CN" dirty="0"/>
-              <a:t>JAVA </a:t>
-            </a:r>
-            <a:r>
-              <a:rPr lang="en-US" altLang="zh-CN" dirty="0" smtClean="0"/>
-              <a:t>NIO</a:t>
-            </a:r>
-            <a:r>
-              <a:rPr lang="zh-CN" altLang="en-US" dirty="0" smtClean="0"/>
-              <a:t>不是</a:t>
-            </a:r>
-            <a:r>
-              <a:rPr lang="zh-CN" altLang="en-US" dirty="0"/>
-              <a:t>同步非阻塞</a:t>
-            </a:r>
-            <a:r>
-              <a:rPr lang="en-US" altLang="zh-CN" dirty="0"/>
-              <a:t>I/O</a:t>
-            </a:r>
-            <a:r>
-              <a:rPr lang="zh-CN" altLang="en-US" dirty="0"/>
-              <a:t>吗，为什么说</a:t>
-            </a:r>
-            <a:r>
-              <a:rPr lang="en-US" altLang="zh-CN" dirty="0"/>
-              <a:t>JAVA NIO</a:t>
-            </a:r>
-            <a:r>
-              <a:rPr lang="zh-CN" altLang="en-US" dirty="0"/>
-              <a:t>提供了基于</a:t>
-            </a:r>
-            <a:r>
-              <a:rPr lang="en-US" altLang="zh-CN" dirty="0"/>
-              <a:t>Selector</a:t>
-            </a:r>
-            <a:r>
-              <a:rPr lang="zh-CN" altLang="en-US" dirty="0"/>
-              <a:t>的异步网络</a:t>
-            </a:r>
-            <a:r>
-              <a:rPr lang="en-US" altLang="zh-CN" dirty="0"/>
-              <a:t>I/O</a:t>
-            </a:r>
-            <a:r>
-              <a:rPr lang="zh-CN" altLang="en-US" dirty="0"/>
-              <a:t>？</a:t>
-            </a:r>
-          </a:p>
-          <a:p>
-            <a:r>
-              <a:rPr lang="en-US" altLang="zh-CN" sz="1600" dirty="0">
-                <a:latin typeface="+mn-ea"/>
-              </a:rPr>
-              <a:t>java </a:t>
-            </a:r>
-            <a:r>
-              <a:rPr lang="en-US" altLang="zh-CN" sz="1600" dirty="0" err="1">
-                <a:latin typeface="+mn-ea"/>
-              </a:rPr>
-              <a:t>nio</a:t>
-            </a:r>
-            <a:r>
-              <a:rPr lang="zh-CN" altLang="en-US" sz="1600" dirty="0">
-                <a:latin typeface="+mn-ea"/>
-              </a:rPr>
-              <a:t>的</a:t>
-            </a:r>
-            <a:r>
-              <a:rPr lang="en-US" altLang="zh-CN" sz="1600" dirty="0" err="1">
-                <a:latin typeface="+mn-ea"/>
-              </a:rPr>
-              <a:t>io</a:t>
-            </a:r>
-            <a:r>
-              <a:rPr lang="zh-CN" altLang="en-US" sz="1600" dirty="0">
-                <a:latin typeface="+mn-ea"/>
-              </a:rPr>
-              <a:t>模型是同步非阻塞，这里的同步异步指的是真正</a:t>
-            </a:r>
-            <a:r>
-              <a:rPr lang="en-US" altLang="zh-CN" sz="1600" dirty="0" err="1">
-                <a:latin typeface="+mn-ea"/>
-              </a:rPr>
-              <a:t>io</a:t>
-            </a:r>
-            <a:r>
-              <a:rPr lang="zh-CN" altLang="en-US" sz="1600" dirty="0">
-                <a:latin typeface="+mn-ea"/>
-              </a:rPr>
-              <a:t>操作（数据内核态用户态的拷贝）是否需要进程参与。</a:t>
-            </a:r>
-          </a:p>
-          <a:p>
-            <a:r>
-              <a:rPr lang="zh-CN" altLang="en-US" sz="1600" dirty="0">
-                <a:latin typeface="+mn-ea"/>
-              </a:rPr>
-              <a:t>而说</a:t>
-            </a:r>
-            <a:r>
-              <a:rPr lang="en-US" altLang="zh-CN" sz="1600" dirty="0">
-                <a:latin typeface="+mn-ea"/>
-              </a:rPr>
-              <a:t>java </a:t>
-            </a:r>
-            <a:r>
-              <a:rPr lang="en-US" altLang="zh-CN" sz="1600" dirty="0" err="1">
-                <a:latin typeface="+mn-ea"/>
-              </a:rPr>
-              <a:t>nio</a:t>
-            </a:r>
-            <a:r>
-              <a:rPr lang="zh-CN" altLang="en-US" sz="1600" dirty="0">
-                <a:latin typeface="+mn-ea"/>
-              </a:rPr>
-              <a:t>提供了异步处理，这个异步应该是指编程模型上的异步。基于</a:t>
-            </a:r>
-            <a:r>
-              <a:rPr lang="en-US" altLang="zh-CN" sz="1600" dirty="0">
-                <a:latin typeface="+mn-ea"/>
-              </a:rPr>
-              <a:t>reactor</a:t>
-            </a:r>
-            <a:r>
-              <a:rPr lang="zh-CN" altLang="en-US" sz="1600" dirty="0">
-                <a:latin typeface="+mn-ea"/>
-              </a:rPr>
-              <a:t>模式的事件驱动，事件处理器的注册和处理器的执行是异步</a:t>
-            </a:r>
-            <a:r>
-              <a:rPr lang="zh-CN" altLang="en-US" sz="1600" dirty="0" smtClean="0">
-                <a:latin typeface="+mn-ea"/>
-              </a:rPr>
-              <a:t>的。</a:t>
-            </a:r>
-            <a:endParaRPr lang="zh-CN" altLang="en-US" sz="1600" dirty="0">
-              <a:latin typeface="+mn-ea"/>
-            </a:endParaRPr>
-          </a:p>
-        </p:txBody>
-      </p:sp>
-      <p:sp>
-        <p:nvSpPr>
-          <p:cNvPr id="4" name="矩形 3"/>
-          <p:cNvSpPr/>
-          <p:nvPr/>
-        </p:nvSpPr>
-        <p:spPr>
-          <a:xfrm>
-            <a:off x="243840" y="5519204"/>
-            <a:ext cx="11605260" cy="1107996"/>
-          </a:xfrm>
-          <a:prstGeom prst="rect">
-            <a:avLst/>
-          </a:prstGeom>
-        </p:spPr>
-        <p:txBody>
-          <a:bodyPr wrap="square">
-            <a:spAutoFit/>
-          </a:bodyPr>
-          <a:lstStyle/>
-          <a:p>
-            <a:r>
-              <a:rPr lang="en-US" altLang="zh-CN" dirty="0" smtClean="0">
-                <a:latin typeface="+mn-ea"/>
-              </a:rPr>
-              <a:t>AIO(</a:t>
-            </a:r>
-            <a:r>
-              <a:rPr lang="en-US" altLang="zh-CN" dirty="0" err="1" smtClean="0">
-                <a:latin typeface="+mn-ea"/>
-              </a:rPr>
-              <a:t>Async</a:t>
-            </a:r>
-            <a:r>
-              <a:rPr lang="en-US" altLang="zh-CN" dirty="0" smtClean="0">
-                <a:latin typeface="+mn-ea"/>
-              </a:rPr>
-              <a:t> I/O)</a:t>
-            </a:r>
-            <a:r>
-              <a:rPr lang="zh-CN" altLang="en-US" dirty="0" smtClean="0">
-                <a:latin typeface="+mn-ea"/>
-              </a:rPr>
-              <a:t>里面会更进一步：不但等待就绪是非阻塞的，就连数据从网卡到内存的过程也是异步的。</a:t>
-            </a:r>
-          </a:p>
-          <a:p>
-            <a:r>
-              <a:rPr lang="zh-CN" altLang="en-US" sz="1600" dirty="0" smtClean="0">
-                <a:latin typeface="+mn-ea"/>
-              </a:rPr>
-              <a:t>换句话说，</a:t>
-            </a:r>
-            <a:r>
-              <a:rPr lang="en-US" altLang="zh-CN" sz="1600" dirty="0" smtClean="0">
-                <a:latin typeface="+mn-ea"/>
-              </a:rPr>
-              <a:t>BIO</a:t>
-            </a:r>
-            <a:r>
-              <a:rPr lang="zh-CN" altLang="en-US" sz="1600" dirty="0" smtClean="0">
-                <a:latin typeface="+mn-ea"/>
-              </a:rPr>
-              <a:t>里用户最关心“我要读”，</a:t>
-            </a:r>
-            <a:r>
-              <a:rPr lang="en-US" altLang="zh-CN" sz="1600" dirty="0" smtClean="0">
-                <a:latin typeface="+mn-ea"/>
-              </a:rPr>
-              <a:t>NIO</a:t>
-            </a:r>
-            <a:r>
-              <a:rPr lang="zh-CN" altLang="en-US" sz="1600" dirty="0" smtClean="0">
-                <a:latin typeface="+mn-ea"/>
-              </a:rPr>
-              <a:t>里用户最关心</a:t>
-            </a:r>
-            <a:r>
-              <a:rPr lang="en-US" altLang="zh-CN" sz="1600" dirty="0" smtClean="0">
-                <a:latin typeface="+mn-ea"/>
-              </a:rPr>
-              <a:t>"</a:t>
-            </a:r>
-            <a:r>
-              <a:rPr lang="zh-CN" altLang="en-US" sz="1600" dirty="0" smtClean="0">
-                <a:latin typeface="+mn-ea"/>
-              </a:rPr>
-              <a:t>我可以读了</a:t>
-            </a:r>
-            <a:r>
-              <a:rPr lang="en-US" altLang="zh-CN" sz="1600" dirty="0" smtClean="0">
-                <a:latin typeface="+mn-ea"/>
-              </a:rPr>
-              <a:t>"</a:t>
-            </a:r>
-            <a:r>
-              <a:rPr lang="zh-CN" altLang="en-US" sz="1600" dirty="0" smtClean="0">
-                <a:latin typeface="+mn-ea"/>
-              </a:rPr>
-              <a:t>，在</a:t>
-            </a:r>
-            <a:r>
-              <a:rPr lang="en-US" altLang="zh-CN" sz="1600" dirty="0" smtClean="0">
-                <a:latin typeface="+mn-ea"/>
-              </a:rPr>
-              <a:t>AIO</a:t>
-            </a:r>
-            <a:r>
-              <a:rPr lang="zh-CN" altLang="en-US" sz="1600" dirty="0" smtClean="0">
-                <a:latin typeface="+mn-ea"/>
-              </a:rPr>
-              <a:t>模型里用户更需要关注的是“读完了”。</a:t>
-            </a:r>
-          </a:p>
-          <a:p>
-            <a:r>
-              <a:rPr lang="en-US" altLang="zh-CN" sz="1600" dirty="0" smtClean="0">
-                <a:latin typeface="+mn-ea"/>
-              </a:rPr>
-              <a:t>NIO</a:t>
-            </a:r>
-            <a:r>
-              <a:rPr lang="zh-CN" altLang="en-US" sz="1600" dirty="0">
-                <a:latin typeface="+mn-ea"/>
-              </a:rPr>
-              <a:t>一个重要的特点是：</a:t>
-            </a:r>
-            <a:r>
-              <a:rPr lang="en-US" altLang="zh-CN" sz="1600" dirty="0">
-                <a:latin typeface="+mn-ea"/>
-              </a:rPr>
-              <a:t>socket</a:t>
-            </a:r>
-            <a:r>
-              <a:rPr lang="zh-CN" altLang="en-US" sz="1600" dirty="0">
-                <a:latin typeface="+mn-ea"/>
-              </a:rPr>
-              <a:t>主要的读、写、注册和接收函数，在等待就绪阶段都是非阻塞的，真正的</a:t>
-            </a:r>
-            <a:r>
-              <a:rPr lang="en-US" altLang="zh-CN" sz="1600" dirty="0">
-                <a:latin typeface="+mn-ea"/>
-              </a:rPr>
-              <a:t>I/O</a:t>
-            </a:r>
-            <a:r>
-              <a:rPr lang="zh-CN" altLang="en-US" sz="1600" dirty="0">
-                <a:latin typeface="+mn-ea"/>
-              </a:rPr>
-              <a:t>操作是同步的（消耗</a:t>
-            </a:r>
-            <a:r>
-              <a:rPr lang="en-US" altLang="zh-CN" sz="1600" dirty="0">
-                <a:latin typeface="+mn-ea"/>
-              </a:rPr>
-              <a:t>CPU</a:t>
-            </a:r>
-            <a:r>
-              <a:rPr lang="zh-CN" altLang="en-US" sz="1600" dirty="0">
-                <a:latin typeface="+mn-ea"/>
-              </a:rPr>
-              <a:t>但性能非常高）。</a:t>
-            </a:r>
-          </a:p>
-        </p:txBody>
-      </p:sp>
-    </p:spTree>
-    <p:extLst>
-      <p:ext uri="{BB962C8B-B14F-4D97-AF65-F5344CB8AC3E}">
-        <p14:creationId xmlns:p14="http://schemas.microsoft.com/office/powerpoint/2010/main" val="2772658625"/>
-      </p:ext>
-    </p:extLst>
-  </p:cSld>
-  <p:clrMapOvr>
-    <a:masterClrMapping/>
-  </p:clrMapOvr>
-</p:sld>
-</file>
-
 <file path=ppt/slides/slide15.xml><?xml version="1.0" encoding="utf-8"?>
 <p:sld xmlns:a="http://schemas.openxmlformats.org/drawingml/2006/main" xmlns:r="http://schemas.openxmlformats.org/officeDocument/2006/relationships" xmlns:p="http://schemas.openxmlformats.org/presentationml/2006/main">
   <p:cSld>
@@ -5324,26 +5061,264 @@
         </p:nvSpPr>
         <p:spPr>
           <a:xfrm>
-            <a:off x="269769" y="379214"/>
-            <a:ext cx="2142702" cy="369332"/>
+            <a:off x="243840" y="327303"/>
+            <a:ext cx="11605260" cy="3693319"/>
           </a:xfrm>
           <a:prstGeom prst="rect">
             <a:avLst/>
           </a:prstGeom>
         </p:spPr>
         <p:txBody>
-          <a:bodyPr wrap="none">
+          <a:bodyPr wrap="square">
             <a:spAutoFit/>
           </a:bodyPr>
           <a:lstStyle/>
           <a:p>
             <a:r>
+              <a:rPr lang="zh-CN" altLang="en-US" b="1" dirty="0"/>
+              <a:t>同步</a:t>
+            </a:r>
+            <a:r>
+              <a:rPr lang="en-US" altLang="zh-CN" b="1" dirty="0"/>
+              <a:t>IO</a:t>
+            </a:r>
+            <a:r>
+              <a:rPr lang="zh-CN" altLang="en-US" b="1" dirty="0"/>
+              <a:t>、异步</a:t>
+            </a:r>
+            <a:r>
+              <a:rPr lang="en-US" altLang="zh-CN" b="1" dirty="0"/>
+              <a:t>IO</a:t>
+            </a:r>
+            <a:r>
+              <a:rPr lang="zh-CN" altLang="en-US" b="1" dirty="0"/>
+              <a:t>、阻塞</a:t>
+            </a:r>
+            <a:r>
+              <a:rPr lang="en-US" altLang="zh-CN" b="1" dirty="0"/>
+              <a:t>IO</a:t>
+            </a:r>
+            <a:r>
+              <a:rPr lang="zh-CN" altLang="en-US" b="1" dirty="0"/>
+              <a:t>、非阻塞</a:t>
+            </a:r>
+            <a:r>
+              <a:rPr lang="en-US" altLang="zh-CN" b="1" dirty="0" smtClean="0"/>
+              <a:t>IO</a:t>
+            </a:r>
+            <a:r>
+              <a:rPr lang="zh-CN" altLang="en-US" b="1" dirty="0" smtClean="0"/>
+              <a:t>：</a:t>
+            </a:r>
+            <a:endParaRPr lang="en-US" altLang="zh-CN" b="1" dirty="0" smtClean="0"/>
+          </a:p>
+          <a:p>
+            <a:endParaRPr lang="en-US" altLang="zh-CN" dirty="0"/>
+          </a:p>
+          <a:p>
+            <a:r>
+              <a:rPr lang="zh-CN" altLang="en-US" dirty="0"/>
+              <a:t>一个</a:t>
+            </a:r>
+            <a:r>
               <a:rPr lang="en-US" altLang="zh-CN" dirty="0"/>
-              <a:t>Java NIO</a:t>
+              <a:t>IO</a:t>
             </a:r>
             <a:r>
               <a:rPr lang="zh-CN" altLang="en-US" dirty="0"/>
-              <a:t>的核心组成</a:t>
+              <a:t>操作可以分为两个步骤：发起</a:t>
+            </a:r>
+            <a:r>
+              <a:rPr lang="en-US" altLang="zh-CN" dirty="0"/>
+              <a:t>IO</a:t>
+            </a:r>
+            <a:r>
+              <a:rPr lang="zh-CN" altLang="en-US" dirty="0"/>
+              <a:t>请求和实际的</a:t>
+            </a:r>
+            <a:r>
+              <a:rPr lang="en-US" altLang="zh-CN" dirty="0"/>
+              <a:t>IO</a:t>
+            </a:r>
+            <a:r>
+              <a:rPr lang="zh-CN" altLang="en-US" dirty="0"/>
+              <a:t>操作</a:t>
+            </a:r>
+          </a:p>
+          <a:p>
+            <a:r>
+              <a:rPr lang="zh-CN" altLang="en-US" dirty="0" smtClean="0"/>
+              <a:t>例如</a:t>
+            </a:r>
+            <a:r>
+              <a:rPr lang="zh-CN" altLang="en-US" dirty="0"/>
+              <a:t>：</a:t>
+            </a:r>
+          </a:p>
+          <a:p>
+            <a:r>
+              <a:rPr lang="en-US" altLang="zh-CN" dirty="0"/>
+              <a:t>1</a:t>
+            </a:r>
+            <a:r>
+              <a:rPr lang="zh-CN" altLang="en-US" dirty="0"/>
+              <a:t>、操作系统的一次写操作分为两步：将数据从用户空间拷贝到系统空间；从系统空间往网卡写。</a:t>
+            </a:r>
+          </a:p>
+          <a:p>
+            <a:r>
+              <a:rPr lang="en-US" altLang="zh-CN" dirty="0"/>
+              <a:t>2</a:t>
+            </a:r>
+            <a:r>
+              <a:rPr lang="zh-CN" altLang="en-US" dirty="0"/>
+              <a:t>、一次读操作分为两步：将数据从网卡拷贝到系统空间；将数据从系统空间拷贝到用户空间。</a:t>
+            </a:r>
+          </a:p>
+          <a:p>
+            <a:endParaRPr lang="zh-CN" altLang="en-US" dirty="0"/>
+          </a:p>
+          <a:p>
+            <a:r>
+              <a:rPr lang="zh-CN" altLang="en-US" dirty="0"/>
+              <a:t>阻塞</a:t>
+            </a:r>
+            <a:r>
+              <a:rPr lang="en-US" altLang="zh-CN" dirty="0"/>
+              <a:t>IO</a:t>
+            </a:r>
+            <a:r>
+              <a:rPr lang="zh-CN" altLang="en-US" dirty="0"/>
+              <a:t>和非阻塞</a:t>
+            </a:r>
+            <a:r>
+              <a:rPr lang="en-US" altLang="zh-CN" dirty="0"/>
+              <a:t>IO</a:t>
+            </a:r>
+            <a:r>
+              <a:rPr lang="zh-CN" altLang="en-US" dirty="0"/>
+              <a:t>的区别在于第一步，发起</a:t>
+            </a:r>
+            <a:r>
+              <a:rPr lang="en-US" altLang="zh-CN" dirty="0"/>
+              <a:t>IO</a:t>
+            </a:r>
+            <a:r>
+              <a:rPr lang="zh-CN" altLang="en-US" dirty="0"/>
+              <a:t>请求是否会被阻塞，如果阻塞直到完成那么就是传统的阻塞</a:t>
+            </a:r>
+            <a:r>
+              <a:rPr lang="en-US" altLang="zh-CN" dirty="0"/>
+              <a:t>IO</a:t>
+            </a:r>
+            <a:r>
+              <a:rPr lang="zh-CN" altLang="en-US" dirty="0"/>
+              <a:t>，如果不阻塞，那么就是非阻塞</a:t>
+            </a:r>
+            <a:r>
+              <a:rPr lang="en-US" altLang="zh-CN" dirty="0"/>
+              <a:t>IO</a:t>
+            </a:r>
+            <a:r>
+              <a:rPr lang="zh-CN" altLang="en-US" dirty="0"/>
+              <a:t>。</a:t>
+            </a:r>
+          </a:p>
+          <a:p>
+            <a:endParaRPr lang="zh-CN" altLang="en-US" dirty="0"/>
+          </a:p>
+          <a:p>
+            <a:r>
+              <a:rPr lang="zh-CN" altLang="en-US" dirty="0"/>
+              <a:t>同步</a:t>
+            </a:r>
+            <a:r>
+              <a:rPr lang="en-US" altLang="zh-CN" dirty="0"/>
+              <a:t>IO</a:t>
+            </a:r>
+            <a:r>
+              <a:rPr lang="zh-CN" altLang="en-US" dirty="0"/>
+              <a:t>和异步</a:t>
+            </a:r>
+            <a:r>
+              <a:rPr lang="en-US" altLang="zh-CN" dirty="0"/>
+              <a:t>IO</a:t>
+            </a:r>
+            <a:r>
+              <a:rPr lang="zh-CN" altLang="en-US" dirty="0"/>
+              <a:t>的区别就在于第二个步骤是否阻塞，如果实际的</a:t>
+            </a:r>
+            <a:r>
+              <a:rPr lang="en-US" altLang="zh-CN" dirty="0"/>
+              <a:t>IO</a:t>
+            </a:r>
+            <a:r>
+              <a:rPr lang="zh-CN" altLang="en-US" dirty="0"/>
+              <a:t>读写阻塞请求进程，那么就是同步</a:t>
+            </a:r>
+            <a:r>
+              <a:rPr lang="en-US" altLang="zh-CN" dirty="0"/>
+              <a:t>IO</a:t>
+            </a:r>
+            <a:r>
+              <a:rPr lang="zh-CN" altLang="en-US" dirty="0"/>
+              <a:t>，因此阻塞</a:t>
+            </a:r>
+            <a:r>
+              <a:rPr lang="en-US" altLang="zh-CN" dirty="0"/>
+              <a:t>IO</a:t>
+            </a:r>
+            <a:r>
+              <a:rPr lang="zh-CN" altLang="en-US" dirty="0"/>
+              <a:t>、非阻塞</a:t>
+            </a:r>
+            <a:r>
+              <a:rPr lang="en-US" altLang="zh-CN" dirty="0"/>
+              <a:t>IO</a:t>
+            </a:r>
+            <a:r>
+              <a:rPr lang="zh-CN" altLang="en-US" dirty="0"/>
+              <a:t>、</a:t>
+            </a:r>
+            <a:r>
+              <a:rPr lang="en-US" altLang="zh-CN" dirty="0"/>
+              <a:t>IO</a:t>
+            </a:r>
+            <a:r>
+              <a:rPr lang="zh-CN" altLang="en-US" dirty="0"/>
+              <a:t>复用、信号驱动</a:t>
+            </a:r>
+            <a:r>
+              <a:rPr lang="en-US" altLang="zh-CN" dirty="0"/>
+              <a:t>IO</a:t>
+            </a:r>
+            <a:r>
+              <a:rPr lang="zh-CN" altLang="en-US" dirty="0"/>
+              <a:t>都是同步</a:t>
+            </a:r>
+            <a:r>
+              <a:rPr lang="en-US" altLang="zh-CN" dirty="0"/>
+              <a:t>IO</a:t>
+            </a:r>
+            <a:r>
+              <a:rPr lang="zh-CN" altLang="en-US" dirty="0"/>
+              <a:t>，如果不阻塞，而是操作系统做完</a:t>
+            </a:r>
+            <a:r>
+              <a:rPr lang="en-US" altLang="zh-CN" dirty="0"/>
+              <a:t>IO</a:t>
+            </a:r>
+            <a:r>
+              <a:rPr lang="zh-CN" altLang="en-US" dirty="0"/>
+              <a:t>两个阶段的操作再将结果返回，那么就是异步</a:t>
+            </a:r>
+            <a:r>
+              <a:rPr lang="en-US" altLang="zh-CN" dirty="0"/>
+              <a:t>IO</a:t>
+            </a:r>
+            <a:r>
+              <a:rPr lang="zh-CN" altLang="en-US" dirty="0"/>
+              <a:t>。</a:t>
             </a:r>
           </a:p>
         </p:txBody>
@@ -5356,8 +5331,8 @@
         </p:nvSpPr>
         <p:spPr>
           <a:xfrm>
-            <a:off x="269768" y="954316"/>
-            <a:ext cx="11579331" cy="923330"/>
+            <a:off x="243840" y="4219278"/>
+            <a:ext cx="11605260" cy="1107996"/>
           </a:xfrm>
           <a:prstGeom prst="rect">
             <a:avLst/>
@@ -5371,86 +5346,810 @@
           <a:p>
             <a:r>
               <a:rPr lang="en-US" altLang="zh-CN" dirty="0"/>
+              <a:t>JAVA </a:t>
+            </a:r>
+            <a:r>
+              <a:rPr lang="en-US" altLang="zh-CN" dirty="0" smtClean="0"/>
+              <a:t>NIO</a:t>
+            </a:r>
+            <a:r>
+              <a:rPr lang="zh-CN" altLang="en-US" dirty="0" smtClean="0"/>
+              <a:t>不是</a:t>
+            </a:r>
+            <a:r>
+              <a:rPr lang="zh-CN" altLang="en-US" dirty="0"/>
+              <a:t>同步非阻塞</a:t>
+            </a:r>
+            <a:r>
+              <a:rPr lang="en-US" altLang="zh-CN" dirty="0"/>
+              <a:t>I/O</a:t>
+            </a:r>
+            <a:r>
+              <a:rPr lang="zh-CN" altLang="en-US" dirty="0"/>
+              <a:t>吗，为什么说</a:t>
+            </a:r>
+            <a:r>
+              <a:rPr lang="en-US" altLang="zh-CN" dirty="0"/>
+              <a:t>JAVA NIO</a:t>
+            </a:r>
+            <a:r>
+              <a:rPr lang="zh-CN" altLang="en-US" dirty="0"/>
+              <a:t>提供了基于</a:t>
+            </a:r>
+            <a:r>
+              <a:rPr lang="en-US" altLang="zh-CN" dirty="0"/>
+              <a:t>Selector</a:t>
+            </a:r>
+            <a:r>
+              <a:rPr lang="zh-CN" altLang="en-US" dirty="0"/>
+              <a:t>的异步网络</a:t>
+            </a:r>
+            <a:r>
+              <a:rPr lang="en-US" altLang="zh-CN" dirty="0"/>
+              <a:t>I/O</a:t>
+            </a:r>
+            <a:r>
+              <a:rPr lang="zh-CN" altLang="en-US" dirty="0"/>
+              <a:t>？</a:t>
+            </a:r>
+          </a:p>
+          <a:p>
+            <a:r>
+              <a:rPr lang="en-US" altLang="zh-CN" sz="1600" dirty="0">
+                <a:latin typeface="+mn-ea"/>
+              </a:rPr>
+              <a:t>java </a:t>
+            </a:r>
+            <a:r>
+              <a:rPr lang="en-US" altLang="zh-CN" sz="1600" dirty="0" err="1">
+                <a:latin typeface="+mn-ea"/>
+              </a:rPr>
+              <a:t>nio</a:t>
+            </a:r>
+            <a:r>
+              <a:rPr lang="zh-CN" altLang="en-US" sz="1600" dirty="0">
+                <a:latin typeface="+mn-ea"/>
+              </a:rPr>
+              <a:t>的</a:t>
+            </a:r>
+            <a:r>
+              <a:rPr lang="en-US" altLang="zh-CN" sz="1600" dirty="0" err="1">
+                <a:latin typeface="+mn-ea"/>
+              </a:rPr>
+              <a:t>io</a:t>
+            </a:r>
+            <a:r>
+              <a:rPr lang="zh-CN" altLang="en-US" sz="1600" dirty="0">
+                <a:latin typeface="+mn-ea"/>
+              </a:rPr>
+              <a:t>模型是同步非阻塞，这里的同步异步指的是真正</a:t>
+            </a:r>
+            <a:r>
+              <a:rPr lang="en-US" altLang="zh-CN" sz="1600" dirty="0" err="1">
+                <a:latin typeface="+mn-ea"/>
+              </a:rPr>
+              <a:t>io</a:t>
+            </a:r>
+            <a:r>
+              <a:rPr lang="zh-CN" altLang="en-US" sz="1600" dirty="0">
+                <a:latin typeface="+mn-ea"/>
+              </a:rPr>
+              <a:t>操作（数据内核态用户态的拷贝）是否需要进程参与。</a:t>
+            </a:r>
+          </a:p>
+          <a:p>
+            <a:r>
+              <a:rPr lang="zh-CN" altLang="en-US" sz="1600" dirty="0">
+                <a:latin typeface="+mn-ea"/>
+              </a:rPr>
+              <a:t>而说</a:t>
+            </a:r>
+            <a:r>
+              <a:rPr lang="en-US" altLang="zh-CN" sz="1600" dirty="0">
+                <a:latin typeface="+mn-ea"/>
+              </a:rPr>
+              <a:t>java </a:t>
+            </a:r>
+            <a:r>
+              <a:rPr lang="en-US" altLang="zh-CN" sz="1600" dirty="0" err="1">
+                <a:latin typeface="+mn-ea"/>
+              </a:rPr>
+              <a:t>nio</a:t>
+            </a:r>
+            <a:r>
+              <a:rPr lang="zh-CN" altLang="en-US" sz="1600" dirty="0">
+                <a:latin typeface="+mn-ea"/>
+              </a:rPr>
+              <a:t>提供了异步处理，这个异步应该是指编程模型上的异步。基于</a:t>
+            </a:r>
+            <a:r>
+              <a:rPr lang="en-US" altLang="zh-CN" sz="1600" dirty="0">
+                <a:latin typeface="+mn-ea"/>
+              </a:rPr>
+              <a:t>reactor</a:t>
+            </a:r>
+            <a:r>
+              <a:rPr lang="zh-CN" altLang="en-US" sz="1600" dirty="0">
+                <a:latin typeface="+mn-ea"/>
+              </a:rPr>
+              <a:t>模式的事件驱动，事件处理器的注册和处理器的执行是异步</a:t>
+            </a:r>
+            <a:r>
+              <a:rPr lang="zh-CN" altLang="en-US" sz="1600" dirty="0" smtClean="0">
+                <a:latin typeface="+mn-ea"/>
+              </a:rPr>
+              <a:t>的。</a:t>
+            </a:r>
+            <a:endParaRPr lang="zh-CN" altLang="en-US" sz="1600" dirty="0">
+              <a:latin typeface="+mn-ea"/>
+            </a:endParaRPr>
+          </a:p>
+        </p:txBody>
+      </p:sp>
+      <p:sp>
+        <p:nvSpPr>
+          <p:cNvPr id="4" name="矩形 3"/>
+          <p:cNvSpPr/>
+          <p:nvPr/>
+        </p:nvSpPr>
+        <p:spPr>
+          <a:xfrm>
+            <a:off x="243840" y="5519204"/>
+            <a:ext cx="11605260" cy="1107996"/>
+          </a:xfrm>
+          <a:prstGeom prst="rect">
+            <a:avLst/>
+          </a:prstGeom>
+        </p:spPr>
+        <p:txBody>
+          <a:bodyPr wrap="square">
+            <a:spAutoFit/>
+          </a:bodyPr>
+          <a:lstStyle/>
+          <a:p>
+            <a:r>
+              <a:rPr lang="en-US" altLang="zh-CN" dirty="0" smtClean="0">
+                <a:latin typeface="+mn-ea"/>
+              </a:rPr>
+              <a:t>AIO(</a:t>
+            </a:r>
+            <a:r>
+              <a:rPr lang="en-US" altLang="zh-CN" dirty="0" err="1" smtClean="0">
+                <a:latin typeface="+mn-ea"/>
+              </a:rPr>
+              <a:t>Async</a:t>
+            </a:r>
+            <a:r>
+              <a:rPr lang="en-US" altLang="zh-CN" dirty="0" smtClean="0">
+                <a:latin typeface="+mn-ea"/>
+              </a:rPr>
+              <a:t> I/O)</a:t>
+            </a:r>
+            <a:r>
+              <a:rPr lang="zh-CN" altLang="en-US" dirty="0" smtClean="0">
+                <a:latin typeface="+mn-ea"/>
+              </a:rPr>
+              <a:t>里面会更进一步：不但等待就绪是非阻塞的，就连数据从网卡到内存的过程也是异步的。</a:t>
+            </a:r>
+          </a:p>
+          <a:p>
+            <a:r>
+              <a:rPr lang="zh-CN" altLang="en-US" sz="1600" dirty="0" smtClean="0">
+                <a:latin typeface="+mn-ea"/>
+              </a:rPr>
+              <a:t>换句话说，</a:t>
+            </a:r>
+            <a:r>
+              <a:rPr lang="en-US" altLang="zh-CN" sz="1600" dirty="0" smtClean="0">
+                <a:latin typeface="+mn-ea"/>
+              </a:rPr>
+              <a:t>BIO</a:t>
+            </a:r>
+            <a:r>
+              <a:rPr lang="zh-CN" altLang="en-US" sz="1600" dirty="0" smtClean="0">
+                <a:latin typeface="+mn-ea"/>
+              </a:rPr>
+              <a:t>里用户最关心“我要读”，</a:t>
+            </a:r>
+            <a:r>
+              <a:rPr lang="en-US" altLang="zh-CN" sz="1600" dirty="0" smtClean="0">
+                <a:latin typeface="+mn-ea"/>
+              </a:rPr>
+              <a:t>NIO</a:t>
+            </a:r>
+            <a:r>
+              <a:rPr lang="zh-CN" altLang="en-US" sz="1600" dirty="0" smtClean="0">
+                <a:latin typeface="+mn-ea"/>
+              </a:rPr>
+              <a:t>里用户最关心</a:t>
+            </a:r>
+            <a:r>
+              <a:rPr lang="en-US" altLang="zh-CN" sz="1600" dirty="0" smtClean="0">
+                <a:latin typeface="+mn-ea"/>
+              </a:rPr>
+              <a:t>"</a:t>
+            </a:r>
+            <a:r>
+              <a:rPr lang="zh-CN" altLang="en-US" sz="1600" dirty="0" smtClean="0">
+                <a:latin typeface="+mn-ea"/>
+              </a:rPr>
+              <a:t>我可以读了</a:t>
+            </a:r>
+            <a:r>
+              <a:rPr lang="en-US" altLang="zh-CN" sz="1600" dirty="0" smtClean="0">
+                <a:latin typeface="+mn-ea"/>
+              </a:rPr>
+              <a:t>"</a:t>
+            </a:r>
+            <a:r>
+              <a:rPr lang="zh-CN" altLang="en-US" sz="1600" dirty="0" smtClean="0">
+                <a:latin typeface="+mn-ea"/>
+              </a:rPr>
+              <a:t>，在</a:t>
+            </a:r>
+            <a:r>
+              <a:rPr lang="en-US" altLang="zh-CN" sz="1600" dirty="0" smtClean="0">
+                <a:latin typeface="+mn-ea"/>
+              </a:rPr>
+              <a:t>AIO</a:t>
+            </a:r>
+            <a:r>
+              <a:rPr lang="zh-CN" altLang="en-US" sz="1600" dirty="0" smtClean="0">
+                <a:latin typeface="+mn-ea"/>
+              </a:rPr>
+              <a:t>模型里用户更需要关注的是“读完了”。</a:t>
+            </a:r>
+          </a:p>
+          <a:p>
+            <a:r>
+              <a:rPr lang="en-US" altLang="zh-CN" sz="1600" dirty="0" smtClean="0">
+                <a:latin typeface="+mn-ea"/>
+              </a:rPr>
+              <a:t>NIO</a:t>
+            </a:r>
+            <a:r>
+              <a:rPr lang="zh-CN" altLang="en-US" sz="1600" dirty="0">
+                <a:latin typeface="+mn-ea"/>
+              </a:rPr>
+              <a:t>一个重要的特点是：</a:t>
+            </a:r>
+            <a:r>
+              <a:rPr lang="en-US" altLang="zh-CN" sz="1600" dirty="0">
+                <a:latin typeface="+mn-ea"/>
+              </a:rPr>
+              <a:t>socket</a:t>
+            </a:r>
+            <a:r>
+              <a:rPr lang="zh-CN" altLang="en-US" sz="1600" dirty="0">
+                <a:latin typeface="+mn-ea"/>
+              </a:rPr>
+              <a:t>主要的读、写、注册和接收函数，在等待就绪阶段都是非阻塞的，真正的</a:t>
+            </a:r>
+            <a:r>
+              <a:rPr lang="en-US" altLang="zh-CN" sz="1600" dirty="0">
+                <a:latin typeface="+mn-ea"/>
+              </a:rPr>
+              <a:t>I/O</a:t>
+            </a:r>
+            <a:r>
+              <a:rPr lang="zh-CN" altLang="en-US" sz="1600" dirty="0">
+                <a:latin typeface="+mn-ea"/>
+              </a:rPr>
+              <a:t>操作是同步的（消耗</a:t>
+            </a:r>
+            <a:r>
+              <a:rPr lang="en-US" altLang="zh-CN" sz="1600" dirty="0">
+                <a:latin typeface="+mn-ea"/>
+              </a:rPr>
+              <a:t>CPU</a:t>
+            </a:r>
+            <a:r>
+              <a:rPr lang="zh-CN" altLang="en-US" sz="1600" dirty="0">
+                <a:latin typeface="+mn-ea"/>
+              </a:rPr>
+              <a:t>但性能非常高）。</a:t>
+            </a:r>
+          </a:p>
+        </p:txBody>
+      </p:sp>
+    </p:spTree>
+    <p:extLst>
+      <p:ext uri="{BB962C8B-B14F-4D97-AF65-F5344CB8AC3E}">
+        <p14:creationId xmlns:p14="http://schemas.microsoft.com/office/powerpoint/2010/main" val="2772658625"/>
+      </p:ext>
+    </p:extLst>
+  </p:cSld>
+  <p:clrMapOvr>
+    <a:masterClrMapping/>
+  </p:clrMapOvr>
+</p:sld>
+</file>
+
+<file path=ppt/slides/slide16.xml><?xml version="1.0" encoding="utf-8"?>
+<p:sld xmlns:a="http://schemas.openxmlformats.org/drawingml/2006/main" xmlns:r="http://schemas.openxmlformats.org/officeDocument/2006/relationships" xmlns:p="http://schemas.openxmlformats.org/presentationml/2006/main">
+  <p:cSld>
+    <p:spTree>
+      <p:nvGrpSpPr>
+        <p:cNvPr id="1" name=""/>
+        <p:cNvGrpSpPr/>
+        <p:nvPr/>
+      </p:nvGrpSpPr>
+      <p:grpSpPr>
+        <a:xfrm>
+          <a:off x="0" y="0"/>
+          <a:ext cx="0" cy="0"/>
+          <a:chOff x="0" y="0"/>
+          <a:chExt cx="0" cy="0"/>
+        </a:xfrm>
+      </p:grpSpPr>
+      <p:sp>
+        <p:nvSpPr>
+          <p:cNvPr id="2" name="矩形 1"/>
+          <p:cNvSpPr/>
+          <p:nvPr/>
+        </p:nvSpPr>
+        <p:spPr>
+          <a:xfrm>
+            <a:off x="0" y="0"/>
+            <a:ext cx="2395784" cy="400110"/>
+          </a:xfrm>
+          <a:prstGeom prst="rect">
+            <a:avLst/>
+          </a:prstGeom>
+        </p:spPr>
+        <p:txBody>
+          <a:bodyPr wrap="none">
+            <a:spAutoFit/>
+          </a:bodyPr>
+          <a:lstStyle/>
+          <a:p>
+            <a:r>
+              <a:rPr lang="en-US" altLang="zh-CN" sz="2000" b="1" dirty="0"/>
+              <a:t>Java NIO</a:t>
+            </a:r>
+            <a:r>
+              <a:rPr lang="zh-CN" altLang="en-US" sz="2000" b="1" dirty="0"/>
+              <a:t>的核心组成</a:t>
+            </a:r>
+          </a:p>
+        </p:txBody>
+      </p:sp>
+      <p:sp>
+        <p:nvSpPr>
+          <p:cNvPr id="3" name="矩形 2"/>
+          <p:cNvSpPr/>
+          <p:nvPr/>
+        </p:nvSpPr>
+        <p:spPr>
+          <a:xfrm>
+            <a:off x="-1" y="583598"/>
+            <a:ext cx="7872549" cy="3139321"/>
+          </a:xfrm>
+          <a:prstGeom prst="rect">
+            <a:avLst/>
+          </a:prstGeom>
+        </p:spPr>
+        <p:txBody>
+          <a:bodyPr wrap="square">
+            <a:spAutoFit/>
+          </a:bodyPr>
+          <a:lstStyle/>
+          <a:p>
+            <a:r>
+              <a:rPr lang="en-US" altLang="zh-CN" dirty="0"/>
               <a:t>1</a:t>
             </a:r>
             <a:r>
               <a:rPr lang="zh-CN" altLang="en-US" dirty="0"/>
-              <a:t>、通道</a:t>
-            </a:r>
+              <a:t>、</a:t>
+            </a:r>
+            <a:r>
+              <a:rPr lang="zh-CN" altLang="en-US" b="1" dirty="0"/>
+              <a:t>通道</a:t>
+            </a:r>
+            <a:r>
+              <a:rPr lang="en-US" altLang="zh-CN" b="1" dirty="0"/>
+              <a:t>(Channel) </a:t>
+            </a:r>
+            <a:r>
+              <a:rPr lang="zh-CN" altLang="en-US" dirty="0"/>
+              <a:t>和 </a:t>
+            </a:r>
+            <a:r>
+              <a:rPr lang="zh-CN" altLang="en-US" b="1" dirty="0"/>
+              <a:t>缓冲区</a:t>
+            </a:r>
+            <a:r>
+              <a:rPr lang="en-US" altLang="zh-CN" b="1" dirty="0"/>
+              <a:t>(Buffer)</a:t>
+            </a:r>
+          </a:p>
+          <a:p>
+            <a:r>
+              <a:rPr lang="zh-CN" altLang="en-US" dirty="0" smtClean="0"/>
+              <a:t>        </a:t>
+            </a:r>
+            <a:r>
+              <a:rPr lang="en-US" altLang="zh-CN" dirty="0" smtClean="0">
+                <a:latin typeface="+mn-ea"/>
+              </a:rPr>
+              <a:t>Channel</a:t>
+            </a:r>
+            <a:r>
+              <a:rPr lang="zh-CN" altLang="en-US" dirty="0" smtClean="0">
+                <a:latin typeface="+mn-ea"/>
+              </a:rPr>
+              <a:t>是</a:t>
+            </a:r>
+            <a:r>
+              <a:rPr lang="zh-CN" altLang="en-US" dirty="0">
+                <a:latin typeface="+mn-ea"/>
+              </a:rPr>
+              <a:t>输入</a:t>
+            </a:r>
+            <a:r>
+              <a:rPr lang="en-US" altLang="zh-CN" dirty="0">
+                <a:latin typeface="+mn-ea"/>
+              </a:rPr>
+              <a:t>/</a:t>
+            </a:r>
+            <a:r>
+              <a:rPr lang="zh-CN" altLang="en-US" dirty="0">
+                <a:latin typeface="+mn-ea"/>
+              </a:rPr>
+              <a:t>输出的管道</a:t>
+            </a:r>
+            <a:r>
+              <a:rPr lang="en-US" altLang="zh-CN" dirty="0">
+                <a:latin typeface="+mn-ea"/>
+              </a:rPr>
+              <a:t>, </a:t>
+            </a:r>
+            <a:r>
+              <a:rPr lang="zh-CN" altLang="en-US" dirty="0">
+                <a:latin typeface="+mn-ea"/>
+              </a:rPr>
+              <a:t>所有的读写操作都需要通过它来</a:t>
+            </a:r>
+            <a:r>
+              <a:rPr lang="zh-CN" altLang="en-US" dirty="0" smtClean="0">
+                <a:latin typeface="+mn-ea"/>
+              </a:rPr>
+              <a:t>完成。</a:t>
+            </a:r>
+            <a:r>
+              <a:rPr lang="en-US" altLang="zh-CN" dirty="0" smtClean="0">
+                <a:latin typeface="+mn-ea"/>
+              </a:rPr>
+              <a:t>Channel</a:t>
+            </a:r>
+            <a:r>
+              <a:rPr lang="zh-CN" altLang="en-US" dirty="0">
+                <a:latin typeface="+mn-ea"/>
+              </a:rPr>
+              <a:t>读写的粒度是</a:t>
+            </a:r>
+            <a:r>
+              <a:rPr lang="en-US" altLang="zh-CN" dirty="0">
+                <a:latin typeface="+mn-ea"/>
+              </a:rPr>
+              <a:t>Block, </a:t>
+            </a:r>
+            <a:r>
+              <a:rPr lang="zh-CN" altLang="en-US" dirty="0">
+                <a:latin typeface="+mn-ea"/>
+              </a:rPr>
+              <a:t>而不是像流</a:t>
+            </a:r>
+            <a:r>
+              <a:rPr lang="en-US" altLang="zh-CN" dirty="0">
+                <a:latin typeface="+mn-ea"/>
+              </a:rPr>
+              <a:t>IO</a:t>
+            </a:r>
+            <a:r>
+              <a:rPr lang="zh-CN" altLang="en-US" dirty="0">
+                <a:latin typeface="+mn-ea"/>
+              </a:rPr>
+              <a:t>一样</a:t>
+            </a:r>
+            <a:r>
+              <a:rPr lang="en-US" altLang="zh-CN" dirty="0">
+                <a:latin typeface="+mn-ea"/>
+              </a:rPr>
+              <a:t>, </a:t>
+            </a:r>
+            <a:r>
+              <a:rPr lang="zh-CN" altLang="en-US" dirty="0">
+                <a:latin typeface="+mn-ea"/>
+              </a:rPr>
+              <a:t>提供一个字节流或者字符流的</a:t>
+            </a:r>
+            <a:r>
+              <a:rPr lang="zh-CN" altLang="en-US" dirty="0" smtClean="0">
+                <a:latin typeface="+mn-ea"/>
+              </a:rPr>
+              <a:t>抽象。这个</a:t>
+            </a:r>
+            <a:r>
+              <a:rPr lang="en-US" altLang="zh-CN" dirty="0">
+                <a:latin typeface="+mn-ea"/>
+              </a:rPr>
+              <a:t>Block</a:t>
+            </a:r>
+            <a:r>
+              <a:rPr lang="zh-CN" altLang="en-US" dirty="0">
+                <a:latin typeface="+mn-ea"/>
+              </a:rPr>
+              <a:t>的抽象即</a:t>
+            </a:r>
+            <a:r>
+              <a:rPr lang="en-US" altLang="zh-CN" dirty="0">
+                <a:latin typeface="+mn-ea"/>
+              </a:rPr>
+              <a:t>Buffer. </a:t>
+            </a:r>
+            <a:r>
+              <a:rPr lang="zh-CN" altLang="en-US" dirty="0">
+                <a:latin typeface="+mn-ea"/>
+              </a:rPr>
+              <a:t>所有的读操作会由</a:t>
+            </a:r>
+            <a:r>
+              <a:rPr lang="en-US" altLang="zh-CN" dirty="0">
+                <a:latin typeface="+mn-ea"/>
+              </a:rPr>
+              <a:t>Channel</a:t>
+            </a:r>
+            <a:r>
+              <a:rPr lang="zh-CN" altLang="en-US" dirty="0">
+                <a:latin typeface="+mn-ea"/>
+              </a:rPr>
+              <a:t>将数据读入</a:t>
+            </a:r>
+            <a:r>
+              <a:rPr lang="en-US" altLang="zh-CN" dirty="0">
+                <a:latin typeface="+mn-ea"/>
+              </a:rPr>
+              <a:t>Buffer, </a:t>
+            </a:r>
+            <a:r>
+              <a:rPr lang="zh-CN" altLang="en-US" dirty="0">
+                <a:latin typeface="+mn-ea"/>
+              </a:rPr>
+              <a:t>然后用户来处理</a:t>
+            </a:r>
+            <a:r>
+              <a:rPr lang="en-US" altLang="zh-CN" dirty="0">
+                <a:latin typeface="+mn-ea"/>
+              </a:rPr>
+              <a:t>Buffer, </a:t>
+            </a:r>
+            <a:r>
+              <a:rPr lang="zh-CN" altLang="en-US" dirty="0">
+                <a:latin typeface="+mn-ea"/>
+              </a:rPr>
+              <a:t>所有的写操作需要先将数据填到</a:t>
+            </a:r>
+            <a:r>
+              <a:rPr lang="en-US" altLang="zh-CN" dirty="0">
+                <a:latin typeface="+mn-ea"/>
+              </a:rPr>
+              <a:t>Buffer</a:t>
+            </a:r>
+            <a:r>
+              <a:rPr lang="zh-CN" altLang="en-US" dirty="0">
+                <a:latin typeface="+mn-ea"/>
+              </a:rPr>
+              <a:t>中</a:t>
+            </a:r>
+            <a:r>
+              <a:rPr lang="en-US" altLang="zh-CN" dirty="0">
+                <a:latin typeface="+mn-ea"/>
+              </a:rPr>
+              <a:t>, </a:t>
+            </a:r>
+            <a:r>
+              <a:rPr lang="zh-CN" altLang="en-US" dirty="0">
+                <a:latin typeface="+mn-ea"/>
+              </a:rPr>
+              <a:t>再由</a:t>
+            </a:r>
+            <a:r>
+              <a:rPr lang="en-US" altLang="zh-CN" dirty="0">
+                <a:latin typeface="+mn-ea"/>
+              </a:rPr>
+              <a:t>Channel</a:t>
+            </a:r>
+            <a:r>
+              <a:rPr lang="zh-CN" altLang="en-US" dirty="0">
+                <a:latin typeface="+mn-ea"/>
+              </a:rPr>
+              <a:t>来消费</a:t>
+            </a:r>
+            <a:r>
+              <a:rPr lang="en-US" altLang="zh-CN" dirty="0">
+                <a:latin typeface="+mn-ea"/>
+              </a:rPr>
+              <a:t>Buffer</a:t>
+            </a:r>
+            <a:r>
+              <a:rPr lang="zh-CN" altLang="en-US" dirty="0">
+                <a:latin typeface="+mn-ea"/>
+              </a:rPr>
+              <a:t>中的</a:t>
+            </a:r>
+            <a:r>
+              <a:rPr lang="zh-CN" altLang="en-US" dirty="0" smtClean="0">
+                <a:latin typeface="+mn-ea"/>
+              </a:rPr>
+              <a:t>数据。</a:t>
+            </a:r>
+            <a:endParaRPr lang="en-US" altLang="zh-CN" dirty="0" smtClean="0">
+              <a:latin typeface="+mn-ea"/>
+            </a:endParaRPr>
+          </a:p>
+          <a:p>
+            <a:endParaRPr lang="en-US" altLang="zh-CN" dirty="0">
+              <a:latin typeface="+mn-ea"/>
+            </a:endParaRPr>
+          </a:p>
+          <a:p>
+            <a:r>
+              <a:rPr lang="en-US" altLang="zh-CN" dirty="0" smtClean="0">
+                <a:latin typeface="+mn-ea"/>
+              </a:rPr>
+              <a:t>Buffer</a:t>
+            </a:r>
+            <a:r>
+              <a:rPr lang="zh-CN" altLang="en-US" dirty="0" smtClean="0">
+                <a:latin typeface="+mn-ea"/>
+              </a:rPr>
+              <a:t>的</a:t>
+            </a:r>
+            <a:r>
+              <a:rPr lang="zh-CN" altLang="en-US" dirty="0">
+                <a:latin typeface="+mn-ea"/>
+              </a:rPr>
+              <a:t>子类有：</a:t>
+            </a:r>
+            <a:r>
+              <a:rPr lang="en-US" altLang="zh-CN" dirty="0" err="1">
+                <a:latin typeface="+mn-ea"/>
+              </a:rPr>
+              <a:t>ByteBuffer</a:t>
+            </a:r>
+            <a:r>
+              <a:rPr lang="zh-CN" altLang="en-US" dirty="0">
+                <a:latin typeface="+mn-ea"/>
+              </a:rPr>
+              <a:t>、</a:t>
+            </a:r>
+            <a:r>
+              <a:rPr lang="en-US" altLang="zh-CN" dirty="0" err="1">
+                <a:latin typeface="+mn-ea"/>
+              </a:rPr>
+              <a:t>CharBuffer</a:t>
+            </a:r>
+            <a:r>
+              <a:rPr lang="zh-CN" altLang="en-US" dirty="0">
+                <a:latin typeface="+mn-ea"/>
+              </a:rPr>
+              <a:t>、</a:t>
+            </a:r>
+            <a:r>
+              <a:rPr lang="en-US" altLang="zh-CN" dirty="0" err="1">
+                <a:latin typeface="+mn-ea"/>
+              </a:rPr>
+              <a:t>DoubleBuffer</a:t>
+            </a:r>
+            <a:r>
+              <a:rPr lang="zh-CN" altLang="en-US" dirty="0">
+                <a:latin typeface="+mn-ea"/>
+              </a:rPr>
+              <a:t>、</a:t>
+            </a:r>
+            <a:r>
+              <a:rPr lang="en-US" altLang="zh-CN" dirty="0" err="1">
+                <a:latin typeface="+mn-ea"/>
+              </a:rPr>
+              <a:t>FloatBuffer</a:t>
+            </a:r>
+            <a:r>
+              <a:rPr lang="zh-CN" altLang="en-US" dirty="0">
+                <a:latin typeface="+mn-ea"/>
+              </a:rPr>
+              <a:t>、</a:t>
+            </a:r>
+            <a:r>
+              <a:rPr lang="en-US" altLang="zh-CN" dirty="0" err="1">
+                <a:latin typeface="+mn-ea"/>
+              </a:rPr>
+              <a:t>IntBuffer</a:t>
+            </a:r>
+            <a:r>
+              <a:rPr lang="zh-CN" altLang="en-US" dirty="0">
+                <a:latin typeface="+mn-ea"/>
+              </a:rPr>
+              <a:t>、</a:t>
+            </a:r>
+            <a:r>
+              <a:rPr lang="en-US" altLang="zh-CN" dirty="0" err="1">
+                <a:latin typeface="+mn-ea"/>
+              </a:rPr>
+              <a:t>LongBuffer</a:t>
+            </a:r>
+            <a:r>
+              <a:rPr lang="en-US" altLang="zh-CN" dirty="0">
+                <a:latin typeface="+mn-ea"/>
+              </a:rPr>
+              <a:t> </a:t>
+            </a:r>
+            <a:r>
+              <a:rPr lang="zh-CN" altLang="en-US" dirty="0">
+                <a:latin typeface="+mn-ea"/>
+              </a:rPr>
+              <a:t>和 </a:t>
+            </a:r>
+            <a:r>
+              <a:rPr lang="en-US" altLang="zh-CN" dirty="0" err="1" smtClean="0">
+                <a:latin typeface="+mn-ea"/>
+              </a:rPr>
+              <a:t>ShortBuffer</a:t>
+            </a:r>
+            <a:r>
+              <a:rPr lang="zh-CN" altLang="en-US" dirty="0">
+                <a:latin typeface="+mn-ea"/>
+              </a:rPr>
+              <a:t>。</a:t>
+            </a:r>
+            <a:r>
+              <a:rPr lang="zh-CN" altLang="en-US" dirty="0" smtClean="0">
+                <a:latin typeface="+mn-ea"/>
+              </a:rPr>
+              <a:t>没有</a:t>
+            </a:r>
+            <a:r>
+              <a:rPr lang="en-US" altLang="zh-CN" dirty="0" err="1" smtClean="0">
+                <a:latin typeface="+mn-ea"/>
+              </a:rPr>
+              <a:t>BooleanBuffer</a:t>
+            </a:r>
+            <a:r>
+              <a:rPr lang="zh-CN" altLang="en-US" dirty="0" smtClean="0">
+                <a:latin typeface="+mn-ea"/>
+              </a:rPr>
+              <a:t>。</a:t>
+            </a:r>
+            <a:endParaRPr lang="en-US" altLang="zh-CN" dirty="0" smtClean="0">
+              <a:latin typeface="+mn-ea"/>
+            </a:endParaRPr>
+          </a:p>
+          <a:p>
+            <a:endParaRPr lang="en-US" altLang="zh-CN" dirty="0" smtClean="0">
+              <a:latin typeface="+mn-ea"/>
+            </a:endParaRPr>
+          </a:p>
+          <a:p>
             <a:r>
               <a:rPr lang="en-US" altLang="zh-CN" dirty="0"/>
-              <a:t>(Channel) </a:t>
+              <a:t>Java Buffer</a:t>
             </a:r>
             <a:r>
               <a:rPr lang="zh-CN" altLang="en-US" dirty="0"/>
-              <a:t>和 缓冲区</a:t>
-            </a:r>
-            <a:r>
-              <a:rPr lang="en-US" altLang="zh-CN" dirty="0"/>
-              <a:t>(Buffer)</a:t>
-            </a:r>
-          </a:p>
-          <a:p>
+              <a:t>类</a:t>
+            </a:r>
             <a:r>
               <a:rPr lang="zh-CN" altLang="en-US" dirty="0" smtClean="0"/>
-              <a:t>在</a:t>
-            </a:r>
-            <a:r>
-              <a:rPr lang="en-US" altLang="zh-CN" dirty="0"/>
-              <a:t>NIO </a:t>
-            </a:r>
-            <a:r>
-              <a:rPr lang="zh-CN" altLang="en-US" dirty="0"/>
-              <a:t>中都从一个</a:t>
-            </a:r>
-            <a:r>
-              <a:rPr lang="en-US" altLang="zh-CN" dirty="0"/>
-              <a:t>Channel </a:t>
-            </a:r>
-            <a:r>
-              <a:rPr lang="zh-CN" altLang="en-US" dirty="0"/>
-              <a:t>开始。</a:t>
-            </a:r>
-            <a:r>
-              <a:rPr lang="en-US" altLang="zh-CN" dirty="0"/>
-              <a:t>Channel </a:t>
-            </a:r>
-            <a:r>
-              <a:rPr lang="zh-CN" altLang="en-US" dirty="0"/>
-              <a:t>有点象流。 数据可以从</a:t>
-            </a:r>
-            <a:r>
-              <a:rPr lang="en-US" altLang="zh-CN" dirty="0"/>
-              <a:t>Channel</a:t>
-            </a:r>
-            <a:r>
-              <a:rPr lang="zh-CN" altLang="en-US" dirty="0"/>
-              <a:t>读到</a:t>
-            </a:r>
-            <a:r>
-              <a:rPr lang="en-US" altLang="zh-CN" dirty="0"/>
-              <a:t>Buffer</a:t>
-            </a:r>
-            <a:r>
-              <a:rPr lang="zh-CN" altLang="en-US" dirty="0"/>
-              <a:t>中，也可以从</a:t>
-            </a:r>
-            <a:r>
-              <a:rPr lang="en-US" altLang="zh-CN" dirty="0"/>
-              <a:t>Buffer </a:t>
-            </a:r>
-            <a:r>
-              <a:rPr lang="zh-CN" altLang="en-US" dirty="0"/>
-              <a:t>写到</a:t>
-            </a:r>
-            <a:r>
-              <a:rPr lang="en-US" altLang="zh-CN" dirty="0"/>
-              <a:t>Channel</a:t>
-            </a:r>
-            <a:r>
-              <a:rPr lang="zh-CN" altLang="en-US" dirty="0"/>
-              <a:t>中。这里有个图示：</a:t>
-            </a:r>
+              <a:t>详解：</a:t>
+            </a:r>
+            <a:r>
+              <a:rPr lang="en-US" altLang="zh-CN" dirty="0">
+                <a:hlinkClick r:id="rId2"/>
+              </a:rPr>
+              <a:t> https://blog.csdn.net/luming_xml/article/details/51362528</a:t>
+            </a:r>
+            <a:endParaRPr lang="zh-CN" altLang="en-US" b="1" dirty="0"/>
           </a:p>
         </p:txBody>
       </p:sp>
@@ -5463,7 +6162,7 @@
           <p:nvPr/>
         </p:nvPicPr>
         <p:blipFill>
-          <a:blip r:embed="rId2">
+          <a:blip r:embed="rId3">
             <a:extLst>
               <a:ext uri="{28A0092B-C50C-407E-A947-70E740481C1C}">
                 <a14:useLocalDpi xmlns:a14="http://schemas.microsoft.com/office/drawing/2010/main" val="0"/>
@@ -5477,8 +6176,287 @@
         </p:blipFill>
         <p:spPr bwMode="auto">
           <a:xfrm>
-            <a:off x="3874135" y="1877646"/>
+            <a:off x="8305800" y="400110"/>
             <a:ext cx="3219450" cy="2200275"/>
+          </a:xfrm>
+          <a:prstGeom prst="rect">
+            <a:avLst/>
+          </a:prstGeom>
+          <a:noFill/>
+          <a:extLst>
+            <a:ext uri="{909E8E84-426E-40DD-AFC4-6F175D3DCCD1}">
+              <a14:hiddenFill xmlns:a14="http://schemas.microsoft.com/office/drawing/2010/main">
+                <a:solidFill>
+                  <a:srgbClr val="FFFFFF"/>
+                </a:solidFill>
+              </a14:hiddenFill>
+            </a:ext>
+          </a:extLst>
+        </p:spPr>
+      </p:pic>
+      <p:sp>
+        <p:nvSpPr>
+          <p:cNvPr id="4" name="矩形 3"/>
+          <p:cNvSpPr/>
+          <p:nvPr/>
+        </p:nvSpPr>
+        <p:spPr>
+          <a:xfrm>
+            <a:off x="0" y="4460405"/>
+            <a:ext cx="7872549" cy="1754326"/>
+          </a:xfrm>
+          <a:prstGeom prst="rect">
+            <a:avLst/>
+          </a:prstGeom>
+        </p:spPr>
+        <p:txBody>
+          <a:bodyPr wrap="square">
+            <a:spAutoFit/>
+          </a:bodyPr>
+          <a:lstStyle/>
+          <a:p>
+            <a:r>
+              <a:rPr lang="en-US" altLang="zh-CN" dirty="0" smtClean="0"/>
+              <a:t>2</a:t>
+            </a:r>
+            <a:r>
+              <a:rPr lang="zh-CN" altLang="en-US" dirty="0" smtClean="0"/>
+              <a:t>、</a:t>
+            </a:r>
+            <a:r>
+              <a:rPr lang="zh-CN" altLang="en-US" b="1" dirty="0" smtClean="0"/>
+              <a:t>多路复用器</a:t>
+            </a:r>
+            <a:r>
+              <a:rPr lang="zh-CN" altLang="en-US" b="1" dirty="0"/>
+              <a:t>（</a:t>
+            </a:r>
+            <a:r>
+              <a:rPr lang="en-US" altLang="zh-CN" b="1" dirty="0"/>
+              <a:t>Selector</a:t>
+            </a:r>
+            <a:r>
+              <a:rPr lang="zh-CN" altLang="en-US" b="1" dirty="0"/>
+              <a:t>）</a:t>
+            </a:r>
+          </a:p>
+          <a:p>
+            <a:r>
+              <a:rPr lang="en-US" altLang="zh-CN" dirty="0"/>
+              <a:t> </a:t>
+            </a:r>
+            <a:r>
+              <a:rPr lang="en-US" altLang="zh-CN" dirty="0" smtClean="0"/>
+              <a:t>       </a:t>
+            </a:r>
+            <a:r>
+              <a:rPr lang="zh-CN" altLang="en-US" dirty="0" smtClean="0">
+                <a:latin typeface="+mn-ea"/>
+              </a:rPr>
+              <a:t>它</a:t>
+            </a:r>
+            <a:r>
+              <a:rPr lang="zh-CN" altLang="en-US" dirty="0">
+                <a:latin typeface="+mn-ea"/>
+              </a:rPr>
+              <a:t>是一个事件监控器</a:t>
+            </a:r>
+            <a:r>
+              <a:rPr lang="en-US" altLang="zh-CN" dirty="0">
+                <a:latin typeface="+mn-ea"/>
+              </a:rPr>
+              <a:t>, </a:t>
+            </a:r>
+            <a:r>
+              <a:rPr lang="zh-CN" altLang="en-US" dirty="0">
+                <a:latin typeface="+mn-ea"/>
+              </a:rPr>
+              <a:t>我们将它注册我们所感兴趣的</a:t>
+            </a:r>
+            <a:r>
+              <a:rPr lang="en-US" altLang="zh-CN" dirty="0">
+                <a:latin typeface="+mn-ea"/>
+              </a:rPr>
+              <a:t>IO</a:t>
+            </a:r>
+            <a:r>
+              <a:rPr lang="zh-CN" altLang="en-US" dirty="0">
+                <a:latin typeface="+mn-ea"/>
+              </a:rPr>
+              <a:t>事件</a:t>
+            </a:r>
+            <a:r>
+              <a:rPr lang="en-US" altLang="zh-CN" dirty="0">
+                <a:latin typeface="+mn-ea"/>
+              </a:rPr>
+              <a:t>, </a:t>
+            </a:r>
+            <a:r>
+              <a:rPr lang="zh-CN" altLang="en-US" dirty="0">
+                <a:latin typeface="+mn-ea"/>
+              </a:rPr>
+              <a:t>并且对其进行</a:t>
+            </a:r>
+            <a:r>
+              <a:rPr lang="en-US" altLang="zh-CN" dirty="0">
+                <a:latin typeface="+mn-ea"/>
+              </a:rPr>
+              <a:t>Polling, </a:t>
+            </a:r>
+            <a:r>
+              <a:rPr lang="zh-CN" altLang="en-US" dirty="0">
+                <a:latin typeface="+mn-ea"/>
+              </a:rPr>
+              <a:t>来确定事件是否发生</a:t>
+            </a:r>
+            <a:r>
+              <a:rPr lang="en-US" altLang="zh-CN" dirty="0">
+                <a:latin typeface="+mn-ea"/>
+              </a:rPr>
+              <a:t>, </a:t>
+            </a:r>
+            <a:r>
+              <a:rPr lang="zh-CN" altLang="en-US" dirty="0">
+                <a:latin typeface="+mn-ea"/>
+              </a:rPr>
+              <a:t>发生则做相应的</a:t>
+            </a:r>
+            <a:r>
+              <a:rPr lang="en-US" altLang="zh-CN" dirty="0">
+                <a:latin typeface="+mn-ea"/>
+              </a:rPr>
+              <a:t>IO</a:t>
+            </a:r>
+            <a:r>
+              <a:rPr lang="zh-CN" altLang="en-US" dirty="0">
+                <a:latin typeface="+mn-ea"/>
+              </a:rPr>
+              <a:t>操作</a:t>
+            </a:r>
+            <a:r>
+              <a:rPr lang="en-US" altLang="zh-CN" dirty="0">
+                <a:latin typeface="+mn-ea"/>
+              </a:rPr>
+              <a:t>. </a:t>
+            </a:r>
+            <a:r>
+              <a:rPr lang="zh-CN" altLang="en-US" dirty="0">
+                <a:latin typeface="+mn-ea"/>
+              </a:rPr>
+              <a:t>其中</a:t>
+            </a:r>
+            <a:r>
+              <a:rPr lang="en-US" altLang="zh-CN" dirty="0">
+                <a:latin typeface="+mn-ea"/>
+              </a:rPr>
+              <a:t>, Selector</a:t>
+            </a:r>
+            <a:r>
+              <a:rPr lang="zh-CN" altLang="en-US" dirty="0">
+                <a:latin typeface="+mn-ea"/>
+              </a:rPr>
+              <a:t>所监控的对象是</a:t>
+            </a:r>
+            <a:r>
+              <a:rPr lang="en-US" altLang="zh-CN" dirty="0">
+                <a:latin typeface="+mn-ea"/>
+              </a:rPr>
+              <a:t>Channel, </a:t>
+            </a:r>
+            <a:r>
+              <a:rPr lang="zh-CN" altLang="en-US" dirty="0">
+                <a:latin typeface="+mn-ea"/>
+              </a:rPr>
+              <a:t>我们在</a:t>
+            </a:r>
+            <a:r>
+              <a:rPr lang="en-US" altLang="zh-CN" dirty="0">
+                <a:latin typeface="+mn-ea"/>
+              </a:rPr>
+              <a:t>Selector</a:t>
+            </a:r>
+            <a:r>
+              <a:rPr lang="zh-CN" altLang="en-US" dirty="0">
+                <a:latin typeface="+mn-ea"/>
+              </a:rPr>
+              <a:t>上声明我们关心哪一个</a:t>
+            </a:r>
+            <a:r>
+              <a:rPr lang="en-US" altLang="zh-CN" dirty="0">
+                <a:latin typeface="+mn-ea"/>
+              </a:rPr>
+              <a:t>Channel</a:t>
+            </a:r>
+            <a:r>
+              <a:rPr lang="zh-CN" altLang="en-US" dirty="0">
+                <a:latin typeface="+mn-ea"/>
+              </a:rPr>
+              <a:t>的什么事件</a:t>
+            </a:r>
+            <a:r>
+              <a:rPr lang="en-US" altLang="zh-CN" dirty="0">
+                <a:latin typeface="+mn-ea"/>
+              </a:rPr>
+              <a:t>, Selector</a:t>
+            </a:r>
+            <a:r>
+              <a:rPr lang="zh-CN" altLang="en-US" dirty="0">
+                <a:latin typeface="+mn-ea"/>
+              </a:rPr>
+              <a:t>会监控这些</a:t>
+            </a:r>
+            <a:r>
+              <a:rPr lang="en-US" altLang="zh-CN" dirty="0">
+                <a:latin typeface="+mn-ea"/>
+              </a:rPr>
+              <a:t>Channels, </a:t>
+            </a:r>
+            <a:r>
+              <a:rPr lang="zh-CN" altLang="en-US" dirty="0">
+                <a:latin typeface="+mn-ea"/>
+              </a:rPr>
+              <a:t>并在事件发生时通知</a:t>
+            </a:r>
+            <a:r>
+              <a:rPr lang="zh-CN" altLang="en-US" dirty="0" smtClean="0">
+                <a:latin typeface="+mn-ea"/>
+              </a:rPr>
+              <a:t>我们</a:t>
+            </a:r>
+            <a:r>
+              <a:rPr lang="zh-CN" altLang="en-US" dirty="0">
+                <a:latin typeface="+mn-ea"/>
+              </a:rPr>
+              <a:t>。</a:t>
+            </a:r>
+          </a:p>
+        </p:txBody>
+      </p:sp>
+      <p:pic>
+        <p:nvPicPr>
+          <p:cNvPr id="1026" name="Picture 2" descr="http://ata2-img.cn-hangzhou.img-pub.aliyun-inc.com/31c914f1dea54651d7af61ff9e3f279f.png"/>
+          <p:cNvPicPr>
+            <a:picLocks noChangeAspect="1" noChangeArrowheads="1"/>
+          </p:cNvPicPr>
+          <p:nvPr/>
+        </p:nvPicPr>
+        <p:blipFill>
+          <a:blip r:embed="rId4">
+            <a:extLst>
+              <a:ext uri="{28A0092B-C50C-407E-A947-70E740481C1C}">
+                <a14:useLocalDpi xmlns:a14="http://schemas.microsoft.com/office/drawing/2010/main" val="0"/>
+              </a:ext>
+            </a:extLst>
+          </a:blip>
+          <a:srcRect/>
+          <a:stretch>
+            <a:fillRect/>
+          </a:stretch>
+        </p:blipFill>
+        <p:spPr bwMode="auto">
+          <a:xfrm>
+            <a:off x="8305800" y="3138156"/>
+            <a:ext cx="3886200" cy="3076575"/>
           </a:xfrm>
           <a:prstGeom prst="rect">
             <a:avLst/>
@@ -5508,7 +6486,849 @@
 </p:sld>
 </file>
 
-<file path=ppt/slides/slide16.xml><?xml version="1.0" encoding="utf-8"?>
+<file path=ppt/slides/slide17.xml><?xml version="1.0" encoding="utf-8"?>
+<p:sld xmlns:a="http://schemas.openxmlformats.org/drawingml/2006/main" xmlns:r="http://schemas.openxmlformats.org/officeDocument/2006/relationships" xmlns:p="http://schemas.openxmlformats.org/presentationml/2006/main">
+  <p:cSld>
+    <p:spTree>
+      <p:nvGrpSpPr>
+        <p:cNvPr id="1" name=""/>
+        <p:cNvGrpSpPr/>
+        <p:nvPr/>
+      </p:nvGrpSpPr>
+      <p:grpSpPr>
+        <a:xfrm>
+          <a:off x="0" y="0"/>
+          <a:ext cx="0" cy="0"/>
+          <a:chOff x="0" y="0"/>
+          <a:chExt cx="0" cy="0"/>
+        </a:xfrm>
+      </p:grpSpPr>
+      <p:sp>
+        <p:nvSpPr>
+          <p:cNvPr id="2" name="矩形 1"/>
+          <p:cNvSpPr/>
+          <p:nvPr/>
+        </p:nvSpPr>
+        <p:spPr>
+          <a:xfrm>
+            <a:off x="0" y="1"/>
+            <a:ext cx="12192000" cy="6370975"/>
+          </a:xfrm>
+          <a:prstGeom prst="rect">
+            <a:avLst/>
+          </a:prstGeom>
+        </p:spPr>
+        <p:txBody>
+          <a:bodyPr wrap="square">
+            <a:spAutoFit/>
+          </a:bodyPr>
+          <a:lstStyle/>
+          <a:p>
+            <a:r>
+              <a:rPr lang="zh-CN" altLang="en-US" sz="2000" b="1" dirty="0" smtClean="0">
+                <a:latin typeface="+mn-ea"/>
+              </a:rPr>
+              <a:t>思考两个</a:t>
+            </a:r>
+            <a:r>
+              <a:rPr lang="zh-CN" altLang="en-US" sz="2000" b="1" dirty="0">
+                <a:latin typeface="+mn-ea"/>
+              </a:rPr>
+              <a:t>问题</a:t>
+            </a:r>
+            <a:r>
+              <a:rPr lang="en-US" altLang="zh-CN" sz="2000" b="1" dirty="0" smtClean="0">
+                <a:latin typeface="+mn-ea"/>
+              </a:rPr>
+              <a:t>:</a:t>
+            </a:r>
+          </a:p>
+          <a:p>
+            <a:endParaRPr lang="en-US" altLang="zh-CN" dirty="0">
+              <a:latin typeface="+mn-ea"/>
+            </a:endParaRPr>
+          </a:p>
+          <a:p>
+            <a:r>
+              <a:rPr lang="en-US" altLang="zh-CN" b="1" dirty="0" smtClean="0">
+                <a:latin typeface="+mn-ea"/>
+              </a:rPr>
+              <a:t>1</a:t>
+            </a:r>
+            <a:r>
+              <a:rPr lang="zh-CN" altLang="en-US" b="1" dirty="0" smtClean="0">
+                <a:latin typeface="+mn-ea"/>
+              </a:rPr>
+              <a:t>、为什么</a:t>
+            </a:r>
+            <a:r>
+              <a:rPr lang="zh-CN" altLang="en-US" b="1" dirty="0">
+                <a:latin typeface="+mn-ea"/>
+              </a:rPr>
+              <a:t>要引入</a:t>
+            </a:r>
+            <a:r>
+              <a:rPr lang="en-US" altLang="zh-CN" b="1" dirty="0">
+                <a:latin typeface="+mn-ea"/>
+              </a:rPr>
+              <a:t>Channel, </a:t>
+            </a:r>
+            <a:r>
+              <a:rPr lang="zh-CN" altLang="en-US" b="1" dirty="0">
+                <a:latin typeface="+mn-ea"/>
+              </a:rPr>
+              <a:t>直接扩展已有的</a:t>
+            </a:r>
+            <a:r>
+              <a:rPr lang="en-US" altLang="zh-CN" b="1" dirty="0">
+                <a:latin typeface="+mn-ea"/>
+              </a:rPr>
+              <a:t>Stream</a:t>
+            </a:r>
+            <a:r>
+              <a:rPr lang="zh-CN" altLang="en-US" b="1" dirty="0">
+                <a:latin typeface="+mn-ea"/>
+              </a:rPr>
+              <a:t>类不行吗</a:t>
+            </a:r>
+            <a:r>
+              <a:rPr lang="en-US" altLang="zh-CN" b="1" dirty="0" smtClean="0">
+                <a:latin typeface="+mn-ea"/>
+              </a:rPr>
+              <a:t>?</a:t>
+            </a:r>
+          </a:p>
+          <a:p>
+            <a:endParaRPr lang="en-US" altLang="zh-CN" dirty="0">
+              <a:latin typeface="+mn-ea"/>
+            </a:endParaRPr>
+          </a:p>
+          <a:p>
+            <a:r>
+              <a:rPr lang="zh-CN" altLang="en-US" dirty="0" smtClean="0">
+                <a:latin typeface="+mn-ea"/>
+              </a:rPr>
+              <a:t>    流</a:t>
+            </a:r>
+            <a:r>
+              <a:rPr lang="zh-CN" altLang="en-US" dirty="0">
+                <a:latin typeface="+mn-ea"/>
+              </a:rPr>
+              <a:t>的抽象已经很完备了</a:t>
+            </a:r>
+            <a:r>
+              <a:rPr lang="en-US" altLang="zh-CN" dirty="0">
+                <a:latin typeface="+mn-ea"/>
+              </a:rPr>
+              <a:t>, </a:t>
+            </a:r>
+            <a:r>
+              <a:rPr lang="zh-CN" altLang="en-US" dirty="0">
+                <a:latin typeface="+mn-ea"/>
+              </a:rPr>
+              <a:t>添加更多的特性与概念只会将流的概念进一步复杂化</a:t>
+            </a:r>
+            <a:r>
+              <a:rPr lang="en-US" altLang="zh-CN" dirty="0">
+                <a:latin typeface="+mn-ea"/>
+              </a:rPr>
+              <a:t>, API</a:t>
+            </a:r>
+            <a:r>
+              <a:rPr lang="zh-CN" altLang="en-US" dirty="0">
+                <a:latin typeface="+mn-ea"/>
+              </a:rPr>
+              <a:t>更加难以使用</a:t>
+            </a:r>
+            <a:r>
+              <a:rPr lang="en-US" altLang="zh-CN" dirty="0">
+                <a:latin typeface="+mn-ea"/>
+              </a:rPr>
+              <a:t>, </a:t>
+            </a:r>
+            <a:r>
+              <a:rPr lang="zh-CN" altLang="en-US" dirty="0">
+                <a:latin typeface="+mn-ea"/>
+              </a:rPr>
+              <a:t>这是一种很不好的</a:t>
+            </a:r>
+            <a:r>
+              <a:rPr lang="en-US" altLang="zh-CN" dirty="0">
+                <a:latin typeface="+mn-ea"/>
+              </a:rPr>
+              <a:t>API</a:t>
+            </a:r>
+            <a:r>
+              <a:rPr lang="zh-CN" altLang="en-US" dirty="0">
+                <a:latin typeface="+mn-ea"/>
+              </a:rPr>
+              <a:t>设计</a:t>
+            </a:r>
+            <a:r>
+              <a:rPr lang="zh-CN" altLang="en-US" dirty="0" smtClean="0">
+                <a:latin typeface="+mn-ea"/>
+              </a:rPr>
+              <a:t>方式</a:t>
+            </a:r>
+            <a:r>
+              <a:rPr lang="zh-CN" altLang="en-US" dirty="0">
+                <a:latin typeface="+mn-ea"/>
+              </a:rPr>
+              <a:t>。</a:t>
+            </a:r>
+            <a:r>
+              <a:rPr lang="zh-CN" altLang="en-US" dirty="0" smtClean="0">
+                <a:latin typeface="+mn-ea"/>
+              </a:rPr>
+              <a:t>因此</a:t>
+            </a:r>
+            <a:r>
+              <a:rPr lang="en-US" altLang="zh-CN" dirty="0">
+                <a:latin typeface="+mn-ea"/>
+              </a:rPr>
+              <a:t>, NIO</a:t>
+            </a:r>
+            <a:r>
+              <a:rPr lang="zh-CN" altLang="en-US" dirty="0">
+                <a:latin typeface="+mn-ea"/>
+              </a:rPr>
+              <a:t>引入了一套新的</a:t>
+            </a:r>
+            <a:r>
+              <a:rPr lang="zh-CN" altLang="en-US" dirty="0" smtClean="0">
+                <a:latin typeface="+mn-ea"/>
+              </a:rPr>
+              <a:t>抽象。</a:t>
+            </a:r>
+            <a:r>
+              <a:rPr lang="en-US" altLang="zh-CN" dirty="0" smtClean="0">
+                <a:latin typeface="+mn-ea"/>
+              </a:rPr>
+              <a:t> </a:t>
+            </a:r>
+            <a:r>
+              <a:rPr lang="en-US" altLang="zh-CN" dirty="0">
+                <a:latin typeface="+mn-ea"/>
+              </a:rPr>
+              <a:t>Do one thing, and do it </a:t>
+            </a:r>
+            <a:r>
+              <a:rPr lang="en-US" altLang="zh-CN" dirty="0" smtClean="0">
+                <a:latin typeface="+mn-ea"/>
+              </a:rPr>
+              <a:t>well</a:t>
+            </a:r>
+            <a:r>
+              <a:rPr lang="zh-CN" altLang="en-US" dirty="0" smtClean="0">
+                <a:latin typeface="+mn-ea"/>
+              </a:rPr>
+              <a:t>。</a:t>
+            </a:r>
+            <a:endParaRPr lang="en-US" altLang="zh-CN" dirty="0" smtClean="0">
+              <a:latin typeface="+mn-ea"/>
+            </a:endParaRPr>
+          </a:p>
+          <a:p>
+            <a:endParaRPr lang="en-US" altLang="zh-CN" dirty="0" smtClean="0">
+              <a:latin typeface="+mn-ea"/>
+            </a:endParaRPr>
+          </a:p>
+          <a:p>
+            <a:r>
+              <a:rPr lang="en-US" altLang="zh-CN" sz="1600" dirty="0" err="1" smtClean="0">
+                <a:latin typeface="+mn-ea"/>
+              </a:rPr>
+              <a:t>FileChannel</a:t>
+            </a:r>
+            <a:r>
+              <a:rPr lang="zh-CN" altLang="en-US" sz="1600" dirty="0" smtClean="0">
+                <a:latin typeface="+mn-ea"/>
+              </a:rPr>
+              <a:t>：从文件中读写数据，不支持绑定</a:t>
+            </a:r>
+            <a:r>
+              <a:rPr lang="zh-CN" altLang="en-US" sz="1600" dirty="0" smtClean="0"/>
+              <a:t>选择器（不支持非阻塞），支持内存映射（</a:t>
+            </a:r>
+            <a:r>
+              <a:rPr lang="en-US" altLang="zh-CN" sz="1600" dirty="0"/>
+              <a:t> Memory </a:t>
+            </a:r>
+            <a:r>
+              <a:rPr lang="en-US" altLang="zh-CN" sz="1600" dirty="0" smtClean="0"/>
+              <a:t>Mapping</a:t>
+            </a:r>
+            <a:r>
+              <a:rPr lang="zh-CN" altLang="en-US" sz="1600" dirty="0" smtClean="0"/>
+              <a:t>）。</a:t>
+            </a:r>
+            <a:endParaRPr lang="zh-CN" altLang="en-US" sz="1600" dirty="0" smtClean="0">
+              <a:latin typeface="+mn-ea"/>
+            </a:endParaRPr>
+          </a:p>
+          <a:p>
+            <a:r>
+              <a:rPr lang="en-US" altLang="zh-CN" sz="1600" dirty="0" err="1" smtClean="0">
+                <a:latin typeface="+mn-ea"/>
+              </a:rPr>
+              <a:t>DatagramChannel</a:t>
+            </a:r>
+            <a:r>
+              <a:rPr lang="zh-CN" altLang="en-US" sz="1600" dirty="0" smtClean="0">
+                <a:latin typeface="+mn-ea"/>
+              </a:rPr>
+              <a:t>：通过</a:t>
+            </a:r>
+            <a:r>
+              <a:rPr lang="en-US" altLang="zh-CN" sz="1600" dirty="0">
+                <a:latin typeface="+mn-ea"/>
+              </a:rPr>
+              <a:t>UDP</a:t>
+            </a:r>
+            <a:r>
+              <a:rPr lang="zh-CN" altLang="en-US" sz="1600" dirty="0">
+                <a:latin typeface="+mn-ea"/>
+              </a:rPr>
+              <a:t>读写网络中的</a:t>
+            </a:r>
+            <a:r>
+              <a:rPr lang="zh-CN" altLang="en-US" sz="1600" dirty="0" smtClean="0">
+                <a:latin typeface="+mn-ea"/>
+              </a:rPr>
+              <a:t>数据</a:t>
+            </a:r>
+            <a:r>
+              <a:rPr lang="en-US" altLang="zh-CN" sz="1600" dirty="0" smtClean="0">
+                <a:latin typeface="+mn-ea"/>
+              </a:rPr>
+              <a:t>;</a:t>
+            </a:r>
+            <a:endParaRPr lang="zh-CN" altLang="en-US" sz="1600" dirty="0">
+              <a:latin typeface="+mn-ea"/>
+            </a:endParaRPr>
+          </a:p>
+          <a:p>
+            <a:r>
+              <a:rPr lang="en-US" altLang="zh-CN" sz="1600" dirty="0" err="1" smtClean="0">
+                <a:latin typeface="+mn-ea"/>
+              </a:rPr>
+              <a:t>SocketChannel</a:t>
+            </a:r>
+            <a:r>
+              <a:rPr lang="zh-CN" altLang="en-US" sz="1600" dirty="0" smtClean="0">
+                <a:latin typeface="+mn-ea"/>
+              </a:rPr>
+              <a:t>：通过</a:t>
+            </a:r>
+            <a:r>
+              <a:rPr lang="en-US" altLang="zh-CN" sz="1600" dirty="0">
+                <a:latin typeface="+mn-ea"/>
+              </a:rPr>
+              <a:t>TCP</a:t>
+            </a:r>
+            <a:r>
+              <a:rPr lang="zh-CN" altLang="en-US" sz="1600" dirty="0">
+                <a:latin typeface="+mn-ea"/>
+              </a:rPr>
+              <a:t>读写网络中的</a:t>
+            </a:r>
+            <a:r>
+              <a:rPr lang="zh-CN" altLang="en-US" sz="1600" dirty="0" smtClean="0">
+                <a:latin typeface="+mn-ea"/>
+              </a:rPr>
+              <a:t>数据</a:t>
+            </a:r>
+            <a:r>
+              <a:rPr lang="en-US" altLang="zh-CN" sz="1600" dirty="0" smtClean="0">
+                <a:latin typeface="+mn-ea"/>
+              </a:rPr>
+              <a:t>;</a:t>
+            </a:r>
+            <a:endParaRPr lang="zh-CN" altLang="en-US" sz="1600" dirty="0">
+              <a:latin typeface="+mn-ea"/>
+            </a:endParaRPr>
+          </a:p>
+          <a:p>
+            <a:r>
+              <a:rPr lang="en-US" altLang="zh-CN" sz="1600" dirty="0" err="1" smtClean="0">
+                <a:latin typeface="+mn-ea"/>
+              </a:rPr>
+              <a:t>ServerSocketChannel</a:t>
+            </a:r>
+            <a:r>
+              <a:rPr lang="zh-CN" altLang="en-US" sz="1600" dirty="0" smtClean="0">
+                <a:latin typeface="+mn-ea"/>
+              </a:rPr>
+              <a:t>：监听</a:t>
+            </a:r>
+            <a:r>
+              <a:rPr lang="zh-CN" altLang="en-US" sz="1600" dirty="0">
+                <a:latin typeface="+mn-ea"/>
+              </a:rPr>
+              <a:t>新进来的</a:t>
+            </a:r>
+            <a:r>
+              <a:rPr lang="en-US" altLang="zh-CN" sz="1600" dirty="0">
+                <a:latin typeface="+mn-ea"/>
+              </a:rPr>
+              <a:t>TCP</a:t>
+            </a:r>
+            <a:r>
+              <a:rPr lang="zh-CN" altLang="en-US" sz="1600" dirty="0">
+                <a:latin typeface="+mn-ea"/>
+              </a:rPr>
+              <a:t>连接，像</a:t>
+            </a:r>
+            <a:r>
+              <a:rPr lang="en-US" altLang="zh-CN" sz="1600" dirty="0">
+                <a:latin typeface="+mn-ea"/>
+              </a:rPr>
+              <a:t>Web</a:t>
+            </a:r>
+            <a:r>
+              <a:rPr lang="zh-CN" altLang="en-US" sz="1600" dirty="0">
+                <a:latin typeface="+mn-ea"/>
+              </a:rPr>
+              <a:t>服务器那样。对每一个新进来的连接都会创建</a:t>
+            </a:r>
+            <a:r>
+              <a:rPr lang="zh-CN" altLang="en-US" sz="1600" dirty="0" smtClean="0">
+                <a:latin typeface="+mn-ea"/>
+              </a:rPr>
+              <a:t>一个</a:t>
+            </a:r>
+            <a:r>
+              <a:rPr lang="en-US" altLang="zh-CN" sz="1600" dirty="0" err="1" smtClean="0">
+                <a:latin typeface="+mn-ea"/>
+              </a:rPr>
+              <a:t>SocketChannel</a:t>
+            </a:r>
+            <a:r>
+              <a:rPr lang="zh-CN" altLang="en-US" sz="1600" dirty="0" smtClean="0">
+                <a:latin typeface="+mn-ea"/>
+              </a:rPr>
+              <a:t>。</a:t>
+            </a:r>
+            <a:endParaRPr lang="zh-CN" altLang="en-US" sz="1600" dirty="0">
+              <a:latin typeface="+mn-ea"/>
+            </a:endParaRPr>
+          </a:p>
+          <a:p>
+            <a:endParaRPr lang="en-US" altLang="zh-CN" dirty="0" smtClean="0">
+              <a:latin typeface="+mn-ea"/>
+            </a:endParaRPr>
+          </a:p>
+          <a:p>
+            <a:endParaRPr lang="en-US" altLang="zh-CN" dirty="0">
+              <a:latin typeface="+mn-ea"/>
+            </a:endParaRPr>
+          </a:p>
+          <a:p>
+            <a:r>
+              <a:rPr lang="en-US" altLang="zh-CN" b="1" dirty="0" smtClean="0">
+                <a:latin typeface="+mn-ea"/>
+              </a:rPr>
+              <a:t>2</a:t>
+            </a:r>
+            <a:r>
+              <a:rPr lang="zh-CN" altLang="en-US" b="1" dirty="0" smtClean="0">
+                <a:latin typeface="+mn-ea"/>
+              </a:rPr>
+              <a:t>、为什么</a:t>
+            </a:r>
+            <a:r>
+              <a:rPr lang="zh-CN" altLang="en-US" b="1" dirty="0">
+                <a:latin typeface="+mn-ea"/>
+              </a:rPr>
+              <a:t>引入</a:t>
+            </a:r>
+            <a:r>
+              <a:rPr lang="en-US" altLang="zh-CN" b="1" dirty="0">
+                <a:latin typeface="+mn-ea"/>
+              </a:rPr>
+              <a:t>Buffer? </a:t>
+            </a:r>
+            <a:r>
+              <a:rPr lang="zh-CN" altLang="en-US" b="1" dirty="0">
+                <a:latin typeface="+mn-ea"/>
+              </a:rPr>
+              <a:t>直接用</a:t>
+            </a:r>
+            <a:r>
+              <a:rPr lang="en-US" altLang="zh-CN" b="1" dirty="0">
+                <a:latin typeface="+mn-ea"/>
+              </a:rPr>
+              <a:t>byte</a:t>
+            </a:r>
+            <a:r>
+              <a:rPr lang="zh-CN" altLang="en-US" b="1" dirty="0">
+                <a:latin typeface="+mn-ea"/>
+              </a:rPr>
+              <a:t>数组可以吗</a:t>
+            </a:r>
+            <a:r>
+              <a:rPr lang="en-US" altLang="zh-CN" b="1" dirty="0" smtClean="0">
+                <a:latin typeface="+mn-ea"/>
+              </a:rPr>
+              <a:t>?</a:t>
+            </a:r>
+          </a:p>
+          <a:p>
+            <a:endParaRPr lang="en-US" altLang="zh-CN" dirty="0">
+              <a:latin typeface="+mn-ea"/>
+            </a:endParaRPr>
+          </a:p>
+          <a:p>
+            <a:r>
+              <a:rPr lang="zh-CN" altLang="en-US" dirty="0" smtClean="0">
+                <a:latin typeface="+mn-ea"/>
+              </a:rPr>
+              <a:t>    实际上是</a:t>
+            </a:r>
+            <a:r>
+              <a:rPr lang="zh-CN" altLang="en-US" dirty="0">
+                <a:latin typeface="+mn-ea"/>
+              </a:rPr>
+              <a:t>可以的</a:t>
+            </a:r>
+            <a:r>
+              <a:rPr lang="en-US" altLang="zh-CN" dirty="0">
+                <a:latin typeface="+mn-ea"/>
+              </a:rPr>
+              <a:t>, </a:t>
+            </a:r>
+            <a:r>
+              <a:rPr lang="zh-CN" altLang="en-US" dirty="0">
+                <a:latin typeface="+mn-ea"/>
+              </a:rPr>
+              <a:t>但</a:t>
+            </a:r>
+            <a:r>
+              <a:rPr lang="en-US" altLang="zh-CN" dirty="0">
+                <a:latin typeface="+mn-ea"/>
+              </a:rPr>
+              <a:t>Buffer</a:t>
+            </a:r>
+            <a:r>
+              <a:rPr lang="zh-CN" altLang="en-US" dirty="0">
+                <a:latin typeface="+mn-ea"/>
+              </a:rPr>
+              <a:t>类提供了更加方便的</a:t>
+            </a:r>
+            <a:r>
+              <a:rPr lang="zh-CN" altLang="en-US" dirty="0" smtClean="0">
+                <a:latin typeface="+mn-ea"/>
+              </a:rPr>
+              <a:t>操作。同时</a:t>
+            </a:r>
+            <a:r>
+              <a:rPr lang="en-US" altLang="zh-CN" dirty="0">
+                <a:latin typeface="+mn-ea"/>
+              </a:rPr>
+              <a:t>, Buffer</a:t>
+            </a:r>
+            <a:r>
+              <a:rPr lang="zh-CN" altLang="en-US" dirty="0">
+                <a:latin typeface="+mn-ea"/>
+              </a:rPr>
+              <a:t>提供了很多性能上的</a:t>
+            </a:r>
+            <a:r>
+              <a:rPr lang="zh-CN" altLang="en-US" dirty="0" smtClean="0">
+                <a:latin typeface="+mn-ea"/>
+              </a:rPr>
+              <a:t>优化。</a:t>
+            </a:r>
+            <a:endParaRPr lang="en-US" altLang="zh-CN" dirty="0" smtClean="0">
+              <a:latin typeface="+mn-ea"/>
+            </a:endParaRPr>
+          </a:p>
+          <a:p>
+            <a:endParaRPr lang="en-US" altLang="zh-CN" dirty="0">
+              <a:latin typeface="+mn-ea"/>
+            </a:endParaRPr>
+          </a:p>
+          <a:p>
+            <a:r>
+              <a:rPr lang="zh-CN" altLang="en-US" dirty="0" smtClean="0">
+                <a:latin typeface="+mn-ea"/>
+              </a:rPr>
+              <a:t>    如果</a:t>
+            </a:r>
+            <a:r>
+              <a:rPr lang="zh-CN" altLang="en-US" dirty="0">
+                <a:latin typeface="+mn-ea"/>
+              </a:rPr>
+              <a:t>直接操作</a:t>
+            </a:r>
+            <a:r>
+              <a:rPr lang="en-US" altLang="zh-CN" dirty="0">
+                <a:latin typeface="+mn-ea"/>
+              </a:rPr>
+              <a:t>byte, </a:t>
+            </a:r>
+            <a:r>
+              <a:rPr lang="zh-CN" altLang="en-US" dirty="0">
+                <a:latin typeface="+mn-ea"/>
+              </a:rPr>
+              <a:t>性能会很低</a:t>
+            </a:r>
+            <a:r>
+              <a:rPr lang="en-US" altLang="zh-CN" dirty="0">
+                <a:latin typeface="+mn-ea"/>
+              </a:rPr>
+              <a:t>, </a:t>
+            </a:r>
+            <a:r>
+              <a:rPr lang="zh-CN" altLang="en-US" dirty="0">
+                <a:latin typeface="+mn-ea"/>
+              </a:rPr>
+              <a:t>实际上还是需要</a:t>
+            </a:r>
+            <a:r>
+              <a:rPr lang="en-US" altLang="zh-CN" dirty="0">
+                <a:latin typeface="+mn-ea"/>
+              </a:rPr>
+              <a:t>buffering</a:t>
+            </a:r>
+            <a:r>
+              <a:rPr lang="zh-CN" altLang="en-US" dirty="0">
+                <a:latin typeface="+mn-ea"/>
+              </a:rPr>
+              <a:t>来提供性能</a:t>
+            </a:r>
+            <a:r>
+              <a:rPr lang="en-US" altLang="zh-CN" dirty="0">
+                <a:latin typeface="+mn-ea"/>
+              </a:rPr>
+              <a:t>, </a:t>
+            </a:r>
+            <a:r>
+              <a:rPr lang="zh-CN" altLang="en-US" dirty="0">
+                <a:latin typeface="+mn-ea"/>
+              </a:rPr>
+              <a:t>与其加一</a:t>
+            </a:r>
+            <a:r>
+              <a:rPr lang="zh-CN" altLang="en-US" dirty="0" smtClean="0">
+                <a:latin typeface="+mn-ea"/>
+              </a:rPr>
+              <a:t>层</a:t>
+            </a:r>
+            <a:r>
+              <a:rPr lang="en-US" altLang="zh-CN" dirty="0" smtClean="0">
+                <a:latin typeface="+mn-ea"/>
+              </a:rPr>
+              <a:t>Buffering</a:t>
+            </a:r>
+            <a:r>
+              <a:rPr lang="zh-CN" altLang="en-US" dirty="0">
+                <a:latin typeface="+mn-ea"/>
+              </a:rPr>
+              <a:t>抽象</a:t>
+            </a:r>
+            <a:r>
+              <a:rPr lang="en-US" altLang="zh-CN" dirty="0">
+                <a:latin typeface="+mn-ea"/>
+              </a:rPr>
+              <a:t>, </a:t>
+            </a:r>
+            <a:r>
+              <a:rPr lang="zh-CN" altLang="en-US" dirty="0">
+                <a:latin typeface="+mn-ea"/>
+              </a:rPr>
+              <a:t>不如直接给用户提供</a:t>
+            </a:r>
+            <a:r>
+              <a:rPr lang="en-US" altLang="zh-CN" dirty="0">
+                <a:latin typeface="+mn-ea"/>
+              </a:rPr>
+              <a:t>Buffer. </a:t>
+            </a:r>
+            <a:r>
+              <a:rPr lang="zh-CN" altLang="en-US" dirty="0">
+                <a:latin typeface="+mn-ea"/>
+              </a:rPr>
+              <a:t>最重要的是</a:t>
+            </a:r>
+            <a:r>
+              <a:rPr lang="en-US" altLang="zh-CN" dirty="0">
+                <a:latin typeface="+mn-ea"/>
+              </a:rPr>
+              <a:t>, </a:t>
+            </a:r>
+            <a:r>
+              <a:rPr lang="zh-CN" altLang="en-US" dirty="0">
+                <a:latin typeface="+mn-ea"/>
+              </a:rPr>
+              <a:t>基于</a:t>
+            </a:r>
+            <a:r>
+              <a:rPr lang="en-US" altLang="zh-CN" dirty="0">
+                <a:latin typeface="+mn-ea"/>
+              </a:rPr>
+              <a:t>Buffer</a:t>
+            </a:r>
+            <a:r>
+              <a:rPr lang="zh-CN" altLang="en-US" dirty="0">
+                <a:latin typeface="+mn-ea"/>
+              </a:rPr>
+              <a:t>的</a:t>
+            </a:r>
+            <a:r>
+              <a:rPr lang="en-US" altLang="zh-CN" dirty="0">
+                <a:latin typeface="+mn-ea"/>
+              </a:rPr>
+              <a:t>IO</a:t>
+            </a:r>
+            <a:r>
+              <a:rPr lang="zh-CN" altLang="en-US" dirty="0">
+                <a:latin typeface="+mn-ea"/>
+              </a:rPr>
+              <a:t>操作</a:t>
+            </a:r>
+            <a:r>
+              <a:rPr lang="en-US" altLang="zh-CN" dirty="0">
+                <a:latin typeface="+mn-ea"/>
+              </a:rPr>
+              <a:t>, </a:t>
+            </a:r>
+            <a:r>
+              <a:rPr lang="zh-CN" altLang="en-US" dirty="0">
+                <a:latin typeface="+mn-ea"/>
+              </a:rPr>
+              <a:t>某些情况下可以直接映射成系统调用</a:t>
+            </a:r>
+            <a:r>
+              <a:rPr lang="en-US" altLang="zh-CN" dirty="0">
+                <a:latin typeface="+mn-ea"/>
+              </a:rPr>
+              <a:t>, </a:t>
+            </a:r>
+            <a:r>
+              <a:rPr lang="zh-CN" altLang="en-US" dirty="0">
+                <a:latin typeface="+mn-ea"/>
+              </a:rPr>
+              <a:t>性能极高</a:t>
+            </a:r>
+            <a:r>
+              <a:rPr lang="en-US" altLang="zh-CN" dirty="0" smtClean="0">
+                <a:latin typeface="+mn-ea"/>
+              </a:rPr>
+              <a:t>!</a:t>
+            </a:r>
+          </a:p>
+          <a:p>
+            <a:endParaRPr lang="en-US" altLang="zh-CN" dirty="0">
+              <a:latin typeface="+mn-ea"/>
+            </a:endParaRPr>
+          </a:p>
+          <a:p>
+            <a:endParaRPr lang="en-US" altLang="zh-CN" dirty="0" smtClean="0">
+              <a:latin typeface="+mn-ea"/>
+            </a:endParaRPr>
+          </a:p>
+          <a:p>
+            <a:endParaRPr lang="en-US" altLang="zh-CN" dirty="0">
+              <a:latin typeface="+mn-ea"/>
+            </a:endParaRPr>
+          </a:p>
+          <a:p>
+            <a:r>
+              <a:rPr lang="zh-CN" altLang="en-US" dirty="0" smtClean="0">
+                <a:latin typeface="+mn-ea"/>
+              </a:rPr>
+              <a:t>参见：</a:t>
+            </a:r>
+            <a:r>
+              <a:rPr lang="en-US" altLang="zh-CN" dirty="0">
+                <a:hlinkClick r:id="rId2"/>
+              </a:rPr>
+              <a:t> https://www.jianshu.com/p/07d3d421a877</a:t>
+            </a:r>
+            <a:endParaRPr lang="zh-CN" altLang="en-US" dirty="0">
+              <a:latin typeface="+mn-ea"/>
+            </a:endParaRPr>
+          </a:p>
+        </p:txBody>
+      </p:sp>
+    </p:spTree>
+    <p:extLst>
+      <p:ext uri="{BB962C8B-B14F-4D97-AF65-F5344CB8AC3E}">
+        <p14:creationId xmlns:p14="http://schemas.microsoft.com/office/powerpoint/2010/main" val="530041820"/>
+      </p:ext>
+    </p:extLst>
+  </p:cSld>
+  <p:clrMapOvr>
+    <a:masterClrMapping/>
+  </p:clrMapOvr>
+</p:sld>
+</file>
+
+<file path=ppt/slides/slide18.xml><?xml version="1.0" encoding="utf-8"?>
+<p:sld xmlns:a="http://schemas.openxmlformats.org/drawingml/2006/main" xmlns:r="http://schemas.openxmlformats.org/officeDocument/2006/relationships" xmlns:p="http://schemas.openxmlformats.org/presentationml/2006/main">
+  <p:cSld>
+    <p:spTree>
+      <p:nvGrpSpPr>
+        <p:cNvPr id="1" name=""/>
+        <p:cNvGrpSpPr/>
+        <p:nvPr/>
+      </p:nvGrpSpPr>
+      <p:grpSpPr>
+        <a:xfrm>
+          <a:off x="0" y="0"/>
+          <a:ext cx="0" cy="0"/>
+          <a:chOff x="0" y="0"/>
+          <a:chExt cx="0" cy="0"/>
+        </a:xfrm>
+      </p:grpSpPr>
+      <p:sp>
+        <p:nvSpPr>
+          <p:cNvPr id="2" name="矩形 1"/>
+          <p:cNvSpPr/>
+          <p:nvPr/>
+        </p:nvSpPr>
+        <p:spPr>
+          <a:xfrm>
+            <a:off x="97825" y="83123"/>
+            <a:ext cx="1451038" cy="369332"/>
+          </a:xfrm>
+          <a:prstGeom prst="rect">
+            <a:avLst/>
+          </a:prstGeom>
+        </p:spPr>
+        <p:txBody>
+          <a:bodyPr wrap="none">
+            <a:spAutoFit/>
+          </a:bodyPr>
+          <a:lstStyle/>
+          <a:p>
+            <a:r>
+              <a:rPr lang="en-US" altLang="zh-CN" dirty="0" smtClean="0"/>
+              <a:t>AIO</a:t>
+            </a:r>
+            <a:r>
+              <a:rPr lang="zh-CN" altLang="en-US" dirty="0" smtClean="0"/>
+              <a:t>核心组成</a:t>
+            </a:r>
+            <a:endParaRPr lang="en-US" altLang="zh-CN" dirty="0" smtClean="0"/>
+          </a:p>
+        </p:txBody>
+      </p:sp>
+    </p:spTree>
+    <p:extLst>
+      <p:ext uri="{BB962C8B-B14F-4D97-AF65-F5344CB8AC3E}">
+        <p14:creationId xmlns:p14="http://schemas.microsoft.com/office/powerpoint/2010/main" val="3583002399"/>
+      </p:ext>
+    </p:extLst>
+  </p:cSld>
+  <p:clrMapOvr>
+    <a:masterClrMapping/>
+  </p:clrMapOvr>
+</p:sld>
+</file>
+
+<file path=ppt/slides/slide19.xml><?xml version="1.0" encoding="utf-8"?>
 <p:sld xmlns:a="http://schemas.openxmlformats.org/drawingml/2006/main" xmlns:r="http://schemas.openxmlformats.org/officeDocument/2006/relationships" xmlns:p="http://schemas.openxmlformats.org/presentationml/2006/main">
   <p:cSld>
     <p:spTree>
@@ -5569,224 +7389,6 @@
 </p:sld>
 </file>
 
-<file path=ppt/slides/slide17.xml><?xml version="1.0" encoding="utf-8"?>
-<p:sld xmlns:a="http://schemas.openxmlformats.org/drawingml/2006/main" xmlns:r="http://schemas.openxmlformats.org/officeDocument/2006/relationships" xmlns:p="http://schemas.openxmlformats.org/presentationml/2006/main">
-  <p:cSld>
-    <p:spTree>
-      <p:nvGrpSpPr>
-        <p:cNvPr id="1" name=""/>
-        <p:cNvGrpSpPr/>
-        <p:nvPr/>
-      </p:nvGrpSpPr>
-      <p:grpSpPr>
-        <a:xfrm>
-          <a:off x="0" y="0"/>
-          <a:ext cx="0" cy="0"/>
-          <a:chOff x="0" y="0"/>
-          <a:chExt cx="0" cy="0"/>
-        </a:xfrm>
-      </p:grpSpPr>
-      <p:sp>
-        <p:nvSpPr>
-          <p:cNvPr id="2" name="矩形 1"/>
-          <p:cNvSpPr/>
-          <p:nvPr/>
-        </p:nvSpPr>
-        <p:spPr>
-          <a:xfrm>
-            <a:off x="5772834" y="3244334"/>
-            <a:ext cx="1204176" cy="369332"/>
-          </a:xfrm>
-          <a:prstGeom prst="rect">
-            <a:avLst/>
-          </a:prstGeom>
-        </p:spPr>
-        <p:txBody>
-          <a:bodyPr wrap="none">
-            <a:spAutoFit/>
-          </a:bodyPr>
-          <a:lstStyle/>
-          <a:p>
-            <a:r>
-              <a:rPr lang="en-US" altLang="zh-CN" dirty="0" smtClean="0"/>
-              <a:t>4</a:t>
-            </a:r>
-            <a:r>
-              <a:rPr lang="zh-CN" altLang="en-US" dirty="0" smtClean="0"/>
-              <a:t>类</a:t>
-            </a:r>
-            <a:r>
-              <a:rPr lang="en-US" altLang="zh-CN" dirty="0" smtClean="0"/>
-              <a:t>IO</a:t>
-            </a:r>
-            <a:r>
-              <a:rPr lang="zh-CN" altLang="en-US" dirty="0" smtClean="0"/>
-              <a:t>总结</a:t>
-            </a:r>
-            <a:endParaRPr lang="zh-CN" altLang="en-US" dirty="0"/>
-          </a:p>
-        </p:txBody>
-      </p:sp>
-    </p:spTree>
-    <p:extLst>
-      <p:ext uri="{BB962C8B-B14F-4D97-AF65-F5344CB8AC3E}">
-        <p14:creationId xmlns:p14="http://schemas.microsoft.com/office/powerpoint/2010/main" val="1810501488"/>
-      </p:ext>
-    </p:extLst>
-  </p:cSld>
-  <p:clrMapOvr>
-    <a:masterClrMapping/>
-  </p:clrMapOvr>
-  <p:timing>
-    <p:tnLst>
-      <p:par>
-        <p:cTn id="1" dur="indefinite" restart="never" nodeType="tmRoot"/>
-      </p:par>
-    </p:tnLst>
-  </p:timing>
-</p:sld>
-</file>
-
-<file path=ppt/slides/slide18.xml><?xml version="1.0" encoding="utf-8"?>
-<p:sld xmlns:a="http://schemas.openxmlformats.org/drawingml/2006/main" xmlns:r="http://schemas.openxmlformats.org/officeDocument/2006/relationships" xmlns:p="http://schemas.openxmlformats.org/presentationml/2006/main">
-  <p:cSld>
-    <p:spTree>
-      <p:nvGrpSpPr>
-        <p:cNvPr id="1" name=""/>
-        <p:cNvGrpSpPr/>
-        <p:nvPr/>
-      </p:nvGrpSpPr>
-      <p:grpSpPr>
-        <a:xfrm>
-          <a:off x="0" y="0"/>
-          <a:ext cx="0" cy="0"/>
-          <a:chOff x="0" y="0"/>
-          <a:chExt cx="0" cy="0"/>
-        </a:xfrm>
-      </p:grpSpPr>
-      <p:sp>
-        <p:nvSpPr>
-          <p:cNvPr id="2" name="矩形 1"/>
-          <p:cNvSpPr/>
-          <p:nvPr/>
-        </p:nvSpPr>
-        <p:spPr>
-          <a:xfrm>
-            <a:off x="5772834" y="3244334"/>
-            <a:ext cx="1164421" cy="369332"/>
-          </a:xfrm>
-          <a:prstGeom prst="rect">
-            <a:avLst/>
-          </a:prstGeom>
-        </p:spPr>
-        <p:txBody>
-          <a:bodyPr wrap="none">
-            <a:spAutoFit/>
-          </a:bodyPr>
-          <a:lstStyle/>
-          <a:p>
-            <a:r>
-              <a:rPr lang="en-US" altLang="zh-CN" dirty="0" err="1" smtClean="0"/>
-              <a:t>Netty</a:t>
-            </a:r>
-            <a:r>
-              <a:rPr lang="zh-CN" altLang="en-US" dirty="0" smtClean="0"/>
-              <a:t>介绍</a:t>
-            </a:r>
-            <a:endParaRPr lang="zh-CN" altLang="en-US" dirty="0"/>
-          </a:p>
-        </p:txBody>
-      </p:sp>
-    </p:spTree>
-    <p:extLst>
-      <p:ext uri="{BB962C8B-B14F-4D97-AF65-F5344CB8AC3E}">
-        <p14:creationId xmlns:p14="http://schemas.microsoft.com/office/powerpoint/2010/main" val="2980363711"/>
-      </p:ext>
-    </p:extLst>
-  </p:cSld>
-  <p:clrMapOvr>
-    <a:masterClrMapping/>
-  </p:clrMapOvr>
-  <p:timing>
-    <p:tnLst>
-      <p:par>
-        <p:cTn id="1" dur="indefinite" restart="never" nodeType="tmRoot"/>
-      </p:par>
-    </p:tnLst>
-  </p:timing>
-</p:sld>
-</file>
-
-<file path=ppt/slides/slide19.xml><?xml version="1.0" encoding="utf-8"?>
-<p:sld xmlns:a="http://schemas.openxmlformats.org/drawingml/2006/main" xmlns:r="http://schemas.openxmlformats.org/officeDocument/2006/relationships" xmlns:p="http://schemas.openxmlformats.org/presentationml/2006/main">
-  <p:cSld>
-    <p:spTree>
-      <p:nvGrpSpPr>
-        <p:cNvPr id="1" name=""/>
-        <p:cNvGrpSpPr/>
-        <p:nvPr/>
-      </p:nvGrpSpPr>
-      <p:grpSpPr>
-        <a:xfrm>
-          <a:off x="0" y="0"/>
-          <a:ext cx="0" cy="0"/>
-          <a:chOff x="0" y="0"/>
-          <a:chExt cx="0" cy="0"/>
-        </a:xfrm>
-      </p:grpSpPr>
-      <p:sp>
-        <p:nvSpPr>
-          <p:cNvPr id="2" name="矩形 1"/>
-          <p:cNvSpPr/>
-          <p:nvPr/>
-        </p:nvSpPr>
-        <p:spPr>
-          <a:xfrm>
-            <a:off x="5772834" y="3244334"/>
-            <a:ext cx="2087751" cy="369332"/>
-          </a:xfrm>
-          <a:prstGeom prst="rect">
-            <a:avLst/>
-          </a:prstGeom>
-        </p:spPr>
-        <p:txBody>
-          <a:bodyPr wrap="none">
-            <a:spAutoFit/>
-          </a:bodyPr>
-          <a:lstStyle/>
-          <a:p>
-            <a:r>
-              <a:rPr lang="en-US" altLang="zh-CN" dirty="0" err="1" smtClean="0"/>
-              <a:t>Netty</a:t>
-            </a:r>
-            <a:r>
-              <a:rPr lang="zh-CN" altLang="en-US" dirty="0" smtClean="0"/>
-              <a:t>示例聊天程序</a:t>
-            </a:r>
-            <a:endParaRPr lang="zh-CN" altLang="en-US" dirty="0"/>
-          </a:p>
-        </p:txBody>
-      </p:sp>
-    </p:spTree>
-    <p:extLst>
-      <p:ext uri="{BB962C8B-B14F-4D97-AF65-F5344CB8AC3E}">
-        <p14:creationId xmlns:p14="http://schemas.microsoft.com/office/powerpoint/2010/main" val="952046167"/>
-      </p:ext>
-    </p:extLst>
-  </p:cSld>
-  <p:clrMapOvr>
-    <a:masterClrMapping/>
-  </p:clrMapOvr>
-  <p:timing>
-    <p:tnLst>
-      <p:par>
-        <p:cTn id="1" dur="indefinite" restart="never" nodeType="tmRoot"/>
-      </p:par>
-    </p:tnLst>
-  </p:timing>
-</p:sld>
-</file>
-
 <file path=ppt/slides/slide2.xml><?xml version="1.0" encoding="utf-8"?>
 <p:sld xmlns:a="http://schemas.openxmlformats.org/drawingml/2006/main" xmlns:r="http://schemas.openxmlformats.org/officeDocument/2006/relationships" xmlns:p="http://schemas.openxmlformats.org/presentationml/2006/main">
   <p:cSld>
@@ -5942,13 +7544,7 @@
               <a:rPr lang="zh-CN" altLang="en-US" dirty="0" smtClean="0">
                 <a:latin typeface="+mn-ea"/>
               </a:rPr>
-              <a:t>零</a:t>
-            </a:r>
-            <a:r>
-              <a:rPr lang="zh-CN" altLang="en-US" dirty="0" smtClean="0">
-                <a:latin typeface="+mn-ea"/>
-              </a:rPr>
-              <a:t>基础到精通                 </a:t>
+              <a:t>零基础到精通                 </a:t>
             </a:r>
             <a:r>
               <a:rPr lang="en-US" altLang="zh-CN" dirty="0" smtClean="0">
@@ -6012,13 +7608,7 @@
               <a:rPr lang="zh-CN" altLang="en-US" dirty="0" smtClean="0">
                 <a:latin typeface="+mn-ea"/>
               </a:rPr>
-              <a:t>、博客</a:t>
-            </a:r>
-            <a:r>
-              <a:rPr lang="zh-CN" altLang="en-US" dirty="0" smtClean="0">
-                <a:latin typeface="+mn-ea"/>
-              </a:rPr>
-              <a:t>园、知乎等</a:t>
+              <a:t>、博客园、知乎等</a:t>
             </a:r>
             <a:endParaRPr lang="en-US" altLang="zh-CN" dirty="0" smtClean="0">
               <a:latin typeface="+mn-ea"/>
@@ -6124,6 +7714,224 @@
         <p:spPr>
           <a:xfrm>
             <a:off x="5772834" y="3244334"/>
+            <a:ext cx="1204176" cy="369332"/>
+          </a:xfrm>
+          <a:prstGeom prst="rect">
+            <a:avLst/>
+          </a:prstGeom>
+        </p:spPr>
+        <p:txBody>
+          <a:bodyPr wrap="none">
+            <a:spAutoFit/>
+          </a:bodyPr>
+          <a:lstStyle/>
+          <a:p>
+            <a:r>
+              <a:rPr lang="en-US" altLang="zh-CN" dirty="0" smtClean="0"/>
+              <a:t>4</a:t>
+            </a:r>
+            <a:r>
+              <a:rPr lang="zh-CN" altLang="en-US" dirty="0" smtClean="0"/>
+              <a:t>类</a:t>
+            </a:r>
+            <a:r>
+              <a:rPr lang="en-US" altLang="zh-CN" dirty="0" smtClean="0"/>
+              <a:t>IO</a:t>
+            </a:r>
+            <a:r>
+              <a:rPr lang="zh-CN" altLang="en-US" dirty="0" smtClean="0"/>
+              <a:t>总结</a:t>
+            </a:r>
+            <a:endParaRPr lang="zh-CN" altLang="en-US" dirty="0"/>
+          </a:p>
+        </p:txBody>
+      </p:sp>
+    </p:spTree>
+    <p:extLst>
+      <p:ext uri="{BB962C8B-B14F-4D97-AF65-F5344CB8AC3E}">
+        <p14:creationId xmlns:p14="http://schemas.microsoft.com/office/powerpoint/2010/main" val="1810501488"/>
+      </p:ext>
+    </p:extLst>
+  </p:cSld>
+  <p:clrMapOvr>
+    <a:masterClrMapping/>
+  </p:clrMapOvr>
+  <p:timing>
+    <p:tnLst>
+      <p:par>
+        <p:cTn id="1" dur="indefinite" restart="never" nodeType="tmRoot"/>
+      </p:par>
+    </p:tnLst>
+  </p:timing>
+</p:sld>
+</file>
+
+<file path=ppt/slides/slide21.xml><?xml version="1.0" encoding="utf-8"?>
+<p:sld xmlns:a="http://schemas.openxmlformats.org/drawingml/2006/main" xmlns:r="http://schemas.openxmlformats.org/officeDocument/2006/relationships" xmlns:p="http://schemas.openxmlformats.org/presentationml/2006/main">
+  <p:cSld>
+    <p:spTree>
+      <p:nvGrpSpPr>
+        <p:cNvPr id="1" name=""/>
+        <p:cNvGrpSpPr/>
+        <p:nvPr/>
+      </p:nvGrpSpPr>
+      <p:grpSpPr>
+        <a:xfrm>
+          <a:off x="0" y="0"/>
+          <a:ext cx="0" cy="0"/>
+          <a:chOff x="0" y="0"/>
+          <a:chExt cx="0" cy="0"/>
+        </a:xfrm>
+      </p:grpSpPr>
+      <p:sp>
+        <p:nvSpPr>
+          <p:cNvPr id="2" name="矩形 1"/>
+          <p:cNvSpPr/>
+          <p:nvPr/>
+        </p:nvSpPr>
+        <p:spPr>
+          <a:xfrm>
+            <a:off x="5772834" y="3244334"/>
+            <a:ext cx="1164421" cy="369332"/>
+          </a:xfrm>
+          <a:prstGeom prst="rect">
+            <a:avLst/>
+          </a:prstGeom>
+        </p:spPr>
+        <p:txBody>
+          <a:bodyPr wrap="none">
+            <a:spAutoFit/>
+          </a:bodyPr>
+          <a:lstStyle/>
+          <a:p>
+            <a:r>
+              <a:rPr lang="en-US" altLang="zh-CN" dirty="0" err="1" smtClean="0"/>
+              <a:t>Netty</a:t>
+            </a:r>
+            <a:r>
+              <a:rPr lang="zh-CN" altLang="en-US" dirty="0" smtClean="0"/>
+              <a:t>介绍</a:t>
+            </a:r>
+            <a:endParaRPr lang="zh-CN" altLang="en-US" dirty="0"/>
+          </a:p>
+        </p:txBody>
+      </p:sp>
+    </p:spTree>
+    <p:extLst>
+      <p:ext uri="{BB962C8B-B14F-4D97-AF65-F5344CB8AC3E}">
+        <p14:creationId xmlns:p14="http://schemas.microsoft.com/office/powerpoint/2010/main" val="2980363711"/>
+      </p:ext>
+    </p:extLst>
+  </p:cSld>
+  <p:clrMapOvr>
+    <a:masterClrMapping/>
+  </p:clrMapOvr>
+  <p:timing>
+    <p:tnLst>
+      <p:par>
+        <p:cTn id="1" dur="indefinite" restart="never" nodeType="tmRoot"/>
+      </p:par>
+    </p:tnLst>
+  </p:timing>
+</p:sld>
+</file>
+
+<file path=ppt/slides/slide22.xml><?xml version="1.0" encoding="utf-8"?>
+<p:sld xmlns:a="http://schemas.openxmlformats.org/drawingml/2006/main" xmlns:r="http://schemas.openxmlformats.org/officeDocument/2006/relationships" xmlns:p="http://schemas.openxmlformats.org/presentationml/2006/main">
+  <p:cSld>
+    <p:spTree>
+      <p:nvGrpSpPr>
+        <p:cNvPr id="1" name=""/>
+        <p:cNvGrpSpPr/>
+        <p:nvPr/>
+      </p:nvGrpSpPr>
+      <p:grpSpPr>
+        <a:xfrm>
+          <a:off x="0" y="0"/>
+          <a:ext cx="0" cy="0"/>
+          <a:chOff x="0" y="0"/>
+          <a:chExt cx="0" cy="0"/>
+        </a:xfrm>
+      </p:grpSpPr>
+      <p:sp>
+        <p:nvSpPr>
+          <p:cNvPr id="2" name="矩形 1"/>
+          <p:cNvSpPr/>
+          <p:nvPr/>
+        </p:nvSpPr>
+        <p:spPr>
+          <a:xfrm>
+            <a:off x="5772834" y="3244334"/>
+            <a:ext cx="2087751" cy="369332"/>
+          </a:xfrm>
+          <a:prstGeom prst="rect">
+            <a:avLst/>
+          </a:prstGeom>
+        </p:spPr>
+        <p:txBody>
+          <a:bodyPr wrap="none">
+            <a:spAutoFit/>
+          </a:bodyPr>
+          <a:lstStyle/>
+          <a:p>
+            <a:r>
+              <a:rPr lang="en-US" altLang="zh-CN" dirty="0" err="1" smtClean="0"/>
+              <a:t>Netty</a:t>
+            </a:r>
+            <a:r>
+              <a:rPr lang="zh-CN" altLang="en-US" dirty="0" smtClean="0"/>
+              <a:t>示例聊天程序</a:t>
+            </a:r>
+            <a:endParaRPr lang="zh-CN" altLang="en-US" dirty="0"/>
+          </a:p>
+        </p:txBody>
+      </p:sp>
+    </p:spTree>
+    <p:extLst>
+      <p:ext uri="{BB962C8B-B14F-4D97-AF65-F5344CB8AC3E}">
+        <p14:creationId xmlns:p14="http://schemas.microsoft.com/office/powerpoint/2010/main" val="952046167"/>
+      </p:ext>
+    </p:extLst>
+  </p:cSld>
+  <p:clrMapOvr>
+    <a:masterClrMapping/>
+  </p:clrMapOvr>
+  <p:timing>
+    <p:tnLst>
+      <p:par>
+        <p:cTn id="1" dur="indefinite" restart="never" nodeType="tmRoot"/>
+      </p:par>
+    </p:tnLst>
+  </p:timing>
+</p:sld>
+</file>
+
+<file path=ppt/slides/slide23.xml><?xml version="1.0" encoding="utf-8"?>
+<p:sld xmlns:a="http://schemas.openxmlformats.org/drawingml/2006/main" xmlns:r="http://schemas.openxmlformats.org/officeDocument/2006/relationships" xmlns:p="http://schemas.openxmlformats.org/presentationml/2006/main">
+  <p:cSld>
+    <p:spTree>
+      <p:nvGrpSpPr>
+        <p:cNvPr id="1" name=""/>
+        <p:cNvGrpSpPr/>
+        <p:nvPr/>
+      </p:nvGrpSpPr>
+      <p:grpSpPr>
+        <a:xfrm>
+          <a:off x="0" y="0"/>
+          <a:ext cx="0" cy="0"/>
+          <a:chOff x="0" y="0"/>
+          <a:chExt cx="0" cy="0"/>
+        </a:xfrm>
+      </p:grpSpPr>
+      <p:sp>
+        <p:nvSpPr>
+          <p:cNvPr id="2" name="矩形 1"/>
+          <p:cNvSpPr/>
+          <p:nvPr/>
+        </p:nvSpPr>
+        <p:spPr>
+          <a:xfrm>
+            <a:off x="5772834" y="3244334"/>
             <a:ext cx="1417376" cy="369332"/>
           </a:xfrm>
           <a:prstGeom prst="rect">
@@ -6172,7 +7980,7 @@
 </p:sld>
 </file>
 
-<file path=ppt/slides/slide21.xml><?xml version="1.0" encoding="utf-8"?>
+<file path=ppt/slides/slide24.xml><?xml version="1.0" encoding="utf-8"?>
 <p:sld xmlns:a="http://schemas.openxmlformats.org/drawingml/2006/main" xmlns:r="http://schemas.openxmlformats.org/officeDocument/2006/relationships" xmlns:p="http://schemas.openxmlformats.org/presentationml/2006/main">
   <p:cSld>
     <p:spTree>
@@ -6317,13 +8125,7 @@
               <a:rPr lang="en-US" altLang="zh-CN" sz="2400" dirty="0" smtClean="0">
                 <a:latin typeface="+mn-ea"/>
               </a:rPr>
-              <a:t>ava </a:t>
-            </a:r>
-            <a:r>
-              <a:rPr lang="en-US" altLang="zh-CN" sz="2400" dirty="0" smtClean="0">
-                <a:latin typeface="+mn-ea"/>
-              </a:rPr>
-              <a:t>IO</a:t>
+              <a:t>ava IO</a:t>
             </a:r>
             <a:r>
               <a:rPr lang="zh-CN" altLang="en-US" sz="2400" dirty="0" smtClean="0">
@@ -6455,9 +8257,6 @@
               </a:rPr>
               <a:t>AIO</a:t>
             </a:r>
-            <a:endParaRPr lang="en-US" altLang="zh-CN" sz="2400" dirty="0" smtClean="0">
-              <a:latin typeface="+mn-ea"/>
-            </a:endParaRPr>
           </a:p>
           <a:p>
             <a:r>
@@ -7196,30 +8995,84 @@
           <a:chExt cx="0" cy="0"/>
         </a:xfrm>
       </p:grpSpPr>
+      <p:sp>
+        <p:nvSpPr>
+          <p:cNvPr id="7" name="矩形 6"/>
+          <p:cNvSpPr/>
+          <p:nvPr/>
+        </p:nvSpPr>
+        <p:spPr>
+          <a:xfrm>
+            <a:off x="0" y="0"/>
+            <a:ext cx="12192000" cy="646331"/>
+          </a:xfrm>
+          <a:prstGeom prst="rect">
+            <a:avLst/>
+          </a:prstGeom>
+        </p:spPr>
+        <p:txBody>
+          <a:bodyPr wrap="square">
+            <a:spAutoFit/>
+          </a:bodyPr>
+          <a:lstStyle/>
+          <a:p>
+            <a:r>
+              <a:rPr lang="zh-CN" altLang="en-US" dirty="0" smtClean="0"/>
+              <a:t>演示程序</a:t>
+            </a:r>
+            <a:r>
+              <a:rPr lang="en-US" altLang="zh-CN" dirty="0" smtClean="0"/>
+              <a:t>TestCloseIO1</a:t>
+            </a:r>
+            <a:r>
+              <a:rPr lang="zh-CN" altLang="en-US" dirty="0" smtClean="0"/>
+              <a:t>控制台</a:t>
+            </a:r>
+            <a:r>
+              <a:rPr lang="zh-CN" altLang="en-US" dirty="0" smtClean="0"/>
+              <a:t>输出：</a:t>
+            </a:r>
+            <a:endParaRPr lang="en-US" altLang="zh-CN" dirty="0" smtClean="0"/>
+          </a:p>
+          <a:p>
+            <a:r>
+              <a:rPr lang="en-US" altLang="zh-CN" dirty="0" smtClean="0"/>
+              <a:t>java </a:t>
+            </a:r>
+            <a:r>
+              <a:rPr lang="en-US" altLang="zh-CN" dirty="0"/>
+              <a:t>-XX:+</a:t>
+            </a:r>
+            <a:r>
+              <a:rPr lang="en-US" altLang="zh-CN" dirty="0" err="1"/>
+              <a:t>PrintGCDetails</a:t>
+            </a:r>
+            <a:r>
+              <a:rPr lang="en-US" altLang="zh-CN" dirty="0" smtClean="0"/>
+              <a:t> org.zyd.demo.close.io.TestCloseIO1</a:t>
+            </a:r>
+            <a:endParaRPr lang="zh-CN" altLang="en-US" dirty="0"/>
+          </a:p>
+        </p:txBody>
+      </p:sp>
       <p:pic>
         <p:nvPicPr>
-          <p:cNvPr id="6" name="图片 5"/>
+          <p:cNvPr id="3" name="图片 2"/>
           <p:cNvPicPr>
             <a:picLocks noChangeAspect="1"/>
           </p:cNvPicPr>
           <p:nvPr/>
         </p:nvPicPr>
         <p:blipFill>
-          <a:blip r:embed="rId3">
-            <a:extLst>
-              <a:ext uri="{28A0092B-C50C-407E-A947-70E740481C1C}">
-                <a14:useLocalDpi xmlns:a14="http://schemas.microsoft.com/office/drawing/2010/main" val="0"/>
-              </a:ext>
-            </a:extLst>
-          </a:blip>
+          <a:blip r:embed="rId3"/>
           <a:stretch>
             <a:fillRect/>
           </a:stretch>
         </p:blipFill>
         <p:spPr>
           <a:xfrm>
-            <a:off x="0" y="1731727"/>
-            <a:ext cx="12192000" cy="4052600"/>
+            <a:off x="0" y="646331"/>
+            <a:ext cx="12192000" cy="1824944"/>
           </a:xfrm>
           <a:prstGeom prst="rect">
             <a:avLst/>
@@ -7228,41 +9081,84 @@
       </p:pic>
       <p:sp>
         <p:nvSpPr>
-          <p:cNvPr id="7" name="矩形 6"/>
+          <p:cNvPr id="10" name="矩形 9"/>
           <p:cNvSpPr/>
           <p:nvPr/>
         </p:nvSpPr>
         <p:spPr>
           <a:xfrm>
-            <a:off x="0" y="853031"/>
-            <a:ext cx="3626314" cy="369332"/>
+            <a:off x="0" y="3280006"/>
+            <a:ext cx="12192000" cy="646331"/>
           </a:xfrm>
           <a:prstGeom prst="rect">
             <a:avLst/>
           </a:prstGeom>
         </p:spPr>
         <p:txBody>
-          <a:bodyPr wrap="none">
+          <a:bodyPr wrap="square">
             <a:spAutoFit/>
           </a:bodyPr>
           <a:lstStyle/>
           <a:p>
             <a:r>
               <a:rPr lang="zh-CN" altLang="en-US" dirty="0" smtClean="0"/>
-              <a:t>演示</a:t>
+              <a:t>演示程序</a:t>
             </a:r>
             <a:r>
               <a:rPr lang="en-US" altLang="zh-CN" dirty="0" smtClean="0"/>
-              <a:t>IO</a:t>
+              <a:t>TestCloseIO2</a:t>
             </a:r>
             <a:r>
               <a:rPr lang="zh-CN" altLang="en-US" dirty="0" smtClean="0"/>
-              <a:t>流自动关闭程序输出结果：</a:t>
+              <a:t>控制台输出：</a:t>
             </a:r>
             <a:endParaRPr lang="zh-CN" altLang="en-US" dirty="0"/>
           </a:p>
-        </p:txBody>
-      </p:sp>
+          <a:p>
+            <a:r>
+              <a:rPr lang="en-US" altLang="zh-CN" dirty="0"/>
+              <a:t>java -XX:+</a:t>
+            </a:r>
+            <a:r>
+              <a:rPr lang="en-US" altLang="zh-CN" dirty="0" err="1"/>
+              <a:t>PrintGCDetails</a:t>
+            </a:r>
+            <a:r>
+              <a:rPr lang="en-US" altLang="zh-CN" dirty="0"/>
+              <a:t> </a:t>
+            </a:r>
+            <a:r>
+              <a:rPr lang="en-US" altLang="zh-CN" dirty="0" smtClean="0"/>
+              <a:t>org.zyd.demo.close.io.TestCloseIO2</a:t>
+            </a:r>
+            <a:endParaRPr lang="en-US" altLang="zh-CN" dirty="0"/>
+          </a:p>
+        </p:txBody>
+      </p:sp>
+      <p:pic>
+        <p:nvPicPr>
+          <p:cNvPr id="11" name="图片 10"/>
+          <p:cNvPicPr>
+            <a:picLocks noChangeAspect="1"/>
+          </p:cNvPicPr>
+          <p:nvPr/>
+        </p:nvPicPr>
+        <p:blipFill>
+          <a:blip r:embed="rId4"/>
+          <a:stretch>
+            <a:fillRect/>
+          </a:stretch>
+        </p:blipFill>
+        <p:spPr>
+          <a:xfrm>
+            <a:off x="0" y="4020652"/>
+            <a:ext cx="12192000" cy="2837348"/>
+          </a:xfrm>
+          <a:prstGeom prst="rect">
+            <a:avLst/>
+          </a:prstGeom>
+        </p:spPr>
+      </p:pic>
     </p:spTree>
     <p:extLst>
       <p:ext uri="{BB962C8B-B14F-4D97-AF65-F5344CB8AC3E}">
@@ -7300,51 +9196,21 @@
           <a:chExt cx="0" cy="0"/>
         </a:xfrm>
       </p:grpSpPr>
-      <p:pic>
-        <p:nvPicPr>
-          <p:cNvPr id="2" name="图片 1"/>
-          <p:cNvPicPr>
-            <a:picLocks noChangeAspect="1"/>
-          </p:cNvPicPr>
+      <p:sp>
+        <p:nvSpPr>
+          <p:cNvPr id="3" name="矩形 2"/>
+          <p:cNvSpPr/>
           <p:nvPr/>
-        </p:nvPicPr>
-        <p:blipFill>
-          <a:blip r:embed="rId3">
-            <a:extLst>
-              <a:ext uri="{28A0092B-C50C-407E-A947-70E740481C1C}">
-                <a14:useLocalDpi xmlns:a14="http://schemas.microsoft.com/office/drawing/2010/main" val="0"/>
-              </a:ext>
-            </a:extLst>
-          </a:blip>
-          <a:stretch>
-            <a:fillRect/>
-          </a:stretch>
-        </p:blipFill>
+        </p:nvSpPr>
         <p:spPr>
           <a:xfrm>
-            <a:off x="5041132" y="0"/>
-            <a:ext cx="7150868" cy="6858000"/>
+            <a:off x="0" y="0"/>
+            <a:ext cx="12192000" cy="6463308"/>
           </a:xfrm>
           <a:prstGeom prst="rect">
             <a:avLst/>
           </a:prstGeom>
         </p:spPr>
-      </p:pic>
-      <p:sp>
-        <p:nvSpPr>
-          <p:cNvPr id="3" name="矩形 2"/>
-          <p:cNvSpPr/>
-          <p:nvPr/>
-        </p:nvSpPr>
-        <p:spPr>
-          <a:xfrm>
-            <a:off x="0" y="0"/>
-            <a:ext cx="4945380" cy="6740307"/>
-          </a:xfrm>
-          <a:prstGeom prst="rect">
-            <a:avLst/>
-          </a:prstGeom>
-        </p:spPr>
         <p:txBody>
           <a:bodyPr wrap="square">
             <a:spAutoFit/>
@@ -7352,19 +9218,19 @@
           <a:lstStyle/>
           <a:p>
             <a:r>
-              <a:rPr lang="en-US" altLang="zh-CN" dirty="0" err="1">
+              <a:rPr lang="en-US" altLang="zh-CN" b="1" dirty="0" err="1" smtClean="0">
                 <a:latin typeface="+mn-ea"/>
               </a:rPr>
               <a:t>lsof</a:t>
             </a:r>
             <a:r>
-              <a:rPr lang="en-US" altLang="zh-CN" dirty="0">
+              <a:rPr lang="en-US" altLang="zh-CN" b="1" dirty="0" smtClean="0">
                 <a:latin typeface="+mn-ea"/>
               </a:rPr>
               <a:t> </a:t>
             </a:r>
             <a:r>
-              <a:rPr lang="zh-CN" altLang="en-US" dirty="0" smtClean="0">
+              <a:rPr lang="zh-CN" altLang="en-US" b="1" dirty="0" smtClean="0">
                 <a:latin typeface="+mn-ea"/>
               </a:rPr>
               <a:t>命令</a:t>
@@ -7373,19 +9239,7 @@
               <a:rPr lang="en-US" altLang="zh-CN" dirty="0" smtClean="0">
                 <a:latin typeface="+mn-ea"/>
               </a:rPr>
-              <a:t>(</a:t>
-            </a:r>
-            <a:r>
-              <a:rPr lang="en-US" altLang="zh-CN" dirty="0">
-                <a:latin typeface="+mn-ea"/>
-              </a:rPr>
-              <a:t>list open files</a:t>
-            </a:r>
-            <a:r>
-              <a:rPr lang="en-US" altLang="zh-CN" dirty="0" smtClean="0">
-                <a:latin typeface="+mn-ea"/>
-              </a:rPr>
-              <a:t>)</a:t>
+              <a:t>(list open files)</a:t>
             </a:r>
           </a:p>
           <a:p>
@@ -7398,323 +9252,263 @@
               <a:rPr lang="zh-CN" altLang="en-US" dirty="0" smtClean="0">
                 <a:latin typeface="+mn-ea"/>
               </a:rPr>
-              <a:t>列出</a:t>
-            </a:r>
-            <a:r>
-              <a:rPr lang="zh-CN" altLang="en-US" dirty="0">
-                <a:latin typeface="+mn-ea"/>
-              </a:rPr>
-              <a:t>当前系统打开文件的</a:t>
-            </a:r>
-            <a:r>
-              <a:rPr lang="zh-CN" altLang="en-US" dirty="0">
-                <a:latin typeface="+mn-ea"/>
-              </a:rPr>
-              <a:t>工具，每行显示一个打开的文件，默认如果后面不跟任何东西，将打开系统打开的所有</a:t>
+              <a:t>列出当前系统打开文件的工具，每行显示一个打开的文件</a:t>
             </a:r>
             <a:r>
               <a:rPr lang="zh-CN" altLang="en-US" dirty="0" smtClean="0">
                 <a:latin typeface="+mn-ea"/>
               </a:rPr>
-              <a:t>文件</a:t>
-            </a:r>
-            <a:r>
-              <a:rPr lang="zh-CN" altLang="en-US" dirty="0">
-                <a:latin typeface="+mn-ea"/>
-              </a:rPr>
-              <a:t>。</a:t>
-            </a:r>
+              <a:t>，不加参数默认列举</a:t>
+            </a:r>
+            <a:r>
+              <a:rPr lang="zh-CN" altLang="en-US" dirty="0" smtClean="0">
+                <a:latin typeface="+mn-ea"/>
+              </a:rPr>
+              <a:t>系统打开的所有文件。</a:t>
+            </a:r>
+            <a:endParaRPr lang="en-US" altLang="zh-CN" dirty="0" smtClean="0">
+              <a:latin typeface="+mn-ea"/>
+            </a:endParaRPr>
+          </a:p>
+          <a:p>
+            <a:endParaRPr lang="en-US" altLang="zh-CN" u="sng" dirty="0" smtClean="0">
+              <a:latin typeface="+mn-ea"/>
+            </a:endParaRPr>
+          </a:p>
+          <a:p>
+            <a:r>
+              <a:rPr lang="en-US" altLang="zh-CN" dirty="0" smtClean="0">
+                <a:latin typeface="+mn-ea"/>
+              </a:rPr>
+              <a:t>/</a:t>
+            </a:r>
+            <a:r>
+              <a:rPr lang="en-US" altLang="zh-CN" dirty="0" err="1" smtClean="0">
+                <a:latin typeface="+mn-ea"/>
+              </a:rPr>
+              <a:t>usr</a:t>
+            </a:r>
+            <a:r>
+              <a:rPr lang="en-US" altLang="zh-CN" dirty="0" smtClean="0">
+                <a:latin typeface="+mn-ea"/>
+              </a:rPr>
+              <a:t>/</a:t>
+            </a:r>
+            <a:r>
+              <a:rPr lang="en-US" altLang="zh-CN" dirty="0" err="1" smtClean="0">
+                <a:latin typeface="+mn-ea"/>
+              </a:rPr>
+              <a:t>sbin</a:t>
+            </a:r>
+            <a:r>
+              <a:rPr lang="en-US" altLang="zh-CN" dirty="0" smtClean="0">
+                <a:latin typeface="+mn-ea"/>
+              </a:rPr>
+              <a:t>/</a:t>
+            </a:r>
+            <a:r>
+              <a:rPr lang="en-US" altLang="zh-CN" dirty="0" err="1" smtClean="0">
+                <a:latin typeface="+mn-ea"/>
+              </a:rPr>
+              <a:t>lsof</a:t>
+            </a:r>
+            <a:r>
+              <a:rPr lang="en-US" altLang="zh-CN" dirty="0" smtClean="0">
+                <a:latin typeface="+mn-ea"/>
+              </a:rPr>
+              <a:t> -p 6692 -r 5</a:t>
+            </a:r>
+          </a:p>
+          <a:p>
+            <a:endParaRPr lang="en-US" altLang="zh-CN" dirty="0" smtClean="0">
+              <a:latin typeface="+mn-ea"/>
+            </a:endParaRPr>
+          </a:p>
+          <a:p>
+            <a:r>
+              <a:rPr lang="en-US" altLang="zh-CN" dirty="0" smtClean="0">
+                <a:latin typeface="+mn-ea"/>
+              </a:rPr>
+              <a:t>COMMAND:</a:t>
+            </a:r>
+            <a:r>
+              <a:rPr lang="zh-CN" altLang="en-US" dirty="0" smtClean="0">
+                <a:latin typeface="+mn-ea"/>
+              </a:rPr>
+              <a:t>进程名称</a:t>
+            </a:r>
+          </a:p>
+          <a:p>
+            <a:r>
+              <a:rPr lang="en-US" altLang="zh-CN" dirty="0" smtClean="0">
+                <a:latin typeface="+mn-ea"/>
+              </a:rPr>
+              <a:t>PID:	</a:t>
+            </a:r>
+            <a:r>
+              <a:rPr lang="zh-CN" altLang="en-US" dirty="0" smtClean="0">
+                <a:latin typeface="+mn-ea"/>
+              </a:rPr>
+              <a:t>进程标识符</a:t>
+            </a:r>
+          </a:p>
+          <a:p>
+            <a:r>
+              <a:rPr lang="en-US" altLang="zh-CN" dirty="0" smtClean="0">
+                <a:latin typeface="+mn-ea"/>
+              </a:rPr>
+              <a:t>USER:	</a:t>
+            </a:r>
+            <a:r>
+              <a:rPr lang="zh-CN" altLang="en-US" dirty="0" smtClean="0">
+                <a:latin typeface="+mn-ea"/>
+              </a:rPr>
+              <a:t>进程所有者</a:t>
+            </a:r>
+          </a:p>
+          <a:p>
+            <a:r>
+              <a:rPr lang="en-US" altLang="zh-CN" dirty="0" smtClean="0">
+                <a:latin typeface="+mn-ea"/>
+              </a:rPr>
+              <a:t>FD:	</a:t>
+            </a:r>
+            <a:r>
+              <a:rPr lang="zh-CN" altLang="en-US" dirty="0" smtClean="0">
+                <a:latin typeface="+mn-ea"/>
+              </a:rPr>
+              <a:t>文件描述符，应用程序通过文件描述符识别到该文件。如</a:t>
+            </a:r>
+            <a:r>
+              <a:rPr lang="en-US" altLang="zh-CN" dirty="0" err="1" smtClean="0">
+                <a:latin typeface="+mn-ea"/>
+              </a:rPr>
+              <a:t>cwd</a:t>
+            </a:r>
+            <a:r>
+              <a:rPr lang="zh-CN" altLang="en-US" dirty="0" smtClean="0">
+                <a:latin typeface="+mn-ea"/>
+              </a:rPr>
+              <a:t>、</a:t>
+            </a:r>
+            <a:r>
+              <a:rPr lang="en-US" altLang="zh-CN" dirty="0" smtClean="0">
+                <a:latin typeface="+mn-ea"/>
+              </a:rPr>
+              <a:t>txt</a:t>
+            </a:r>
+            <a:r>
+              <a:rPr lang="zh-CN" altLang="en-US" dirty="0" smtClean="0">
+                <a:latin typeface="+mn-ea"/>
+              </a:rPr>
+              <a:t>等</a:t>
+            </a:r>
+          </a:p>
+          <a:p>
+            <a:r>
+              <a:rPr lang="en-US" altLang="zh-CN" dirty="0" smtClean="0">
+                <a:latin typeface="+mn-ea"/>
+              </a:rPr>
+              <a:t>TYPE:	</a:t>
+            </a:r>
+            <a:r>
+              <a:rPr lang="zh-CN" altLang="en-US" dirty="0" smtClean="0">
+                <a:latin typeface="+mn-ea"/>
+              </a:rPr>
+              <a:t>文件类型，如</a:t>
+            </a:r>
+            <a:r>
+              <a:rPr lang="en-US" altLang="zh-CN" dirty="0" smtClean="0">
+                <a:latin typeface="+mn-ea"/>
+              </a:rPr>
+              <a:t>DIR,REG</a:t>
+            </a:r>
+          </a:p>
+          <a:p>
+            <a:r>
+              <a:rPr lang="en-US" altLang="zh-CN" dirty="0" smtClean="0">
+                <a:latin typeface="+mn-ea"/>
+              </a:rPr>
+              <a:t>DEVICE:	</a:t>
+            </a:r>
+            <a:r>
+              <a:rPr lang="zh-CN" altLang="en-US" dirty="0" smtClean="0">
+                <a:latin typeface="+mn-ea"/>
+              </a:rPr>
+              <a:t>指定磁盘名称</a:t>
+            </a:r>
+          </a:p>
+          <a:p>
+            <a:r>
+              <a:rPr lang="en-US" altLang="zh-CN" dirty="0" smtClean="0">
+                <a:latin typeface="+mn-ea"/>
+              </a:rPr>
+              <a:t>SIZE:	</a:t>
+            </a:r>
+            <a:r>
+              <a:rPr lang="zh-CN" altLang="en-US" dirty="0" smtClean="0">
+                <a:latin typeface="+mn-ea"/>
+              </a:rPr>
+              <a:t>文件大小</a:t>
+            </a:r>
+          </a:p>
+          <a:p>
+            <a:r>
+              <a:rPr lang="en-US" altLang="zh-CN" dirty="0" smtClean="0">
+                <a:latin typeface="+mn-ea"/>
+              </a:rPr>
+              <a:t>NODE:	</a:t>
+            </a:r>
+            <a:r>
+              <a:rPr lang="zh-CN" altLang="en-US" dirty="0" smtClean="0">
+                <a:latin typeface="+mn-ea"/>
+              </a:rPr>
+              <a:t>索引节点（文件在磁盘上的标识）</a:t>
+            </a:r>
+          </a:p>
+          <a:p>
+            <a:r>
+              <a:rPr lang="en-US" altLang="zh-CN" dirty="0" smtClean="0">
+                <a:latin typeface="+mn-ea"/>
+              </a:rPr>
+              <a:t>NAME:	</a:t>
+            </a:r>
+            <a:r>
+              <a:rPr lang="zh-CN" altLang="en-US" dirty="0" smtClean="0">
+                <a:latin typeface="+mn-ea"/>
+              </a:rPr>
+              <a:t>打开文件的确切名称</a:t>
+            </a:r>
+            <a:endParaRPr lang="en-US" altLang="zh-CN" dirty="0" smtClean="0">
+              <a:latin typeface="+mn-ea"/>
+            </a:endParaRPr>
+          </a:p>
+          <a:p>
+            <a:endParaRPr lang="en-US" altLang="zh-CN" dirty="0" smtClean="0">
+              <a:latin typeface="+mn-ea"/>
+            </a:endParaRPr>
+          </a:p>
+          <a:p>
+            <a:endParaRPr lang="en-US" altLang="zh-CN" dirty="0" smtClean="0">
+              <a:latin typeface="+mn-ea"/>
+            </a:endParaRPr>
+          </a:p>
+          <a:p>
             <a:endParaRPr lang="en-US" altLang="zh-CN" dirty="0">
               <a:latin typeface="+mn-ea"/>
             </a:endParaRPr>
           </a:p>
           <a:p>
-            <a:endParaRPr lang="en-US" altLang="zh-CN" u="sng" dirty="0" smtClean="0">
-              <a:latin typeface="+mn-ea"/>
-            </a:endParaRPr>
-          </a:p>
-          <a:p>
-            <a:r>
-              <a:rPr lang="en-US" altLang="zh-CN" dirty="0" smtClean="0">
-                <a:latin typeface="+mn-ea"/>
-              </a:rPr>
-              <a:t>/</a:t>
-            </a:r>
-            <a:r>
-              <a:rPr lang="en-US" altLang="zh-CN" dirty="0" err="1">
-                <a:latin typeface="+mn-ea"/>
-              </a:rPr>
-              <a:t>usr</a:t>
-            </a:r>
-            <a:r>
-              <a:rPr lang="en-US" altLang="zh-CN" dirty="0">
-                <a:latin typeface="+mn-ea"/>
-              </a:rPr>
-              <a:t>/</a:t>
-            </a:r>
-            <a:r>
-              <a:rPr lang="en-US" altLang="zh-CN" dirty="0" err="1">
-                <a:latin typeface="+mn-ea"/>
-              </a:rPr>
-              <a:t>sbin</a:t>
-            </a:r>
-            <a:r>
-              <a:rPr lang="en-US" altLang="zh-CN" dirty="0">
-                <a:latin typeface="+mn-ea"/>
-              </a:rPr>
-              <a:t>/</a:t>
-            </a:r>
-            <a:r>
-              <a:rPr lang="en-US" altLang="zh-CN" dirty="0" err="1">
-                <a:latin typeface="+mn-ea"/>
-              </a:rPr>
-              <a:t>lsof</a:t>
-            </a:r>
-            <a:r>
-              <a:rPr lang="en-US" altLang="zh-CN" dirty="0">
-                <a:latin typeface="+mn-ea"/>
-              </a:rPr>
-              <a:t> -p 6692 </a:t>
-            </a:r>
-            <a:r>
-              <a:rPr lang="en-US" altLang="zh-CN" dirty="0" smtClean="0">
-                <a:latin typeface="+mn-ea"/>
-              </a:rPr>
-              <a:t>-r 5</a:t>
-            </a:r>
-          </a:p>
-          <a:p>
             <a:endParaRPr lang="en-US" altLang="zh-CN" dirty="0" smtClean="0">
               <a:latin typeface="+mn-ea"/>
             </a:endParaRPr>
           </a:p>
           <a:p>
-            <a:r>
-              <a:rPr lang="en-US" altLang="zh-CN" dirty="0" smtClean="0">
-                <a:latin typeface="+mn-ea"/>
-              </a:rPr>
-              <a:t>COMMAND:</a:t>
-            </a:r>
-            <a:r>
-              <a:rPr lang="zh-CN" altLang="en-US" dirty="0" smtClean="0">
-                <a:latin typeface="+mn-ea"/>
-              </a:rPr>
-              <a:t>进程</a:t>
-            </a:r>
-            <a:r>
-              <a:rPr lang="zh-CN" altLang="en-US" dirty="0">
-                <a:latin typeface="+mn-ea"/>
-              </a:rPr>
-              <a:t>名称</a:t>
-            </a:r>
-          </a:p>
-          <a:p>
-            <a:r>
-              <a:rPr lang="en-US" altLang="zh-CN" dirty="0" smtClean="0">
-                <a:latin typeface="+mn-ea"/>
-              </a:rPr>
-              <a:t>PID:</a:t>
-            </a:r>
-            <a:r>
-              <a:rPr lang="zh-CN" altLang="en-US" dirty="0" smtClean="0">
-                <a:latin typeface="+mn-ea"/>
-              </a:rPr>
-              <a:t>进程</a:t>
-            </a:r>
-            <a:r>
-              <a:rPr lang="zh-CN" altLang="en-US" dirty="0">
-                <a:latin typeface="+mn-ea"/>
-              </a:rPr>
-              <a:t>标识符</a:t>
-            </a:r>
-          </a:p>
-          <a:p>
-            <a:r>
-              <a:rPr lang="en-US" altLang="zh-CN" dirty="0" smtClean="0">
-                <a:latin typeface="+mn-ea"/>
-              </a:rPr>
-              <a:t>USER:</a:t>
-            </a:r>
-            <a:r>
-              <a:rPr lang="zh-CN" altLang="en-US" dirty="0" smtClean="0">
-                <a:latin typeface="+mn-ea"/>
-              </a:rPr>
-              <a:t>进程</a:t>
-            </a:r>
-            <a:r>
-              <a:rPr lang="zh-CN" altLang="en-US" dirty="0">
-                <a:latin typeface="+mn-ea"/>
-              </a:rPr>
-              <a:t>所有者</a:t>
-            </a:r>
-          </a:p>
-          <a:p>
-            <a:r>
-              <a:rPr lang="en-US" altLang="zh-CN" dirty="0" smtClean="0">
-                <a:latin typeface="+mn-ea"/>
-              </a:rPr>
-              <a:t>FD:</a:t>
-            </a:r>
-            <a:r>
-              <a:rPr lang="zh-CN" altLang="en-US" dirty="0" smtClean="0">
-                <a:latin typeface="+mn-ea"/>
-              </a:rPr>
-              <a:t>文件</a:t>
-            </a:r>
-            <a:r>
-              <a:rPr lang="zh-CN" altLang="en-US" dirty="0">
-                <a:latin typeface="+mn-ea"/>
-              </a:rPr>
-              <a:t>描述符，应用程序通过文件描述符</a:t>
-            </a:r>
-            <a:r>
-              <a:rPr lang="zh-CN" altLang="en-US" dirty="0" smtClean="0">
-                <a:latin typeface="+mn-ea"/>
-              </a:rPr>
-              <a:t>识别到</a:t>
-            </a:r>
-            <a:r>
-              <a:rPr lang="zh-CN" altLang="en-US" dirty="0">
-                <a:latin typeface="+mn-ea"/>
-              </a:rPr>
-              <a:t>该文件。如</a:t>
-            </a:r>
-            <a:r>
-              <a:rPr lang="en-US" altLang="zh-CN" dirty="0" err="1">
-                <a:latin typeface="+mn-ea"/>
-              </a:rPr>
-              <a:t>cwd</a:t>
-            </a:r>
-            <a:r>
-              <a:rPr lang="zh-CN" altLang="en-US" dirty="0">
-                <a:latin typeface="+mn-ea"/>
-              </a:rPr>
-              <a:t>、</a:t>
-            </a:r>
-            <a:r>
-              <a:rPr lang="en-US" altLang="zh-CN" dirty="0">
-                <a:latin typeface="+mn-ea"/>
-              </a:rPr>
-              <a:t>txt</a:t>
-            </a:r>
-            <a:r>
-              <a:rPr lang="zh-CN" altLang="en-US" dirty="0">
-                <a:latin typeface="+mn-ea"/>
-              </a:rPr>
-              <a:t>等</a:t>
-            </a:r>
-          </a:p>
-          <a:p>
-            <a:r>
-              <a:rPr lang="en-US" altLang="zh-CN" dirty="0" smtClean="0">
-                <a:latin typeface="+mn-ea"/>
-              </a:rPr>
-              <a:t>TYPE:</a:t>
-            </a:r>
-            <a:r>
-              <a:rPr lang="zh-CN" altLang="en-US" dirty="0" smtClean="0">
-                <a:latin typeface="+mn-ea"/>
-              </a:rPr>
-              <a:t>文件类型</a:t>
-            </a:r>
-            <a:r>
-              <a:rPr lang="zh-CN" altLang="en-US" dirty="0">
-                <a:latin typeface="+mn-ea"/>
-              </a:rPr>
-              <a:t>，如</a:t>
-            </a:r>
-            <a:r>
-              <a:rPr lang="en-US" altLang="zh-CN" dirty="0">
-                <a:latin typeface="+mn-ea"/>
-              </a:rPr>
-              <a:t>DIR,REG</a:t>
-            </a:r>
-          </a:p>
-          <a:p>
-            <a:r>
-              <a:rPr lang="en-US" altLang="zh-CN" dirty="0" smtClean="0">
-                <a:latin typeface="+mn-ea"/>
-              </a:rPr>
-              <a:t>DEVICE:</a:t>
-            </a:r>
-            <a:r>
-              <a:rPr lang="zh-CN" altLang="en-US" dirty="0" smtClean="0">
-                <a:latin typeface="+mn-ea"/>
-              </a:rPr>
-              <a:t>指定</a:t>
-            </a:r>
-            <a:r>
-              <a:rPr lang="zh-CN" altLang="en-US" dirty="0">
-                <a:latin typeface="+mn-ea"/>
-              </a:rPr>
-              <a:t>磁盘名称</a:t>
-            </a:r>
-          </a:p>
-          <a:p>
-            <a:r>
-              <a:rPr lang="en-US" altLang="zh-CN" dirty="0" smtClean="0">
-                <a:latin typeface="+mn-ea"/>
-              </a:rPr>
-              <a:t>SIZE:</a:t>
-            </a:r>
-            <a:r>
-              <a:rPr lang="zh-CN" altLang="en-US" dirty="0" smtClean="0">
-                <a:latin typeface="+mn-ea"/>
-              </a:rPr>
-              <a:t>文件</a:t>
-            </a:r>
-            <a:r>
-              <a:rPr lang="zh-CN" altLang="en-US" dirty="0">
-                <a:latin typeface="+mn-ea"/>
-              </a:rPr>
-              <a:t>大小</a:t>
-            </a:r>
-          </a:p>
-          <a:p>
-            <a:r>
-              <a:rPr lang="en-US" altLang="zh-CN" dirty="0" smtClean="0">
-                <a:latin typeface="+mn-ea"/>
-              </a:rPr>
-              <a:t>NODE:</a:t>
-            </a:r>
-            <a:r>
-              <a:rPr lang="zh-CN" altLang="en-US" dirty="0" smtClean="0">
-                <a:latin typeface="+mn-ea"/>
-              </a:rPr>
-              <a:t>索引</a:t>
-            </a:r>
-            <a:r>
-              <a:rPr lang="zh-CN" altLang="en-US" dirty="0">
-                <a:latin typeface="+mn-ea"/>
-              </a:rPr>
-              <a:t>节点（文件在磁盘上的标识）</a:t>
-            </a:r>
-          </a:p>
-          <a:p>
-            <a:r>
-              <a:rPr lang="en-US" altLang="zh-CN" dirty="0" smtClean="0">
-                <a:latin typeface="+mn-ea"/>
-              </a:rPr>
-              <a:t>NAME:</a:t>
-            </a:r>
-            <a:r>
-              <a:rPr lang="zh-CN" altLang="en-US" dirty="0" smtClean="0">
-                <a:latin typeface="+mn-ea"/>
-              </a:rPr>
-              <a:t>打开</a:t>
-            </a:r>
-            <a:r>
-              <a:rPr lang="zh-CN" altLang="en-US" dirty="0">
-                <a:latin typeface="+mn-ea"/>
-              </a:rPr>
-              <a:t>文件的确切</a:t>
-            </a:r>
-            <a:r>
-              <a:rPr lang="zh-CN" altLang="en-US" dirty="0" smtClean="0">
-                <a:latin typeface="+mn-ea"/>
-              </a:rPr>
-              <a:t>名称</a:t>
-            </a:r>
+            <a:endParaRPr lang="en-US" altLang="zh-CN" dirty="0">
+              <a:latin typeface="+mn-ea"/>
+            </a:endParaRPr>
+          </a:p>
+          <a:p>
             <a:endParaRPr lang="en-US" altLang="zh-CN" dirty="0" smtClean="0">
               <a:latin typeface="+mn-ea"/>
             </a:endParaRPr>
@@ -7732,112 +9526,108 @@
               <a:t>结论：</a:t>
             </a:r>
             <a:r>
-              <a:rPr lang="en-US" altLang="zh-CN" dirty="0" err="1" smtClean="0">
+              <a:rPr lang="en-US" altLang="zh-CN" dirty="0" err="1">
                 <a:latin typeface="+mn-ea"/>
               </a:rPr>
               <a:t>jvm</a:t>
             </a:r>
             <a:r>
+              <a:rPr lang="zh-CN" altLang="en-US" dirty="0">
+                <a:latin typeface="+mn-ea"/>
+              </a:rPr>
+              <a:t>在</a:t>
+            </a:r>
+            <a:r>
+              <a:rPr lang="en-US" altLang="zh-CN" dirty="0">
+                <a:latin typeface="+mn-ea"/>
+              </a:rPr>
+              <a:t>full </a:t>
+            </a:r>
+            <a:r>
+              <a:rPr lang="en-US" altLang="zh-CN" dirty="0" err="1">
+                <a:latin typeface="+mn-ea"/>
+              </a:rPr>
+              <a:t>gc</a:t>
+            </a:r>
+            <a:r>
+              <a:rPr lang="en-US" altLang="zh-CN" dirty="0">
+                <a:latin typeface="+mn-ea"/>
+              </a:rPr>
+              <a:t>()</a:t>
+            </a:r>
+            <a:r>
+              <a:rPr lang="zh-CN" altLang="en-US" dirty="0">
+                <a:latin typeface="+mn-ea"/>
+              </a:rPr>
+              <a:t>时，超过</a:t>
+            </a:r>
+            <a:r>
+              <a:rPr lang="zh-CN" altLang="en-US" dirty="0">
+                <a:latin typeface="+mn-ea"/>
+              </a:rPr>
+              <a:t>对象</a:t>
+            </a:r>
+            <a:r>
+              <a:rPr lang="zh-CN" altLang="en-US" dirty="0">
+                <a:latin typeface="+mn-ea"/>
+              </a:rPr>
+              <a:t>作用域</a:t>
+            </a:r>
+            <a:r>
               <a:rPr lang="zh-CN" altLang="en-US" dirty="0" smtClean="0">
                 <a:latin typeface="+mn-ea"/>
               </a:rPr>
-              <a:t>在</a:t>
-            </a:r>
-            <a:r>
-              <a:rPr lang="en-US" altLang="zh-CN" dirty="0" smtClean="0">
-                <a:latin typeface="+mn-ea"/>
-              </a:rPr>
-              <a:t>full </a:t>
-            </a:r>
-            <a:r>
-              <a:rPr lang="en-US" altLang="zh-CN" dirty="0" err="1" smtClean="0">
-                <a:latin typeface="+mn-ea"/>
-              </a:rPr>
-              <a:t>gc</a:t>
-            </a:r>
-            <a:r>
-              <a:rPr lang="en-US" altLang="zh-CN" dirty="0" smtClean="0">
-                <a:latin typeface="+mn-ea"/>
-              </a:rPr>
-              <a:t>()</a:t>
+              <a:t>的</a:t>
+            </a:r>
+            <a:r>
+              <a:rPr lang="en-US" altLang="zh-CN" dirty="0">
+                <a:latin typeface="+mn-ea"/>
+              </a:rPr>
+              <a:t>IO</a:t>
+            </a:r>
+            <a:r>
+              <a:rPr lang="zh-CN" altLang="en-US" dirty="0">
+                <a:latin typeface="+mn-ea"/>
+              </a:rPr>
+              <a:t>流</a:t>
             </a:r>
             <a:r>
               <a:rPr lang="zh-CN" altLang="en-US" dirty="0" smtClean="0">
                 <a:latin typeface="+mn-ea"/>
               </a:rPr>
-              <a:t>时，会将运行结束线程中的</a:t>
-            </a:r>
-            <a:r>
-              <a:rPr lang="en-US" altLang="zh-CN" dirty="0" smtClean="0">
+              <a:t>可能关闭</a:t>
+            </a:r>
+            <a:r>
+              <a:rPr lang="zh-CN" altLang="en-US" dirty="0">
+                <a:latin typeface="+mn-ea"/>
+              </a:rPr>
+              <a:t>，会将运行结束线程中的</a:t>
+            </a:r>
+            <a:r>
+              <a:rPr lang="en-US" altLang="zh-CN" dirty="0">
                 <a:latin typeface="+mn-ea"/>
               </a:rPr>
               <a:t>IO</a:t>
             </a:r>
             <a:r>
+              <a:rPr lang="zh-CN" altLang="en-US" dirty="0">
+                <a:latin typeface="+mn-ea"/>
+              </a:rPr>
+              <a:t>流</a:t>
+            </a:r>
+            <a:r>
               <a:rPr lang="zh-CN" altLang="en-US" dirty="0" smtClean="0">
                 <a:latin typeface="+mn-ea"/>
               </a:rPr>
-              <a:t>流关闭。</a:t>
+              <a:t>关闭</a:t>
+            </a:r>
+            <a:r>
+              <a:rPr lang="zh-CN" altLang="en-US" dirty="0" smtClean="0">
+                <a:latin typeface="+mn-ea"/>
+              </a:rPr>
+              <a:t>。</a:t>
             </a:r>
             <a:endParaRPr lang="en-US" altLang="zh-CN" dirty="0" smtClean="0">
-              <a:latin typeface="+mn-ea"/>
-            </a:endParaRPr>
-          </a:p>
-          <a:p>
-            <a:endParaRPr lang="en-US" altLang="zh-CN" dirty="0" smtClean="0">
-              <a:latin typeface="+mn-ea"/>
-            </a:endParaRPr>
-          </a:p>
-          <a:p>
-            <a:r>
-              <a:rPr lang="zh-CN" altLang="en-US" dirty="0" smtClean="0">
-                <a:solidFill>
-                  <a:srgbClr val="002060"/>
-                </a:solidFill>
-                <a:latin typeface="+mn-ea"/>
-              </a:rPr>
-              <a:t>疑问：未</a:t>
-            </a:r>
-            <a:r>
-              <a:rPr lang="zh-CN" altLang="en-US" dirty="0">
-                <a:solidFill>
-                  <a:srgbClr val="002060"/>
-                </a:solidFill>
-                <a:latin typeface="+mn-ea"/>
-              </a:rPr>
-              <a:t>运行结束线程的</a:t>
-            </a:r>
-            <a:r>
-              <a:rPr lang="en-US" altLang="zh-CN" dirty="0">
-                <a:solidFill>
-                  <a:srgbClr val="002060"/>
-                </a:solidFill>
-                <a:latin typeface="+mn-ea"/>
-              </a:rPr>
-              <a:t>IO</a:t>
-            </a:r>
-            <a:r>
-              <a:rPr lang="zh-CN" altLang="en-US" dirty="0">
-                <a:solidFill>
-                  <a:srgbClr val="002060"/>
-                </a:solidFill>
-                <a:latin typeface="+mn-ea"/>
-              </a:rPr>
-              <a:t>流不关闭？超过对象作用域自动关闭</a:t>
-            </a:r>
-            <a:r>
-              <a:rPr lang="zh-CN" altLang="en-US" dirty="0">
-                <a:solidFill>
-                  <a:srgbClr val="002060"/>
-                </a:solidFill>
-                <a:latin typeface="+mn-ea"/>
-              </a:rPr>
-              <a:t>？</a:t>
-            </a:r>
-            <a:endParaRPr lang="en-US" altLang="zh-CN" dirty="0">
-              <a:solidFill>
-                <a:srgbClr val="002060"/>
-              </a:solidFill>
               <a:latin typeface="+mn-ea"/>
             </a:endParaRPr>
           </a:p>
@@ -7880,625 +9670,70 @@
           <a:chExt cx="0" cy="0"/>
         </a:xfrm>
       </p:grpSpPr>
-      <p:sp>
-        <p:nvSpPr>
-          <p:cNvPr id="2" name="矩形 1"/>
-          <p:cNvSpPr/>
+      <p:pic>
+        <p:nvPicPr>
+          <p:cNvPr id="3" name="图片 2"/>
+          <p:cNvPicPr>
+            <a:picLocks noChangeAspect="1"/>
+          </p:cNvPicPr>
           <p:nvPr/>
-        </p:nvSpPr>
+        </p:nvPicPr>
+        <p:blipFill>
+          <a:blip r:embed="rId3">
+            <a:extLst>
+              <a:ext uri="{28A0092B-C50C-407E-A947-70E740481C1C}">
+                <a14:useLocalDpi xmlns:a14="http://schemas.microsoft.com/office/drawing/2010/main" val="0"/>
+              </a:ext>
+            </a:extLst>
+          </a:blip>
+          <a:stretch>
+            <a:fillRect/>
+          </a:stretch>
+        </p:blipFill>
         <p:spPr>
           <a:xfrm>
-            <a:off x="0" y="0"/>
-            <a:ext cx="12192000" cy="6217087"/>
+            <a:off x="1" y="0"/>
+            <a:ext cx="6104708" cy="6858000"/>
           </a:xfrm>
           <a:prstGeom prst="rect">
             <a:avLst/>
           </a:prstGeom>
         </p:spPr>
-        <p:txBody>
-          <a:bodyPr wrap="square">
-            <a:spAutoFit/>
-          </a:bodyPr>
-          <a:lstStyle/>
-          <a:p>
-            <a:r>
-              <a:rPr lang="zh-CN" altLang="en-US" sz="2000" b="1" dirty="0" smtClean="0">
-                <a:latin typeface="+mn-ea"/>
-              </a:rPr>
-              <a:t>文件句柄</a:t>
-            </a:r>
-            <a:endParaRPr lang="en-US" altLang="zh-CN" sz="2000" b="1" dirty="0" smtClean="0">
-              <a:latin typeface="+mn-ea"/>
-            </a:endParaRPr>
-          </a:p>
-          <a:p>
-            <a:r>
-              <a:rPr lang="en-US" altLang="zh-CN" b="1" dirty="0">
-                <a:latin typeface="+mn-ea"/>
-              </a:rPr>
-              <a:t> </a:t>
-            </a:r>
-            <a:r>
-              <a:rPr lang="en-US" altLang="zh-CN" b="1" dirty="0" smtClean="0">
-                <a:latin typeface="+mn-ea"/>
-              </a:rPr>
-              <a:t>   </a:t>
-            </a:r>
-            <a:r>
-              <a:rPr lang="zh-CN" altLang="en-US" dirty="0" smtClean="0">
-                <a:latin typeface="+mn-ea"/>
-              </a:rPr>
-              <a:t>在</a:t>
-            </a:r>
-            <a:r>
-              <a:rPr lang="zh-CN" altLang="en-US" dirty="0">
-                <a:latin typeface="+mn-ea"/>
-              </a:rPr>
-              <a:t>文件</a:t>
-            </a:r>
-            <a:r>
-              <a:rPr lang="en-US" altLang="zh-CN" dirty="0">
-                <a:latin typeface="+mn-ea"/>
-              </a:rPr>
-              <a:t>I/O</a:t>
-            </a:r>
-            <a:r>
-              <a:rPr lang="zh-CN" altLang="en-US" dirty="0">
-                <a:latin typeface="+mn-ea"/>
-              </a:rPr>
-              <a:t>中，要从一个文件读取数据，应用程序首先要调用操作系统函数并传送文件名，并选一个到该文件的路径来打开文件。该函数取回一个顺序号，即文件句柄（</a:t>
-            </a:r>
-            <a:r>
-              <a:rPr lang="en-US" altLang="zh-CN" dirty="0">
-                <a:latin typeface="+mn-ea"/>
-              </a:rPr>
-              <a:t>file handle</a:t>
-            </a:r>
-            <a:r>
-              <a:rPr lang="zh-CN" altLang="en-US" dirty="0">
-                <a:latin typeface="+mn-ea"/>
-              </a:rPr>
-              <a:t>），该文件句柄对于打开的文件是唯一的识别依据。要从文件中读取一块数据，应用程序需要调用函数</a:t>
-            </a:r>
-            <a:r>
-              <a:rPr lang="en-US" altLang="zh-CN" dirty="0" err="1">
-                <a:latin typeface="+mn-ea"/>
-              </a:rPr>
-              <a:t>ReadFile</a:t>
-            </a:r>
-            <a:r>
-              <a:rPr lang="zh-CN" altLang="en-US" dirty="0">
-                <a:latin typeface="+mn-ea"/>
-              </a:rPr>
-              <a:t>，并将文件句柄在内存中的地址和要拷贝的字节数传送给操作系统。当完成任务后，再通过调用系统函数来关闭该文件</a:t>
-            </a:r>
-            <a:r>
-              <a:rPr lang="zh-CN" altLang="en-US" dirty="0" smtClean="0">
-                <a:latin typeface="+mn-ea"/>
-              </a:rPr>
-              <a:t>。</a:t>
-            </a:r>
-            <a:endParaRPr lang="en-US" altLang="zh-CN" dirty="0" smtClean="0">
-              <a:latin typeface="+mn-ea"/>
-            </a:endParaRPr>
-          </a:p>
-          <a:p>
-            <a:endParaRPr lang="en-US" altLang="zh-CN" dirty="0">
-              <a:latin typeface="+mn-ea"/>
-            </a:endParaRPr>
-          </a:p>
-          <a:p>
-            <a:r>
-              <a:rPr lang="zh-CN" altLang="en-US" dirty="0">
-                <a:latin typeface="+mn-ea"/>
-              </a:rPr>
-              <a:t>问题阐述：</a:t>
-            </a:r>
-          </a:p>
-          <a:p>
-            <a:r>
-              <a:rPr lang="en-US" altLang="zh-CN" b="1" dirty="0">
-                <a:latin typeface="+mn-ea"/>
-              </a:rPr>
-              <a:t> </a:t>
-            </a:r>
-            <a:r>
-              <a:rPr lang="en-US" altLang="zh-CN" b="1" dirty="0" smtClean="0">
-                <a:latin typeface="+mn-ea"/>
-              </a:rPr>
-              <a:t>   </a:t>
-            </a:r>
-            <a:r>
-              <a:rPr lang="en-US" altLang="zh-CN" dirty="0" smtClean="0">
-                <a:latin typeface="+mn-ea"/>
-              </a:rPr>
-              <a:t>too</a:t>
-            </a:r>
-            <a:r>
-              <a:rPr lang="en-US" altLang="zh-CN" dirty="0">
-                <a:latin typeface="+mn-ea"/>
-              </a:rPr>
-              <a:t> many open files</a:t>
-            </a:r>
-            <a:r>
-              <a:rPr lang="zh-CN" altLang="en-US" dirty="0">
-                <a:latin typeface="+mn-ea"/>
-              </a:rPr>
-              <a:t>：顾名思义即打开过多文件数</a:t>
-            </a:r>
-            <a:r>
-              <a:rPr lang="zh-CN" altLang="en-US" dirty="0" smtClean="0">
-                <a:latin typeface="+mn-ea"/>
-              </a:rPr>
-              <a:t>。</a:t>
-            </a:r>
-            <a:endParaRPr lang="en-US" altLang="zh-CN" dirty="0" smtClean="0">
-              <a:latin typeface="+mn-ea"/>
-            </a:endParaRPr>
-          </a:p>
-          <a:p>
-            <a:r>
-              <a:rPr lang="zh-CN" altLang="en-US" dirty="0" smtClean="0">
-                <a:latin typeface="+mn-ea"/>
-              </a:rPr>
-              <a:t>这里</a:t>
-            </a:r>
-            <a:r>
-              <a:rPr lang="zh-CN" altLang="en-US" dirty="0">
-                <a:latin typeface="+mn-ea"/>
-              </a:rPr>
-              <a:t>的</a:t>
-            </a:r>
-            <a:r>
-              <a:rPr lang="en-US" altLang="zh-CN" dirty="0">
-                <a:latin typeface="+mn-ea"/>
-              </a:rPr>
-              <a:t>files</a:t>
-            </a:r>
-            <a:r>
-              <a:rPr lang="zh-CN" altLang="en-US" dirty="0">
-                <a:latin typeface="+mn-ea"/>
-              </a:rPr>
-              <a:t>不单是文件的意思，也包括打开的通讯链接</a:t>
-            </a:r>
-            <a:r>
-              <a:rPr lang="en-US" altLang="zh-CN" dirty="0">
-                <a:latin typeface="+mn-ea"/>
-              </a:rPr>
-              <a:t>(</a:t>
-            </a:r>
-            <a:r>
-              <a:rPr lang="zh-CN" altLang="en-US" dirty="0" smtClean="0">
-                <a:latin typeface="+mn-ea"/>
-              </a:rPr>
-              <a:t>比如</a:t>
-            </a:r>
-            <a:r>
-              <a:rPr lang="en-US" altLang="zh-CN" dirty="0" smtClean="0">
-                <a:latin typeface="+mn-ea"/>
-              </a:rPr>
-              <a:t>socket</a:t>
-            </a:r>
-            <a:r>
-              <a:rPr lang="en-US" altLang="zh-CN" dirty="0">
-                <a:latin typeface="+mn-ea"/>
-              </a:rPr>
-              <a:t>)</a:t>
-            </a:r>
-            <a:r>
-              <a:rPr lang="zh-CN" altLang="en-US" dirty="0">
-                <a:latin typeface="+mn-ea"/>
-              </a:rPr>
-              <a:t>，正在监听的端口等等，所以有时候也可以叫做句柄</a:t>
-            </a:r>
-            <a:r>
-              <a:rPr lang="en-US" altLang="zh-CN" dirty="0" smtClean="0">
-                <a:latin typeface="+mn-ea"/>
-              </a:rPr>
-              <a:t>(handle</a:t>
-            </a:r>
-            <a:r>
-              <a:rPr lang="en-US" altLang="zh-CN" dirty="0">
-                <a:latin typeface="+mn-ea"/>
-              </a:rPr>
-              <a:t>)</a:t>
-            </a:r>
-            <a:r>
-              <a:rPr lang="zh-CN" altLang="en-US" dirty="0">
-                <a:latin typeface="+mn-ea"/>
-              </a:rPr>
-              <a:t>，这个错误通常也可以叫做句柄数超出系统限制。</a:t>
-            </a:r>
-          </a:p>
-          <a:p>
-            <a:endParaRPr lang="zh-CN" altLang="en-US" dirty="0">
-              <a:latin typeface="+mn-ea"/>
-            </a:endParaRPr>
-          </a:p>
-          <a:p>
-            <a:r>
-              <a:rPr lang="zh-CN" altLang="en-US" dirty="0" smtClean="0">
-                <a:latin typeface="+mn-ea"/>
-              </a:rPr>
-              <a:t>产生原因：</a:t>
-            </a:r>
-            <a:endParaRPr lang="zh-CN" altLang="en-US" dirty="0">
-              <a:latin typeface="+mn-ea"/>
-            </a:endParaRPr>
-          </a:p>
-          <a:p>
-            <a:r>
-              <a:rPr lang="zh-CN" altLang="en-US" dirty="0" smtClean="0">
-                <a:latin typeface="+mn-ea"/>
-              </a:rPr>
-              <a:t>    经常</a:t>
-            </a:r>
-            <a:r>
-              <a:rPr lang="zh-CN" altLang="en-US" dirty="0">
-                <a:latin typeface="+mn-ea"/>
-              </a:rPr>
-              <a:t>在</a:t>
-            </a:r>
-            <a:r>
-              <a:rPr lang="zh-CN" altLang="en-US" dirty="0" smtClean="0">
-                <a:latin typeface="+mn-ea"/>
-              </a:rPr>
-              <a:t>使用</a:t>
-            </a:r>
-            <a:r>
-              <a:rPr lang="en-US" altLang="zh-CN" dirty="0" err="1" smtClean="0">
-                <a:latin typeface="+mn-ea"/>
-              </a:rPr>
-              <a:t>linux</a:t>
-            </a:r>
-            <a:r>
-              <a:rPr lang="zh-CN" altLang="en-US" dirty="0">
-                <a:latin typeface="+mn-ea"/>
-              </a:rPr>
-              <a:t>的时候出现，大多数情况是由于程序没有正常关闭一些资源引起的，所以出现这种情况，请</a:t>
-            </a:r>
-            <a:r>
-              <a:rPr lang="zh-CN" altLang="en-US" dirty="0" smtClean="0">
-                <a:latin typeface="+mn-ea"/>
-              </a:rPr>
-              <a:t>检查</a:t>
-            </a:r>
-            <a:r>
-              <a:rPr lang="en-US" altLang="zh-CN" dirty="0" smtClean="0">
-                <a:latin typeface="+mn-ea"/>
-              </a:rPr>
-              <a:t>IO</a:t>
-            </a:r>
-            <a:r>
-              <a:rPr lang="zh-CN" altLang="en-US" dirty="0" smtClean="0">
-                <a:latin typeface="+mn-ea"/>
-              </a:rPr>
-              <a:t>读写，</a:t>
-            </a:r>
-            <a:r>
-              <a:rPr lang="en-US" altLang="zh-CN" dirty="0" smtClean="0">
-                <a:latin typeface="+mn-ea"/>
-              </a:rPr>
-              <a:t>socket</a:t>
-            </a:r>
-            <a:r>
-              <a:rPr lang="zh-CN" altLang="en-US" dirty="0">
-                <a:latin typeface="+mn-ea"/>
-              </a:rPr>
-              <a:t>通讯等是否正常关闭</a:t>
-            </a:r>
-            <a:r>
-              <a:rPr lang="zh-CN" altLang="en-US" dirty="0" smtClean="0">
-                <a:latin typeface="+mn-ea"/>
-              </a:rPr>
-              <a:t>。</a:t>
-            </a:r>
-            <a:r>
-              <a:rPr lang="en-US" altLang="zh-CN" dirty="0" smtClean="0">
-                <a:latin typeface="+mn-ea"/>
-              </a:rPr>
-              <a:t>Linux</a:t>
-            </a:r>
-            <a:r>
-              <a:rPr lang="zh-CN" altLang="en-US" dirty="0">
-                <a:latin typeface="+mn-ea"/>
-              </a:rPr>
-              <a:t>是有文件句柄限制的</a:t>
-            </a:r>
-            <a:r>
-              <a:rPr lang="zh-CN" altLang="en-US" dirty="0" smtClean="0">
-                <a:latin typeface="+mn-ea"/>
-              </a:rPr>
-              <a:t>，默认一般都是</a:t>
-            </a:r>
-            <a:r>
-              <a:rPr lang="en-US" altLang="zh-CN" dirty="0" smtClean="0">
-                <a:latin typeface="+mn-ea"/>
-              </a:rPr>
-              <a:t>1024</a:t>
-            </a:r>
-            <a:r>
-              <a:rPr lang="zh-CN" altLang="en-US" dirty="0" smtClean="0">
-                <a:latin typeface="+mn-ea"/>
-              </a:rPr>
-              <a:t>。</a:t>
-            </a:r>
-            <a:endParaRPr lang="en-US" altLang="zh-CN" dirty="0" smtClean="0">
-              <a:latin typeface="+mn-ea"/>
-            </a:endParaRPr>
-          </a:p>
-          <a:p>
-            <a:endParaRPr lang="en-US" altLang="zh-CN" dirty="0">
-              <a:latin typeface="+mn-ea"/>
-            </a:endParaRPr>
-          </a:p>
-          <a:p>
-            <a:endParaRPr lang="en-US" altLang="zh-CN" dirty="0" smtClean="0">
-              <a:latin typeface="+mn-ea"/>
-            </a:endParaRPr>
-          </a:p>
-          <a:p>
-            <a:endParaRPr lang="zh-CN" altLang="en-US" dirty="0">
-              <a:latin typeface="+mn-ea"/>
-            </a:endParaRPr>
-          </a:p>
-          <a:p>
-            <a:r>
-              <a:rPr lang="zh-CN" altLang="en-US" dirty="0" smtClean="0"/>
-              <a:t>分析</a:t>
-            </a:r>
-            <a:r>
-              <a:rPr lang="zh-CN" altLang="en-US" dirty="0"/>
-              <a:t>句柄数，查找原因</a:t>
-            </a:r>
-            <a:r>
-              <a:rPr lang="zh-CN" altLang="en-US" dirty="0" smtClean="0"/>
-              <a:t>，需要</a:t>
-            </a:r>
-            <a:r>
-              <a:rPr lang="zh-CN" altLang="en-US" dirty="0"/>
-              <a:t>用到</a:t>
-            </a:r>
-            <a:r>
-              <a:rPr lang="en-US" altLang="zh-CN" dirty="0" err="1"/>
-              <a:t>lsof</a:t>
-            </a:r>
-            <a:r>
-              <a:rPr lang="zh-CN" altLang="en-US" dirty="0"/>
-              <a:t>这个命令</a:t>
-            </a:r>
-            <a:r>
-              <a:rPr lang="zh-CN" altLang="en-US" dirty="0" smtClean="0"/>
-              <a:t>了</a:t>
-            </a:r>
-            <a:endParaRPr lang="zh-CN" altLang="en-US" dirty="0"/>
-          </a:p>
-          <a:p>
-            <a:r>
-              <a:rPr lang="zh-CN" altLang="en-US" dirty="0" smtClean="0"/>
-              <a:t>（</a:t>
-            </a:r>
-            <a:r>
-              <a:rPr lang="en-US" altLang="zh-CN" dirty="0"/>
-              <a:t>1</a:t>
-            </a:r>
-            <a:r>
-              <a:rPr lang="zh-CN" altLang="en-US" dirty="0"/>
-              <a:t>）统计各进程打开句柄数</a:t>
-            </a:r>
-            <a:r>
-              <a:rPr lang="zh-CN" altLang="en-US" dirty="0" smtClean="0"/>
-              <a:t>：</a:t>
-            </a:r>
-            <a:r>
-              <a:rPr lang="en-US" altLang="zh-CN" dirty="0"/>
-              <a:t> </a:t>
-            </a:r>
-            <a:r>
-              <a:rPr lang="en-US" altLang="zh-CN" dirty="0" err="1" smtClean="0"/>
-              <a:t>lsof</a:t>
-            </a:r>
-            <a:r>
-              <a:rPr lang="en-US" altLang="zh-CN" dirty="0" smtClean="0"/>
-              <a:t> -</a:t>
-            </a:r>
-            <a:r>
-              <a:rPr lang="en-US" altLang="zh-CN" dirty="0" err="1" smtClean="0"/>
-              <a:t>n|awk</a:t>
-            </a:r>
-            <a:r>
-              <a:rPr lang="en-US" altLang="zh-CN" dirty="0" smtClean="0"/>
-              <a:t> '{print $2}'|</a:t>
-            </a:r>
-            <a:r>
-              <a:rPr lang="en-US" altLang="zh-CN" dirty="0" err="1" smtClean="0"/>
-              <a:t>sort|uniq</a:t>
-            </a:r>
-            <a:r>
-              <a:rPr lang="en-US" altLang="zh-CN" dirty="0" smtClean="0"/>
-              <a:t> -</a:t>
-            </a:r>
-            <a:r>
-              <a:rPr lang="en-US" altLang="zh-CN" dirty="0" err="1" smtClean="0"/>
-              <a:t>c|sort</a:t>
-            </a:r>
-            <a:r>
-              <a:rPr lang="en-US" altLang="zh-CN" dirty="0" smtClean="0"/>
-              <a:t> -</a:t>
-            </a:r>
-            <a:r>
-              <a:rPr lang="en-US" altLang="zh-CN" dirty="0" err="1" smtClean="0"/>
-              <a:t>nr|more</a:t>
-            </a:r>
-            <a:r>
-              <a:rPr lang="en-US" altLang="zh-CN" dirty="0" smtClean="0"/>
-              <a:t> </a:t>
-            </a:r>
-          </a:p>
-          <a:p>
-            <a:r>
-              <a:rPr lang="zh-CN" altLang="en-US" dirty="0" smtClean="0"/>
-              <a:t>（</a:t>
-            </a:r>
-            <a:r>
-              <a:rPr lang="en-US" altLang="zh-CN" dirty="0" smtClean="0"/>
-              <a:t>2</a:t>
-            </a:r>
-            <a:r>
-              <a:rPr lang="zh-CN" altLang="en-US" dirty="0" smtClean="0"/>
-              <a:t>）统计各用户打开句柄数：</a:t>
-            </a:r>
-            <a:r>
-              <a:rPr lang="en-US" altLang="zh-CN" dirty="0" smtClean="0"/>
-              <a:t> </a:t>
-            </a:r>
-            <a:r>
-              <a:rPr lang="en-US" altLang="zh-CN" dirty="0" err="1" smtClean="0"/>
-              <a:t>lsof</a:t>
-            </a:r>
-            <a:r>
-              <a:rPr lang="en-US" altLang="zh-CN" dirty="0" smtClean="0"/>
-              <a:t> -</a:t>
-            </a:r>
-            <a:r>
-              <a:rPr lang="en-US" altLang="zh-CN" dirty="0" err="1" smtClean="0"/>
-              <a:t>n|awk</a:t>
-            </a:r>
-            <a:r>
-              <a:rPr lang="en-US" altLang="zh-CN" dirty="0" smtClean="0"/>
-              <a:t> '{print $3}'|</a:t>
-            </a:r>
-            <a:r>
-              <a:rPr lang="en-US" altLang="zh-CN" dirty="0" err="1" smtClean="0"/>
-              <a:t>sort|uniq</a:t>
-            </a:r>
-            <a:r>
-              <a:rPr lang="en-US" altLang="zh-CN" dirty="0" smtClean="0"/>
-              <a:t> -</a:t>
-            </a:r>
-            <a:r>
-              <a:rPr lang="en-US" altLang="zh-CN" dirty="0" err="1" smtClean="0"/>
-              <a:t>c|sort</a:t>
-            </a:r>
-            <a:r>
-              <a:rPr lang="en-US" altLang="zh-CN" dirty="0" smtClean="0"/>
-              <a:t> -</a:t>
-            </a:r>
-            <a:r>
-              <a:rPr lang="en-US" altLang="zh-CN" dirty="0" err="1" smtClean="0"/>
-              <a:t>nr|more</a:t>
-            </a:r>
-            <a:r>
-              <a:rPr lang="en-US" altLang="zh-CN" dirty="0" smtClean="0"/>
-              <a:t> </a:t>
-            </a:r>
-          </a:p>
-          <a:p>
-            <a:r>
-              <a:rPr lang="zh-CN" altLang="en-US" dirty="0" smtClean="0"/>
-              <a:t>（</a:t>
-            </a:r>
-            <a:r>
-              <a:rPr lang="en-US" altLang="zh-CN" dirty="0" smtClean="0"/>
-              <a:t>3</a:t>
-            </a:r>
-            <a:r>
-              <a:rPr lang="zh-CN" altLang="en-US" dirty="0" smtClean="0"/>
-              <a:t>）统计各命令打开句柄数：</a:t>
-            </a:r>
-            <a:r>
-              <a:rPr lang="en-US" altLang="zh-CN" dirty="0"/>
-              <a:t> </a:t>
-            </a:r>
-            <a:r>
-              <a:rPr lang="en-US" altLang="zh-CN" dirty="0" err="1"/>
-              <a:t>lsof</a:t>
-            </a:r>
-            <a:r>
-              <a:rPr lang="en-US" altLang="zh-CN" dirty="0"/>
-              <a:t> -</a:t>
-            </a:r>
-            <a:r>
-              <a:rPr lang="en-US" altLang="zh-CN" dirty="0" err="1"/>
-              <a:t>n|awk</a:t>
-            </a:r>
-            <a:r>
-              <a:rPr lang="en-US" altLang="zh-CN" dirty="0"/>
-              <a:t> '{print </a:t>
-            </a:r>
-            <a:r>
-              <a:rPr lang="en-US" altLang="zh-CN" dirty="0" smtClean="0"/>
-              <a:t>$1}'|</a:t>
-            </a:r>
-            <a:r>
-              <a:rPr lang="en-US" altLang="zh-CN" dirty="0" err="1"/>
-              <a:t>sort|uniq</a:t>
-            </a:r>
-            <a:r>
-              <a:rPr lang="en-US" altLang="zh-CN" dirty="0"/>
-              <a:t> -</a:t>
-            </a:r>
-            <a:r>
-              <a:rPr lang="en-US" altLang="zh-CN" dirty="0" err="1"/>
-              <a:t>c|sort</a:t>
-            </a:r>
-            <a:r>
-              <a:rPr lang="en-US" altLang="zh-CN" dirty="0"/>
-              <a:t> -</a:t>
-            </a:r>
-            <a:r>
-              <a:rPr lang="en-US" altLang="zh-CN" dirty="0" err="1"/>
-              <a:t>nr|more</a:t>
-            </a:r>
-            <a:r>
-              <a:rPr lang="en-US" altLang="zh-CN" dirty="0"/>
-              <a:t> </a:t>
-            </a:r>
-            <a:endParaRPr lang="en-US" altLang="zh-CN" dirty="0" smtClean="0"/>
-          </a:p>
-          <a:p>
-            <a:r>
-              <a:rPr lang="zh-CN" altLang="en-US" dirty="0" smtClean="0"/>
-              <a:t>（</a:t>
-            </a:r>
-            <a:r>
-              <a:rPr lang="en-US" altLang="zh-CN" dirty="0"/>
-              <a:t>3</a:t>
-            </a:r>
-            <a:r>
-              <a:rPr lang="zh-CN" altLang="en-US" dirty="0" smtClean="0"/>
-              <a:t>）</a:t>
-            </a:r>
-            <a:r>
-              <a:rPr lang="en-US" altLang="zh-CN" dirty="0" err="1" smtClean="0"/>
-              <a:t>ulimit</a:t>
-            </a:r>
-            <a:r>
-              <a:rPr lang="en-US" altLang="zh-CN" dirty="0"/>
-              <a:t> </a:t>
-            </a:r>
-            <a:r>
-              <a:rPr lang="en-US" altLang="zh-CN" dirty="0" smtClean="0"/>
-              <a:t>-n</a:t>
-            </a:r>
-            <a:r>
-              <a:rPr lang="en-US" altLang="zh-CN" dirty="0"/>
-              <a:t> </a:t>
-            </a:r>
-            <a:r>
-              <a:rPr lang="zh-CN" altLang="en-US" dirty="0"/>
-              <a:t>来查看当前用户句柄数限制</a:t>
-            </a:r>
-            <a:endParaRPr lang="zh-CN" altLang="en-US" dirty="0">
-              <a:latin typeface="+mn-ea"/>
-            </a:endParaRPr>
-          </a:p>
-        </p:txBody>
-      </p:sp>
+      </p:pic>
+      <p:pic>
+        <p:nvPicPr>
+          <p:cNvPr id="8" name="图片 7"/>
+          <p:cNvPicPr>
+            <a:picLocks noChangeAspect="1"/>
+          </p:cNvPicPr>
+          <p:nvPr/>
+        </p:nvPicPr>
+        <p:blipFill>
+          <a:blip r:embed="rId4">
+            <a:extLst>
+              <a:ext uri="{28A0092B-C50C-407E-A947-70E740481C1C}">
+                <a14:useLocalDpi xmlns:a14="http://schemas.microsoft.com/office/drawing/2010/main" val="0"/>
+              </a:ext>
+            </a:extLst>
+          </a:blip>
+          <a:stretch>
+            <a:fillRect/>
+          </a:stretch>
+        </p:blipFill>
+        <p:spPr>
+          <a:xfrm>
+            <a:off x="6377786" y="0"/>
+            <a:ext cx="5814214" cy="6858000"/>
+          </a:xfrm>
+          <a:prstGeom prst="rect">
+            <a:avLst/>
+          </a:prstGeom>
+        </p:spPr>
+      </p:pic>
     </p:spTree>
     <p:extLst>
       <p:ext uri="{BB962C8B-B14F-4D97-AF65-F5344CB8AC3E}">
-        <p14:creationId xmlns:p14="http://schemas.microsoft.com/office/powerpoint/2010/main" val="3080599946"/>
+        <p14:creationId xmlns:p14="http://schemas.microsoft.com/office/powerpoint/2010/main" val="4072119564"/>
       </p:ext>
     </p:extLst>
   </p:cSld>
@@ -8527,6 +9762,712 @@
       </p:grpSpPr>
       <p:sp>
         <p:nvSpPr>
+          <p:cNvPr id="2" name="矩形 1"/>
+          <p:cNvSpPr/>
+          <p:nvPr/>
+        </p:nvSpPr>
+        <p:spPr>
+          <a:xfrm>
+            <a:off x="0" y="0"/>
+            <a:ext cx="12192000" cy="6217087"/>
+          </a:xfrm>
+          <a:prstGeom prst="rect">
+            <a:avLst/>
+          </a:prstGeom>
+        </p:spPr>
+        <p:txBody>
+          <a:bodyPr wrap="square">
+            <a:spAutoFit/>
+          </a:bodyPr>
+          <a:lstStyle/>
+          <a:p>
+            <a:r>
+              <a:rPr lang="zh-CN" altLang="en-US" b="1" dirty="0">
+                <a:latin typeface="+mn-ea"/>
+              </a:rPr>
+              <a:t>文件句柄：</a:t>
+            </a:r>
+            <a:endParaRPr lang="en-US" altLang="zh-CN" b="1" dirty="0">
+              <a:latin typeface="+mn-ea"/>
+            </a:endParaRPr>
+          </a:p>
+          <a:p>
+            <a:r>
+              <a:rPr lang="en-US" altLang="zh-CN" b="1" dirty="0">
+                <a:latin typeface="+mn-ea"/>
+              </a:rPr>
+              <a:t> </a:t>
+            </a:r>
+            <a:r>
+              <a:rPr lang="en-US" altLang="zh-CN" b="1" dirty="0" smtClean="0">
+                <a:latin typeface="+mn-ea"/>
+              </a:rPr>
+              <a:t>   </a:t>
+            </a:r>
+            <a:r>
+              <a:rPr lang="zh-CN" altLang="en-US" dirty="0" smtClean="0">
+                <a:latin typeface="+mn-ea"/>
+              </a:rPr>
+              <a:t>在</a:t>
+            </a:r>
+            <a:r>
+              <a:rPr lang="zh-CN" altLang="en-US" dirty="0">
+                <a:latin typeface="+mn-ea"/>
+              </a:rPr>
+              <a:t>文件</a:t>
+            </a:r>
+            <a:r>
+              <a:rPr lang="en-US" altLang="zh-CN" dirty="0">
+                <a:latin typeface="+mn-ea"/>
+              </a:rPr>
+              <a:t>I/O</a:t>
+            </a:r>
+            <a:r>
+              <a:rPr lang="zh-CN" altLang="en-US" dirty="0">
+                <a:latin typeface="+mn-ea"/>
+              </a:rPr>
+              <a:t>中，要从一个文件读取数据，应用程序首先要调用操作系统函数并传送文件名，并选一个到该文件的路径来打开文件。该函数取回一个顺序号，即文件句柄（</a:t>
+            </a:r>
+            <a:r>
+              <a:rPr lang="en-US" altLang="zh-CN" dirty="0">
+                <a:latin typeface="+mn-ea"/>
+              </a:rPr>
+              <a:t>file handle</a:t>
+            </a:r>
+            <a:r>
+              <a:rPr lang="zh-CN" altLang="en-US" dirty="0">
+                <a:latin typeface="+mn-ea"/>
+              </a:rPr>
+              <a:t>），该文件句柄对于打开的文件是唯一的识别依据。要从文件中读取一块数据，应用程序需要调用函数</a:t>
+            </a:r>
+            <a:r>
+              <a:rPr lang="en-US" altLang="zh-CN" dirty="0" err="1">
+                <a:latin typeface="+mn-ea"/>
+              </a:rPr>
+              <a:t>ReadFile</a:t>
+            </a:r>
+            <a:r>
+              <a:rPr lang="zh-CN" altLang="en-US" dirty="0">
+                <a:latin typeface="+mn-ea"/>
+              </a:rPr>
+              <a:t>，并将文件句柄在内存中的地址和要拷贝的字节数传送给操作系统。当完成任务后，再通过调用系统函数来关闭该文件</a:t>
+            </a:r>
+            <a:r>
+              <a:rPr lang="zh-CN" altLang="en-US" dirty="0" smtClean="0">
+                <a:latin typeface="+mn-ea"/>
+              </a:rPr>
+              <a:t>。</a:t>
+            </a:r>
+            <a:endParaRPr lang="en-US" altLang="zh-CN" dirty="0" smtClean="0">
+              <a:latin typeface="+mn-ea"/>
+            </a:endParaRPr>
+          </a:p>
+          <a:p>
+            <a:endParaRPr lang="en-US" altLang="zh-CN" dirty="0">
+              <a:latin typeface="+mn-ea"/>
+            </a:endParaRPr>
+          </a:p>
+          <a:p>
+            <a:r>
+              <a:rPr lang="zh-CN" altLang="en-US" b="1" dirty="0">
+                <a:latin typeface="+mn-ea"/>
+              </a:rPr>
+              <a:t>问题阐述</a:t>
+            </a:r>
+            <a:r>
+              <a:rPr lang="zh-CN" altLang="en-US" dirty="0">
+                <a:latin typeface="+mn-ea"/>
+              </a:rPr>
+              <a:t>：</a:t>
+            </a:r>
+          </a:p>
+          <a:p>
+            <a:r>
+              <a:rPr lang="en-US" altLang="zh-CN" b="1" dirty="0">
+                <a:latin typeface="+mn-ea"/>
+              </a:rPr>
+              <a:t> </a:t>
+            </a:r>
+            <a:r>
+              <a:rPr lang="en-US" altLang="zh-CN" b="1" dirty="0" smtClean="0">
+                <a:latin typeface="+mn-ea"/>
+              </a:rPr>
+              <a:t>   </a:t>
+            </a:r>
+            <a:r>
+              <a:rPr lang="en-US" altLang="zh-CN" dirty="0" smtClean="0">
+                <a:latin typeface="+mn-ea"/>
+              </a:rPr>
+              <a:t>too</a:t>
+            </a:r>
+            <a:r>
+              <a:rPr lang="en-US" altLang="zh-CN" dirty="0">
+                <a:latin typeface="+mn-ea"/>
+              </a:rPr>
+              <a:t> many open files</a:t>
+            </a:r>
+            <a:r>
+              <a:rPr lang="zh-CN" altLang="en-US" dirty="0">
+                <a:latin typeface="+mn-ea"/>
+              </a:rPr>
+              <a:t>：顾名思义即打开过多文件数</a:t>
+            </a:r>
+            <a:r>
+              <a:rPr lang="zh-CN" altLang="en-US" dirty="0" smtClean="0">
+                <a:latin typeface="+mn-ea"/>
+              </a:rPr>
+              <a:t>。</a:t>
+            </a:r>
+            <a:endParaRPr lang="en-US" altLang="zh-CN" dirty="0" smtClean="0">
+              <a:latin typeface="+mn-ea"/>
+            </a:endParaRPr>
+          </a:p>
+          <a:p>
+            <a:r>
+              <a:rPr lang="zh-CN" altLang="en-US" dirty="0" smtClean="0">
+                <a:latin typeface="+mn-ea"/>
+              </a:rPr>
+              <a:t>    这里</a:t>
+            </a:r>
+            <a:r>
+              <a:rPr lang="zh-CN" altLang="en-US" dirty="0">
+                <a:latin typeface="+mn-ea"/>
+              </a:rPr>
+              <a:t>的</a:t>
+            </a:r>
+            <a:r>
+              <a:rPr lang="en-US" altLang="zh-CN" dirty="0">
+                <a:latin typeface="+mn-ea"/>
+              </a:rPr>
+              <a:t>files</a:t>
+            </a:r>
+            <a:r>
+              <a:rPr lang="zh-CN" altLang="en-US" dirty="0">
+                <a:latin typeface="+mn-ea"/>
+              </a:rPr>
+              <a:t>不单是文件的意思，也包括打开的通讯链接</a:t>
+            </a:r>
+            <a:r>
+              <a:rPr lang="en-US" altLang="zh-CN" dirty="0">
+                <a:latin typeface="+mn-ea"/>
+              </a:rPr>
+              <a:t>(</a:t>
+            </a:r>
+            <a:r>
+              <a:rPr lang="zh-CN" altLang="en-US" dirty="0" smtClean="0">
+                <a:latin typeface="+mn-ea"/>
+              </a:rPr>
+              <a:t>比如</a:t>
+            </a:r>
+            <a:r>
+              <a:rPr lang="en-US" altLang="zh-CN" dirty="0" smtClean="0">
+                <a:latin typeface="+mn-ea"/>
+              </a:rPr>
+              <a:t>socket</a:t>
+            </a:r>
+            <a:r>
+              <a:rPr lang="en-US" altLang="zh-CN" dirty="0">
+                <a:latin typeface="+mn-ea"/>
+              </a:rPr>
+              <a:t>)</a:t>
+            </a:r>
+            <a:r>
+              <a:rPr lang="zh-CN" altLang="en-US" dirty="0">
+                <a:latin typeface="+mn-ea"/>
+              </a:rPr>
+              <a:t>，正在监听的端口等等，所以有时候也可以叫做句柄</a:t>
+            </a:r>
+            <a:r>
+              <a:rPr lang="en-US" altLang="zh-CN" dirty="0" smtClean="0">
+                <a:latin typeface="+mn-ea"/>
+              </a:rPr>
+              <a:t>(handle</a:t>
+            </a:r>
+            <a:r>
+              <a:rPr lang="en-US" altLang="zh-CN" dirty="0">
+                <a:latin typeface="+mn-ea"/>
+              </a:rPr>
+              <a:t>)</a:t>
+            </a:r>
+            <a:r>
+              <a:rPr lang="zh-CN" altLang="en-US" dirty="0">
+                <a:latin typeface="+mn-ea"/>
+              </a:rPr>
+              <a:t>，这个错误通常也可以叫做句柄数超出系统限制。</a:t>
+            </a:r>
+          </a:p>
+          <a:p>
+            <a:endParaRPr lang="zh-CN" altLang="en-US" dirty="0">
+              <a:latin typeface="+mn-ea"/>
+            </a:endParaRPr>
+          </a:p>
+          <a:p>
+            <a:r>
+              <a:rPr lang="zh-CN" altLang="en-US" b="1" dirty="0" smtClean="0">
+                <a:latin typeface="+mn-ea"/>
+              </a:rPr>
+              <a:t>产生原因：</a:t>
+            </a:r>
+            <a:endParaRPr lang="zh-CN" altLang="en-US" b="1" dirty="0">
+              <a:latin typeface="+mn-ea"/>
+            </a:endParaRPr>
+          </a:p>
+          <a:p>
+            <a:r>
+              <a:rPr lang="zh-CN" altLang="en-US" dirty="0" smtClean="0">
+                <a:latin typeface="+mn-ea"/>
+              </a:rPr>
+              <a:t>    经常</a:t>
+            </a:r>
+            <a:r>
+              <a:rPr lang="zh-CN" altLang="en-US" dirty="0">
+                <a:latin typeface="+mn-ea"/>
+              </a:rPr>
+              <a:t>在</a:t>
+            </a:r>
+            <a:r>
+              <a:rPr lang="zh-CN" altLang="en-US" dirty="0" smtClean="0">
+                <a:latin typeface="+mn-ea"/>
+              </a:rPr>
+              <a:t>使用</a:t>
+            </a:r>
+            <a:r>
+              <a:rPr lang="en-US" altLang="zh-CN" dirty="0" err="1" smtClean="0">
+                <a:latin typeface="+mn-ea"/>
+              </a:rPr>
+              <a:t>linux</a:t>
+            </a:r>
+            <a:r>
+              <a:rPr lang="zh-CN" altLang="en-US" dirty="0">
+                <a:latin typeface="+mn-ea"/>
+              </a:rPr>
+              <a:t>的时候出现，大多数情况是由于程序没有正常关闭一些资源引起的，所以出现这种情况，请</a:t>
+            </a:r>
+            <a:r>
+              <a:rPr lang="zh-CN" altLang="en-US" dirty="0" smtClean="0">
+                <a:latin typeface="+mn-ea"/>
+              </a:rPr>
+              <a:t>检查</a:t>
+            </a:r>
+            <a:r>
+              <a:rPr lang="en-US" altLang="zh-CN" dirty="0" smtClean="0">
+                <a:latin typeface="+mn-ea"/>
+              </a:rPr>
+              <a:t>IO</a:t>
+            </a:r>
+            <a:r>
+              <a:rPr lang="zh-CN" altLang="en-US" dirty="0" smtClean="0">
+                <a:latin typeface="+mn-ea"/>
+              </a:rPr>
+              <a:t>读写，</a:t>
+            </a:r>
+            <a:r>
+              <a:rPr lang="en-US" altLang="zh-CN" dirty="0" smtClean="0">
+                <a:latin typeface="+mn-ea"/>
+              </a:rPr>
+              <a:t>socket</a:t>
+            </a:r>
+            <a:r>
+              <a:rPr lang="zh-CN" altLang="en-US" dirty="0">
+                <a:latin typeface="+mn-ea"/>
+              </a:rPr>
+              <a:t>通讯等是否正常关闭</a:t>
+            </a:r>
+            <a:r>
+              <a:rPr lang="zh-CN" altLang="en-US" dirty="0" smtClean="0">
+                <a:latin typeface="+mn-ea"/>
+              </a:rPr>
+              <a:t>。</a:t>
+            </a:r>
+            <a:r>
+              <a:rPr lang="en-US" altLang="zh-CN" dirty="0" smtClean="0">
+                <a:latin typeface="+mn-ea"/>
+              </a:rPr>
+              <a:t>Linux</a:t>
+            </a:r>
+            <a:r>
+              <a:rPr lang="zh-CN" altLang="en-US" dirty="0">
+                <a:latin typeface="+mn-ea"/>
+              </a:rPr>
+              <a:t>是有文件句柄限制的</a:t>
+            </a:r>
+            <a:r>
+              <a:rPr lang="zh-CN" altLang="en-US" dirty="0" smtClean="0">
+                <a:latin typeface="+mn-ea"/>
+              </a:rPr>
+              <a:t>，默认一般都是</a:t>
+            </a:r>
+            <a:r>
+              <a:rPr lang="en-US" altLang="zh-CN" dirty="0" smtClean="0">
+                <a:latin typeface="+mn-ea"/>
+              </a:rPr>
+              <a:t>1024</a:t>
+            </a:r>
+            <a:r>
+              <a:rPr lang="zh-CN" altLang="en-US" dirty="0" smtClean="0">
+                <a:latin typeface="+mn-ea"/>
+              </a:rPr>
+              <a:t>。</a:t>
+            </a:r>
+            <a:endParaRPr lang="en-US" altLang="zh-CN" dirty="0" smtClean="0">
+              <a:latin typeface="+mn-ea"/>
+            </a:endParaRPr>
+          </a:p>
+          <a:p>
+            <a:endParaRPr lang="en-US" altLang="zh-CN" dirty="0" smtClean="0">
+              <a:latin typeface="+mn-ea"/>
+            </a:endParaRPr>
+          </a:p>
+          <a:p>
+            <a:endParaRPr lang="en-US" altLang="zh-CN" dirty="0" smtClean="0">
+              <a:latin typeface="+mn-ea"/>
+            </a:endParaRPr>
+          </a:p>
+          <a:p>
+            <a:endParaRPr lang="zh-CN" altLang="en-US" dirty="0">
+              <a:latin typeface="+mn-ea"/>
+            </a:endParaRPr>
+          </a:p>
+          <a:p>
+            <a:r>
+              <a:rPr lang="zh-CN" altLang="en-US" dirty="0" smtClean="0"/>
+              <a:t>分析</a:t>
+            </a:r>
+            <a:r>
+              <a:rPr lang="zh-CN" altLang="en-US" dirty="0"/>
+              <a:t>句柄数，查找</a:t>
+            </a:r>
+            <a:r>
+              <a:rPr lang="zh-CN" altLang="en-US" dirty="0" smtClean="0"/>
+              <a:t>原因，需要用到</a:t>
+            </a:r>
+            <a:r>
+              <a:rPr lang="en-US" altLang="zh-CN" dirty="0" err="1" smtClean="0"/>
+              <a:t>lsof</a:t>
+            </a:r>
+            <a:r>
+              <a:rPr lang="zh-CN" altLang="en-US" dirty="0" smtClean="0"/>
+              <a:t>这个命令</a:t>
+            </a:r>
+          </a:p>
+          <a:p>
+            <a:r>
+              <a:rPr lang="zh-CN" altLang="en-US" dirty="0" smtClean="0"/>
+              <a:t>（</a:t>
+            </a:r>
+            <a:r>
+              <a:rPr lang="en-US" altLang="zh-CN" dirty="0" smtClean="0"/>
+              <a:t>1</a:t>
+            </a:r>
+            <a:r>
+              <a:rPr lang="zh-CN" altLang="en-US" dirty="0" smtClean="0"/>
+              <a:t>）统计各进程打开句柄数：</a:t>
+            </a:r>
+            <a:r>
+              <a:rPr lang="en-US" altLang="zh-CN" dirty="0"/>
+              <a:t> /</a:t>
+            </a:r>
+            <a:r>
+              <a:rPr lang="en-US" altLang="zh-CN" dirty="0" err="1"/>
+              <a:t>usr</a:t>
+            </a:r>
+            <a:r>
+              <a:rPr lang="en-US" altLang="zh-CN" dirty="0"/>
+              <a:t>/</a:t>
+            </a:r>
+            <a:r>
+              <a:rPr lang="en-US" altLang="zh-CN" dirty="0" err="1"/>
+              <a:t>sbin</a:t>
+            </a:r>
+            <a:r>
+              <a:rPr lang="en-US" altLang="zh-CN" dirty="0"/>
+              <a:t>/</a:t>
+            </a:r>
+            <a:r>
+              <a:rPr lang="en-US" altLang="zh-CN" dirty="0" err="1"/>
+              <a:t>lsof</a:t>
+            </a:r>
+            <a:r>
+              <a:rPr lang="en-US" altLang="zh-CN" dirty="0"/>
+              <a:t> </a:t>
+            </a:r>
+            <a:r>
+              <a:rPr lang="en-US" altLang="zh-CN" dirty="0" smtClean="0"/>
+              <a:t>-</a:t>
+            </a:r>
+            <a:r>
+              <a:rPr lang="en-US" altLang="zh-CN" dirty="0" err="1" smtClean="0"/>
+              <a:t>n|awk</a:t>
+            </a:r>
+            <a:r>
+              <a:rPr lang="en-US" altLang="zh-CN" dirty="0" smtClean="0"/>
+              <a:t> '{print $2}'|</a:t>
+            </a:r>
+            <a:r>
+              <a:rPr lang="en-US" altLang="zh-CN" dirty="0" err="1" smtClean="0"/>
+              <a:t>sort|uniq</a:t>
+            </a:r>
+            <a:r>
+              <a:rPr lang="en-US" altLang="zh-CN" dirty="0" smtClean="0"/>
+              <a:t> -</a:t>
+            </a:r>
+            <a:r>
+              <a:rPr lang="en-US" altLang="zh-CN" dirty="0" err="1" smtClean="0"/>
+              <a:t>c|sort</a:t>
+            </a:r>
+            <a:r>
+              <a:rPr lang="en-US" altLang="zh-CN" dirty="0" smtClean="0"/>
+              <a:t> -</a:t>
+            </a:r>
+            <a:r>
+              <a:rPr lang="en-US" altLang="zh-CN" dirty="0" err="1" smtClean="0"/>
+              <a:t>nr|more</a:t>
+            </a:r>
+            <a:r>
+              <a:rPr lang="en-US" altLang="zh-CN" dirty="0" smtClean="0"/>
+              <a:t> </a:t>
+            </a:r>
+          </a:p>
+          <a:p>
+            <a:r>
+              <a:rPr lang="zh-CN" altLang="en-US" dirty="0" smtClean="0"/>
+              <a:t>（</a:t>
+            </a:r>
+            <a:r>
+              <a:rPr lang="en-US" altLang="zh-CN" dirty="0" smtClean="0"/>
+              <a:t>2</a:t>
+            </a:r>
+            <a:r>
+              <a:rPr lang="zh-CN" altLang="en-US" dirty="0" smtClean="0"/>
+              <a:t>）统计各用户打开句柄数：</a:t>
+            </a:r>
+            <a:r>
+              <a:rPr lang="en-US" altLang="zh-CN" dirty="0" smtClean="0"/>
+              <a:t> </a:t>
+            </a:r>
+            <a:r>
+              <a:rPr lang="en-US" altLang="zh-CN" dirty="0"/>
+              <a:t>/</a:t>
+            </a:r>
+            <a:r>
+              <a:rPr lang="en-US" altLang="zh-CN" dirty="0" err="1"/>
+              <a:t>usr</a:t>
+            </a:r>
+            <a:r>
+              <a:rPr lang="en-US" altLang="zh-CN" dirty="0"/>
+              <a:t>/</a:t>
+            </a:r>
+            <a:r>
+              <a:rPr lang="en-US" altLang="zh-CN" dirty="0" err="1"/>
+              <a:t>sbin</a:t>
+            </a:r>
+            <a:r>
+              <a:rPr lang="en-US" altLang="zh-CN" dirty="0"/>
+              <a:t>/</a:t>
+            </a:r>
+            <a:r>
+              <a:rPr lang="en-US" altLang="zh-CN" dirty="0" err="1"/>
+              <a:t>lsof</a:t>
+            </a:r>
+            <a:r>
+              <a:rPr lang="en-US" altLang="zh-CN" dirty="0"/>
+              <a:t> </a:t>
+            </a:r>
+            <a:r>
+              <a:rPr lang="en-US" altLang="zh-CN" dirty="0" smtClean="0"/>
+              <a:t>-</a:t>
+            </a:r>
+            <a:r>
+              <a:rPr lang="en-US" altLang="zh-CN" dirty="0" err="1" smtClean="0"/>
+              <a:t>n|awk</a:t>
+            </a:r>
+            <a:r>
+              <a:rPr lang="en-US" altLang="zh-CN" dirty="0" smtClean="0"/>
+              <a:t> '{print $3}'|</a:t>
+            </a:r>
+            <a:r>
+              <a:rPr lang="en-US" altLang="zh-CN" dirty="0" err="1" smtClean="0"/>
+              <a:t>sort|uniq</a:t>
+            </a:r>
+            <a:r>
+              <a:rPr lang="en-US" altLang="zh-CN" dirty="0" smtClean="0"/>
+              <a:t> -</a:t>
+            </a:r>
+            <a:r>
+              <a:rPr lang="en-US" altLang="zh-CN" dirty="0" err="1" smtClean="0"/>
+              <a:t>c|sort</a:t>
+            </a:r>
+            <a:r>
+              <a:rPr lang="en-US" altLang="zh-CN" dirty="0" smtClean="0"/>
+              <a:t> -</a:t>
+            </a:r>
+            <a:r>
+              <a:rPr lang="en-US" altLang="zh-CN" dirty="0" err="1" smtClean="0"/>
+              <a:t>nr|more</a:t>
+            </a:r>
+            <a:r>
+              <a:rPr lang="en-US" altLang="zh-CN" dirty="0" smtClean="0"/>
+              <a:t> </a:t>
+            </a:r>
+          </a:p>
+          <a:p>
+            <a:r>
+              <a:rPr lang="zh-CN" altLang="en-US" dirty="0" smtClean="0"/>
+              <a:t>（</a:t>
+            </a:r>
+            <a:r>
+              <a:rPr lang="en-US" altLang="zh-CN" dirty="0" smtClean="0"/>
+              <a:t>3</a:t>
+            </a:r>
+            <a:r>
+              <a:rPr lang="zh-CN" altLang="en-US" dirty="0" smtClean="0"/>
+              <a:t>）统计各命令打开句柄数：</a:t>
+            </a:r>
+            <a:r>
+              <a:rPr lang="en-US" altLang="zh-CN" dirty="0"/>
+              <a:t> </a:t>
+            </a:r>
+            <a:r>
+              <a:rPr lang="en-US" altLang="zh-CN" dirty="0"/>
+              <a:t>/</a:t>
+            </a:r>
+            <a:r>
+              <a:rPr lang="en-US" altLang="zh-CN" dirty="0" err="1"/>
+              <a:t>usr</a:t>
+            </a:r>
+            <a:r>
+              <a:rPr lang="en-US" altLang="zh-CN" dirty="0"/>
+              <a:t>/</a:t>
+            </a:r>
+            <a:r>
+              <a:rPr lang="en-US" altLang="zh-CN" dirty="0" err="1"/>
+              <a:t>sbin</a:t>
+            </a:r>
+            <a:r>
+              <a:rPr lang="en-US" altLang="zh-CN" dirty="0"/>
+              <a:t>/</a:t>
+            </a:r>
+            <a:r>
+              <a:rPr lang="en-US" altLang="zh-CN" dirty="0" err="1"/>
+              <a:t>lsof</a:t>
+            </a:r>
+            <a:r>
+              <a:rPr lang="en-US" altLang="zh-CN" dirty="0"/>
+              <a:t> </a:t>
+            </a:r>
+            <a:r>
+              <a:rPr lang="en-US" altLang="zh-CN" dirty="0"/>
+              <a:t>-</a:t>
+            </a:r>
+            <a:r>
+              <a:rPr lang="en-US" altLang="zh-CN" dirty="0" err="1"/>
+              <a:t>n|awk</a:t>
+            </a:r>
+            <a:r>
+              <a:rPr lang="en-US" altLang="zh-CN" dirty="0"/>
+              <a:t> '{print </a:t>
+            </a:r>
+            <a:r>
+              <a:rPr lang="en-US" altLang="zh-CN" dirty="0" smtClean="0"/>
+              <a:t>$1}'|</a:t>
+            </a:r>
+            <a:r>
+              <a:rPr lang="en-US" altLang="zh-CN" dirty="0" err="1"/>
+              <a:t>sort|uniq</a:t>
+            </a:r>
+            <a:r>
+              <a:rPr lang="en-US" altLang="zh-CN" dirty="0"/>
+              <a:t> -</a:t>
+            </a:r>
+            <a:r>
+              <a:rPr lang="en-US" altLang="zh-CN" dirty="0" err="1"/>
+              <a:t>c|sort</a:t>
+            </a:r>
+            <a:r>
+              <a:rPr lang="en-US" altLang="zh-CN" dirty="0"/>
+              <a:t> -</a:t>
+            </a:r>
+            <a:r>
+              <a:rPr lang="en-US" altLang="zh-CN" dirty="0" err="1"/>
+              <a:t>nr|more</a:t>
+            </a:r>
+            <a:r>
+              <a:rPr lang="en-US" altLang="zh-CN" dirty="0"/>
+              <a:t> </a:t>
+            </a:r>
+            <a:endParaRPr lang="en-US" altLang="zh-CN" dirty="0" smtClean="0"/>
+          </a:p>
+          <a:p>
+            <a:r>
+              <a:rPr lang="zh-CN" altLang="en-US" dirty="0" smtClean="0"/>
+              <a:t>（</a:t>
+            </a:r>
+            <a:r>
+              <a:rPr lang="en-US" altLang="zh-CN" dirty="0"/>
+              <a:t>3</a:t>
+            </a:r>
+            <a:r>
+              <a:rPr lang="zh-CN" altLang="en-US" dirty="0" smtClean="0"/>
+              <a:t>）</a:t>
+            </a:r>
+            <a:r>
+              <a:rPr lang="en-US" altLang="zh-CN" dirty="0" err="1" smtClean="0"/>
+              <a:t>ulimit</a:t>
+            </a:r>
+            <a:r>
+              <a:rPr lang="en-US" altLang="zh-CN" dirty="0"/>
+              <a:t> </a:t>
+            </a:r>
+            <a:r>
+              <a:rPr lang="en-US" altLang="zh-CN" dirty="0" smtClean="0"/>
+              <a:t>-n</a:t>
+            </a:r>
+            <a:r>
+              <a:rPr lang="en-US" altLang="zh-CN" dirty="0"/>
+              <a:t> </a:t>
+            </a:r>
+            <a:r>
+              <a:rPr lang="zh-CN" altLang="en-US" dirty="0"/>
+              <a:t>来查看当前用户句柄数限制</a:t>
+            </a:r>
+            <a:endParaRPr lang="zh-CN" altLang="en-US" dirty="0">
+              <a:latin typeface="+mn-ea"/>
+            </a:endParaRPr>
+          </a:p>
+        </p:txBody>
+      </p:sp>
+    </p:spTree>
+    <p:extLst>
+      <p:ext uri="{BB962C8B-B14F-4D97-AF65-F5344CB8AC3E}">
+        <p14:creationId xmlns:p14="http://schemas.microsoft.com/office/powerpoint/2010/main" val="3080599946"/>
+      </p:ext>
+    </p:extLst>
+  </p:cSld>
+  <p:clrMapOvr>
+    <a:masterClrMapping/>
+  </p:clrMapOvr>
+</p:sld>
+</file>
+
+<file path=ppt/slides/slide9.xml><?xml version="1.0" encoding="utf-8"?>
+<p:sld xmlns:a="http://schemas.openxmlformats.org/drawingml/2006/main" xmlns:r="http://schemas.openxmlformats.org/officeDocument/2006/relationships" xmlns:p="http://schemas.openxmlformats.org/presentationml/2006/main">
+  <p:cSld>
+    <p:spTree>
+      <p:nvGrpSpPr>
+        <p:cNvPr id="1" name=""/>
+        <p:cNvGrpSpPr/>
+        <p:nvPr/>
+      </p:nvGrpSpPr>
+      <p:grpSpPr>
+        <a:xfrm>
+          <a:off x="0" y="0"/>
+          <a:ext cx="0" cy="0"/>
+          <a:chOff x="0" y="0"/>
+          <a:chExt cx="0" cy="0"/>
+        </a:xfrm>
+      </p:grpSpPr>
+      <p:sp>
+        <p:nvSpPr>
           <p:cNvPr id="4" name="矩形 3"/>
           <p:cNvSpPr/>
           <p:nvPr/>
@@ -8650,7 +10591,6 @@
               <a:rPr lang="zh-CN" altLang="en-US" dirty="0"/>
               <a:t>开始到它返回的整段时间内是被阻塞的。</a:t>
             </a:r>
-            <a:endParaRPr lang="zh-CN" altLang="en-US" dirty="0"/>
           </a:p>
         </p:txBody>
       </p:sp>
@@ -8662,8 +10602,8 @@
         </p:nvSpPr>
         <p:spPr>
           <a:xfrm>
-            <a:off x="312794" y="6228243"/>
-            <a:ext cx="4667063" cy="523220"/>
+            <a:off x="312794" y="6087891"/>
+            <a:ext cx="8073560" cy="738664"/>
           </a:xfrm>
           <a:prstGeom prst="rect">
             <a:avLst/>
@@ -8676,12 +10616,16 @@
           <a:lstStyle/>
           <a:p>
             <a:r>
+              <a:rPr lang="zh-CN" altLang="en-US" sz="1400" dirty="0"/>
+              <a:t>来源</a:t>
+            </a:r>
+            <a:r>
               <a:rPr lang="zh-CN" altLang="en-US" sz="1400" dirty="0" smtClean="0"/>
-              <a:t>来源</a:t>
+              <a:t>：</a:t>
             </a:r>
             <a:r>
               <a:rPr lang="en-US" altLang="zh-CN" sz="1400" dirty="0" smtClean="0"/>
-              <a:t>:《</a:t>
+              <a:t>《</a:t>
             </a:r>
             <a:r>
               <a:rPr lang="en-US" altLang="zh-CN" sz="1400" dirty="0"/>
@@ -8711,9 +10655,7 @@
           </a:p>
           <a:p>
             <a:r>
-              <a:rPr lang="zh-CN" altLang="en-US" sz="1400" dirty="0" smtClean="0">
-                <a:hlinkClick r:id="rId3"/>
-              </a:rPr>
+              <a:rPr lang="zh-CN" altLang="en-US" sz="1400" dirty="0"/>
               <a:t>博客：</a:t>
             </a:r>
             <a:r>
@@ -8726,7 +10668,26 @@
               <a:rPr lang="en-US" altLang="zh-CN" sz="1400" dirty="0">
                 <a:hlinkClick r:id="rId3"/>
               </a:rPr>
-              <a:t>://www.cnblogs.com/diegodu/p/6823855.html</a:t>
+              <a:t>://</a:t>
+            </a:r>
+            <a:r>
+              <a:rPr lang="en-US" altLang="zh-CN" sz="1400" dirty="0" smtClean="0">
+                <a:hlinkClick r:id="rId3"/>
+              </a:rPr>
+              <a:t>www.cnblogs.com/diegodu/p/6823855.html</a:t>
+            </a:r>
+            <a:endParaRPr lang="en-US" altLang="zh-CN" sz="1400" dirty="0" smtClean="0"/>
+          </a:p>
+          <a:p>
+            <a:r>
+              <a:rPr lang="zh-CN" altLang="en-US" sz="1400" dirty="0" smtClean="0"/>
+              <a:t>简书：</a:t>
+            </a:r>
+            <a:r>
+              <a:rPr lang="en-US" altLang="zh-CN" sz="1400" dirty="0">
+                <a:hlinkClick r:id="rId4"/>
+              </a:rPr>
+              <a:t>https://www.jianshu.com/p/07d3d421a877</a:t>
             </a:r>
             <a:endParaRPr lang="zh-CN" altLang="en-US" sz="1400" dirty="0"/>
           </a:p>
@@ -8741,7 +10702,7 @@
           <p:nvPr/>
         </p:nvPicPr>
         <p:blipFill>
-          <a:blip r:embed="rId4">
+          <a:blip r:embed="rId5">
             <a:extLst>
               <a:ext uri="{28A0092B-C50C-407E-A947-70E740481C1C}">
                 <a14:useLocalDpi xmlns:a14="http://schemas.microsoft.com/office/drawing/2010/main" val="0"/>
@@ -8777,149 +10738,6 @@
     <p:extLst>
       <p:ext uri="{BB962C8B-B14F-4D97-AF65-F5344CB8AC3E}">
         <p14:creationId xmlns:p14="http://schemas.microsoft.com/office/powerpoint/2010/main" val="3930769226"/>
-      </p:ext>
-    </p:extLst>
-  </p:cSld>
-  <p:clrMapOvr>
-    <a:masterClrMapping/>
-  </p:clrMapOvr>
-</p:sld>
-</file>
-
-<file path=ppt/slides/slide9.xml><?xml version="1.0" encoding="utf-8"?>
-<p:sld xmlns:a="http://schemas.openxmlformats.org/drawingml/2006/main" xmlns:r="http://schemas.openxmlformats.org/officeDocument/2006/relationships" xmlns:p="http://schemas.openxmlformats.org/presentationml/2006/main">
-  <p:cSld>
-    <p:spTree>
-      <p:nvGrpSpPr>
-        <p:cNvPr id="1" name=""/>
-        <p:cNvGrpSpPr/>
-        <p:nvPr/>
-      </p:nvGrpSpPr>
-      <p:grpSpPr>
-        <a:xfrm>
-          <a:off x="0" y="0"/>
-          <a:ext cx="0" cy="0"/>
-          <a:chOff x="0" y="0"/>
-          <a:chExt cx="0" cy="0"/>
-        </a:xfrm>
-      </p:grpSpPr>
-      <p:pic>
-        <p:nvPicPr>
-          <p:cNvPr id="3074" name="Picture 2" descr="éé»å¡IO"/>
-          <p:cNvPicPr>
-            <a:picLocks noChangeAspect="1" noChangeArrowheads="1"/>
-          </p:cNvPicPr>
-          <p:nvPr/>
-        </p:nvPicPr>
-        <p:blipFill>
-          <a:blip r:embed="rId2">
-            <a:extLst>
-              <a:ext uri="{28A0092B-C50C-407E-A947-70E740481C1C}">
-                <a14:useLocalDpi xmlns:a14="http://schemas.microsoft.com/office/drawing/2010/main" val="0"/>
-              </a:ext>
-            </a:extLst>
-          </a:blip>
-          <a:srcRect/>
-          <a:stretch>
-            <a:fillRect/>
-          </a:stretch>
-        </p:blipFill>
-        <p:spPr bwMode="auto">
-          <a:xfrm>
-            <a:off x="1706878" y="426720"/>
-            <a:ext cx="8496301" cy="4665599"/>
-          </a:xfrm>
-          <a:prstGeom prst="rect">
-            <a:avLst/>
-          </a:prstGeom>
-          <a:noFill/>
-          <a:extLst>
-            <a:ext uri="{909E8E84-426E-40DD-AFC4-6F175D3DCCD1}">
-              <a14:hiddenFill xmlns:a14="http://schemas.microsoft.com/office/drawing/2010/main">
-                <a:solidFill>
-                  <a:srgbClr val="FFFFFF"/>
-                </a:solidFill>
-              </a14:hiddenFill>
-            </a:ext>
-          </a:extLst>
-        </p:spPr>
-      </p:pic>
-      <p:sp>
-        <p:nvSpPr>
-          <p:cNvPr id="2" name="矩形 1"/>
-          <p:cNvSpPr/>
-          <p:nvPr/>
-        </p:nvSpPr>
-        <p:spPr>
-          <a:xfrm>
-            <a:off x="396239" y="5486401"/>
-            <a:ext cx="11254740" cy="646331"/>
-          </a:xfrm>
-          <a:prstGeom prst="rect">
-            <a:avLst/>
-          </a:prstGeom>
-        </p:spPr>
-        <p:txBody>
-          <a:bodyPr wrap="square">
-            <a:spAutoFit/>
-          </a:bodyPr>
-          <a:lstStyle/>
-          <a:p>
-            <a:r>
-              <a:rPr lang="zh-CN" altLang="en-US" b="1" dirty="0"/>
-              <a:t>非</a:t>
-            </a:r>
-            <a:r>
-              <a:rPr lang="zh-CN" altLang="en-US" b="1" dirty="0" smtClean="0"/>
-              <a:t>阻塞</a:t>
-            </a:r>
-            <a:r>
-              <a:rPr lang="en-US" altLang="zh-CN" b="1" dirty="0" smtClean="0"/>
-              <a:t>I/O(no blocking </a:t>
-            </a:r>
-            <a:r>
-              <a:rPr lang="en-US" altLang="zh-CN" b="1" dirty="0"/>
-              <a:t>I/O</a:t>
-            </a:r>
-            <a:r>
-              <a:rPr lang="zh-CN" altLang="en-US" b="1" dirty="0"/>
-              <a:t>）模型</a:t>
-            </a:r>
-            <a:r>
-              <a:rPr lang="zh-CN" altLang="en-US" dirty="0"/>
-              <a:t>，</a:t>
-            </a:r>
-            <a:r>
-              <a:rPr lang="zh-CN" altLang="en-US" dirty="0" smtClean="0"/>
-              <a:t>当</a:t>
-            </a:r>
-            <a:r>
-              <a:rPr lang="zh-CN" altLang="en-US" dirty="0"/>
-              <a:t>一个应用进程像这样对一个非阻塞描述字循环调用</a:t>
-            </a:r>
-            <a:r>
-              <a:rPr lang="en-US" altLang="zh-CN" dirty="0" err="1"/>
-              <a:t>recvfrom</a:t>
-            </a:r>
-            <a:r>
-              <a:rPr lang="zh-CN" altLang="en-US" dirty="0"/>
-              <a:t>时，我们称之为轮询（</a:t>
-            </a:r>
-            <a:r>
-              <a:rPr lang="en-US" altLang="zh-CN" dirty="0"/>
-              <a:t>polling</a:t>
-            </a:r>
-            <a:r>
-              <a:rPr lang="zh-CN" altLang="en-US" dirty="0"/>
-              <a:t>）。应用进程持续轮询内核，以查看某个操作是否就绪。</a:t>
-            </a:r>
-          </a:p>
-        </p:txBody>
-      </p:sp>
-    </p:spTree>
-    <p:extLst>
-      <p:ext uri="{BB962C8B-B14F-4D97-AF65-F5344CB8AC3E}">
-        <p14:creationId xmlns:p14="http://schemas.microsoft.com/office/powerpoint/2010/main" val="3877995910"/>
       </p:ext>
     </p:extLst>
   </p:cSld>

--- a/Netty入门指南.pptx
+++ b/Netty入门指南.pptx
@@ -6328,22 +6328,10 @@
               <a:t>IO</a:t>
             </a:r>
             <a:r>
-              <a:rPr lang="zh-CN" altLang="en-US" dirty="0">
-                <a:latin typeface="+mn-ea"/>
-              </a:rPr>
-              <a:t>操作</a:t>
-            </a:r>
-            <a:r>
-              <a:rPr lang="en-US" altLang="zh-CN" dirty="0">
-                <a:latin typeface="+mn-ea"/>
-              </a:rPr>
-              <a:t>. </a:t>
-            </a:r>
-            <a:r>
-              <a:rPr lang="zh-CN" altLang="en-US" dirty="0">
-                <a:latin typeface="+mn-ea"/>
-              </a:rPr>
-              <a:t>其中</a:t>
+              <a:rPr lang="zh-CN" altLang="en-US" smtClean="0">
+                <a:latin typeface="+mn-ea"/>
+              </a:rPr>
+              <a:t>操作。其中</a:t>
             </a:r>
             <a:r>
               <a:rPr lang="en-US" altLang="zh-CN" dirty="0">
@@ -9026,11 +9014,7 @@
             </a:r>
             <a:r>
               <a:rPr lang="zh-CN" altLang="en-US" dirty="0" smtClean="0"/>
-              <a:t>控制台</a:t>
-            </a:r>
-            <a:r>
-              <a:rPr lang="zh-CN" altLang="en-US" dirty="0" smtClean="0"/>
-              <a:t>输出：</a:t>
+              <a:t>控制台输出：</a:t>
             </a:r>
             <a:endParaRPr lang="en-US" altLang="zh-CN" dirty="0" smtClean="0"/>
           </a:p>
@@ -9252,19 +9236,7 @@
               <a:rPr lang="zh-CN" altLang="en-US" dirty="0" smtClean="0">
                 <a:latin typeface="+mn-ea"/>
               </a:rPr>
-              <a:t>列出当前系统打开文件的工具，每行显示一个打开的文件</a:t>
-            </a:r>
-            <a:r>
-              <a:rPr lang="zh-CN" altLang="en-US" dirty="0" smtClean="0">
-                <a:latin typeface="+mn-ea"/>
-              </a:rPr>
-              <a:t>，不加参数默认列举</a:t>
-            </a:r>
-            <a:r>
-              <a:rPr lang="zh-CN" altLang="en-US" dirty="0" smtClean="0">
-                <a:latin typeface="+mn-ea"/>
-              </a:rPr>
-              <a:t>系统打开的所有文件。</a:t>
+              <a:t>列出当前系统打开文件的工具，每行显示一个打开的文件，不加参数默认列举系统打开的所有文件。</a:t>
             </a:r>
             <a:endParaRPr lang="en-US" altLang="zh-CN" dirty="0" smtClean="0">
               <a:latin typeface="+mn-ea"/>
@@ -9559,73 +9531,55 @@
               <a:rPr lang="zh-CN" altLang="en-US" dirty="0">
                 <a:latin typeface="+mn-ea"/>
               </a:rPr>
-              <a:t>时，超过</a:t>
+              <a:t>时，超过对象作用域</a:t>
+            </a:r>
+            <a:r>
+              <a:rPr lang="zh-CN" altLang="en-US" dirty="0" smtClean="0">
+                <a:latin typeface="+mn-ea"/>
+              </a:rPr>
+              <a:t>的</a:t>
+            </a:r>
+            <a:r>
+              <a:rPr lang="en-US" altLang="zh-CN" dirty="0">
+                <a:latin typeface="+mn-ea"/>
+              </a:rPr>
+              <a:t>IO</a:t>
             </a:r>
             <a:r>
               <a:rPr lang="zh-CN" altLang="en-US" dirty="0">
                 <a:latin typeface="+mn-ea"/>
               </a:rPr>
-              <a:t>对象</a:t>
+              <a:t>流</a:t>
+            </a:r>
+            <a:r>
+              <a:rPr lang="zh-CN" altLang="en-US" dirty="0" smtClean="0">
+                <a:latin typeface="+mn-ea"/>
+              </a:rPr>
+              <a:t>可能关闭</a:t>
             </a:r>
             <a:r>
               <a:rPr lang="zh-CN" altLang="en-US" dirty="0">
                 <a:latin typeface="+mn-ea"/>
               </a:rPr>
-              <a:t>作用域</a:t>
+              <a:t>，会将运行结束线程中的</a:t>
+            </a:r>
+            <a:r>
+              <a:rPr lang="en-US" altLang="zh-CN" dirty="0">
+                <a:latin typeface="+mn-ea"/>
+              </a:rPr>
+              <a:t>IO</a:t>
+            </a:r>
+            <a:r>
+              <a:rPr lang="zh-CN" altLang="en-US" dirty="0">
+                <a:latin typeface="+mn-ea"/>
+              </a:rPr>
+              <a:t>流</a:t>
             </a:r>
             <a:r>
               <a:rPr lang="zh-CN" altLang="en-US" dirty="0" smtClean="0">
                 <a:latin typeface="+mn-ea"/>
               </a:rPr>
-              <a:t>的</a:t>
-            </a:r>
-            <a:r>
-              <a:rPr lang="en-US" altLang="zh-CN" dirty="0">
-                <a:latin typeface="+mn-ea"/>
-              </a:rPr>
-              <a:t>IO</a:t>
-            </a:r>
-            <a:r>
-              <a:rPr lang="zh-CN" altLang="en-US" dirty="0">
-                <a:latin typeface="+mn-ea"/>
-              </a:rPr>
-              <a:t>流</a:t>
-            </a:r>
-            <a:r>
-              <a:rPr lang="zh-CN" altLang="en-US" dirty="0" smtClean="0">
-                <a:latin typeface="+mn-ea"/>
-              </a:rPr>
-              <a:t>可能关闭</a:t>
-            </a:r>
-            <a:r>
-              <a:rPr lang="zh-CN" altLang="en-US" dirty="0">
-                <a:latin typeface="+mn-ea"/>
-              </a:rPr>
-              <a:t>，会将运行结束线程中的</a:t>
-            </a:r>
-            <a:r>
-              <a:rPr lang="en-US" altLang="zh-CN" dirty="0">
-                <a:latin typeface="+mn-ea"/>
-              </a:rPr>
-              <a:t>IO</a:t>
-            </a:r>
-            <a:r>
-              <a:rPr lang="zh-CN" altLang="en-US" dirty="0">
-                <a:latin typeface="+mn-ea"/>
-              </a:rPr>
-              <a:t>流</a:t>
-            </a:r>
-            <a:r>
-              <a:rPr lang="zh-CN" altLang="en-US" dirty="0" smtClean="0">
-                <a:latin typeface="+mn-ea"/>
-              </a:rPr>
-              <a:t>关闭</a:t>
-            </a:r>
-            <a:r>
-              <a:rPr lang="zh-CN" altLang="en-US" dirty="0" smtClean="0">
-                <a:latin typeface="+mn-ea"/>
-              </a:rPr>
-              <a:t>。</a:t>
+              <a:t>关闭。</a:t>
             </a:r>
             <a:endParaRPr lang="en-US" altLang="zh-CN" dirty="0" smtClean="0">
               <a:latin typeface="+mn-ea"/>
@@ -10017,49 +9971,43 @@
               <a:rPr lang="zh-CN" altLang="en-US" dirty="0" smtClean="0">
                 <a:latin typeface="+mn-ea"/>
               </a:rPr>
-              <a:t>    经常</a:t>
+              <a:t>    经常在使用</a:t>
+            </a:r>
+            <a:r>
+              <a:rPr lang="en-US" altLang="zh-CN" dirty="0" err="1" smtClean="0">
+                <a:latin typeface="+mn-ea"/>
+              </a:rPr>
+              <a:t>linux</a:t>
+            </a:r>
+            <a:r>
+              <a:rPr lang="zh-CN" altLang="en-US" dirty="0" smtClean="0">
+                <a:latin typeface="+mn-ea"/>
+              </a:rPr>
+              <a:t>的时候出现，大多数</a:t>
             </a:r>
             <a:r>
               <a:rPr lang="zh-CN" altLang="en-US" dirty="0">
                 <a:latin typeface="+mn-ea"/>
               </a:rPr>
-              <a:t>在</a:t>
+              <a:t>情况是由于程序没有正常关闭一些资源引起的，所以出现这种情况，请</a:t>
             </a:r>
             <a:r>
               <a:rPr lang="zh-CN" altLang="en-US" dirty="0" smtClean="0">
                 <a:latin typeface="+mn-ea"/>
               </a:rPr>
-              <a:t>使用</a:t>
-            </a:r>
-            <a:r>
-              <a:rPr lang="en-US" altLang="zh-CN" dirty="0" err="1" smtClean="0">
-                <a:latin typeface="+mn-ea"/>
-              </a:rPr>
-              <a:t>linux</a:t>
-            </a:r>
-            <a:r>
-              <a:rPr lang="zh-CN" altLang="en-US" dirty="0">
-                <a:latin typeface="+mn-ea"/>
-              </a:rPr>
-              <a:t>的时候出现，大多数情况是由于程序没有正常关闭一些资源引起的，所以出现这种情况，请</a:t>
+              <a:t>检查</a:t>
+            </a:r>
+            <a:r>
+              <a:rPr lang="en-US" altLang="zh-CN" dirty="0" smtClean="0">
+                <a:latin typeface="+mn-ea"/>
+              </a:rPr>
+              <a:t>IO</a:t>
             </a:r>
             <a:r>
               <a:rPr lang="zh-CN" altLang="en-US" dirty="0" smtClean="0">
                 <a:latin typeface="+mn-ea"/>
               </a:rPr>
-              <a:t>检查</a:t>
-            </a:r>
-            <a:r>
-              <a:rPr lang="en-US" altLang="zh-CN" dirty="0" smtClean="0">
-                <a:latin typeface="+mn-ea"/>
-              </a:rPr>
-              <a:t>IO</a:t>
-            </a:r>
-            <a:r>
-              <a:rPr lang="zh-CN" altLang="en-US" dirty="0" smtClean="0">
-                <a:latin typeface="+mn-ea"/>
-              </a:rPr>
-              <a:t>读写，</a:t>
+              <a:t>读写、</a:t>
             </a:r>
             <a:r>
               <a:rPr lang="en-US" altLang="zh-CN" dirty="0" smtClean="0">
@@ -10325,7 +10273,11 @@
             </a:r>
             <a:r>
               <a:rPr lang="en-US" altLang="zh-CN" dirty="0"/>
-              <a:t> </a:t>
+              <a:t> /</a:t>
+            </a:r>
+            <a:r>
+              <a:rPr lang="en-US" altLang="zh-CN" dirty="0" err="1"/>
+              <a:t>usr</a:t>
             </a:r>
             <a:r>
               <a:rPr lang="en-US" altLang="zh-CN" dirty="0"/>
@@ -10333,7 +10285,7 @@
             </a:r>
             <a:r>
               <a:rPr lang="en-US" altLang="zh-CN" dirty="0" err="1"/>
-              <a:t>usr</a:t>
+              <a:t>sbin</a:t>
             </a:r>
             <a:r>
               <a:rPr lang="en-US" altLang="zh-CN" dirty="0"/>
@@ -10341,23 +10293,11 @@
             </a:r>
             <a:r>
               <a:rPr lang="en-US" altLang="zh-CN" dirty="0" err="1"/>
-              <a:t>sbin</a:t>
+              <a:t>lsof</a:t>
             </a:r>
             <a:r>
               <a:rPr lang="en-US" altLang="zh-CN" dirty="0"/>
-              <a:t>/</a:t>
-            </a:r>
-            <a:r>
-              <a:rPr lang="en-US" altLang="zh-CN" dirty="0" err="1"/>
-              <a:t>lsof</a:t>
-            </a:r>
-            <a:r>
-              <a:rPr lang="en-US" altLang="zh-CN" dirty="0"/>
-              <a:t> </a:t>
-            </a:r>
-            <a:r>
-              <a:rPr lang="en-US" altLang="zh-CN" dirty="0"/>
-              <a:t>-</a:t>
+              <a:t> -</a:t>
             </a:r>
             <a:r>
               <a:rPr lang="en-US" altLang="zh-CN" dirty="0" err="1"/>

--- a/Netty入门指南.pptx
+++ b/Netty入门指南.pptx
@@ -220,7 +220,7 @@
           <a:p>
             <a:fld id="{1A936FBA-7D4A-41DA-9DAD-4525C551E219}" type="datetimeFigureOut">
               <a:rPr lang="zh-CN" altLang="en-US" smtClean="0"/>
-              <a:t>2019/10/23</a:t>
+              <a:t>2019/10/24</a:t>
             </a:fld>
             <a:endParaRPr lang="zh-CN" altLang="en-US"/>
           </a:p>
@@ -1539,7 +1539,7 @@
           <a:p>
             <a:fld id="{CA6DA839-CEC4-41F8-84E7-732CD3CAE949}" type="datetimeFigureOut">
               <a:rPr lang="zh-CN" altLang="en-US" smtClean="0"/>
-              <a:t>2019/10/23</a:t>
+              <a:t>2019/10/24</a:t>
             </a:fld>
             <a:endParaRPr lang="zh-CN" altLang="en-US"/>
           </a:p>
@@ -1709,7 +1709,7 @@
           <a:p>
             <a:fld id="{CA6DA839-CEC4-41F8-84E7-732CD3CAE949}" type="datetimeFigureOut">
               <a:rPr lang="zh-CN" altLang="en-US" smtClean="0"/>
-              <a:t>2019/10/23</a:t>
+              <a:t>2019/10/24</a:t>
             </a:fld>
             <a:endParaRPr lang="zh-CN" altLang="en-US"/>
           </a:p>
@@ -1889,7 +1889,7 @@
           <a:p>
             <a:fld id="{CA6DA839-CEC4-41F8-84E7-732CD3CAE949}" type="datetimeFigureOut">
               <a:rPr lang="zh-CN" altLang="en-US" smtClean="0"/>
-              <a:t>2019/10/23</a:t>
+              <a:t>2019/10/24</a:t>
             </a:fld>
             <a:endParaRPr lang="zh-CN" altLang="en-US"/>
           </a:p>
@@ -2059,7 +2059,7 @@
           <a:p>
             <a:fld id="{CA6DA839-CEC4-41F8-84E7-732CD3CAE949}" type="datetimeFigureOut">
               <a:rPr lang="zh-CN" altLang="en-US" smtClean="0"/>
-              <a:t>2019/10/23</a:t>
+              <a:t>2019/10/24</a:t>
             </a:fld>
             <a:endParaRPr lang="zh-CN" altLang="en-US"/>
           </a:p>
@@ -2305,7 +2305,7 @@
           <a:p>
             <a:fld id="{CA6DA839-CEC4-41F8-84E7-732CD3CAE949}" type="datetimeFigureOut">
               <a:rPr lang="zh-CN" altLang="en-US" smtClean="0"/>
-              <a:t>2019/10/23</a:t>
+              <a:t>2019/10/24</a:t>
             </a:fld>
             <a:endParaRPr lang="zh-CN" altLang="en-US"/>
           </a:p>
@@ -2537,7 +2537,7 @@
           <a:p>
             <a:fld id="{CA6DA839-CEC4-41F8-84E7-732CD3CAE949}" type="datetimeFigureOut">
               <a:rPr lang="zh-CN" altLang="en-US" smtClean="0"/>
-              <a:t>2019/10/23</a:t>
+              <a:t>2019/10/24</a:t>
             </a:fld>
             <a:endParaRPr lang="zh-CN" altLang="en-US"/>
           </a:p>
@@ -2904,7 +2904,7 @@
           <a:p>
             <a:fld id="{CA6DA839-CEC4-41F8-84E7-732CD3CAE949}" type="datetimeFigureOut">
               <a:rPr lang="zh-CN" altLang="en-US" smtClean="0"/>
-              <a:t>2019/10/23</a:t>
+              <a:t>2019/10/24</a:t>
             </a:fld>
             <a:endParaRPr lang="zh-CN" altLang="en-US"/>
           </a:p>
@@ -3022,7 +3022,7 @@
           <a:p>
             <a:fld id="{CA6DA839-CEC4-41F8-84E7-732CD3CAE949}" type="datetimeFigureOut">
               <a:rPr lang="zh-CN" altLang="en-US" smtClean="0"/>
-              <a:t>2019/10/23</a:t>
+              <a:t>2019/10/24</a:t>
             </a:fld>
             <a:endParaRPr lang="zh-CN" altLang="en-US"/>
           </a:p>
@@ -3117,7 +3117,7 @@
           <a:p>
             <a:fld id="{CA6DA839-CEC4-41F8-84E7-732CD3CAE949}" type="datetimeFigureOut">
               <a:rPr lang="zh-CN" altLang="en-US" smtClean="0"/>
-              <a:t>2019/10/23</a:t>
+              <a:t>2019/10/24</a:t>
             </a:fld>
             <a:endParaRPr lang="zh-CN" altLang="en-US"/>
           </a:p>
@@ -3394,7 +3394,7 @@
           <a:p>
             <a:fld id="{CA6DA839-CEC4-41F8-84E7-732CD3CAE949}" type="datetimeFigureOut">
               <a:rPr lang="zh-CN" altLang="en-US" smtClean="0"/>
-              <a:t>2019/10/23</a:t>
+              <a:t>2019/10/24</a:t>
             </a:fld>
             <a:endParaRPr lang="zh-CN" altLang="en-US"/>
           </a:p>
@@ -3647,7 +3647,7 @@
           <a:p>
             <a:fld id="{CA6DA839-CEC4-41F8-84E7-732CD3CAE949}" type="datetimeFigureOut">
               <a:rPr lang="zh-CN" altLang="en-US" smtClean="0"/>
-              <a:t>2019/10/23</a:t>
+              <a:t>2019/10/24</a:t>
             </a:fld>
             <a:endParaRPr lang="zh-CN" altLang="en-US"/>
           </a:p>
@@ -3860,7 +3860,7 @@
           <a:p>
             <a:fld id="{CA6DA839-CEC4-41F8-84E7-732CD3CAE949}" type="datetimeFigureOut">
               <a:rPr lang="zh-CN" altLang="en-US" smtClean="0"/>
-              <a:t>2019/10/23</a:t>
+              <a:t>2019/10/24</a:t>
             </a:fld>
             <a:endParaRPr lang="zh-CN" altLang="en-US"/>
           </a:p>
@@ -4427,7 +4427,11 @@
             </a:r>
             <a:r>
               <a:rPr lang="en-US" altLang="zh-CN" b="1" dirty="0" smtClean="0"/>
-              <a:t>I/O(no blocking </a:t>
+              <a:t>I/O(non </a:t>
+            </a:r>
+            <a:r>
+              <a:rPr lang="en-US" altLang="zh-CN" b="1" dirty="0" smtClean="0"/>
+              <a:t>blocking </a:t>
             </a:r>
             <a:r>
               <a:rPr lang="en-US" altLang="zh-CN" b="1" dirty="0"/>
@@ -7349,7 +7353,7 @@
         </p:blipFill>
         <p:spPr>
           <a:xfrm>
-            <a:off x="87630" y="0"/>
+            <a:off x="87630" y="627017"/>
             <a:ext cx="12001500" cy="4686300"/>
           </a:xfrm>
           <a:prstGeom prst="rect">
@@ -7581,22 +7585,52 @@
               <a:t>3</a:t>
             </a:r>
             <a:r>
+              <a:rPr lang="zh-CN" altLang="en-US" smtClean="0">
+                <a:latin typeface="+mn-ea"/>
+              </a:rPr>
+              <a:t>、</a:t>
+            </a:r>
+            <a:r>
+              <a:rPr lang="zh-CN" altLang="en-US" smtClean="0">
+                <a:latin typeface="+mn-ea"/>
+              </a:rPr>
+              <a:t>网络资源：</a:t>
+            </a:r>
+            <a:r>
+              <a:rPr lang="en-US" altLang="zh-CN" dirty="0" smtClean="0">
+                <a:latin typeface="+mn-ea"/>
+              </a:rPr>
+              <a:t>CSDN</a:t>
+            </a:r>
+            <a:r>
               <a:rPr lang="zh-CN" altLang="en-US" dirty="0" smtClean="0">
                 <a:latin typeface="+mn-ea"/>
               </a:rPr>
-              <a:t>、网络博客：</a:t>
-            </a:r>
-            <a:r>
-              <a:rPr lang="en-US" altLang="zh-CN" dirty="0" smtClean="0">
-                <a:latin typeface="+mn-ea"/>
-              </a:rPr>
-              <a:t>CSDN</a:t>
+              <a:t>、博客园</a:t>
             </a:r>
             <a:r>
               <a:rPr lang="zh-CN" altLang="en-US" dirty="0" smtClean="0">
                 <a:latin typeface="+mn-ea"/>
               </a:rPr>
-              <a:t>、博客园、知乎等</a:t>
+              <a:t>、</a:t>
+            </a:r>
+            <a:r>
+              <a:rPr lang="zh-CN" altLang="en-US" dirty="0" smtClean="0">
+                <a:latin typeface="+mn-ea"/>
+              </a:rPr>
+              <a:t>简书、</a:t>
+            </a:r>
+            <a:r>
+              <a:rPr lang="zh-CN" altLang="en-US" dirty="0" smtClean="0">
+                <a:latin typeface="+mn-ea"/>
+              </a:rPr>
+              <a:t>知</a:t>
+            </a:r>
+            <a:r>
+              <a:rPr lang="zh-CN" altLang="en-US" dirty="0" smtClean="0">
+                <a:latin typeface="+mn-ea"/>
+              </a:rPr>
+              <a:t>乎等</a:t>
             </a:r>
             <a:endParaRPr lang="en-US" altLang="zh-CN" dirty="0" smtClean="0">
               <a:latin typeface="+mn-ea"/>

--- a/Netty入门指南.pptx
+++ b/Netty入门指南.pptx
@@ -12,8 +12,8 @@
     <p:sldId id="257" r:id="rId3"/>
     <p:sldId id="258" r:id="rId4"/>
     <p:sldId id="259" r:id="rId5"/>
-    <p:sldId id="260" r:id="rId6"/>
-    <p:sldId id="267" r:id="rId7"/>
+    <p:sldId id="267" r:id="rId6"/>
+    <p:sldId id="260" r:id="rId7"/>
     <p:sldId id="277" r:id="rId8"/>
     <p:sldId id="269" r:id="rId9"/>
     <p:sldId id="268" r:id="rId10"/>
@@ -22,10 +22,10 @@
     <p:sldId id="272" r:id="rId13"/>
     <p:sldId id="273" r:id="rId14"/>
     <p:sldId id="274" r:id="rId15"/>
-    <p:sldId id="275" r:id="rId16"/>
-    <p:sldId id="276" r:id="rId17"/>
-    <p:sldId id="278" r:id="rId18"/>
-    <p:sldId id="279" r:id="rId19"/>
+    <p:sldId id="276" r:id="rId16"/>
+    <p:sldId id="278" r:id="rId17"/>
+    <p:sldId id="279" r:id="rId18"/>
+    <p:sldId id="275" r:id="rId19"/>
     <p:sldId id="261" r:id="rId20"/>
     <p:sldId id="262" r:id="rId21"/>
     <p:sldId id="263" r:id="rId22"/>
@@ -220,7 +220,7 @@
           <a:p>
             <a:fld id="{1A936FBA-7D4A-41DA-9DAD-4525C551E219}" type="datetimeFigureOut">
               <a:rPr lang="zh-CN" altLang="en-US" smtClean="0"/>
-              <a:t>2019/10/24</a:t>
+              <a:t>2019/11/7</a:t>
             </a:fld>
             <a:endParaRPr lang="zh-CN" altLang="en-US"/>
           </a:p>
@@ -952,7 +952,7 @@
     </p:spTree>
     <p:extLst>
       <p:ext uri="{BB962C8B-B14F-4D97-AF65-F5344CB8AC3E}">
-        <p14:creationId xmlns:p14="http://schemas.microsoft.com/office/powerpoint/2010/main" val="1763236743"/>
+        <p14:creationId xmlns:p14="http://schemas.microsoft.com/office/powerpoint/2010/main" val="4044305252"/>
       </p:ext>
     </p:extLst>
   </p:cSld>
@@ -1061,7 +1061,7 @@
     </p:spTree>
     <p:extLst>
       <p:ext uri="{BB962C8B-B14F-4D97-AF65-F5344CB8AC3E}">
-        <p14:creationId xmlns:p14="http://schemas.microsoft.com/office/powerpoint/2010/main" val="4044305252"/>
+        <p14:creationId xmlns:p14="http://schemas.microsoft.com/office/powerpoint/2010/main" val="1763236743"/>
       </p:ext>
     </p:extLst>
   </p:cSld>
@@ -1539,7 +1539,7 @@
           <a:p>
             <a:fld id="{CA6DA839-CEC4-41F8-84E7-732CD3CAE949}" type="datetimeFigureOut">
               <a:rPr lang="zh-CN" altLang="en-US" smtClean="0"/>
-              <a:t>2019/10/24</a:t>
+              <a:t>2019/11/7</a:t>
             </a:fld>
             <a:endParaRPr lang="zh-CN" altLang="en-US"/>
           </a:p>
@@ -1709,7 +1709,7 @@
           <a:p>
             <a:fld id="{CA6DA839-CEC4-41F8-84E7-732CD3CAE949}" type="datetimeFigureOut">
               <a:rPr lang="zh-CN" altLang="en-US" smtClean="0"/>
-              <a:t>2019/10/24</a:t>
+              <a:t>2019/11/7</a:t>
             </a:fld>
             <a:endParaRPr lang="zh-CN" altLang="en-US"/>
           </a:p>
@@ -1889,7 +1889,7 @@
           <a:p>
             <a:fld id="{CA6DA839-CEC4-41F8-84E7-732CD3CAE949}" type="datetimeFigureOut">
               <a:rPr lang="zh-CN" altLang="en-US" smtClean="0"/>
-              <a:t>2019/10/24</a:t>
+              <a:t>2019/11/7</a:t>
             </a:fld>
             <a:endParaRPr lang="zh-CN" altLang="en-US"/>
           </a:p>
@@ -2059,7 +2059,7 @@
           <a:p>
             <a:fld id="{CA6DA839-CEC4-41F8-84E7-732CD3CAE949}" type="datetimeFigureOut">
               <a:rPr lang="zh-CN" altLang="en-US" smtClean="0"/>
-              <a:t>2019/10/24</a:t>
+              <a:t>2019/11/7</a:t>
             </a:fld>
             <a:endParaRPr lang="zh-CN" altLang="en-US"/>
           </a:p>
@@ -2305,7 +2305,7 @@
           <a:p>
             <a:fld id="{CA6DA839-CEC4-41F8-84E7-732CD3CAE949}" type="datetimeFigureOut">
               <a:rPr lang="zh-CN" altLang="en-US" smtClean="0"/>
-              <a:t>2019/10/24</a:t>
+              <a:t>2019/11/7</a:t>
             </a:fld>
             <a:endParaRPr lang="zh-CN" altLang="en-US"/>
           </a:p>
@@ -2537,7 +2537,7 @@
           <a:p>
             <a:fld id="{CA6DA839-CEC4-41F8-84E7-732CD3CAE949}" type="datetimeFigureOut">
               <a:rPr lang="zh-CN" altLang="en-US" smtClean="0"/>
-              <a:t>2019/10/24</a:t>
+              <a:t>2019/11/7</a:t>
             </a:fld>
             <a:endParaRPr lang="zh-CN" altLang="en-US"/>
           </a:p>
@@ -2904,7 +2904,7 @@
           <a:p>
             <a:fld id="{CA6DA839-CEC4-41F8-84E7-732CD3CAE949}" type="datetimeFigureOut">
               <a:rPr lang="zh-CN" altLang="en-US" smtClean="0"/>
-              <a:t>2019/10/24</a:t>
+              <a:t>2019/11/7</a:t>
             </a:fld>
             <a:endParaRPr lang="zh-CN" altLang="en-US"/>
           </a:p>
@@ -3022,7 +3022,7 @@
           <a:p>
             <a:fld id="{CA6DA839-CEC4-41F8-84E7-732CD3CAE949}" type="datetimeFigureOut">
               <a:rPr lang="zh-CN" altLang="en-US" smtClean="0"/>
-              <a:t>2019/10/24</a:t>
+              <a:t>2019/11/7</a:t>
             </a:fld>
             <a:endParaRPr lang="zh-CN" altLang="en-US"/>
           </a:p>
@@ -3117,7 +3117,7 @@
           <a:p>
             <a:fld id="{CA6DA839-CEC4-41F8-84E7-732CD3CAE949}" type="datetimeFigureOut">
               <a:rPr lang="zh-CN" altLang="en-US" smtClean="0"/>
-              <a:t>2019/10/24</a:t>
+              <a:t>2019/11/7</a:t>
             </a:fld>
             <a:endParaRPr lang="zh-CN" altLang="en-US"/>
           </a:p>
@@ -3394,7 +3394,7 @@
           <a:p>
             <a:fld id="{CA6DA839-CEC4-41F8-84E7-732CD3CAE949}" type="datetimeFigureOut">
               <a:rPr lang="zh-CN" altLang="en-US" smtClean="0"/>
-              <a:t>2019/10/24</a:t>
+              <a:t>2019/11/7</a:t>
             </a:fld>
             <a:endParaRPr lang="zh-CN" altLang="en-US"/>
           </a:p>
@@ -3647,7 +3647,7 @@
           <a:p>
             <a:fld id="{CA6DA839-CEC4-41F8-84E7-732CD3CAE949}" type="datetimeFigureOut">
               <a:rPr lang="zh-CN" altLang="en-US" smtClean="0"/>
-              <a:t>2019/10/24</a:t>
+              <a:t>2019/11/7</a:t>
             </a:fld>
             <a:endParaRPr lang="zh-CN" altLang="en-US"/>
           </a:p>
@@ -3860,7 +3860,7 @@
           <a:p>
             <a:fld id="{CA6DA839-CEC4-41F8-84E7-732CD3CAE949}" type="datetimeFigureOut">
               <a:rPr lang="zh-CN" altLang="en-US" smtClean="0"/>
-              <a:t>2019/10/24</a:t>
+              <a:t>2019/11/7</a:t>
             </a:fld>
             <a:endParaRPr lang="zh-CN" altLang="en-US"/>
           </a:p>
@@ -4427,11 +4427,7 @@
             </a:r>
             <a:r>
               <a:rPr lang="en-US" altLang="zh-CN" b="1" dirty="0" smtClean="0"/>
-              <a:t>I/O(non </a:t>
-            </a:r>
-            <a:r>
-              <a:rPr lang="en-US" altLang="zh-CN" b="1" dirty="0" smtClean="0"/>
-              <a:t>blocking </a:t>
+              <a:t>I/O(non blocking </a:t>
             </a:r>
             <a:r>
               <a:rPr lang="en-US" altLang="zh-CN" b="1" dirty="0"/>
@@ -5065,635 +5061,6 @@
         </p:nvSpPr>
         <p:spPr>
           <a:xfrm>
-            <a:off x="243840" y="327303"/>
-            <a:ext cx="11605260" cy="3693319"/>
-          </a:xfrm>
-          <a:prstGeom prst="rect">
-            <a:avLst/>
-          </a:prstGeom>
-        </p:spPr>
-        <p:txBody>
-          <a:bodyPr wrap="square">
-            <a:spAutoFit/>
-          </a:bodyPr>
-          <a:lstStyle/>
-          <a:p>
-            <a:r>
-              <a:rPr lang="zh-CN" altLang="en-US" b="1" dirty="0"/>
-              <a:t>同步</a:t>
-            </a:r>
-            <a:r>
-              <a:rPr lang="en-US" altLang="zh-CN" b="1" dirty="0"/>
-              <a:t>IO</a:t>
-            </a:r>
-            <a:r>
-              <a:rPr lang="zh-CN" altLang="en-US" b="1" dirty="0"/>
-              <a:t>、异步</a:t>
-            </a:r>
-            <a:r>
-              <a:rPr lang="en-US" altLang="zh-CN" b="1" dirty="0"/>
-              <a:t>IO</a:t>
-            </a:r>
-            <a:r>
-              <a:rPr lang="zh-CN" altLang="en-US" b="1" dirty="0"/>
-              <a:t>、阻塞</a:t>
-            </a:r>
-            <a:r>
-              <a:rPr lang="en-US" altLang="zh-CN" b="1" dirty="0"/>
-              <a:t>IO</a:t>
-            </a:r>
-            <a:r>
-              <a:rPr lang="zh-CN" altLang="en-US" b="1" dirty="0"/>
-              <a:t>、非阻塞</a:t>
-            </a:r>
-            <a:r>
-              <a:rPr lang="en-US" altLang="zh-CN" b="1" dirty="0" smtClean="0"/>
-              <a:t>IO</a:t>
-            </a:r>
-            <a:r>
-              <a:rPr lang="zh-CN" altLang="en-US" b="1" dirty="0" smtClean="0"/>
-              <a:t>：</a:t>
-            </a:r>
-            <a:endParaRPr lang="en-US" altLang="zh-CN" b="1" dirty="0" smtClean="0"/>
-          </a:p>
-          <a:p>
-            <a:endParaRPr lang="en-US" altLang="zh-CN" dirty="0"/>
-          </a:p>
-          <a:p>
-            <a:r>
-              <a:rPr lang="zh-CN" altLang="en-US" dirty="0"/>
-              <a:t>一个</a:t>
-            </a:r>
-            <a:r>
-              <a:rPr lang="en-US" altLang="zh-CN" dirty="0"/>
-              <a:t>IO</a:t>
-            </a:r>
-            <a:r>
-              <a:rPr lang="zh-CN" altLang="en-US" dirty="0"/>
-              <a:t>操作可以分为两个步骤：发起</a:t>
-            </a:r>
-            <a:r>
-              <a:rPr lang="en-US" altLang="zh-CN" dirty="0"/>
-              <a:t>IO</a:t>
-            </a:r>
-            <a:r>
-              <a:rPr lang="zh-CN" altLang="en-US" dirty="0"/>
-              <a:t>请求和实际的</a:t>
-            </a:r>
-            <a:r>
-              <a:rPr lang="en-US" altLang="zh-CN" dirty="0"/>
-              <a:t>IO</a:t>
-            </a:r>
-            <a:r>
-              <a:rPr lang="zh-CN" altLang="en-US" dirty="0"/>
-              <a:t>操作</a:t>
-            </a:r>
-          </a:p>
-          <a:p>
-            <a:r>
-              <a:rPr lang="zh-CN" altLang="en-US" dirty="0" smtClean="0"/>
-              <a:t>例如</a:t>
-            </a:r>
-            <a:r>
-              <a:rPr lang="zh-CN" altLang="en-US" dirty="0"/>
-              <a:t>：</a:t>
-            </a:r>
-          </a:p>
-          <a:p>
-            <a:r>
-              <a:rPr lang="en-US" altLang="zh-CN" dirty="0"/>
-              <a:t>1</a:t>
-            </a:r>
-            <a:r>
-              <a:rPr lang="zh-CN" altLang="en-US" dirty="0"/>
-              <a:t>、操作系统的一次写操作分为两步：将数据从用户空间拷贝到系统空间；从系统空间往网卡写。</a:t>
-            </a:r>
-          </a:p>
-          <a:p>
-            <a:r>
-              <a:rPr lang="en-US" altLang="zh-CN" dirty="0"/>
-              <a:t>2</a:t>
-            </a:r>
-            <a:r>
-              <a:rPr lang="zh-CN" altLang="en-US" dirty="0"/>
-              <a:t>、一次读操作分为两步：将数据从网卡拷贝到系统空间；将数据从系统空间拷贝到用户空间。</a:t>
-            </a:r>
-          </a:p>
-          <a:p>
-            <a:endParaRPr lang="zh-CN" altLang="en-US" dirty="0"/>
-          </a:p>
-          <a:p>
-            <a:r>
-              <a:rPr lang="zh-CN" altLang="en-US" dirty="0"/>
-              <a:t>阻塞</a:t>
-            </a:r>
-            <a:r>
-              <a:rPr lang="en-US" altLang="zh-CN" dirty="0"/>
-              <a:t>IO</a:t>
-            </a:r>
-            <a:r>
-              <a:rPr lang="zh-CN" altLang="en-US" dirty="0"/>
-              <a:t>和非阻塞</a:t>
-            </a:r>
-            <a:r>
-              <a:rPr lang="en-US" altLang="zh-CN" dirty="0"/>
-              <a:t>IO</a:t>
-            </a:r>
-            <a:r>
-              <a:rPr lang="zh-CN" altLang="en-US" dirty="0"/>
-              <a:t>的区别在于第一步，发起</a:t>
-            </a:r>
-            <a:r>
-              <a:rPr lang="en-US" altLang="zh-CN" dirty="0"/>
-              <a:t>IO</a:t>
-            </a:r>
-            <a:r>
-              <a:rPr lang="zh-CN" altLang="en-US" dirty="0"/>
-              <a:t>请求是否会被阻塞，如果阻塞直到完成那么就是传统的阻塞</a:t>
-            </a:r>
-            <a:r>
-              <a:rPr lang="en-US" altLang="zh-CN" dirty="0"/>
-              <a:t>IO</a:t>
-            </a:r>
-            <a:r>
-              <a:rPr lang="zh-CN" altLang="en-US" dirty="0"/>
-              <a:t>，如果不阻塞，那么就是非阻塞</a:t>
-            </a:r>
-            <a:r>
-              <a:rPr lang="en-US" altLang="zh-CN" dirty="0"/>
-              <a:t>IO</a:t>
-            </a:r>
-            <a:r>
-              <a:rPr lang="zh-CN" altLang="en-US" dirty="0"/>
-              <a:t>。</a:t>
-            </a:r>
-          </a:p>
-          <a:p>
-            <a:endParaRPr lang="zh-CN" altLang="en-US" dirty="0"/>
-          </a:p>
-          <a:p>
-            <a:r>
-              <a:rPr lang="zh-CN" altLang="en-US" dirty="0"/>
-              <a:t>同步</a:t>
-            </a:r>
-            <a:r>
-              <a:rPr lang="en-US" altLang="zh-CN" dirty="0"/>
-              <a:t>IO</a:t>
-            </a:r>
-            <a:r>
-              <a:rPr lang="zh-CN" altLang="en-US" dirty="0"/>
-              <a:t>和异步</a:t>
-            </a:r>
-            <a:r>
-              <a:rPr lang="en-US" altLang="zh-CN" dirty="0"/>
-              <a:t>IO</a:t>
-            </a:r>
-            <a:r>
-              <a:rPr lang="zh-CN" altLang="en-US" dirty="0"/>
-              <a:t>的区别就在于第二个步骤是否阻塞，如果实际的</a:t>
-            </a:r>
-            <a:r>
-              <a:rPr lang="en-US" altLang="zh-CN" dirty="0"/>
-              <a:t>IO</a:t>
-            </a:r>
-            <a:r>
-              <a:rPr lang="zh-CN" altLang="en-US" dirty="0"/>
-              <a:t>读写阻塞请求进程，那么就是同步</a:t>
-            </a:r>
-            <a:r>
-              <a:rPr lang="en-US" altLang="zh-CN" dirty="0"/>
-              <a:t>IO</a:t>
-            </a:r>
-            <a:r>
-              <a:rPr lang="zh-CN" altLang="en-US" dirty="0"/>
-              <a:t>，因此阻塞</a:t>
-            </a:r>
-            <a:r>
-              <a:rPr lang="en-US" altLang="zh-CN" dirty="0"/>
-              <a:t>IO</a:t>
-            </a:r>
-            <a:r>
-              <a:rPr lang="zh-CN" altLang="en-US" dirty="0"/>
-              <a:t>、非阻塞</a:t>
-            </a:r>
-            <a:r>
-              <a:rPr lang="en-US" altLang="zh-CN" dirty="0"/>
-              <a:t>IO</a:t>
-            </a:r>
-            <a:r>
-              <a:rPr lang="zh-CN" altLang="en-US" dirty="0"/>
-              <a:t>、</a:t>
-            </a:r>
-            <a:r>
-              <a:rPr lang="en-US" altLang="zh-CN" dirty="0"/>
-              <a:t>IO</a:t>
-            </a:r>
-            <a:r>
-              <a:rPr lang="zh-CN" altLang="en-US" dirty="0"/>
-              <a:t>复用、信号驱动</a:t>
-            </a:r>
-            <a:r>
-              <a:rPr lang="en-US" altLang="zh-CN" dirty="0"/>
-              <a:t>IO</a:t>
-            </a:r>
-            <a:r>
-              <a:rPr lang="zh-CN" altLang="en-US" dirty="0"/>
-              <a:t>都是同步</a:t>
-            </a:r>
-            <a:r>
-              <a:rPr lang="en-US" altLang="zh-CN" dirty="0"/>
-              <a:t>IO</a:t>
-            </a:r>
-            <a:r>
-              <a:rPr lang="zh-CN" altLang="en-US" dirty="0"/>
-              <a:t>，如果不阻塞，而是操作系统做完</a:t>
-            </a:r>
-            <a:r>
-              <a:rPr lang="en-US" altLang="zh-CN" dirty="0"/>
-              <a:t>IO</a:t>
-            </a:r>
-            <a:r>
-              <a:rPr lang="zh-CN" altLang="en-US" dirty="0"/>
-              <a:t>两个阶段的操作再将结果返回，那么就是异步</a:t>
-            </a:r>
-            <a:r>
-              <a:rPr lang="en-US" altLang="zh-CN" dirty="0"/>
-              <a:t>IO</a:t>
-            </a:r>
-            <a:r>
-              <a:rPr lang="zh-CN" altLang="en-US" dirty="0"/>
-              <a:t>。</a:t>
-            </a:r>
-          </a:p>
-        </p:txBody>
-      </p:sp>
-      <p:sp>
-        <p:nvSpPr>
-          <p:cNvPr id="3" name="矩形 2"/>
-          <p:cNvSpPr/>
-          <p:nvPr/>
-        </p:nvSpPr>
-        <p:spPr>
-          <a:xfrm>
-            <a:off x="243840" y="4219278"/>
-            <a:ext cx="11605260" cy="1107996"/>
-          </a:xfrm>
-          <a:prstGeom prst="rect">
-            <a:avLst/>
-          </a:prstGeom>
-        </p:spPr>
-        <p:txBody>
-          <a:bodyPr wrap="square">
-            <a:spAutoFit/>
-          </a:bodyPr>
-          <a:lstStyle/>
-          <a:p>
-            <a:r>
-              <a:rPr lang="en-US" altLang="zh-CN" dirty="0"/>
-              <a:t>JAVA </a:t>
-            </a:r>
-            <a:r>
-              <a:rPr lang="en-US" altLang="zh-CN" dirty="0" smtClean="0"/>
-              <a:t>NIO</a:t>
-            </a:r>
-            <a:r>
-              <a:rPr lang="zh-CN" altLang="en-US" dirty="0" smtClean="0"/>
-              <a:t>不是</a:t>
-            </a:r>
-            <a:r>
-              <a:rPr lang="zh-CN" altLang="en-US" dirty="0"/>
-              <a:t>同步非阻塞</a:t>
-            </a:r>
-            <a:r>
-              <a:rPr lang="en-US" altLang="zh-CN" dirty="0"/>
-              <a:t>I/O</a:t>
-            </a:r>
-            <a:r>
-              <a:rPr lang="zh-CN" altLang="en-US" dirty="0"/>
-              <a:t>吗，为什么说</a:t>
-            </a:r>
-            <a:r>
-              <a:rPr lang="en-US" altLang="zh-CN" dirty="0"/>
-              <a:t>JAVA NIO</a:t>
-            </a:r>
-            <a:r>
-              <a:rPr lang="zh-CN" altLang="en-US" dirty="0"/>
-              <a:t>提供了基于</a:t>
-            </a:r>
-            <a:r>
-              <a:rPr lang="en-US" altLang="zh-CN" dirty="0"/>
-              <a:t>Selector</a:t>
-            </a:r>
-            <a:r>
-              <a:rPr lang="zh-CN" altLang="en-US" dirty="0"/>
-              <a:t>的异步网络</a:t>
-            </a:r>
-            <a:r>
-              <a:rPr lang="en-US" altLang="zh-CN" dirty="0"/>
-              <a:t>I/O</a:t>
-            </a:r>
-            <a:r>
-              <a:rPr lang="zh-CN" altLang="en-US" dirty="0"/>
-              <a:t>？</a:t>
-            </a:r>
-          </a:p>
-          <a:p>
-            <a:r>
-              <a:rPr lang="en-US" altLang="zh-CN" sz="1600" dirty="0">
-                <a:latin typeface="+mn-ea"/>
-              </a:rPr>
-              <a:t>java </a:t>
-            </a:r>
-            <a:r>
-              <a:rPr lang="en-US" altLang="zh-CN" sz="1600" dirty="0" err="1">
-                <a:latin typeface="+mn-ea"/>
-              </a:rPr>
-              <a:t>nio</a:t>
-            </a:r>
-            <a:r>
-              <a:rPr lang="zh-CN" altLang="en-US" sz="1600" dirty="0">
-                <a:latin typeface="+mn-ea"/>
-              </a:rPr>
-              <a:t>的</a:t>
-            </a:r>
-            <a:r>
-              <a:rPr lang="en-US" altLang="zh-CN" sz="1600" dirty="0" err="1">
-                <a:latin typeface="+mn-ea"/>
-              </a:rPr>
-              <a:t>io</a:t>
-            </a:r>
-            <a:r>
-              <a:rPr lang="zh-CN" altLang="en-US" sz="1600" dirty="0">
-                <a:latin typeface="+mn-ea"/>
-              </a:rPr>
-              <a:t>模型是同步非阻塞，这里的同步异步指的是真正</a:t>
-            </a:r>
-            <a:r>
-              <a:rPr lang="en-US" altLang="zh-CN" sz="1600" dirty="0" err="1">
-                <a:latin typeface="+mn-ea"/>
-              </a:rPr>
-              <a:t>io</a:t>
-            </a:r>
-            <a:r>
-              <a:rPr lang="zh-CN" altLang="en-US" sz="1600" dirty="0">
-                <a:latin typeface="+mn-ea"/>
-              </a:rPr>
-              <a:t>操作（数据内核态用户态的拷贝）是否需要进程参与。</a:t>
-            </a:r>
-          </a:p>
-          <a:p>
-            <a:r>
-              <a:rPr lang="zh-CN" altLang="en-US" sz="1600" dirty="0">
-                <a:latin typeface="+mn-ea"/>
-              </a:rPr>
-              <a:t>而说</a:t>
-            </a:r>
-            <a:r>
-              <a:rPr lang="en-US" altLang="zh-CN" sz="1600" dirty="0">
-                <a:latin typeface="+mn-ea"/>
-              </a:rPr>
-              <a:t>java </a:t>
-            </a:r>
-            <a:r>
-              <a:rPr lang="en-US" altLang="zh-CN" sz="1600" dirty="0" err="1">
-                <a:latin typeface="+mn-ea"/>
-              </a:rPr>
-              <a:t>nio</a:t>
-            </a:r>
-            <a:r>
-              <a:rPr lang="zh-CN" altLang="en-US" sz="1600" dirty="0">
-                <a:latin typeface="+mn-ea"/>
-              </a:rPr>
-              <a:t>提供了异步处理，这个异步应该是指编程模型上的异步。基于</a:t>
-            </a:r>
-            <a:r>
-              <a:rPr lang="en-US" altLang="zh-CN" sz="1600" dirty="0">
-                <a:latin typeface="+mn-ea"/>
-              </a:rPr>
-              <a:t>reactor</a:t>
-            </a:r>
-            <a:r>
-              <a:rPr lang="zh-CN" altLang="en-US" sz="1600" dirty="0">
-                <a:latin typeface="+mn-ea"/>
-              </a:rPr>
-              <a:t>模式的事件驱动，事件处理器的注册和处理器的执行是异步</a:t>
-            </a:r>
-            <a:r>
-              <a:rPr lang="zh-CN" altLang="en-US" sz="1600" dirty="0" smtClean="0">
-                <a:latin typeface="+mn-ea"/>
-              </a:rPr>
-              <a:t>的。</a:t>
-            </a:r>
-            <a:endParaRPr lang="zh-CN" altLang="en-US" sz="1600" dirty="0">
-              <a:latin typeface="+mn-ea"/>
-            </a:endParaRPr>
-          </a:p>
-        </p:txBody>
-      </p:sp>
-      <p:sp>
-        <p:nvSpPr>
-          <p:cNvPr id="4" name="矩形 3"/>
-          <p:cNvSpPr/>
-          <p:nvPr/>
-        </p:nvSpPr>
-        <p:spPr>
-          <a:xfrm>
-            <a:off x="243840" y="5519204"/>
-            <a:ext cx="11605260" cy="1107996"/>
-          </a:xfrm>
-          <a:prstGeom prst="rect">
-            <a:avLst/>
-          </a:prstGeom>
-        </p:spPr>
-        <p:txBody>
-          <a:bodyPr wrap="square">
-            <a:spAutoFit/>
-          </a:bodyPr>
-          <a:lstStyle/>
-          <a:p>
-            <a:r>
-              <a:rPr lang="en-US" altLang="zh-CN" dirty="0" smtClean="0">
-                <a:latin typeface="+mn-ea"/>
-              </a:rPr>
-              <a:t>AIO(</a:t>
-            </a:r>
-            <a:r>
-              <a:rPr lang="en-US" altLang="zh-CN" dirty="0" err="1" smtClean="0">
-                <a:latin typeface="+mn-ea"/>
-              </a:rPr>
-              <a:t>Async</a:t>
-            </a:r>
-            <a:r>
-              <a:rPr lang="en-US" altLang="zh-CN" dirty="0" smtClean="0">
-                <a:latin typeface="+mn-ea"/>
-              </a:rPr>
-              <a:t> I/O)</a:t>
-            </a:r>
-            <a:r>
-              <a:rPr lang="zh-CN" altLang="en-US" dirty="0" smtClean="0">
-                <a:latin typeface="+mn-ea"/>
-              </a:rPr>
-              <a:t>里面会更进一步：不但等待就绪是非阻塞的，就连数据从网卡到内存的过程也是异步的。</a:t>
-            </a:r>
-          </a:p>
-          <a:p>
-            <a:r>
-              <a:rPr lang="zh-CN" altLang="en-US" sz="1600" dirty="0" smtClean="0">
-                <a:latin typeface="+mn-ea"/>
-              </a:rPr>
-              <a:t>换句话说，</a:t>
-            </a:r>
-            <a:r>
-              <a:rPr lang="en-US" altLang="zh-CN" sz="1600" dirty="0" smtClean="0">
-                <a:latin typeface="+mn-ea"/>
-              </a:rPr>
-              <a:t>BIO</a:t>
-            </a:r>
-            <a:r>
-              <a:rPr lang="zh-CN" altLang="en-US" sz="1600" dirty="0" smtClean="0">
-                <a:latin typeface="+mn-ea"/>
-              </a:rPr>
-              <a:t>里用户最关心“我要读”，</a:t>
-            </a:r>
-            <a:r>
-              <a:rPr lang="en-US" altLang="zh-CN" sz="1600" dirty="0" smtClean="0">
-                <a:latin typeface="+mn-ea"/>
-              </a:rPr>
-              <a:t>NIO</a:t>
-            </a:r>
-            <a:r>
-              <a:rPr lang="zh-CN" altLang="en-US" sz="1600" dirty="0" smtClean="0">
-                <a:latin typeface="+mn-ea"/>
-              </a:rPr>
-              <a:t>里用户最关心</a:t>
-            </a:r>
-            <a:r>
-              <a:rPr lang="en-US" altLang="zh-CN" sz="1600" dirty="0" smtClean="0">
-                <a:latin typeface="+mn-ea"/>
-              </a:rPr>
-              <a:t>"</a:t>
-            </a:r>
-            <a:r>
-              <a:rPr lang="zh-CN" altLang="en-US" sz="1600" dirty="0" smtClean="0">
-                <a:latin typeface="+mn-ea"/>
-              </a:rPr>
-              <a:t>我可以读了</a:t>
-            </a:r>
-            <a:r>
-              <a:rPr lang="en-US" altLang="zh-CN" sz="1600" dirty="0" smtClean="0">
-                <a:latin typeface="+mn-ea"/>
-              </a:rPr>
-              <a:t>"</a:t>
-            </a:r>
-            <a:r>
-              <a:rPr lang="zh-CN" altLang="en-US" sz="1600" dirty="0" smtClean="0">
-                <a:latin typeface="+mn-ea"/>
-              </a:rPr>
-              <a:t>，在</a:t>
-            </a:r>
-            <a:r>
-              <a:rPr lang="en-US" altLang="zh-CN" sz="1600" dirty="0" smtClean="0">
-                <a:latin typeface="+mn-ea"/>
-              </a:rPr>
-              <a:t>AIO</a:t>
-            </a:r>
-            <a:r>
-              <a:rPr lang="zh-CN" altLang="en-US" sz="1600" dirty="0" smtClean="0">
-                <a:latin typeface="+mn-ea"/>
-              </a:rPr>
-              <a:t>模型里用户更需要关注的是“读完了”。</a:t>
-            </a:r>
-          </a:p>
-          <a:p>
-            <a:r>
-              <a:rPr lang="en-US" altLang="zh-CN" sz="1600" dirty="0" smtClean="0">
-                <a:latin typeface="+mn-ea"/>
-              </a:rPr>
-              <a:t>NIO</a:t>
-            </a:r>
-            <a:r>
-              <a:rPr lang="zh-CN" altLang="en-US" sz="1600" dirty="0">
-                <a:latin typeface="+mn-ea"/>
-              </a:rPr>
-              <a:t>一个重要的特点是：</a:t>
-            </a:r>
-            <a:r>
-              <a:rPr lang="en-US" altLang="zh-CN" sz="1600" dirty="0">
-                <a:latin typeface="+mn-ea"/>
-              </a:rPr>
-              <a:t>socket</a:t>
-            </a:r>
-            <a:r>
-              <a:rPr lang="zh-CN" altLang="en-US" sz="1600" dirty="0">
-                <a:latin typeface="+mn-ea"/>
-              </a:rPr>
-              <a:t>主要的读、写、注册和接收函数，在等待就绪阶段都是非阻塞的，真正的</a:t>
-            </a:r>
-            <a:r>
-              <a:rPr lang="en-US" altLang="zh-CN" sz="1600" dirty="0">
-                <a:latin typeface="+mn-ea"/>
-              </a:rPr>
-              <a:t>I/O</a:t>
-            </a:r>
-            <a:r>
-              <a:rPr lang="zh-CN" altLang="en-US" sz="1600" dirty="0">
-                <a:latin typeface="+mn-ea"/>
-              </a:rPr>
-              <a:t>操作是同步的（消耗</a:t>
-            </a:r>
-            <a:r>
-              <a:rPr lang="en-US" altLang="zh-CN" sz="1600" dirty="0">
-                <a:latin typeface="+mn-ea"/>
-              </a:rPr>
-              <a:t>CPU</a:t>
-            </a:r>
-            <a:r>
-              <a:rPr lang="zh-CN" altLang="en-US" sz="1600" dirty="0">
-                <a:latin typeface="+mn-ea"/>
-              </a:rPr>
-              <a:t>但性能非常高）。</a:t>
-            </a:r>
-          </a:p>
-        </p:txBody>
-      </p:sp>
-    </p:spTree>
-    <p:extLst>
-      <p:ext uri="{BB962C8B-B14F-4D97-AF65-F5344CB8AC3E}">
-        <p14:creationId xmlns:p14="http://schemas.microsoft.com/office/powerpoint/2010/main" val="2772658625"/>
-      </p:ext>
-    </p:extLst>
-  </p:cSld>
-  <p:clrMapOvr>
-    <a:masterClrMapping/>
-  </p:clrMapOvr>
-</p:sld>
-</file>
-
-<file path=ppt/slides/slide16.xml><?xml version="1.0" encoding="utf-8"?>
-<p:sld xmlns:a="http://schemas.openxmlformats.org/drawingml/2006/main" xmlns:r="http://schemas.openxmlformats.org/officeDocument/2006/relationships" xmlns:p="http://schemas.openxmlformats.org/presentationml/2006/main">
-  <p:cSld>
-    <p:spTree>
-      <p:nvGrpSpPr>
-        <p:cNvPr id="1" name=""/>
-        <p:cNvGrpSpPr/>
-        <p:nvPr/>
-      </p:nvGrpSpPr>
-      <p:grpSpPr>
-        <a:xfrm>
-          <a:off x="0" y="0"/>
-          <a:ext cx="0" cy="0"/>
-          <a:chOff x="0" y="0"/>
-          <a:chExt cx="0" cy="0"/>
-        </a:xfrm>
-      </p:grpSpPr>
-      <p:sp>
-        <p:nvSpPr>
-          <p:cNvPr id="2" name="矩形 1"/>
-          <p:cNvSpPr/>
-          <p:nvPr/>
-        </p:nvSpPr>
-        <p:spPr>
-          <a:xfrm>
             <a:off x="0" y="0"/>
             <a:ext cx="2395784" cy="400110"/>
           </a:xfrm>
@@ -6332,7 +5699,7 @@
               <a:t>IO</a:t>
             </a:r>
             <a:r>
-              <a:rPr lang="zh-CN" altLang="en-US" smtClean="0">
+              <a:rPr lang="zh-CN" altLang="en-US" dirty="0" smtClean="0">
                 <a:latin typeface="+mn-ea"/>
               </a:rPr>
               <a:t>操作。其中</a:t>
@@ -6478,6 +5845,791 @@
 </p:sld>
 </file>
 
+<file path=ppt/slides/slide16.xml><?xml version="1.0" encoding="utf-8"?>
+<p:sld xmlns:a="http://schemas.openxmlformats.org/drawingml/2006/main" xmlns:r="http://schemas.openxmlformats.org/officeDocument/2006/relationships" xmlns:p="http://schemas.openxmlformats.org/presentationml/2006/main">
+  <p:cSld>
+    <p:spTree>
+      <p:nvGrpSpPr>
+        <p:cNvPr id="1" name=""/>
+        <p:cNvGrpSpPr/>
+        <p:nvPr/>
+      </p:nvGrpSpPr>
+      <p:grpSpPr>
+        <a:xfrm>
+          <a:off x="0" y="0"/>
+          <a:ext cx="0" cy="0"/>
+          <a:chOff x="0" y="0"/>
+          <a:chExt cx="0" cy="0"/>
+        </a:xfrm>
+      </p:grpSpPr>
+      <p:sp>
+        <p:nvSpPr>
+          <p:cNvPr id="2" name="矩形 1"/>
+          <p:cNvSpPr/>
+          <p:nvPr/>
+        </p:nvSpPr>
+        <p:spPr>
+          <a:xfrm>
+            <a:off x="0" y="1"/>
+            <a:ext cx="12192000" cy="6370975"/>
+          </a:xfrm>
+          <a:prstGeom prst="rect">
+            <a:avLst/>
+          </a:prstGeom>
+        </p:spPr>
+        <p:txBody>
+          <a:bodyPr wrap="square">
+            <a:spAutoFit/>
+          </a:bodyPr>
+          <a:lstStyle/>
+          <a:p>
+            <a:r>
+              <a:rPr lang="zh-CN" altLang="en-US" sz="2000" b="1" dirty="0" smtClean="0">
+                <a:latin typeface="+mn-ea"/>
+              </a:rPr>
+              <a:t>两</a:t>
+            </a:r>
+            <a:r>
+              <a:rPr lang="zh-CN" altLang="en-US" sz="2000" b="1" dirty="0" smtClean="0">
+                <a:latin typeface="+mn-ea"/>
+              </a:rPr>
+              <a:t>个</a:t>
+            </a:r>
+            <a:r>
+              <a:rPr lang="zh-CN" altLang="en-US" sz="2000" b="1" dirty="0">
+                <a:latin typeface="+mn-ea"/>
+              </a:rPr>
+              <a:t>问题</a:t>
+            </a:r>
+            <a:r>
+              <a:rPr lang="en-US" altLang="zh-CN" sz="2000" b="1" dirty="0" smtClean="0">
+                <a:latin typeface="+mn-ea"/>
+              </a:rPr>
+              <a:t>:</a:t>
+            </a:r>
+          </a:p>
+          <a:p>
+            <a:endParaRPr lang="en-US" altLang="zh-CN" dirty="0">
+              <a:latin typeface="+mn-ea"/>
+            </a:endParaRPr>
+          </a:p>
+          <a:p>
+            <a:r>
+              <a:rPr lang="en-US" altLang="zh-CN" b="1" dirty="0" smtClean="0">
+                <a:latin typeface="+mn-ea"/>
+              </a:rPr>
+              <a:t>1</a:t>
+            </a:r>
+            <a:r>
+              <a:rPr lang="zh-CN" altLang="en-US" b="1" dirty="0" smtClean="0">
+                <a:latin typeface="+mn-ea"/>
+              </a:rPr>
+              <a:t>、为什么</a:t>
+            </a:r>
+            <a:r>
+              <a:rPr lang="zh-CN" altLang="en-US" b="1" dirty="0">
+                <a:latin typeface="+mn-ea"/>
+              </a:rPr>
+              <a:t>要引入</a:t>
+            </a:r>
+            <a:r>
+              <a:rPr lang="en-US" altLang="zh-CN" b="1" dirty="0">
+                <a:latin typeface="+mn-ea"/>
+              </a:rPr>
+              <a:t>Channel, </a:t>
+            </a:r>
+            <a:r>
+              <a:rPr lang="zh-CN" altLang="en-US" b="1" dirty="0">
+                <a:latin typeface="+mn-ea"/>
+              </a:rPr>
+              <a:t>直接扩展已有的</a:t>
+            </a:r>
+            <a:r>
+              <a:rPr lang="en-US" altLang="zh-CN" b="1" dirty="0">
+                <a:latin typeface="+mn-ea"/>
+              </a:rPr>
+              <a:t>Stream</a:t>
+            </a:r>
+            <a:r>
+              <a:rPr lang="zh-CN" altLang="en-US" b="1" dirty="0">
+                <a:latin typeface="+mn-ea"/>
+              </a:rPr>
+              <a:t>类不行吗</a:t>
+            </a:r>
+            <a:r>
+              <a:rPr lang="en-US" altLang="zh-CN" b="1" dirty="0" smtClean="0">
+                <a:latin typeface="+mn-ea"/>
+              </a:rPr>
+              <a:t>?</a:t>
+            </a:r>
+          </a:p>
+          <a:p>
+            <a:endParaRPr lang="en-US" altLang="zh-CN" dirty="0">
+              <a:latin typeface="+mn-ea"/>
+            </a:endParaRPr>
+          </a:p>
+          <a:p>
+            <a:r>
+              <a:rPr lang="zh-CN" altLang="en-US" dirty="0" smtClean="0">
+                <a:latin typeface="+mn-ea"/>
+              </a:rPr>
+              <a:t>    流</a:t>
+            </a:r>
+            <a:r>
+              <a:rPr lang="zh-CN" altLang="en-US" dirty="0">
+                <a:latin typeface="+mn-ea"/>
+              </a:rPr>
+              <a:t>的抽象已经很完备了</a:t>
+            </a:r>
+            <a:r>
+              <a:rPr lang="en-US" altLang="zh-CN" dirty="0">
+                <a:latin typeface="+mn-ea"/>
+              </a:rPr>
+              <a:t>, </a:t>
+            </a:r>
+            <a:r>
+              <a:rPr lang="zh-CN" altLang="en-US" dirty="0">
+                <a:latin typeface="+mn-ea"/>
+              </a:rPr>
+              <a:t>添加更多的特性与概念只会将流的概念进一步复杂化</a:t>
+            </a:r>
+            <a:r>
+              <a:rPr lang="en-US" altLang="zh-CN" dirty="0">
+                <a:latin typeface="+mn-ea"/>
+              </a:rPr>
+              <a:t>, API</a:t>
+            </a:r>
+            <a:r>
+              <a:rPr lang="zh-CN" altLang="en-US" dirty="0">
+                <a:latin typeface="+mn-ea"/>
+              </a:rPr>
+              <a:t>更加难以使用</a:t>
+            </a:r>
+            <a:r>
+              <a:rPr lang="en-US" altLang="zh-CN" dirty="0">
+                <a:latin typeface="+mn-ea"/>
+              </a:rPr>
+              <a:t>, </a:t>
+            </a:r>
+            <a:r>
+              <a:rPr lang="zh-CN" altLang="en-US" dirty="0">
+                <a:latin typeface="+mn-ea"/>
+              </a:rPr>
+              <a:t>这是一种很不好的</a:t>
+            </a:r>
+            <a:r>
+              <a:rPr lang="en-US" altLang="zh-CN" dirty="0">
+                <a:latin typeface="+mn-ea"/>
+              </a:rPr>
+              <a:t>API</a:t>
+            </a:r>
+            <a:r>
+              <a:rPr lang="zh-CN" altLang="en-US" dirty="0">
+                <a:latin typeface="+mn-ea"/>
+              </a:rPr>
+              <a:t>设计</a:t>
+            </a:r>
+            <a:r>
+              <a:rPr lang="zh-CN" altLang="en-US" dirty="0" smtClean="0">
+                <a:latin typeface="+mn-ea"/>
+              </a:rPr>
+              <a:t>方式</a:t>
+            </a:r>
+            <a:r>
+              <a:rPr lang="zh-CN" altLang="en-US" dirty="0">
+                <a:latin typeface="+mn-ea"/>
+              </a:rPr>
+              <a:t>。</a:t>
+            </a:r>
+            <a:r>
+              <a:rPr lang="zh-CN" altLang="en-US" dirty="0" smtClean="0">
+                <a:latin typeface="+mn-ea"/>
+              </a:rPr>
+              <a:t>因此</a:t>
+            </a:r>
+            <a:r>
+              <a:rPr lang="en-US" altLang="zh-CN" dirty="0">
+                <a:latin typeface="+mn-ea"/>
+              </a:rPr>
+              <a:t>, NIO</a:t>
+            </a:r>
+            <a:r>
+              <a:rPr lang="zh-CN" altLang="en-US" dirty="0">
+                <a:latin typeface="+mn-ea"/>
+              </a:rPr>
+              <a:t>引入了一套新的</a:t>
+            </a:r>
+            <a:r>
+              <a:rPr lang="zh-CN" altLang="en-US" dirty="0" smtClean="0">
+                <a:latin typeface="+mn-ea"/>
+              </a:rPr>
+              <a:t>抽象。</a:t>
+            </a:r>
+            <a:r>
+              <a:rPr lang="en-US" altLang="zh-CN" dirty="0" smtClean="0">
+                <a:latin typeface="+mn-ea"/>
+              </a:rPr>
+              <a:t> </a:t>
+            </a:r>
+            <a:r>
+              <a:rPr lang="en-US" altLang="zh-CN" dirty="0">
+                <a:latin typeface="+mn-ea"/>
+              </a:rPr>
+              <a:t>Do one thing, and do it </a:t>
+            </a:r>
+            <a:r>
+              <a:rPr lang="en-US" altLang="zh-CN" dirty="0" smtClean="0">
+                <a:latin typeface="+mn-ea"/>
+              </a:rPr>
+              <a:t>well</a:t>
+            </a:r>
+            <a:r>
+              <a:rPr lang="zh-CN" altLang="en-US" dirty="0" smtClean="0">
+                <a:latin typeface="+mn-ea"/>
+              </a:rPr>
+              <a:t>。</a:t>
+            </a:r>
+            <a:endParaRPr lang="en-US" altLang="zh-CN" dirty="0" smtClean="0">
+              <a:latin typeface="+mn-ea"/>
+            </a:endParaRPr>
+          </a:p>
+          <a:p>
+            <a:endParaRPr lang="en-US" altLang="zh-CN" dirty="0" smtClean="0">
+              <a:latin typeface="+mn-ea"/>
+            </a:endParaRPr>
+          </a:p>
+          <a:p>
+            <a:r>
+              <a:rPr lang="en-US" altLang="zh-CN" sz="1600" dirty="0" err="1" smtClean="0">
+                <a:latin typeface="+mn-ea"/>
+              </a:rPr>
+              <a:t>FileChannel</a:t>
+            </a:r>
+            <a:r>
+              <a:rPr lang="zh-CN" altLang="en-US" sz="1600" dirty="0" smtClean="0">
+                <a:latin typeface="+mn-ea"/>
+              </a:rPr>
+              <a:t>：从文件中读写数据，不支持绑定</a:t>
+            </a:r>
+            <a:r>
+              <a:rPr lang="zh-CN" altLang="en-US" sz="1600" dirty="0" smtClean="0"/>
+              <a:t>选择器（不支持非阻塞），支持内存映射（</a:t>
+            </a:r>
+            <a:r>
+              <a:rPr lang="en-US" altLang="zh-CN" sz="1600" dirty="0"/>
+              <a:t> Memory </a:t>
+            </a:r>
+            <a:r>
+              <a:rPr lang="en-US" altLang="zh-CN" sz="1600" dirty="0" smtClean="0"/>
+              <a:t>Mapping</a:t>
+            </a:r>
+            <a:r>
+              <a:rPr lang="zh-CN" altLang="en-US" sz="1600" dirty="0" smtClean="0"/>
+              <a:t>）。</a:t>
+            </a:r>
+            <a:endParaRPr lang="zh-CN" altLang="en-US" sz="1600" dirty="0" smtClean="0">
+              <a:latin typeface="+mn-ea"/>
+            </a:endParaRPr>
+          </a:p>
+          <a:p>
+            <a:r>
+              <a:rPr lang="en-US" altLang="zh-CN" sz="1600" dirty="0" err="1" smtClean="0">
+                <a:latin typeface="+mn-ea"/>
+              </a:rPr>
+              <a:t>DatagramChannel</a:t>
+            </a:r>
+            <a:r>
+              <a:rPr lang="zh-CN" altLang="en-US" sz="1600" dirty="0" smtClean="0">
+                <a:latin typeface="+mn-ea"/>
+              </a:rPr>
+              <a:t>：通过</a:t>
+            </a:r>
+            <a:r>
+              <a:rPr lang="en-US" altLang="zh-CN" sz="1600" dirty="0">
+                <a:latin typeface="+mn-ea"/>
+              </a:rPr>
+              <a:t>UDP</a:t>
+            </a:r>
+            <a:r>
+              <a:rPr lang="zh-CN" altLang="en-US" sz="1600" dirty="0">
+                <a:latin typeface="+mn-ea"/>
+              </a:rPr>
+              <a:t>读写网络中的</a:t>
+            </a:r>
+            <a:r>
+              <a:rPr lang="zh-CN" altLang="en-US" sz="1600" dirty="0" smtClean="0">
+                <a:latin typeface="+mn-ea"/>
+              </a:rPr>
+              <a:t>数据</a:t>
+            </a:r>
+            <a:r>
+              <a:rPr lang="en-US" altLang="zh-CN" sz="1600" dirty="0" smtClean="0">
+                <a:latin typeface="+mn-ea"/>
+              </a:rPr>
+              <a:t>;</a:t>
+            </a:r>
+            <a:endParaRPr lang="zh-CN" altLang="en-US" sz="1600" dirty="0">
+              <a:latin typeface="+mn-ea"/>
+            </a:endParaRPr>
+          </a:p>
+          <a:p>
+            <a:r>
+              <a:rPr lang="en-US" altLang="zh-CN" sz="1600" dirty="0" err="1" smtClean="0">
+                <a:latin typeface="+mn-ea"/>
+              </a:rPr>
+              <a:t>SocketChannel</a:t>
+            </a:r>
+            <a:r>
+              <a:rPr lang="zh-CN" altLang="en-US" sz="1600" dirty="0" smtClean="0">
+                <a:latin typeface="+mn-ea"/>
+              </a:rPr>
+              <a:t>：通过</a:t>
+            </a:r>
+            <a:r>
+              <a:rPr lang="en-US" altLang="zh-CN" sz="1600" dirty="0">
+                <a:latin typeface="+mn-ea"/>
+              </a:rPr>
+              <a:t>TCP</a:t>
+            </a:r>
+            <a:r>
+              <a:rPr lang="zh-CN" altLang="en-US" sz="1600" dirty="0">
+                <a:latin typeface="+mn-ea"/>
+              </a:rPr>
+              <a:t>读写网络中的</a:t>
+            </a:r>
+            <a:r>
+              <a:rPr lang="zh-CN" altLang="en-US" sz="1600" dirty="0" smtClean="0">
+                <a:latin typeface="+mn-ea"/>
+              </a:rPr>
+              <a:t>数据</a:t>
+            </a:r>
+            <a:r>
+              <a:rPr lang="en-US" altLang="zh-CN" sz="1600" dirty="0" smtClean="0">
+                <a:latin typeface="+mn-ea"/>
+              </a:rPr>
+              <a:t>;</a:t>
+            </a:r>
+            <a:endParaRPr lang="zh-CN" altLang="en-US" sz="1600" dirty="0">
+              <a:latin typeface="+mn-ea"/>
+            </a:endParaRPr>
+          </a:p>
+          <a:p>
+            <a:r>
+              <a:rPr lang="en-US" altLang="zh-CN" sz="1600" dirty="0" err="1" smtClean="0">
+                <a:latin typeface="+mn-ea"/>
+              </a:rPr>
+              <a:t>ServerSocketChannel</a:t>
+            </a:r>
+            <a:r>
+              <a:rPr lang="zh-CN" altLang="en-US" sz="1600" dirty="0" smtClean="0">
+                <a:latin typeface="+mn-ea"/>
+              </a:rPr>
+              <a:t>：监听</a:t>
+            </a:r>
+            <a:r>
+              <a:rPr lang="zh-CN" altLang="en-US" sz="1600" dirty="0">
+                <a:latin typeface="+mn-ea"/>
+              </a:rPr>
+              <a:t>新进来的</a:t>
+            </a:r>
+            <a:r>
+              <a:rPr lang="en-US" altLang="zh-CN" sz="1600" dirty="0">
+                <a:latin typeface="+mn-ea"/>
+              </a:rPr>
+              <a:t>TCP</a:t>
+            </a:r>
+            <a:r>
+              <a:rPr lang="zh-CN" altLang="en-US" sz="1600" dirty="0">
+                <a:latin typeface="+mn-ea"/>
+              </a:rPr>
+              <a:t>连接，像</a:t>
+            </a:r>
+            <a:r>
+              <a:rPr lang="en-US" altLang="zh-CN" sz="1600" dirty="0">
+                <a:latin typeface="+mn-ea"/>
+              </a:rPr>
+              <a:t>Web</a:t>
+            </a:r>
+            <a:r>
+              <a:rPr lang="zh-CN" altLang="en-US" sz="1600" dirty="0">
+                <a:latin typeface="+mn-ea"/>
+              </a:rPr>
+              <a:t>服务器那样。对每一个新进来的连接都会创建</a:t>
+            </a:r>
+            <a:r>
+              <a:rPr lang="zh-CN" altLang="en-US" sz="1600" dirty="0" smtClean="0">
+                <a:latin typeface="+mn-ea"/>
+              </a:rPr>
+              <a:t>一个</a:t>
+            </a:r>
+            <a:r>
+              <a:rPr lang="en-US" altLang="zh-CN" sz="1600" dirty="0" err="1" smtClean="0">
+                <a:latin typeface="+mn-ea"/>
+              </a:rPr>
+              <a:t>SocketChannel</a:t>
+            </a:r>
+            <a:r>
+              <a:rPr lang="zh-CN" altLang="en-US" sz="1600" dirty="0" smtClean="0">
+                <a:latin typeface="+mn-ea"/>
+              </a:rPr>
+              <a:t>。</a:t>
+            </a:r>
+            <a:endParaRPr lang="zh-CN" altLang="en-US" sz="1600" dirty="0">
+              <a:latin typeface="+mn-ea"/>
+            </a:endParaRPr>
+          </a:p>
+          <a:p>
+            <a:endParaRPr lang="en-US" altLang="zh-CN" dirty="0" smtClean="0">
+              <a:latin typeface="+mn-ea"/>
+            </a:endParaRPr>
+          </a:p>
+          <a:p>
+            <a:endParaRPr lang="en-US" altLang="zh-CN" dirty="0">
+              <a:latin typeface="+mn-ea"/>
+            </a:endParaRPr>
+          </a:p>
+          <a:p>
+            <a:r>
+              <a:rPr lang="en-US" altLang="zh-CN" b="1" dirty="0" smtClean="0">
+                <a:latin typeface="+mn-ea"/>
+              </a:rPr>
+              <a:t>2</a:t>
+            </a:r>
+            <a:r>
+              <a:rPr lang="zh-CN" altLang="en-US" b="1" dirty="0" smtClean="0">
+                <a:latin typeface="+mn-ea"/>
+              </a:rPr>
+              <a:t>、为什么</a:t>
+            </a:r>
+            <a:r>
+              <a:rPr lang="zh-CN" altLang="en-US" b="1" dirty="0">
+                <a:latin typeface="+mn-ea"/>
+              </a:rPr>
+              <a:t>引入</a:t>
+            </a:r>
+            <a:r>
+              <a:rPr lang="en-US" altLang="zh-CN" b="1" dirty="0">
+                <a:latin typeface="+mn-ea"/>
+              </a:rPr>
+              <a:t>Buffer? </a:t>
+            </a:r>
+            <a:r>
+              <a:rPr lang="zh-CN" altLang="en-US" b="1" dirty="0">
+                <a:latin typeface="+mn-ea"/>
+              </a:rPr>
+              <a:t>直接用</a:t>
+            </a:r>
+            <a:r>
+              <a:rPr lang="en-US" altLang="zh-CN" b="1" dirty="0">
+                <a:latin typeface="+mn-ea"/>
+              </a:rPr>
+              <a:t>byte</a:t>
+            </a:r>
+            <a:r>
+              <a:rPr lang="zh-CN" altLang="en-US" b="1" dirty="0">
+                <a:latin typeface="+mn-ea"/>
+              </a:rPr>
+              <a:t>数组可以吗</a:t>
+            </a:r>
+            <a:r>
+              <a:rPr lang="en-US" altLang="zh-CN" b="1" dirty="0" smtClean="0">
+                <a:latin typeface="+mn-ea"/>
+              </a:rPr>
+              <a:t>?</a:t>
+            </a:r>
+          </a:p>
+          <a:p>
+            <a:endParaRPr lang="en-US" altLang="zh-CN" dirty="0">
+              <a:latin typeface="+mn-ea"/>
+            </a:endParaRPr>
+          </a:p>
+          <a:p>
+            <a:r>
+              <a:rPr lang="zh-CN" altLang="en-US" dirty="0" smtClean="0">
+                <a:latin typeface="+mn-ea"/>
+              </a:rPr>
+              <a:t>    实际上是</a:t>
+            </a:r>
+            <a:r>
+              <a:rPr lang="zh-CN" altLang="en-US" dirty="0">
+                <a:latin typeface="+mn-ea"/>
+              </a:rPr>
+              <a:t>可以的</a:t>
+            </a:r>
+            <a:r>
+              <a:rPr lang="en-US" altLang="zh-CN" dirty="0">
+                <a:latin typeface="+mn-ea"/>
+              </a:rPr>
+              <a:t>, </a:t>
+            </a:r>
+            <a:r>
+              <a:rPr lang="zh-CN" altLang="en-US" dirty="0">
+                <a:latin typeface="+mn-ea"/>
+              </a:rPr>
+              <a:t>但</a:t>
+            </a:r>
+            <a:r>
+              <a:rPr lang="en-US" altLang="zh-CN" dirty="0">
+                <a:latin typeface="+mn-ea"/>
+              </a:rPr>
+              <a:t>Buffer</a:t>
+            </a:r>
+            <a:r>
+              <a:rPr lang="zh-CN" altLang="en-US" dirty="0">
+                <a:latin typeface="+mn-ea"/>
+              </a:rPr>
+              <a:t>类提供了更加方便的</a:t>
+            </a:r>
+            <a:r>
+              <a:rPr lang="zh-CN" altLang="en-US" dirty="0" smtClean="0">
+                <a:latin typeface="+mn-ea"/>
+              </a:rPr>
+              <a:t>操作。同时</a:t>
+            </a:r>
+            <a:r>
+              <a:rPr lang="en-US" altLang="zh-CN" dirty="0">
+                <a:latin typeface="+mn-ea"/>
+              </a:rPr>
+              <a:t>, Buffer</a:t>
+            </a:r>
+            <a:r>
+              <a:rPr lang="zh-CN" altLang="en-US" dirty="0">
+                <a:latin typeface="+mn-ea"/>
+              </a:rPr>
+              <a:t>提供了很多性能上的</a:t>
+            </a:r>
+            <a:r>
+              <a:rPr lang="zh-CN" altLang="en-US" dirty="0" smtClean="0">
+                <a:latin typeface="+mn-ea"/>
+              </a:rPr>
+              <a:t>优化。</a:t>
+            </a:r>
+            <a:endParaRPr lang="en-US" altLang="zh-CN" dirty="0" smtClean="0">
+              <a:latin typeface="+mn-ea"/>
+            </a:endParaRPr>
+          </a:p>
+          <a:p>
+            <a:endParaRPr lang="en-US" altLang="zh-CN" dirty="0">
+              <a:latin typeface="+mn-ea"/>
+            </a:endParaRPr>
+          </a:p>
+          <a:p>
+            <a:r>
+              <a:rPr lang="zh-CN" altLang="en-US" dirty="0" smtClean="0">
+                <a:latin typeface="+mn-ea"/>
+              </a:rPr>
+              <a:t>    如果</a:t>
+            </a:r>
+            <a:r>
+              <a:rPr lang="zh-CN" altLang="en-US" dirty="0">
+                <a:latin typeface="+mn-ea"/>
+              </a:rPr>
+              <a:t>直接操作</a:t>
+            </a:r>
+            <a:r>
+              <a:rPr lang="en-US" altLang="zh-CN" dirty="0">
+                <a:latin typeface="+mn-ea"/>
+              </a:rPr>
+              <a:t>byte, </a:t>
+            </a:r>
+            <a:r>
+              <a:rPr lang="zh-CN" altLang="en-US" dirty="0">
+                <a:latin typeface="+mn-ea"/>
+              </a:rPr>
+              <a:t>性能会很低</a:t>
+            </a:r>
+            <a:r>
+              <a:rPr lang="en-US" altLang="zh-CN" dirty="0">
+                <a:latin typeface="+mn-ea"/>
+              </a:rPr>
+              <a:t>, </a:t>
+            </a:r>
+            <a:r>
+              <a:rPr lang="zh-CN" altLang="en-US" dirty="0">
+                <a:latin typeface="+mn-ea"/>
+              </a:rPr>
+              <a:t>实际上还是需要</a:t>
+            </a:r>
+            <a:r>
+              <a:rPr lang="en-US" altLang="zh-CN" dirty="0">
+                <a:latin typeface="+mn-ea"/>
+              </a:rPr>
+              <a:t>buffering</a:t>
+            </a:r>
+            <a:r>
+              <a:rPr lang="zh-CN" altLang="en-US" dirty="0">
+                <a:latin typeface="+mn-ea"/>
+              </a:rPr>
+              <a:t>来提供性能</a:t>
+            </a:r>
+            <a:r>
+              <a:rPr lang="en-US" altLang="zh-CN" dirty="0">
+                <a:latin typeface="+mn-ea"/>
+              </a:rPr>
+              <a:t>, </a:t>
+            </a:r>
+            <a:r>
+              <a:rPr lang="zh-CN" altLang="en-US" dirty="0">
+                <a:latin typeface="+mn-ea"/>
+              </a:rPr>
+              <a:t>与其加一</a:t>
+            </a:r>
+            <a:r>
+              <a:rPr lang="zh-CN" altLang="en-US" dirty="0" smtClean="0">
+                <a:latin typeface="+mn-ea"/>
+              </a:rPr>
+              <a:t>层</a:t>
+            </a:r>
+            <a:r>
+              <a:rPr lang="en-US" altLang="zh-CN" dirty="0" smtClean="0">
+                <a:latin typeface="+mn-ea"/>
+              </a:rPr>
+              <a:t>Buffering</a:t>
+            </a:r>
+            <a:r>
+              <a:rPr lang="zh-CN" altLang="en-US" dirty="0">
+                <a:latin typeface="+mn-ea"/>
+              </a:rPr>
+              <a:t>抽象</a:t>
+            </a:r>
+            <a:r>
+              <a:rPr lang="en-US" altLang="zh-CN" dirty="0">
+                <a:latin typeface="+mn-ea"/>
+              </a:rPr>
+              <a:t>, </a:t>
+            </a:r>
+            <a:r>
+              <a:rPr lang="zh-CN" altLang="en-US" dirty="0">
+                <a:latin typeface="+mn-ea"/>
+              </a:rPr>
+              <a:t>不如直接给用户提供</a:t>
+            </a:r>
+            <a:r>
+              <a:rPr lang="en-US" altLang="zh-CN" dirty="0">
+                <a:latin typeface="+mn-ea"/>
+              </a:rPr>
+              <a:t>Buffer. </a:t>
+            </a:r>
+            <a:r>
+              <a:rPr lang="zh-CN" altLang="en-US" dirty="0">
+                <a:latin typeface="+mn-ea"/>
+              </a:rPr>
+              <a:t>最重要的是</a:t>
+            </a:r>
+            <a:r>
+              <a:rPr lang="en-US" altLang="zh-CN" dirty="0">
+                <a:latin typeface="+mn-ea"/>
+              </a:rPr>
+              <a:t>, </a:t>
+            </a:r>
+            <a:r>
+              <a:rPr lang="zh-CN" altLang="en-US" dirty="0">
+                <a:latin typeface="+mn-ea"/>
+              </a:rPr>
+              <a:t>基于</a:t>
+            </a:r>
+            <a:r>
+              <a:rPr lang="en-US" altLang="zh-CN" dirty="0">
+                <a:latin typeface="+mn-ea"/>
+              </a:rPr>
+              <a:t>Buffer</a:t>
+            </a:r>
+            <a:r>
+              <a:rPr lang="zh-CN" altLang="en-US" dirty="0">
+                <a:latin typeface="+mn-ea"/>
+              </a:rPr>
+              <a:t>的</a:t>
+            </a:r>
+            <a:r>
+              <a:rPr lang="en-US" altLang="zh-CN" dirty="0">
+                <a:latin typeface="+mn-ea"/>
+              </a:rPr>
+              <a:t>IO</a:t>
+            </a:r>
+            <a:r>
+              <a:rPr lang="zh-CN" altLang="en-US" dirty="0">
+                <a:latin typeface="+mn-ea"/>
+              </a:rPr>
+              <a:t>操作</a:t>
+            </a:r>
+            <a:r>
+              <a:rPr lang="en-US" altLang="zh-CN" dirty="0">
+                <a:latin typeface="+mn-ea"/>
+              </a:rPr>
+              <a:t>, </a:t>
+            </a:r>
+            <a:r>
+              <a:rPr lang="zh-CN" altLang="en-US" dirty="0">
+                <a:latin typeface="+mn-ea"/>
+              </a:rPr>
+              <a:t>某些情况下可以直接映射成系统调用</a:t>
+            </a:r>
+            <a:r>
+              <a:rPr lang="en-US" altLang="zh-CN" dirty="0">
+                <a:latin typeface="+mn-ea"/>
+              </a:rPr>
+              <a:t>, </a:t>
+            </a:r>
+            <a:r>
+              <a:rPr lang="zh-CN" altLang="en-US" dirty="0">
+                <a:latin typeface="+mn-ea"/>
+              </a:rPr>
+              <a:t>性能极高</a:t>
+            </a:r>
+            <a:r>
+              <a:rPr lang="en-US" altLang="zh-CN" dirty="0" smtClean="0">
+                <a:latin typeface="+mn-ea"/>
+              </a:rPr>
+              <a:t>!</a:t>
+            </a:r>
+          </a:p>
+          <a:p>
+            <a:endParaRPr lang="en-US" altLang="zh-CN" dirty="0">
+              <a:latin typeface="+mn-ea"/>
+            </a:endParaRPr>
+          </a:p>
+          <a:p>
+            <a:endParaRPr lang="en-US" altLang="zh-CN" dirty="0" smtClean="0">
+              <a:latin typeface="+mn-ea"/>
+            </a:endParaRPr>
+          </a:p>
+          <a:p>
+            <a:endParaRPr lang="en-US" altLang="zh-CN" dirty="0">
+              <a:latin typeface="+mn-ea"/>
+            </a:endParaRPr>
+          </a:p>
+          <a:p>
+            <a:r>
+              <a:rPr lang="zh-CN" altLang="en-US" dirty="0" smtClean="0">
+                <a:latin typeface="+mn-ea"/>
+              </a:rPr>
+              <a:t>参见：</a:t>
+            </a:r>
+            <a:r>
+              <a:rPr lang="en-US" altLang="zh-CN" dirty="0">
+                <a:hlinkClick r:id="rId2"/>
+              </a:rPr>
+              <a:t> https://www.jianshu.com/p/07d3d421a877</a:t>
+            </a:r>
+            <a:endParaRPr lang="zh-CN" altLang="en-US" dirty="0">
+              <a:latin typeface="+mn-ea"/>
+            </a:endParaRPr>
+          </a:p>
+        </p:txBody>
+      </p:sp>
+    </p:spTree>
+    <p:extLst>
+      <p:ext uri="{BB962C8B-B14F-4D97-AF65-F5344CB8AC3E}">
+        <p14:creationId xmlns:p14="http://schemas.microsoft.com/office/powerpoint/2010/main" val="530041820"/>
+      </p:ext>
+    </p:extLst>
+  </p:cSld>
+  <p:clrMapOvr>
+    <a:masterClrMapping/>
+  </p:clrMapOvr>
+</p:sld>
+</file>
+
 <file path=ppt/slides/slide17.xml><?xml version="1.0" encoding="utf-8"?>
 <p:sld xmlns:a="http://schemas.openxmlformats.org/drawingml/2006/main" xmlns:r="http://schemas.openxmlformats.org/officeDocument/2006/relationships" xmlns:p="http://schemas.openxmlformats.org/presentationml/2006/main">
   <p:cSld>
@@ -6503,37 +6655,527 @@
         </p:nvSpPr>
         <p:spPr>
           <a:xfrm>
-            <a:off x="0" y="1"/>
-            <a:ext cx="12192000" cy="6370975"/>
+            <a:off x="0" y="0"/>
+            <a:ext cx="1614545" cy="400110"/>
           </a:xfrm>
           <a:prstGeom prst="rect">
             <a:avLst/>
           </a:prstGeom>
         </p:spPr>
         <p:txBody>
+          <a:bodyPr wrap="none">
+            <a:spAutoFit/>
+          </a:bodyPr>
+          <a:lstStyle/>
+          <a:p>
+            <a:r>
+              <a:rPr lang="en-US" altLang="zh-CN" sz="2000" b="1" dirty="0" smtClean="0"/>
+              <a:t>AIO</a:t>
+            </a:r>
+            <a:r>
+              <a:rPr lang="zh-CN" altLang="en-US" sz="2000" b="1" dirty="0" smtClean="0"/>
+              <a:t>核心组成</a:t>
+            </a:r>
+            <a:endParaRPr lang="en-US" altLang="zh-CN" sz="2000" b="1" dirty="0" smtClean="0"/>
+          </a:p>
+        </p:txBody>
+      </p:sp>
+      <p:sp>
+        <p:nvSpPr>
+          <p:cNvPr id="3" name="矩形 2"/>
+          <p:cNvSpPr/>
+          <p:nvPr/>
+        </p:nvSpPr>
+        <p:spPr>
+          <a:xfrm>
+            <a:off x="0" y="483233"/>
+            <a:ext cx="12192000" cy="6186309"/>
+          </a:xfrm>
+          <a:prstGeom prst="rect">
+            <a:avLst/>
+          </a:prstGeom>
+        </p:spPr>
+        <p:txBody>
           <a:bodyPr wrap="square">
             <a:spAutoFit/>
           </a:bodyPr>
           <a:lstStyle/>
           <a:p>
             <a:r>
-              <a:rPr lang="zh-CN" altLang="en-US" sz="2000" b="1" dirty="0" smtClean="0">
-                <a:latin typeface="+mn-ea"/>
-              </a:rPr>
-              <a:t>思考两个</a:t>
-            </a:r>
-            <a:r>
-              <a:rPr lang="zh-CN" altLang="en-US" sz="2000" b="1" dirty="0">
-                <a:latin typeface="+mn-ea"/>
-              </a:rPr>
-              <a:t>问题</a:t>
-            </a:r>
-            <a:r>
-              <a:rPr lang="en-US" altLang="zh-CN" sz="2000" b="1" dirty="0" smtClean="0">
-                <a:latin typeface="+mn-ea"/>
-              </a:rPr>
-              <a:t>:</a:t>
-            </a:r>
+              <a:rPr lang="en-US" altLang="zh-CN" dirty="0" err="1" smtClean="0">
+                <a:latin typeface="+mn-ea"/>
+              </a:rPr>
+              <a:t>java.nio.channels.AsynchronousChannel</a:t>
+            </a:r>
+            <a:r>
+              <a:rPr lang="en-US" altLang="zh-CN" dirty="0" smtClean="0">
+                <a:latin typeface="+mn-ea"/>
+              </a:rPr>
+              <a:t>   	        </a:t>
+            </a:r>
+            <a:r>
+              <a:rPr lang="zh-CN" altLang="en-US" dirty="0" smtClean="0">
+                <a:latin typeface="+mn-ea"/>
+              </a:rPr>
+              <a:t>标记</a:t>
+            </a:r>
+            <a:r>
+              <a:rPr lang="zh-CN" altLang="en-US" dirty="0">
+                <a:latin typeface="+mn-ea"/>
+              </a:rPr>
+              <a:t>一个</a:t>
+            </a:r>
+            <a:r>
+              <a:rPr lang="en-US" altLang="zh-CN" dirty="0">
+                <a:latin typeface="+mn-ea"/>
+              </a:rPr>
+              <a:t>channel</a:t>
+            </a:r>
+            <a:r>
+              <a:rPr lang="zh-CN" altLang="en-US" dirty="0">
+                <a:latin typeface="+mn-ea"/>
+              </a:rPr>
+              <a:t>支持异步</a:t>
+            </a:r>
+            <a:r>
+              <a:rPr lang="en-US" altLang="zh-CN" dirty="0">
+                <a:latin typeface="+mn-ea"/>
+              </a:rPr>
+              <a:t>IO</a:t>
+            </a:r>
+            <a:r>
+              <a:rPr lang="zh-CN" altLang="en-US" dirty="0">
+                <a:latin typeface="+mn-ea"/>
+              </a:rPr>
+              <a:t>操作</a:t>
+            </a:r>
+            <a:r>
+              <a:rPr lang="zh-CN" altLang="en-US" dirty="0" smtClean="0">
+                <a:latin typeface="+mn-ea"/>
+              </a:rPr>
+              <a:t>。</a:t>
+            </a:r>
+            <a:r>
+              <a:rPr lang="zh-CN" altLang="en-US" dirty="0">
+                <a:latin typeface="+mn-ea"/>
+              </a:rPr>
+              <a:t/>
+            </a:r>
+            <a:br>
+              <a:rPr lang="zh-CN" altLang="en-US" dirty="0">
+                <a:latin typeface="+mn-ea"/>
+              </a:rPr>
+            </a:br>
+            <a:r>
+              <a:rPr lang="en-US" altLang="zh-CN" dirty="0" err="1" smtClean="0">
+                <a:latin typeface="+mn-ea"/>
+              </a:rPr>
+              <a:t>java.nio.channels.AsynchronousServerSocketChannel</a:t>
+            </a:r>
+            <a:r>
+              <a:rPr lang="en-US" altLang="zh-CN" dirty="0" smtClean="0">
+                <a:latin typeface="+mn-ea"/>
+              </a:rPr>
+              <a:t>     	</a:t>
+            </a:r>
+            <a:r>
+              <a:rPr lang="en-US" altLang="zh-CN" dirty="0" err="1" smtClean="0">
+                <a:latin typeface="+mn-ea"/>
+              </a:rPr>
+              <a:t>ServerSocket</a:t>
+            </a:r>
+            <a:r>
+              <a:rPr lang="zh-CN" altLang="en-US" dirty="0">
+                <a:latin typeface="+mn-ea"/>
+              </a:rPr>
+              <a:t>的</a:t>
+            </a:r>
+            <a:r>
+              <a:rPr lang="en-US" altLang="zh-CN" dirty="0" err="1">
+                <a:latin typeface="+mn-ea"/>
+              </a:rPr>
+              <a:t>aio</a:t>
+            </a:r>
+            <a:r>
+              <a:rPr lang="zh-CN" altLang="en-US" dirty="0">
+                <a:latin typeface="+mn-ea"/>
+              </a:rPr>
+              <a:t>版本，创建</a:t>
+            </a:r>
+            <a:r>
+              <a:rPr lang="en-US" altLang="zh-CN" dirty="0">
+                <a:latin typeface="+mn-ea"/>
+              </a:rPr>
+              <a:t>TCP</a:t>
+            </a:r>
+            <a:r>
+              <a:rPr lang="zh-CN" altLang="en-US" dirty="0">
+                <a:latin typeface="+mn-ea"/>
+              </a:rPr>
+              <a:t>服务端，绑定地址，监听端口等。</a:t>
+            </a:r>
+            <a:br>
+              <a:rPr lang="zh-CN" altLang="en-US" dirty="0">
+                <a:latin typeface="+mn-ea"/>
+              </a:rPr>
+            </a:br>
+            <a:r>
+              <a:rPr lang="en-US" altLang="zh-CN" dirty="0" err="1" smtClean="0">
+                <a:latin typeface="+mn-ea"/>
+              </a:rPr>
+              <a:t>java.nio.channels.AsynchronousSocketChannel</a:t>
+            </a:r>
+            <a:r>
+              <a:rPr lang="en-US" altLang="zh-CN" dirty="0" smtClean="0">
+                <a:latin typeface="+mn-ea"/>
+              </a:rPr>
+              <a:t>             </a:t>
+            </a:r>
+            <a:r>
+              <a:rPr lang="zh-CN" altLang="en-US" dirty="0" smtClean="0">
+                <a:latin typeface="+mn-ea"/>
+              </a:rPr>
+              <a:t>异步</a:t>
+            </a:r>
+            <a:r>
+              <a:rPr lang="en-US" altLang="zh-CN" dirty="0">
+                <a:latin typeface="+mn-ea"/>
+              </a:rPr>
+              <a:t>socket channel</a:t>
+            </a:r>
+            <a:r>
+              <a:rPr lang="zh-CN" altLang="en-US" dirty="0">
+                <a:latin typeface="+mn-ea"/>
+              </a:rPr>
+              <a:t>，表示一个连接。</a:t>
+            </a:r>
+            <a:br>
+              <a:rPr lang="zh-CN" altLang="en-US" dirty="0">
+                <a:latin typeface="+mn-ea"/>
+              </a:rPr>
+            </a:br>
+            <a:r>
+              <a:rPr lang="en-US" altLang="zh-CN" dirty="0" err="1" smtClean="0">
+                <a:latin typeface="+mn-ea"/>
+              </a:rPr>
+              <a:t>java.nio.channels.AsynchronousChannelGroup</a:t>
+            </a:r>
+            <a:r>
+              <a:rPr lang="en-US" altLang="zh-CN" dirty="0" smtClean="0">
+                <a:latin typeface="+mn-ea"/>
+              </a:rPr>
+              <a:t/>
+            </a:r>
+            <a:br>
+              <a:rPr lang="en-US" altLang="zh-CN" dirty="0" smtClean="0">
+                <a:latin typeface="+mn-ea"/>
+              </a:rPr>
+            </a:br>
+            <a:r>
+              <a:rPr lang="en-US" altLang="zh-CN" dirty="0" smtClean="0">
+                <a:latin typeface="+mn-ea"/>
+              </a:rPr>
+              <a:t>       </a:t>
+            </a:r>
+            <a:r>
+              <a:rPr lang="zh-CN" altLang="en-US" dirty="0" smtClean="0">
+                <a:latin typeface="+mn-ea"/>
+              </a:rPr>
+              <a:t>异步</a:t>
+            </a:r>
+            <a:r>
+              <a:rPr lang="en-US" altLang="zh-CN" dirty="0">
+                <a:latin typeface="+mn-ea"/>
+              </a:rPr>
+              <a:t>channel</a:t>
+            </a:r>
+            <a:r>
+              <a:rPr lang="zh-CN" altLang="en-US" dirty="0">
+                <a:latin typeface="+mn-ea"/>
+              </a:rPr>
+              <a:t>的分组管理，目的是为了资源共享。一个</a:t>
+            </a:r>
+            <a:r>
+              <a:rPr lang="en-US" altLang="zh-CN" dirty="0" err="1">
+                <a:latin typeface="+mn-ea"/>
+              </a:rPr>
+              <a:t>AsynchronousChannelGroup</a:t>
+            </a:r>
+            <a:r>
+              <a:rPr lang="zh-CN" altLang="en-US" dirty="0">
+                <a:latin typeface="+mn-ea"/>
+              </a:rPr>
+              <a:t>绑定一个线程池，这个线程池执行两个任务：处理</a:t>
+            </a:r>
+            <a:r>
+              <a:rPr lang="en-US" altLang="zh-CN" dirty="0">
+                <a:latin typeface="+mn-ea"/>
+              </a:rPr>
+              <a:t>IO</a:t>
+            </a:r>
+            <a:r>
+              <a:rPr lang="zh-CN" altLang="en-US" dirty="0">
+                <a:latin typeface="+mn-ea"/>
+              </a:rPr>
+              <a:t>事件和派发</a:t>
+            </a:r>
+            <a:r>
+              <a:rPr lang="en-US" altLang="zh-CN" dirty="0" err="1">
+                <a:latin typeface="+mn-ea"/>
+              </a:rPr>
+              <a:t>CompletionHandler</a:t>
+            </a:r>
+            <a:r>
+              <a:rPr lang="zh-CN" altLang="en-US" dirty="0">
+                <a:latin typeface="+mn-ea"/>
+              </a:rPr>
+              <a:t>。</a:t>
+            </a:r>
+            <a:r>
+              <a:rPr lang="en-US" altLang="zh-CN" dirty="0" err="1">
+                <a:latin typeface="+mn-ea"/>
+              </a:rPr>
+              <a:t>AsynchronousServerSocketChannel</a:t>
+            </a:r>
+            <a:r>
+              <a:rPr lang="zh-CN" altLang="en-US" dirty="0">
+                <a:latin typeface="+mn-ea"/>
+              </a:rPr>
+              <a:t>创建的时候可以传入一个</a:t>
+            </a:r>
+            <a:r>
+              <a:rPr lang="en-US" altLang="zh-CN" dirty="0" err="1">
+                <a:latin typeface="+mn-ea"/>
+              </a:rPr>
+              <a:t>AsynchronousChannelGroup</a:t>
+            </a:r>
+            <a:r>
+              <a:rPr lang="zh-CN" altLang="en-US" dirty="0">
+                <a:latin typeface="+mn-ea"/>
+              </a:rPr>
+              <a:t>，那么通过</a:t>
+            </a:r>
+            <a:r>
+              <a:rPr lang="en-US" altLang="zh-CN" dirty="0" err="1">
+                <a:latin typeface="+mn-ea"/>
+              </a:rPr>
+              <a:t>AsynchronousServerSocketChannel</a:t>
+            </a:r>
+            <a:r>
+              <a:rPr lang="zh-CN" altLang="en-US" dirty="0">
+                <a:latin typeface="+mn-ea"/>
+              </a:rPr>
+              <a:t>创建的</a:t>
+            </a:r>
+            <a:r>
+              <a:rPr lang="en-US" altLang="zh-CN" dirty="0" err="1">
+                <a:latin typeface="+mn-ea"/>
+              </a:rPr>
+              <a:t>AsynchronousSocketChannel</a:t>
+            </a:r>
+            <a:r>
+              <a:rPr lang="zh-CN" altLang="en-US" dirty="0">
+                <a:latin typeface="+mn-ea"/>
+              </a:rPr>
+              <a:t>将同属于一个组</a:t>
+            </a:r>
+            <a:r>
+              <a:rPr lang="zh-CN" altLang="en-US" dirty="0" smtClean="0">
+                <a:latin typeface="+mn-ea"/>
+              </a:rPr>
+              <a:t>，共享资源。</a:t>
+            </a:r>
+            <a:r>
+              <a:rPr lang="zh-CN" altLang="en-US" dirty="0">
+                <a:latin typeface="+mn-ea"/>
+              </a:rPr>
+              <a:t/>
+            </a:r>
+            <a:br>
+              <a:rPr lang="zh-CN" altLang="en-US" dirty="0">
+                <a:latin typeface="+mn-ea"/>
+              </a:rPr>
+            </a:br>
+            <a:r>
+              <a:rPr lang="zh-CN" altLang="en-US" dirty="0">
+                <a:latin typeface="+mn-ea"/>
+              </a:rPr>
+              <a:t/>
+            </a:r>
+            <a:br>
+              <a:rPr lang="zh-CN" altLang="en-US" dirty="0">
+                <a:latin typeface="+mn-ea"/>
+              </a:rPr>
+            </a:br>
+            <a:r>
+              <a:rPr lang="en-US" altLang="zh-CN" dirty="0" err="1" smtClean="0">
+                <a:latin typeface="+mn-ea"/>
+              </a:rPr>
+              <a:t>java.nio.channels.CompletionHandler</a:t>
+            </a:r>
+            <a:r>
+              <a:rPr lang="en-US" altLang="zh-CN" dirty="0">
+                <a:latin typeface="+mn-ea"/>
+              </a:rPr>
+              <a:t/>
+            </a:r>
+            <a:br>
+              <a:rPr lang="en-US" altLang="zh-CN" dirty="0">
+                <a:latin typeface="+mn-ea"/>
+              </a:rPr>
+            </a:br>
+            <a:r>
+              <a:rPr lang="en-US" altLang="zh-CN" dirty="0">
+                <a:latin typeface="+mn-ea"/>
+              </a:rPr>
+              <a:t>       </a:t>
+            </a:r>
+            <a:r>
+              <a:rPr lang="zh-CN" altLang="en-US" dirty="0">
+                <a:latin typeface="+mn-ea"/>
+              </a:rPr>
+              <a:t>异步</a:t>
+            </a:r>
+            <a:r>
+              <a:rPr lang="en-US" altLang="zh-CN" dirty="0">
+                <a:latin typeface="+mn-ea"/>
+              </a:rPr>
+              <a:t>IO</a:t>
+            </a:r>
+            <a:r>
+              <a:rPr lang="zh-CN" altLang="en-US" dirty="0">
+                <a:latin typeface="+mn-ea"/>
+              </a:rPr>
+              <a:t>操作结果的回调接口，用于定义在</a:t>
+            </a:r>
+            <a:r>
+              <a:rPr lang="en-US" altLang="zh-CN" dirty="0">
+                <a:latin typeface="+mn-ea"/>
+              </a:rPr>
+              <a:t>IO</a:t>
+            </a:r>
+            <a:r>
+              <a:rPr lang="zh-CN" altLang="en-US" dirty="0">
+                <a:latin typeface="+mn-ea"/>
+              </a:rPr>
+              <a:t>操作完成后所作的回调工作。</a:t>
+            </a:r>
+            <a:r>
+              <a:rPr lang="en-US" altLang="zh-CN" dirty="0">
+                <a:latin typeface="+mn-ea"/>
+              </a:rPr>
+              <a:t>AIO</a:t>
+            </a:r>
+            <a:r>
+              <a:rPr lang="zh-CN" altLang="en-US" dirty="0">
+                <a:latin typeface="+mn-ea"/>
+              </a:rPr>
+              <a:t>的</a:t>
+            </a:r>
+            <a:r>
+              <a:rPr lang="en-US" altLang="zh-CN" dirty="0">
+                <a:latin typeface="+mn-ea"/>
+              </a:rPr>
+              <a:t>API</a:t>
+            </a:r>
+            <a:r>
+              <a:rPr lang="zh-CN" altLang="en-US" dirty="0">
+                <a:latin typeface="+mn-ea"/>
+              </a:rPr>
+              <a:t>允许两种方式来处理异步操作的结果：返回的</a:t>
+            </a:r>
+            <a:r>
+              <a:rPr lang="en-US" altLang="zh-CN" dirty="0">
+                <a:latin typeface="+mn-ea"/>
+              </a:rPr>
+              <a:t>Future</a:t>
+            </a:r>
+            <a:r>
+              <a:rPr lang="zh-CN" altLang="en-US" dirty="0">
+                <a:latin typeface="+mn-ea"/>
+              </a:rPr>
+              <a:t>模式或者注册</a:t>
+            </a:r>
+            <a:r>
+              <a:rPr lang="en-US" altLang="zh-CN" dirty="0" err="1">
+                <a:latin typeface="+mn-ea"/>
+              </a:rPr>
+              <a:t>CompletionHandler</a:t>
+            </a:r>
+            <a:r>
+              <a:rPr lang="zh-CN" altLang="en-US" dirty="0" smtClean="0">
+                <a:latin typeface="+mn-ea"/>
+              </a:rPr>
+              <a:t>，更</a:t>
+            </a:r>
+            <a:r>
+              <a:rPr lang="zh-CN" altLang="en-US" dirty="0">
+                <a:latin typeface="+mn-ea"/>
+              </a:rPr>
+              <a:t>推荐用</a:t>
+            </a:r>
+            <a:r>
+              <a:rPr lang="en-US" altLang="zh-CN" dirty="0" err="1">
+                <a:latin typeface="+mn-ea"/>
+              </a:rPr>
+              <a:t>CompletionHandler</a:t>
+            </a:r>
+            <a:r>
+              <a:rPr lang="zh-CN" altLang="en-US" dirty="0">
+                <a:latin typeface="+mn-ea"/>
+              </a:rPr>
+              <a:t>的方式，这些</a:t>
+            </a:r>
+            <a:r>
+              <a:rPr lang="en-US" altLang="zh-CN" dirty="0">
+                <a:latin typeface="+mn-ea"/>
+              </a:rPr>
+              <a:t>handler</a:t>
+            </a:r>
+            <a:r>
+              <a:rPr lang="zh-CN" altLang="en-US" dirty="0">
+                <a:latin typeface="+mn-ea"/>
+              </a:rPr>
+              <a:t>的调用是由</a:t>
+            </a:r>
+            <a:r>
+              <a:rPr lang="en-US" altLang="zh-CN" dirty="0" err="1">
+                <a:latin typeface="+mn-ea"/>
+              </a:rPr>
+              <a:t>AsynchronousChannelGroup</a:t>
+            </a:r>
+            <a:r>
+              <a:rPr lang="zh-CN" altLang="en-US" dirty="0">
+                <a:latin typeface="+mn-ea"/>
+              </a:rPr>
+              <a:t>的线程池派发的</a:t>
+            </a:r>
+            <a:r>
+              <a:rPr lang="zh-CN" altLang="en-US" dirty="0" smtClean="0">
+                <a:latin typeface="+mn-ea"/>
+              </a:rPr>
+              <a:t>。线程</a:t>
+            </a:r>
+            <a:r>
+              <a:rPr lang="zh-CN" altLang="en-US" dirty="0">
+                <a:latin typeface="+mn-ea"/>
+              </a:rPr>
+              <a:t>池的大小是性能的关键因素</a:t>
+            </a:r>
+            <a:r>
+              <a:rPr lang="zh-CN" altLang="en-US" dirty="0" smtClean="0">
+                <a:latin typeface="+mn-ea"/>
+              </a:rPr>
+              <a:t>。</a:t>
+            </a:r>
+            <a:endParaRPr lang="en-US" altLang="zh-CN" dirty="0" smtClean="0">
+              <a:latin typeface="+mn-ea"/>
+            </a:endParaRPr>
+          </a:p>
+          <a:p>
+            <a:endParaRPr lang="en-US" altLang="zh-CN" dirty="0" smtClean="0">
+              <a:latin typeface="+mn-ea"/>
+            </a:endParaRPr>
           </a:p>
           <a:p>
             <a:endParaRPr lang="en-US" altLang="zh-CN" dirty="0">
@@ -6541,54 +7183,9 @@
             </a:endParaRPr>
           </a:p>
           <a:p>
-            <a:r>
-              <a:rPr lang="en-US" altLang="zh-CN" b="1" dirty="0" smtClean="0">
-                <a:latin typeface="+mn-ea"/>
-              </a:rPr>
-              <a:t>1</a:t>
-            </a:r>
-            <a:r>
-              <a:rPr lang="zh-CN" altLang="en-US" b="1" dirty="0" smtClean="0">
-                <a:latin typeface="+mn-ea"/>
-              </a:rPr>
-              <a:t>、为什么</a:t>
-            </a:r>
-            <a:r>
-              <a:rPr lang="zh-CN" altLang="en-US" b="1" dirty="0">
-                <a:latin typeface="+mn-ea"/>
-              </a:rPr>
-              <a:t>要引入</a:t>
-            </a:r>
-            <a:r>
-              <a:rPr lang="en-US" altLang="zh-CN" b="1" dirty="0">
-                <a:latin typeface="+mn-ea"/>
-              </a:rPr>
-              <a:t>Channel, </a:t>
-            </a:r>
-            <a:r>
-              <a:rPr lang="zh-CN" altLang="en-US" b="1" dirty="0">
-                <a:latin typeface="+mn-ea"/>
-              </a:rPr>
-              <a:t>直接扩展已有的</a:t>
-            </a:r>
-            <a:r>
-              <a:rPr lang="en-US" altLang="zh-CN" b="1" dirty="0">
-                <a:latin typeface="+mn-ea"/>
-              </a:rPr>
-              <a:t>Stream</a:t>
-            </a:r>
-            <a:r>
-              <a:rPr lang="zh-CN" altLang="en-US" b="1" dirty="0">
-                <a:latin typeface="+mn-ea"/>
-              </a:rPr>
-              <a:t>类不行吗</a:t>
-            </a:r>
-            <a:r>
-              <a:rPr lang="en-US" altLang="zh-CN" b="1" dirty="0" smtClean="0">
-                <a:latin typeface="+mn-ea"/>
-              </a:rPr>
-              <a:t>?</a:t>
-            </a:r>
+            <a:endParaRPr lang="en-US" altLang="zh-CN" dirty="0" smtClean="0">
+              <a:latin typeface="+mn-ea"/>
+            </a:endParaRPr>
           </a:p>
           <a:p>
             <a:endParaRPr lang="en-US" altLang="zh-CN" dirty="0">
@@ -6596,376 +7193,16 @@
             </a:endParaRPr>
           </a:p>
           <a:p>
-            <a:r>
-              <a:rPr lang="zh-CN" altLang="en-US" dirty="0" smtClean="0">
-                <a:latin typeface="+mn-ea"/>
-              </a:rPr>
-              <a:t>    流</a:t>
-            </a:r>
-            <a:r>
-              <a:rPr lang="zh-CN" altLang="en-US" dirty="0">
-                <a:latin typeface="+mn-ea"/>
-              </a:rPr>
-              <a:t>的抽象已经很完备了</a:t>
-            </a:r>
-            <a:r>
-              <a:rPr lang="en-US" altLang="zh-CN" dirty="0">
-                <a:latin typeface="+mn-ea"/>
-              </a:rPr>
-              <a:t>, </a:t>
-            </a:r>
-            <a:r>
-              <a:rPr lang="zh-CN" altLang="en-US" dirty="0">
-                <a:latin typeface="+mn-ea"/>
-              </a:rPr>
-              <a:t>添加更多的特性与概念只会将流的概念进一步复杂化</a:t>
-            </a:r>
-            <a:r>
-              <a:rPr lang="en-US" altLang="zh-CN" dirty="0">
-                <a:latin typeface="+mn-ea"/>
-              </a:rPr>
-              <a:t>, API</a:t>
-            </a:r>
-            <a:r>
-              <a:rPr lang="zh-CN" altLang="en-US" dirty="0">
-                <a:latin typeface="+mn-ea"/>
-              </a:rPr>
-              <a:t>更加难以使用</a:t>
-            </a:r>
-            <a:r>
-              <a:rPr lang="en-US" altLang="zh-CN" dirty="0">
-                <a:latin typeface="+mn-ea"/>
-              </a:rPr>
-              <a:t>, </a:t>
-            </a:r>
-            <a:r>
-              <a:rPr lang="zh-CN" altLang="en-US" dirty="0">
-                <a:latin typeface="+mn-ea"/>
-              </a:rPr>
-              <a:t>这是一种很不好的</a:t>
-            </a:r>
-            <a:r>
-              <a:rPr lang="en-US" altLang="zh-CN" dirty="0">
-                <a:latin typeface="+mn-ea"/>
-              </a:rPr>
-              <a:t>API</a:t>
-            </a:r>
-            <a:r>
-              <a:rPr lang="zh-CN" altLang="en-US" dirty="0">
-                <a:latin typeface="+mn-ea"/>
-              </a:rPr>
-              <a:t>设计</a:t>
-            </a:r>
-            <a:r>
-              <a:rPr lang="zh-CN" altLang="en-US" dirty="0" smtClean="0">
-                <a:latin typeface="+mn-ea"/>
-              </a:rPr>
-              <a:t>方式</a:t>
-            </a:r>
-            <a:r>
-              <a:rPr lang="zh-CN" altLang="en-US" dirty="0">
-                <a:latin typeface="+mn-ea"/>
-              </a:rPr>
-              <a:t>。</a:t>
-            </a:r>
-            <a:r>
-              <a:rPr lang="zh-CN" altLang="en-US" dirty="0" smtClean="0">
-                <a:latin typeface="+mn-ea"/>
-              </a:rPr>
-              <a:t>因此</a:t>
-            </a:r>
-            <a:r>
-              <a:rPr lang="en-US" altLang="zh-CN" dirty="0">
-                <a:latin typeface="+mn-ea"/>
-              </a:rPr>
-              <a:t>, NIO</a:t>
-            </a:r>
-            <a:r>
-              <a:rPr lang="zh-CN" altLang="en-US" dirty="0">
-                <a:latin typeface="+mn-ea"/>
-              </a:rPr>
-              <a:t>引入了一套新的</a:t>
-            </a:r>
-            <a:r>
-              <a:rPr lang="zh-CN" altLang="en-US" dirty="0" smtClean="0">
-                <a:latin typeface="+mn-ea"/>
-              </a:rPr>
-              <a:t>抽象。</a:t>
-            </a:r>
-            <a:r>
-              <a:rPr lang="en-US" altLang="zh-CN" dirty="0" smtClean="0">
-                <a:latin typeface="+mn-ea"/>
-              </a:rPr>
-              <a:t> </a:t>
-            </a:r>
-            <a:r>
-              <a:rPr lang="en-US" altLang="zh-CN" dirty="0">
-                <a:latin typeface="+mn-ea"/>
-              </a:rPr>
-              <a:t>Do one thing, and do it </a:t>
-            </a:r>
-            <a:r>
-              <a:rPr lang="en-US" altLang="zh-CN" dirty="0" smtClean="0">
-                <a:latin typeface="+mn-ea"/>
-              </a:rPr>
-              <a:t>well</a:t>
-            </a:r>
-            <a:r>
-              <a:rPr lang="zh-CN" altLang="en-US" dirty="0" smtClean="0">
-                <a:latin typeface="+mn-ea"/>
-              </a:rPr>
-              <a:t>。</a:t>
-            </a:r>
             <a:endParaRPr lang="en-US" altLang="zh-CN" dirty="0" smtClean="0">
               <a:latin typeface="+mn-ea"/>
             </a:endParaRPr>
           </a:p>
           <a:p>
-            <a:endParaRPr lang="en-US" altLang="zh-CN" dirty="0" smtClean="0">
-              <a:latin typeface="+mn-ea"/>
-            </a:endParaRPr>
-          </a:p>
-          <a:p>
-            <a:r>
-              <a:rPr lang="en-US" altLang="zh-CN" sz="1600" dirty="0" err="1" smtClean="0">
-                <a:latin typeface="+mn-ea"/>
-              </a:rPr>
-              <a:t>FileChannel</a:t>
-            </a:r>
-            <a:r>
-              <a:rPr lang="zh-CN" altLang="en-US" sz="1600" dirty="0" smtClean="0">
-                <a:latin typeface="+mn-ea"/>
-              </a:rPr>
-              <a:t>：从文件中读写数据，不支持绑定</a:t>
-            </a:r>
-            <a:r>
-              <a:rPr lang="zh-CN" altLang="en-US" sz="1600" dirty="0" smtClean="0"/>
-              <a:t>选择器（不支持非阻塞），支持内存映射（</a:t>
-            </a:r>
-            <a:r>
-              <a:rPr lang="en-US" altLang="zh-CN" sz="1600" dirty="0"/>
-              <a:t> Memory </a:t>
-            </a:r>
-            <a:r>
-              <a:rPr lang="en-US" altLang="zh-CN" sz="1600" dirty="0" smtClean="0"/>
-              <a:t>Mapping</a:t>
-            </a:r>
-            <a:r>
-              <a:rPr lang="zh-CN" altLang="en-US" sz="1600" dirty="0" smtClean="0"/>
-              <a:t>）。</a:t>
-            </a:r>
-            <a:endParaRPr lang="zh-CN" altLang="en-US" sz="1600" dirty="0" smtClean="0">
-              <a:latin typeface="+mn-ea"/>
-            </a:endParaRPr>
-          </a:p>
-          <a:p>
-            <a:r>
-              <a:rPr lang="en-US" altLang="zh-CN" sz="1600" dirty="0" err="1" smtClean="0">
-                <a:latin typeface="+mn-ea"/>
-              </a:rPr>
-              <a:t>DatagramChannel</a:t>
-            </a:r>
-            <a:r>
-              <a:rPr lang="zh-CN" altLang="en-US" sz="1600" dirty="0" smtClean="0">
-                <a:latin typeface="+mn-ea"/>
-              </a:rPr>
-              <a:t>：通过</a:t>
-            </a:r>
-            <a:r>
-              <a:rPr lang="en-US" altLang="zh-CN" sz="1600" dirty="0">
-                <a:latin typeface="+mn-ea"/>
-              </a:rPr>
-              <a:t>UDP</a:t>
-            </a:r>
-            <a:r>
-              <a:rPr lang="zh-CN" altLang="en-US" sz="1600" dirty="0">
-                <a:latin typeface="+mn-ea"/>
-              </a:rPr>
-              <a:t>读写网络中的</a:t>
-            </a:r>
-            <a:r>
-              <a:rPr lang="zh-CN" altLang="en-US" sz="1600" dirty="0" smtClean="0">
-                <a:latin typeface="+mn-ea"/>
-              </a:rPr>
-              <a:t>数据</a:t>
-            </a:r>
-            <a:r>
-              <a:rPr lang="en-US" altLang="zh-CN" sz="1600" dirty="0" smtClean="0">
-                <a:latin typeface="+mn-ea"/>
-              </a:rPr>
-              <a:t>;</a:t>
-            </a:r>
-            <a:endParaRPr lang="zh-CN" altLang="en-US" sz="1600" dirty="0">
-              <a:latin typeface="+mn-ea"/>
-            </a:endParaRPr>
-          </a:p>
-          <a:p>
-            <a:r>
-              <a:rPr lang="en-US" altLang="zh-CN" sz="1600" dirty="0" err="1" smtClean="0">
-                <a:latin typeface="+mn-ea"/>
-              </a:rPr>
-              <a:t>SocketChannel</a:t>
-            </a:r>
-            <a:r>
-              <a:rPr lang="zh-CN" altLang="en-US" sz="1600" dirty="0" smtClean="0">
-                <a:latin typeface="+mn-ea"/>
-              </a:rPr>
-              <a:t>：通过</a:t>
-            </a:r>
-            <a:r>
-              <a:rPr lang="en-US" altLang="zh-CN" sz="1600" dirty="0">
-                <a:latin typeface="+mn-ea"/>
-              </a:rPr>
-              <a:t>TCP</a:t>
-            </a:r>
-            <a:r>
-              <a:rPr lang="zh-CN" altLang="en-US" sz="1600" dirty="0">
-                <a:latin typeface="+mn-ea"/>
-              </a:rPr>
-              <a:t>读写网络中的</a:t>
-            </a:r>
-            <a:r>
-              <a:rPr lang="zh-CN" altLang="en-US" sz="1600" dirty="0" smtClean="0">
-                <a:latin typeface="+mn-ea"/>
-              </a:rPr>
-              <a:t>数据</a:t>
-            </a:r>
-            <a:r>
-              <a:rPr lang="en-US" altLang="zh-CN" sz="1600" dirty="0" smtClean="0">
-                <a:latin typeface="+mn-ea"/>
-              </a:rPr>
-              <a:t>;</a:t>
-            </a:r>
-            <a:endParaRPr lang="zh-CN" altLang="en-US" sz="1600" dirty="0">
-              <a:latin typeface="+mn-ea"/>
-            </a:endParaRPr>
-          </a:p>
-          <a:p>
-            <a:r>
-              <a:rPr lang="en-US" altLang="zh-CN" sz="1600" dirty="0" err="1" smtClean="0">
-                <a:latin typeface="+mn-ea"/>
-              </a:rPr>
-              <a:t>ServerSocketChannel</a:t>
-            </a:r>
-            <a:r>
-              <a:rPr lang="zh-CN" altLang="en-US" sz="1600" dirty="0" smtClean="0">
-                <a:latin typeface="+mn-ea"/>
-              </a:rPr>
-              <a:t>：监听</a:t>
-            </a:r>
-            <a:r>
-              <a:rPr lang="zh-CN" altLang="en-US" sz="1600" dirty="0">
-                <a:latin typeface="+mn-ea"/>
-              </a:rPr>
-              <a:t>新进来的</a:t>
-            </a:r>
-            <a:r>
-              <a:rPr lang="en-US" altLang="zh-CN" sz="1600" dirty="0">
-                <a:latin typeface="+mn-ea"/>
-              </a:rPr>
-              <a:t>TCP</a:t>
-            </a:r>
-            <a:r>
-              <a:rPr lang="zh-CN" altLang="en-US" sz="1600" dirty="0">
-                <a:latin typeface="+mn-ea"/>
-              </a:rPr>
-              <a:t>连接，像</a:t>
-            </a:r>
-            <a:r>
-              <a:rPr lang="en-US" altLang="zh-CN" sz="1600" dirty="0">
-                <a:latin typeface="+mn-ea"/>
-              </a:rPr>
-              <a:t>Web</a:t>
-            </a:r>
-            <a:r>
-              <a:rPr lang="zh-CN" altLang="en-US" sz="1600" dirty="0">
-                <a:latin typeface="+mn-ea"/>
-              </a:rPr>
-              <a:t>服务器那样。对每一个新进来的连接都会创建</a:t>
-            </a:r>
-            <a:r>
-              <a:rPr lang="zh-CN" altLang="en-US" sz="1600" dirty="0" smtClean="0">
-                <a:latin typeface="+mn-ea"/>
-              </a:rPr>
-              <a:t>一个</a:t>
-            </a:r>
-            <a:r>
-              <a:rPr lang="en-US" altLang="zh-CN" sz="1600" dirty="0" err="1" smtClean="0">
-                <a:latin typeface="+mn-ea"/>
-              </a:rPr>
-              <a:t>SocketChannel</a:t>
-            </a:r>
-            <a:r>
-              <a:rPr lang="zh-CN" altLang="en-US" sz="1600" dirty="0" smtClean="0">
-                <a:latin typeface="+mn-ea"/>
-              </a:rPr>
-              <a:t>。</a:t>
-            </a:r>
-            <a:endParaRPr lang="zh-CN" altLang="en-US" sz="1600" dirty="0">
-              <a:latin typeface="+mn-ea"/>
-            </a:endParaRPr>
-          </a:p>
-          <a:p>
-            <a:endParaRPr lang="en-US" altLang="zh-CN" dirty="0" smtClean="0">
-              <a:latin typeface="+mn-ea"/>
-            </a:endParaRPr>
-          </a:p>
-          <a:p>
             <a:endParaRPr lang="en-US" altLang="zh-CN" dirty="0">
               <a:latin typeface="+mn-ea"/>
             </a:endParaRPr>
           </a:p>
           <a:p>
-            <a:r>
-              <a:rPr lang="en-US" altLang="zh-CN" b="1" dirty="0" smtClean="0">
-                <a:latin typeface="+mn-ea"/>
-              </a:rPr>
-              <a:t>2</a:t>
-            </a:r>
-            <a:r>
-              <a:rPr lang="zh-CN" altLang="en-US" b="1" dirty="0" smtClean="0">
-                <a:latin typeface="+mn-ea"/>
-              </a:rPr>
-              <a:t>、为什么</a:t>
-            </a:r>
-            <a:r>
-              <a:rPr lang="zh-CN" altLang="en-US" b="1" dirty="0">
-                <a:latin typeface="+mn-ea"/>
-              </a:rPr>
-              <a:t>引入</a:t>
-            </a:r>
-            <a:r>
-              <a:rPr lang="en-US" altLang="zh-CN" b="1" dirty="0">
-                <a:latin typeface="+mn-ea"/>
-              </a:rPr>
-              <a:t>Buffer? </a:t>
-            </a:r>
-            <a:r>
-              <a:rPr lang="zh-CN" altLang="en-US" b="1" dirty="0">
-                <a:latin typeface="+mn-ea"/>
-              </a:rPr>
-              <a:t>直接用</a:t>
-            </a:r>
-            <a:r>
-              <a:rPr lang="en-US" altLang="zh-CN" b="1" dirty="0">
-                <a:latin typeface="+mn-ea"/>
-              </a:rPr>
-              <a:t>byte</a:t>
-            </a:r>
-            <a:r>
-              <a:rPr lang="zh-CN" altLang="en-US" b="1" dirty="0">
-                <a:latin typeface="+mn-ea"/>
-              </a:rPr>
-              <a:t>数组可以吗</a:t>
-            </a:r>
-            <a:r>
-              <a:rPr lang="en-US" altLang="zh-CN" b="1" dirty="0" smtClean="0">
-                <a:latin typeface="+mn-ea"/>
-              </a:rPr>
-              <a:t>?</a:t>
-            </a:r>
-          </a:p>
-          <a:p>
             <a:endParaRPr lang="en-US" altLang="zh-CN" dirty="0">
               <a:latin typeface="+mn-ea"/>
             </a:endParaRPr>
@@ -6975,268 +7212,13 @@
               <a:rPr lang="zh-CN" altLang="en-US" dirty="0" smtClean="0">
                 <a:latin typeface="+mn-ea"/>
               </a:rPr>
-              <a:t>    实际上是</a:t>
-            </a:r>
-            <a:r>
-              <a:rPr lang="zh-CN" altLang="en-US" dirty="0">
-                <a:latin typeface="+mn-ea"/>
-              </a:rPr>
-              <a:t>可以的</a:t>
-            </a:r>
-            <a:r>
-              <a:rPr lang="en-US" altLang="zh-CN" dirty="0">
-                <a:latin typeface="+mn-ea"/>
-              </a:rPr>
-              <a:t>, </a:t>
-            </a:r>
-            <a:r>
-              <a:rPr lang="zh-CN" altLang="en-US" dirty="0">
-                <a:latin typeface="+mn-ea"/>
-              </a:rPr>
-              <a:t>但</a:t>
-            </a:r>
-            <a:r>
-              <a:rPr lang="en-US" altLang="zh-CN" dirty="0">
-                <a:latin typeface="+mn-ea"/>
-              </a:rPr>
-              <a:t>Buffer</a:t>
-            </a:r>
-            <a:r>
-              <a:rPr lang="zh-CN" altLang="en-US" dirty="0">
-                <a:latin typeface="+mn-ea"/>
-              </a:rPr>
-              <a:t>类提供了更加方便的</a:t>
-            </a:r>
-            <a:r>
-              <a:rPr lang="zh-CN" altLang="en-US" dirty="0" smtClean="0">
-                <a:latin typeface="+mn-ea"/>
-              </a:rPr>
-              <a:t>操作。同时</a:t>
-            </a:r>
-            <a:r>
-              <a:rPr lang="en-US" altLang="zh-CN" dirty="0">
-                <a:latin typeface="+mn-ea"/>
-              </a:rPr>
-              <a:t>, Buffer</a:t>
-            </a:r>
-            <a:r>
-              <a:rPr lang="zh-CN" altLang="en-US" dirty="0">
-                <a:latin typeface="+mn-ea"/>
-              </a:rPr>
-              <a:t>提供了很多性能上的</a:t>
-            </a:r>
-            <a:r>
-              <a:rPr lang="zh-CN" altLang="en-US" dirty="0" smtClean="0">
-                <a:latin typeface="+mn-ea"/>
-              </a:rPr>
-              <a:t>优化。</a:t>
-            </a:r>
-            <a:endParaRPr lang="en-US" altLang="zh-CN" dirty="0" smtClean="0">
-              <a:latin typeface="+mn-ea"/>
-            </a:endParaRPr>
-          </a:p>
-          <a:p>
-            <a:endParaRPr lang="en-US" altLang="zh-CN" dirty="0">
-              <a:latin typeface="+mn-ea"/>
-            </a:endParaRPr>
-          </a:p>
-          <a:p>
-            <a:r>
-              <a:rPr lang="zh-CN" altLang="en-US" dirty="0" smtClean="0">
-                <a:latin typeface="+mn-ea"/>
-              </a:rPr>
-              <a:t>    如果</a:t>
-            </a:r>
-            <a:r>
-              <a:rPr lang="zh-CN" altLang="en-US" dirty="0">
-                <a:latin typeface="+mn-ea"/>
-              </a:rPr>
-              <a:t>直接操作</a:t>
-            </a:r>
-            <a:r>
-              <a:rPr lang="en-US" altLang="zh-CN" dirty="0">
-                <a:latin typeface="+mn-ea"/>
-              </a:rPr>
-              <a:t>byte, </a:t>
-            </a:r>
-            <a:r>
-              <a:rPr lang="zh-CN" altLang="en-US" dirty="0">
-                <a:latin typeface="+mn-ea"/>
-              </a:rPr>
-              <a:t>性能会很低</a:t>
-            </a:r>
-            <a:r>
-              <a:rPr lang="en-US" altLang="zh-CN" dirty="0">
-                <a:latin typeface="+mn-ea"/>
-              </a:rPr>
-              <a:t>, </a:t>
-            </a:r>
-            <a:r>
-              <a:rPr lang="zh-CN" altLang="en-US" dirty="0">
-                <a:latin typeface="+mn-ea"/>
-              </a:rPr>
-              <a:t>实际上还是需要</a:t>
-            </a:r>
-            <a:r>
-              <a:rPr lang="en-US" altLang="zh-CN" dirty="0">
-                <a:latin typeface="+mn-ea"/>
-              </a:rPr>
-              <a:t>buffering</a:t>
-            </a:r>
-            <a:r>
-              <a:rPr lang="zh-CN" altLang="en-US" dirty="0">
-                <a:latin typeface="+mn-ea"/>
-              </a:rPr>
-              <a:t>来提供性能</a:t>
-            </a:r>
-            <a:r>
-              <a:rPr lang="en-US" altLang="zh-CN" dirty="0">
-                <a:latin typeface="+mn-ea"/>
-              </a:rPr>
-              <a:t>, </a:t>
-            </a:r>
-            <a:r>
-              <a:rPr lang="zh-CN" altLang="en-US" dirty="0">
-                <a:latin typeface="+mn-ea"/>
-              </a:rPr>
-              <a:t>与其加一</a:t>
-            </a:r>
-            <a:r>
-              <a:rPr lang="zh-CN" altLang="en-US" dirty="0" smtClean="0">
-                <a:latin typeface="+mn-ea"/>
-              </a:rPr>
-              <a:t>层</a:t>
-            </a:r>
-            <a:r>
-              <a:rPr lang="en-US" altLang="zh-CN" dirty="0" smtClean="0">
-                <a:latin typeface="+mn-ea"/>
-              </a:rPr>
-              <a:t>Buffering</a:t>
-            </a:r>
-            <a:r>
-              <a:rPr lang="zh-CN" altLang="en-US" dirty="0">
-                <a:latin typeface="+mn-ea"/>
-              </a:rPr>
-              <a:t>抽象</a:t>
-            </a:r>
-            <a:r>
-              <a:rPr lang="en-US" altLang="zh-CN" dirty="0">
-                <a:latin typeface="+mn-ea"/>
-              </a:rPr>
-              <a:t>, </a:t>
-            </a:r>
-            <a:r>
-              <a:rPr lang="zh-CN" altLang="en-US" dirty="0">
-                <a:latin typeface="+mn-ea"/>
-              </a:rPr>
-              <a:t>不如直接给用户提供</a:t>
-            </a:r>
-            <a:r>
-              <a:rPr lang="en-US" altLang="zh-CN" dirty="0">
-                <a:latin typeface="+mn-ea"/>
-              </a:rPr>
-              <a:t>Buffer. </a:t>
-            </a:r>
-            <a:r>
-              <a:rPr lang="zh-CN" altLang="en-US" dirty="0">
-                <a:latin typeface="+mn-ea"/>
-              </a:rPr>
-              <a:t>最重要的是</a:t>
-            </a:r>
-            <a:r>
-              <a:rPr lang="en-US" altLang="zh-CN" dirty="0">
-                <a:latin typeface="+mn-ea"/>
-              </a:rPr>
-              <a:t>, </a:t>
-            </a:r>
-            <a:r>
-              <a:rPr lang="zh-CN" altLang="en-US" dirty="0">
-                <a:latin typeface="+mn-ea"/>
-              </a:rPr>
-              <a:t>基于</a:t>
-            </a:r>
-            <a:r>
-              <a:rPr lang="en-US" altLang="zh-CN" dirty="0">
-                <a:latin typeface="+mn-ea"/>
-              </a:rPr>
-              <a:t>Buffer</a:t>
-            </a:r>
-            <a:r>
-              <a:rPr lang="zh-CN" altLang="en-US" dirty="0">
-                <a:latin typeface="+mn-ea"/>
-              </a:rPr>
-              <a:t>的</a:t>
-            </a:r>
-            <a:r>
-              <a:rPr lang="en-US" altLang="zh-CN" dirty="0">
-                <a:latin typeface="+mn-ea"/>
-              </a:rPr>
-              <a:t>IO</a:t>
-            </a:r>
-            <a:r>
-              <a:rPr lang="zh-CN" altLang="en-US" dirty="0">
-                <a:latin typeface="+mn-ea"/>
-              </a:rPr>
-              <a:t>操作</a:t>
-            </a:r>
-            <a:r>
-              <a:rPr lang="en-US" altLang="zh-CN" dirty="0">
-                <a:latin typeface="+mn-ea"/>
-              </a:rPr>
-              <a:t>, </a:t>
-            </a:r>
-            <a:r>
-              <a:rPr lang="zh-CN" altLang="en-US" dirty="0">
-                <a:latin typeface="+mn-ea"/>
-              </a:rPr>
-              <a:t>某些情况下可以直接映射成系统调用</a:t>
-            </a:r>
-            <a:r>
-              <a:rPr lang="en-US" altLang="zh-CN" dirty="0">
-                <a:latin typeface="+mn-ea"/>
-              </a:rPr>
-              <a:t>, </a:t>
-            </a:r>
-            <a:r>
-              <a:rPr lang="zh-CN" altLang="en-US" dirty="0">
-                <a:latin typeface="+mn-ea"/>
-              </a:rPr>
-              <a:t>性能极高</a:t>
-            </a:r>
-            <a:r>
-              <a:rPr lang="en-US" altLang="zh-CN" dirty="0" smtClean="0">
-                <a:latin typeface="+mn-ea"/>
-              </a:rPr>
-              <a:t>!</a:t>
-            </a:r>
-          </a:p>
-          <a:p>
-            <a:endParaRPr lang="en-US" altLang="zh-CN" dirty="0">
-              <a:latin typeface="+mn-ea"/>
-            </a:endParaRPr>
-          </a:p>
-          <a:p>
-            <a:endParaRPr lang="en-US" altLang="zh-CN" dirty="0" smtClean="0">
-              <a:latin typeface="+mn-ea"/>
-            </a:endParaRPr>
-          </a:p>
-          <a:p>
-            <a:endParaRPr lang="en-US" altLang="zh-CN" dirty="0">
-              <a:latin typeface="+mn-ea"/>
-            </a:endParaRPr>
-          </a:p>
-          <a:p>
-            <a:r>
-              <a:rPr lang="zh-CN" altLang="en-US" dirty="0" smtClean="0">
-                <a:latin typeface="+mn-ea"/>
-              </a:rPr>
-              <a:t>参见：</a:t>
+              <a:t>来源：</a:t>
             </a:r>
             <a:r>
               <a:rPr lang="en-US" altLang="zh-CN" dirty="0">
                 <a:hlinkClick r:id="rId2"/>
               </a:rPr>
-              <a:t> https://www.jianshu.com/p/07d3d421a877</a:t>
+              <a:t>http://www.blogjava.net/killme2008/archive/2012/09/17/295743.html</a:t>
             </a:r>
             <a:endParaRPr lang="zh-CN" altLang="en-US" dirty="0">
               <a:latin typeface="+mn-ea"/>
@@ -7247,7 +7229,7 @@
     </p:spTree>
     <p:extLst>
       <p:ext uri="{BB962C8B-B14F-4D97-AF65-F5344CB8AC3E}">
-        <p14:creationId xmlns:p14="http://schemas.microsoft.com/office/powerpoint/2010/main" val="530041820"/>
+        <p14:creationId xmlns:p14="http://schemas.microsoft.com/office/powerpoint/2010/main" val="3583002399"/>
       </p:ext>
     </p:extLst>
   </p:cSld>
@@ -7282,35 +7264,601 @@
         </p:nvSpPr>
         <p:spPr>
           <a:xfrm>
-            <a:off x="97825" y="83123"/>
-            <a:ext cx="1451038" cy="369332"/>
+            <a:off x="243840" y="327303"/>
+            <a:ext cx="11605260" cy="3693319"/>
           </a:xfrm>
           <a:prstGeom prst="rect">
             <a:avLst/>
           </a:prstGeom>
         </p:spPr>
         <p:txBody>
-          <a:bodyPr wrap="none">
+          <a:bodyPr wrap="square">
             <a:spAutoFit/>
           </a:bodyPr>
           <a:lstStyle/>
           <a:p>
             <a:r>
+              <a:rPr lang="zh-CN" altLang="en-US" b="1" dirty="0"/>
+              <a:t>同步</a:t>
+            </a:r>
+            <a:r>
+              <a:rPr lang="en-US" altLang="zh-CN" b="1" dirty="0"/>
+              <a:t>IO</a:t>
+            </a:r>
+            <a:r>
+              <a:rPr lang="zh-CN" altLang="en-US" b="1" dirty="0"/>
+              <a:t>、异步</a:t>
+            </a:r>
+            <a:r>
+              <a:rPr lang="en-US" altLang="zh-CN" b="1" dirty="0"/>
+              <a:t>IO</a:t>
+            </a:r>
+            <a:r>
+              <a:rPr lang="zh-CN" altLang="en-US" b="1" dirty="0"/>
+              <a:t>、阻塞</a:t>
+            </a:r>
+            <a:r>
+              <a:rPr lang="en-US" altLang="zh-CN" b="1" dirty="0"/>
+              <a:t>IO</a:t>
+            </a:r>
+            <a:r>
+              <a:rPr lang="zh-CN" altLang="en-US" b="1" dirty="0"/>
+              <a:t>、非阻塞</a:t>
+            </a:r>
+            <a:r>
+              <a:rPr lang="en-US" altLang="zh-CN" b="1" dirty="0" smtClean="0"/>
+              <a:t>IO</a:t>
+            </a:r>
+            <a:r>
+              <a:rPr lang="zh-CN" altLang="en-US" b="1" dirty="0" smtClean="0"/>
+              <a:t>：</a:t>
+            </a:r>
+            <a:endParaRPr lang="en-US" altLang="zh-CN" b="1" dirty="0" smtClean="0"/>
+          </a:p>
+          <a:p>
+            <a:endParaRPr lang="en-US" altLang="zh-CN" dirty="0"/>
+          </a:p>
+          <a:p>
+            <a:r>
+              <a:rPr lang="zh-CN" altLang="en-US" dirty="0"/>
+              <a:t>一个</a:t>
+            </a:r>
+            <a:r>
+              <a:rPr lang="en-US" altLang="zh-CN" dirty="0"/>
+              <a:t>IO</a:t>
+            </a:r>
+            <a:r>
+              <a:rPr lang="zh-CN" altLang="en-US" dirty="0"/>
+              <a:t>操作可以分为两个步骤：发起</a:t>
+            </a:r>
+            <a:r>
+              <a:rPr lang="en-US" altLang="zh-CN" dirty="0"/>
+              <a:t>IO</a:t>
+            </a:r>
+            <a:r>
+              <a:rPr lang="zh-CN" altLang="en-US" dirty="0"/>
+              <a:t>请求和实际的</a:t>
+            </a:r>
+            <a:r>
+              <a:rPr lang="en-US" altLang="zh-CN" dirty="0"/>
+              <a:t>IO</a:t>
+            </a:r>
+            <a:r>
+              <a:rPr lang="zh-CN" altLang="en-US" dirty="0"/>
+              <a:t>操作</a:t>
+            </a:r>
+          </a:p>
+          <a:p>
+            <a:r>
+              <a:rPr lang="zh-CN" altLang="en-US" dirty="0" smtClean="0"/>
+              <a:t>例如</a:t>
+            </a:r>
+            <a:r>
+              <a:rPr lang="zh-CN" altLang="en-US" dirty="0"/>
+              <a:t>：</a:t>
+            </a:r>
+          </a:p>
+          <a:p>
+            <a:r>
+              <a:rPr lang="en-US" altLang="zh-CN" dirty="0"/>
+              <a:t>1</a:t>
+            </a:r>
+            <a:r>
+              <a:rPr lang="zh-CN" altLang="en-US" dirty="0"/>
+              <a:t>、操作系统的一次写操作分为两步：将数据从用户空间拷贝到系统空间；从系统空间往网卡写。</a:t>
+            </a:r>
+          </a:p>
+          <a:p>
+            <a:r>
+              <a:rPr lang="en-US" altLang="zh-CN" dirty="0"/>
+              <a:t>2</a:t>
+            </a:r>
+            <a:r>
+              <a:rPr lang="zh-CN" altLang="en-US" dirty="0"/>
+              <a:t>、一次读操作分为两步：将数据从网卡拷贝到系统空间；将数据从系统空间拷贝到用户空间。</a:t>
+            </a:r>
+          </a:p>
+          <a:p>
+            <a:endParaRPr lang="zh-CN" altLang="en-US" dirty="0"/>
+          </a:p>
+          <a:p>
+            <a:r>
+              <a:rPr lang="zh-CN" altLang="en-US" dirty="0"/>
+              <a:t>阻塞</a:t>
+            </a:r>
+            <a:r>
+              <a:rPr lang="en-US" altLang="zh-CN" dirty="0"/>
+              <a:t>IO</a:t>
+            </a:r>
+            <a:r>
+              <a:rPr lang="zh-CN" altLang="en-US" dirty="0"/>
+              <a:t>和非阻塞</a:t>
+            </a:r>
+            <a:r>
+              <a:rPr lang="en-US" altLang="zh-CN" dirty="0"/>
+              <a:t>IO</a:t>
+            </a:r>
+            <a:r>
+              <a:rPr lang="zh-CN" altLang="en-US" dirty="0"/>
+              <a:t>的区别在于第一步，发起</a:t>
+            </a:r>
+            <a:r>
+              <a:rPr lang="en-US" altLang="zh-CN" dirty="0"/>
+              <a:t>IO</a:t>
+            </a:r>
+            <a:r>
+              <a:rPr lang="zh-CN" altLang="en-US" dirty="0"/>
+              <a:t>请求是否会被阻塞，如果阻塞直到完成那么就是传统的阻塞</a:t>
+            </a:r>
+            <a:r>
+              <a:rPr lang="en-US" altLang="zh-CN" dirty="0"/>
+              <a:t>IO</a:t>
+            </a:r>
+            <a:r>
+              <a:rPr lang="zh-CN" altLang="en-US" dirty="0"/>
+              <a:t>，如果不阻塞，那么就是非阻塞</a:t>
+            </a:r>
+            <a:r>
+              <a:rPr lang="en-US" altLang="zh-CN" dirty="0"/>
+              <a:t>IO</a:t>
+            </a:r>
+            <a:r>
+              <a:rPr lang="zh-CN" altLang="en-US" dirty="0"/>
+              <a:t>。</a:t>
+            </a:r>
+          </a:p>
+          <a:p>
+            <a:endParaRPr lang="zh-CN" altLang="en-US" dirty="0"/>
+          </a:p>
+          <a:p>
+            <a:r>
+              <a:rPr lang="zh-CN" altLang="en-US" dirty="0"/>
+              <a:t>同步</a:t>
+            </a:r>
+            <a:r>
+              <a:rPr lang="en-US" altLang="zh-CN" dirty="0"/>
+              <a:t>IO</a:t>
+            </a:r>
+            <a:r>
+              <a:rPr lang="zh-CN" altLang="en-US" dirty="0"/>
+              <a:t>和异步</a:t>
+            </a:r>
+            <a:r>
+              <a:rPr lang="en-US" altLang="zh-CN" dirty="0"/>
+              <a:t>IO</a:t>
+            </a:r>
+            <a:r>
+              <a:rPr lang="zh-CN" altLang="en-US" dirty="0"/>
+              <a:t>的区别就在于第二个步骤是否阻塞，如果实际的</a:t>
+            </a:r>
+            <a:r>
+              <a:rPr lang="en-US" altLang="zh-CN" dirty="0"/>
+              <a:t>IO</a:t>
+            </a:r>
+            <a:r>
+              <a:rPr lang="zh-CN" altLang="en-US" dirty="0"/>
+              <a:t>读写阻塞请求进程，那么就是同步</a:t>
+            </a:r>
+            <a:r>
+              <a:rPr lang="en-US" altLang="zh-CN" dirty="0"/>
+              <a:t>IO</a:t>
+            </a:r>
+            <a:r>
+              <a:rPr lang="zh-CN" altLang="en-US" dirty="0"/>
+              <a:t>，因此阻塞</a:t>
+            </a:r>
+            <a:r>
+              <a:rPr lang="en-US" altLang="zh-CN" dirty="0"/>
+              <a:t>IO</a:t>
+            </a:r>
+            <a:r>
+              <a:rPr lang="zh-CN" altLang="en-US" dirty="0"/>
+              <a:t>、非阻塞</a:t>
+            </a:r>
+            <a:r>
+              <a:rPr lang="en-US" altLang="zh-CN" dirty="0"/>
+              <a:t>IO</a:t>
+            </a:r>
+            <a:r>
+              <a:rPr lang="zh-CN" altLang="en-US" dirty="0"/>
+              <a:t>、</a:t>
+            </a:r>
+            <a:r>
+              <a:rPr lang="en-US" altLang="zh-CN" dirty="0"/>
+              <a:t>IO</a:t>
+            </a:r>
+            <a:r>
+              <a:rPr lang="zh-CN" altLang="en-US" dirty="0"/>
+              <a:t>复用、信号驱动</a:t>
+            </a:r>
+            <a:r>
+              <a:rPr lang="en-US" altLang="zh-CN" dirty="0"/>
+              <a:t>IO</a:t>
+            </a:r>
+            <a:r>
+              <a:rPr lang="zh-CN" altLang="en-US" dirty="0"/>
+              <a:t>都是同步</a:t>
+            </a:r>
+            <a:r>
+              <a:rPr lang="en-US" altLang="zh-CN" dirty="0"/>
+              <a:t>IO</a:t>
+            </a:r>
+            <a:r>
+              <a:rPr lang="zh-CN" altLang="en-US" dirty="0"/>
+              <a:t>，如果不阻塞，而是操作系统做完</a:t>
+            </a:r>
+            <a:r>
+              <a:rPr lang="en-US" altLang="zh-CN" dirty="0"/>
+              <a:t>IO</a:t>
+            </a:r>
+            <a:r>
+              <a:rPr lang="zh-CN" altLang="en-US" dirty="0"/>
+              <a:t>两个阶段的操作再将结果返回，那么就是异步</a:t>
+            </a:r>
+            <a:r>
+              <a:rPr lang="en-US" altLang="zh-CN" dirty="0"/>
+              <a:t>IO</a:t>
+            </a:r>
+            <a:r>
+              <a:rPr lang="zh-CN" altLang="en-US" dirty="0"/>
+              <a:t>。</a:t>
+            </a:r>
+          </a:p>
+        </p:txBody>
+      </p:sp>
+      <p:sp>
+        <p:nvSpPr>
+          <p:cNvPr id="3" name="矩形 2"/>
+          <p:cNvSpPr/>
+          <p:nvPr/>
+        </p:nvSpPr>
+        <p:spPr>
+          <a:xfrm>
+            <a:off x="243840" y="4219278"/>
+            <a:ext cx="11605260" cy="1107996"/>
+          </a:xfrm>
+          <a:prstGeom prst="rect">
+            <a:avLst/>
+          </a:prstGeom>
+        </p:spPr>
+        <p:txBody>
+          <a:bodyPr wrap="square">
+            <a:spAutoFit/>
+          </a:bodyPr>
+          <a:lstStyle/>
+          <a:p>
+            <a:r>
+              <a:rPr lang="en-US" altLang="zh-CN" dirty="0"/>
+              <a:t>JAVA </a:t>
+            </a:r>
+            <a:r>
               <a:rPr lang="en-US" altLang="zh-CN" dirty="0" smtClean="0"/>
+              <a:t>NIO</a:t>
+            </a:r>
+            <a:r>
+              <a:rPr lang="zh-CN" altLang="en-US" dirty="0" smtClean="0"/>
+              <a:t>不是</a:t>
+            </a:r>
+            <a:r>
+              <a:rPr lang="zh-CN" altLang="en-US" dirty="0"/>
+              <a:t>同步非阻塞</a:t>
+            </a:r>
+            <a:r>
+              <a:rPr lang="en-US" altLang="zh-CN" dirty="0"/>
+              <a:t>I/O</a:t>
+            </a:r>
+            <a:r>
+              <a:rPr lang="zh-CN" altLang="en-US" dirty="0"/>
+              <a:t>吗，为什么说</a:t>
+            </a:r>
+            <a:r>
+              <a:rPr lang="en-US" altLang="zh-CN" dirty="0"/>
+              <a:t>JAVA NIO</a:t>
+            </a:r>
+            <a:r>
+              <a:rPr lang="zh-CN" altLang="en-US" dirty="0"/>
+              <a:t>提供了基于</a:t>
+            </a:r>
+            <a:r>
+              <a:rPr lang="en-US" altLang="zh-CN" dirty="0"/>
+              <a:t>Selector</a:t>
+            </a:r>
+            <a:r>
+              <a:rPr lang="zh-CN" altLang="en-US" dirty="0"/>
+              <a:t>的异步网络</a:t>
+            </a:r>
+            <a:r>
+              <a:rPr lang="en-US" altLang="zh-CN" dirty="0"/>
+              <a:t>I/O</a:t>
+            </a:r>
+            <a:r>
+              <a:rPr lang="zh-CN" altLang="en-US" dirty="0"/>
+              <a:t>？</a:t>
+            </a:r>
+          </a:p>
+          <a:p>
+            <a:r>
+              <a:rPr lang="en-US" altLang="zh-CN" sz="1600" dirty="0">
+                <a:latin typeface="+mn-ea"/>
+              </a:rPr>
+              <a:t>java </a:t>
+            </a:r>
+            <a:r>
+              <a:rPr lang="en-US" altLang="zh-CN" sz="1600" dirty="0" err="1">
+                <a:latin typeface="+mn-ea"/>
+              </a:rPr>
+              <a:t>nio</a:t>
+            </a:r>
+            <a:r>
+              <a:rPr lang="zh-CN" altLang="en-US" sz="1600" dirty="0">
+                <a:latin typeface="+mn-ea"/>
+              </a:rPr>
+              <a:t>的</a:t>
+            </a:r>
+            <a:r>
+              <a:rPr lang="en-US" altLang="zh-CN" sz="1600" dirty="0" err="1">
+                <a:latin typeface="+mn-ea"/>
+              </a:rPr>
+              <a:t>io</a:t>
+            </a:r>
+            <a:r>
+              <a:rPr lang="zh-CN" altLang="en-US" sz="1600" dirty="0">
+                <a:latin typeface="+mn-ea"/>
+              </a:rPr>
+              <a:t>模型是同步非阻塞，这里的同步异步指的是真正</a:t>
+            </a:r>
+            <a:r>
+              <a:rPr lang="en-US" altLang="zh-CN" sz="1600" dirty="0" err="1">
+                <a:latin typeface="+mn-ea"/>
+              </a:rPr>
+              <a:t>io</a:t>
+            </a:r>
+            <a:r>
+              <a:rPr lang="zh-CN" altLang="en-US" sz="1600" dirty="0">
+                <a:latin typeface="+mn-ea"/>
+              </a:rPr>
+              <a:t>操作（数据内核态用户态的拷贝）是否需要进程参与。</a:t>
+            </a:r>
+          </a:p>
+          <a:p>
+            <a:r>
+              <a:rPr lang="zh-CN" altLang="en-US" sz="1600" dirty="0">
+                <a:latin typeface="+mn-ea"/>
+              </a:rPr>
+              <a:t>而说</a:t>
+            </a:r>
+            <a:r>
+              <a:rPr lang="en-US" altLang="zh-CN" sz="1600" dirty="0">
+                <a:latin typeface="+mn-ea"/>
+              </a:rPr>
+              <a:t>java </a:t>
+            </a:r>
+            <a:r>
+              <a:rPr lang="en-US" altLang="zh-CN" sz="1600" dirty="0" err="1">
+                <a:latin typeface="+mn-ea"/>
+              </a:rPr>
+              <a:t>nio</a:t>
+            </a:r>
+            <a:r>
+              <a:rPr lang="zh-CN" altLang="en-US" sz="1600" dirty="0">
+                <a:latin typeface="+mn-ea"/>
+              </a:rPr>
+              <a:t>提供了异步处理，这个异步应该是指编程模型上的异步。基于</a:t>
+            </a:r>
+            <a:r>
+              <a:rPr lang="en-US" altLang="zh-CN" sz="1600" dirty="0">
+                <a:latin typeface="+mn-ea"/>
+              </a:rPr>
+              <a:t>reactor</a:t>
+            </a:r>
+            <a:r>
+              <a:rPr lang="zh-CN" altLang="en-US" sz="1600" dirty="0">
+                <a:latin typeface="+mn-ea"/>
+              </a:rPr>
+              <a:t>模式的事件驱动，事件处理器的注册和处理器的执行是异步</a:t>
+            </a:r>
+            <a:r>
+              <a:rPr lang="zh-CN" altLang="en-US" sz="1600" dirty="0" smtClean="0">
+                <a:latin typeface="+mn-ea"/>
+              </a:rPr>
+              <a:t>的。</a:t>
+            </a:r>
+            <a:endParaRPr lang="zh-CN" altLang="en-US" sz="1600" dirty="0">
+              <a:latin typeface="+mn-ea"/>
+            </a:endParaRPr>
+          </a:p>
+        </p:txBody>
+      </p:sp>
+      <p:sp>
+        <p:nvSpPr>
+          <p:cNvPr id="4" name="矩形 3"/>
+          <p:cNvSpPr/>
+          <p:nvPr/>
+        </p:nvSpPr>
+        <p:spPr>
+          <a:xfrm>
+            <a:off x="243840" y="5519204"/>
+            <a:ext cx="11605260" cy="1107996"/>
+          </a:xfrm>
+          <a:prstGeom prst="rect">
+            <a:avLst/>
+          </a:prstGeom>
+        </p:spPr>
+        <p:txBody>
+          <a:bodyPr wrap="square">
+            <a:spAutoFit/>
+          </a:bodyPr>
+          <a:lstStyle/>
+          <a:p>
+            <a:r>
+              <a:rPr lang="en-US" altLang="zh-CN" dirty="0" smtClean="0">
+                <a:latin typeface="+mn-ea"/>
+              </a:rPr>
+              <a:t>AIO(</a:t>
+            </a:r>
+            <a:r>
+              <a:rPr lang="en-US" altLang="zh-CN" dirty="0" err="1" smtClean="0">
+                <a:latin typeface="+mn-ea"/>
+              </a:rPr>
+              <a:t>Async</a:t>
+            </a:r>
+            <a:r>
+              <a:rPr lang="en-US" altLang="zh-CN" dirty="0" smtClean="0">
+                <a:latin typeface="+mn-ea"/>
+              </a:rPr>
+              <a:t> I/O)</a:t>
+            </a:r>
+            <a:r>
+              <a:rPr lang="zh-CN" altLang="en-US" dirty="0" smtClean="0">
+                <a:latin typeface="+mn-ea"/>
+              </a:rPr>
+              <a:t>里面会更进一步：不但等待就绪是非阻塞的，就连数据从网卡到内存的过程也是异步的。</a:t>
+            </a:r>
+          </a:p>
+          <a:p>
+            <a:r>
+              <a:rPr lang="zh-CN" altLang="en-US" sz="1600" dirty="0" smtClean="0">
+                <a:latin typeface="+mn-ea"/>
+              </a:rPr>
+              <a:t>换句话说，</a:t>
+            </a:r>
+            <a:r>
+              <a:rPr lang="en-US" altLang="zh-CN" sz="1600" dirty="0" smtClean="0">
+                <a:latin typeface="+mn-ea"/>
+              </a:rPr>
+              <a:t>BIO</a:t>
+            </a:r>
+            <a:r>
+              <a:rPr lang="zh-CN" altLang="en-US" sz="1600" dirty="0" smtClean="0">
+                <a:latin typeface="+mn-ea"/>
+              </a:rPr>
+              <a:t>里用户最关心“我要读”，</a:t>
+            </a:r>
+            <a:r>
+              <a:rPr lang="en-US" altLang="zh-CN" sz="1600" dirty="0" smtClean="0">
+                <a:latin typeface="+mn-ea"/>
+              </a:rPr>
+              <a:t>NIO</a:t>
+            </a:r>
+            <a:r>
+              <a:rPr lang="zh-CN" altLang="en-US" sz="1600" dirty="0" smtClean="0">
+                <a:latin typeface="+mn-ea"/>
+              </a:rPr>
+              <a:t>里用户最关心</a:t>
+            </a:r>
+            <a:r>
+              <a:rPr lang="en-US" altLang="zh-CN" sz="1600" dirty="0" smtClean="0">
+                <a:latin typeface="+mn-ea"/>
+              </a:rPr>
+              <a:t>"</a:t>
+            </a:r>
+            <a:r>
+              <a:rPr lang="zh-CN" altLang="en-US" sz="1600" dirty="0" smtClean="0">
+                <a:latin typeface="+mn-ea"/>
+              </a:rPr>
+              <a:t>我可以读了</a:t>
+            </a:r>
+            <a:r>
+              <a:rPr lang="en-US" altLang="zh-CN" sz="1600" dirty="0" smtClean="0">
+                <a:latin typeface="+mn-ea"/>
+              </a:rPr>
+              <a:t>"</a:t>
+            </a:r>
+            <a:r>
+              <a:rPr lang="zh-CN" altLang="en-US" sz="1600" dirty="0" smtClean="0">
+                <a:latin typeface="+mn-ea"/>
+              </a:rPr>
+              <a:t>，在</a:t>
+            </a:r>
+            <a:r>
+              <a:rPr lang="en-US" altLang="zh-CN" sz="1600" dirty="0" smtClean="0">
+                <a:latin typeface="+mn-ea"/>
+              </a:rPr>
               <a:t>AIO</a:t>
             </a:r>
             <a:r>
-              <a:rPr lang="zh-CN" altLang="en-US" dirty="0" smtClean="0"/>
-              <a:t>核心组成</a:t>
-            </a:r>
-            <a:endParaRPr lang="en-US" altLang="zh-CN" dirty="0" smtClean="0"/>
+              <a:rPr lang="zh-CN" altLang="en-US" sz="1600" dirty="0" smtClean="0">
+                <a:latin typeface="+mn-ea"/>
+              </a:rPr>
+              <a:t>模型里用户更需要关注的是“读完了”。</a:t>
+            </a:r>
+          </a:p>
+          <a:p>
+            <a:r>
+              <a:rPr lang="en-US" altLang="zh-CN" sz="1600" dirty="0" smtClean="0">
+                <a:latin typeface="+mn-ea"/>
+              </a:rPr>
+              <a:t>NIO</a:t>
+            </a:r>
+            <a:r>
+              <a:rPr lang="zh-CN" altLang="en-US" sz="1600" dirty="0">
+                <a:latin typeface="+mn-ea"/>
+              </a:rPr>
+              <a:t>一个重要的特点是：</a:t>
+            </a:r>
+            <a:r>
+              <a:rPr lang="en-US" altLang="zh-CN" sz="1600" dirty="0">
+                <a:latin typeface="+mn-ea"/>
+              </a:rPr>
+              <a:t>socket</a:t>
+            </a:r>
+            <a:r>
+              <a:rPr lang="zh-CN" altLang="en-US" sz="1600" dirty="0">
+                <a:latin typeface="+mn-ea"/>
+              </a:rPr>
+              <a:t>主要的读、写、注册和接收函数，在等待就绪阶段都是非阻塞的，真正的</a:t>
+            </a:r>
+            <a:r>
+              <a:rPr lang="en-US" altLang="zh-CN" sz="1600" dirty="0">
+                <a:latin typeface="+mn-ea"/>
+              </a:rPr>
+              <a:t>I/O</a:t>
+            </a:r>
+            <a:r>
+              <a:rPr lang="zh-CN" altLang="en-US" sz="1600" dirty="0">
+                <a:latin typeface="+mn-ea"/>
+              </a:rPr>
+              <a:t>操作是同步的（消耗</a:t>
+            </a:r>
+            <a:r>
+              <a:rPr lang="en-US" altLang="zh-CN" sz="1600" dirty="0">
+                <a:latin typeface="+mn-ea"/>
+              </a:rPr>
+              <a:t>CPU</a:t>
+            </a:r>
+            <a:r>
+              <a:rPr lang="zh-CN" altLang="en-US" sz="1600" dirty="0">
+                <a:latin typeface="+mn-ea"/>
+              </a:rPr>
+              <a:t>但性能非常高）。</a:t>
+            </a:r>
           </a:p>
         </p:txBody>
       </p:sp>
     </p:spTree>
     <p:extLst>
       <p:ext uri="{BB962C8B-B14F-4D97-AF65-F5344CB8AC3E}">
-        <p14:creationId xmlns:p14="http://schemas.microsoft.com/office/powerpoint/2010/main" val="3583002399"/>
+        <p14:creationId xmlns:p14="http://schemas.microsoft.com/office/powerpoint/2010/main" val="2772658625"/>
       </p:ext>
     </p:extLst>
   </p:cSld>
@@ -7434,7 +7982,7 @@
         <p:spPr/>
         <p:txBody>
           <a:bodyPr>
-            <a:normAutofit fontScale="92500"/>
+            <a:normAutofit lnSpcReduction="10000"/>
           </a:bodyPr>
           <a:lstStyle/>
           <a:p>
@@ -7542,7 +8090,7 @@
               <a:rPr lang="en-US" altLang="zh-CN" dirty="0" smtClean="0">
                 <a:latin typeface="+mn-ea"/>
               </a:rPr>
-              <a:t>		</a:t>
+              <a:t>	</a:t>
             </a:r>
             <a:r>
               <a:rPr lang="zh-CN" altLang="en-US" dirty="0" smtClean="0">
@@ -7585,16 +8133,10 @@
               <a:t>3</a:t>
             </a:r>
             <a:r>
-              <a:rPr lang="zh-CN" altLang="en-US" smtClean="0">
-                <a:latin typeface="+mn-ea"/>
-              </a:rPr>
-              <a:t>、</a:t>
-            </a:r>
-            <a:r>
-              <a:rPr lang="zh-CN" altLang="en-US" smtClean="0">
-                <a:latin typeface="+mn-ea"/>
-              </a:rPr>
-              <a:t>网络资源：</a:t>
+              <a:rPr lang="zh-CN" altLang="en-US" dirty="0" smtClean="0">
+                <a:latin typeface="+mn-ea"/>
+              </a:rPr>
+              <a:t>、网络资源：</a:t>
             </a:r>
             <a:r>
               <a:rPr lang="en-US" altLang="zh-CN" dirty="0" smtClean="0">
@@ -7606,31 +8148,7 @@
               <a:rPr lang="zh-CN" altLang="en-US" dirty="0" smtClean="0">
                 <a:latin typeface="+mn-ea"/>
               </a:rPr>
-              <a:t>、博客园</a:t>
-            </a:r>
-            <a:r>
-              <a:rPr lang="zh-CN" altLang="en-US" dirty="0" smtClean="0">
-                <a:latin typeface="+mn-ea"/>
-              </a:rPr>
-              <a:t>、</a:t>
-            </a:r>
-            <a:r>
-              <a:rPr lang="zh-CN" altLang="en-US" dirty="0" smtClean="0">
-                <a:latin typeface="+mn-ea"/>
-              </a:rPr>
-              <a:t>简书、</a:t>
-            </a:r>
-            <a:r>
-              <a:rPr lang="zh-CN" altLang="en-US" dirty="0" smtClean="0">
-                <a:latin typeface="+mn-ea"/>
-              </a:rPr>
-              <a:t>知</a:t>
-            </a:r>
-            <a:r>
-              <a:rPr lang="zh-CN" altLang="en-US" dirty="0" smtClean="0">
-                <a:latin typeface="+mn-ea"/>
-              </a:rPr>
-              <a:t>乎等</a:t>
+              <a:t>、博客园、简书、知乎等</a:t>
             </a:r>
             <a:endParaRPr lang="en-US" altLang="zh-CN" dirty="0" smtClean="0">
               <a:latin typeface="+mn-ea"/>
@@ -9019,14 +9537,14 @@
       </p:grpSpPr>
       <p:sp>
         <p:nvSpPr>
-          <p:cNvPr id="7" name="矩形 6"/>
+          <p:cNvPr id="3" name="矩形 2"/>
           <p:cNvSpPr/>
           <p:nvPr/>
         </p:nvSpPr>
         <p:spPr>
           <a:xfrm>
             <a:off x="0" y="0"/>
-            <a:ext cx="12192000" cy="646331"/>
+            <a:ext cx="12192000" cy="6740307"/>
           </a:xfrm>
           <a:prstGeom prst="rect">
             <a:avLst/>
@@ -9039,148 +9557,361 @@
           <a:lstStyle/>
           <a:p>
             <a:r>
-              <a:rPr lang="zh-CN" altLang="en-US" dirty="0" smtClean="0"/>
-              <a:t>演示程序</a:t>
-            </a:r>
-            <a:r>
-              <a:rPr lang="en-US" altLang="zh-CN" dirty="0" smtClean="0"/>
-              <a:t>TestCloseIO1</a:t>
-            </a:r>
-            <a:r>
-              <a:rPr lang="zh-CN" altLang="en-US" dirty="0" smtClean="0"/>
-              <a:t>控制台输出：</a:t>
-            </a:r>
-            <a:endParaRPr lang="en-US" altLang="zh-CN" dirty="0" smtClean="0"/>
-          </a:p>
-          <a:p>
-            <a:r>
-              <a:rPr lang="en-US" altLang="zh-CN" dirty="0" smtClean="0"/>
-              <a:t>java </a:t>
-            </a:r>
-            <a:r>
-              <a:rPr lang="en-US" altLang="zh-CN" dirty="0"/>
-              <a:t>-XX:+</a:t>
-            </a:r>
-            <a:r>
-              <a:rPr lang="en-US" altLang="zh-CN" dirty="0" err="1"/>
-              <a:t>PrintGCDetails</a:t>
-            </a:r>
-            <a:r>
-              <a:rPr lang="en-US" altLang="zh-CN" dirty="0" smtClean="0"/>
-              <a:t> org.zyd.demo.close.io.TestCloseIO1</a:t>
-            </a:r>
-            <a:endParaRPr lang="zh-CN" altLang="en-US" dirty="0"/>
-          </a:p>
-        </p:txBody>
-      </p:sp>
-      <p:pic>
-        <p:nvPicPr>
-          <p:cNvPr id="3" name="图片 2"/>
-          <p:cNvPicPr>
-            <a:picLocks noChangeAspect="1"/>
-          </p:cNvPicPr>
-          <p:nvPr/>
-        </p:nvPicPr>
-        <p:blipFill>
-          <a:blip r:embed="rId3"/>
-          <a:stretch>
-            <a:fillRect/>
-          </a:stretch>
-        </p:blipFill>
-        <p:spPr>
-          <a:xfrm>
-            <a:off x="0" y="646331"/>
-            <a:ext cx="12192000" cy="1824944"/>
-          </a:xfrm>
-          <a:prstGeom prst="rect">
-            <a:avLst/>
-          </a:prstGeom>
-        </p:spPr>
-      </p:pic>
-      <p:sp>
-        <p:nvSpPr>
-          <p:cNvPr id="10" name="矩形 9"/>
-          <p:cNvSpPr/>
-          <p:nvPr/>
-        </p:nvSpPr>
-        <p:spPr>
-          <a:xfrm>
-            <a:off x="0" y="3280006"/>
-            <a:ext cx="12192000" cy="646331"/>
-          </a:xfrm>
-          <a:prstGeom prst="rect">
-            <a:avLst/>
-          </a:prstGeom>
-        </p:spPr>
-        <p:txBody>
-          <a:bodyPr wrap="square">
-            <a:spAutoFit/>
-          </a:bodyPr>
-          <a:lstStyle/>
-          <a:p>
-            <a:r>
-              <a:rPr lang="zh-CN" altLang="en-US" dirty="0" smtClean="0"/>
-              <a:t>演示程序</a:t>
-            </a:r>
-            <a:r>
-              <a:rPr lang="en-US" altLang="zh-CN" dirty="0" smtClean="0"/>
-              <a:t>TestCloseIO2</a:t>
-            </a:r>
-            <a:r>
-              <a:rPr lang="zh-CN" altLang="en-US" dirty="0" smtClean="0"/>
-              <a:t>控制台输出：</a:t>
-            </a:r>
-            <a:endParaRPr lang="zh-CN" altLang="en-US" dirty="0"/>
-          </a:p>
-          <a:p>
-            <a:r>
-              <a:rPr lang="en-US" altLang="zh-CN" dirty="0"/>
-              <a:t>java -XX:+</a:t>
-            </a:r>
-            <a:r>
-              <a:rPr lang="en-US" altLang="zh-CN" dirty="0" err="1"/>
-              <a:t>PrintGCDetails</a:t>
-            </a:r>
-            <a:r>
-              <a:rPr lang="en-US" altLang="zh-CN" dirty="0"/>
+              <a:rPr lang="zh-CN" altLang="en-US" b="1" dirty="0">
+                <a:latin typeface="+mn-ea"/>
+              </a:rPr>
+              <a:t>文件句柄：</a:t>
+            </a:r>
+            <a:endParaRPr lang="en-US" altLang="zh-CN" b="1" dirty="0">
+              <a:latin typeface="+mn-ea"/>
+            </a:endParaRPr>
+          </a:p>
+          <a:p>
+            <a:r>
+              <a:rPr lang="en-US" altLang="zh-CN" b="1" dirty="0">
+                <a:latin typeface="+mn-ea"/>
+              </a:rPr>
+              <a:t>    </a:t>
+            </a:r>
+            <a:r>
+              <a:rPr lang="zh-CN" altLang="en-US" dirty="0">
+                <a:latin typeface="+mn-ea"/>
+              </a:rPr>
+              <a:t>在文件</a:t>
+            </a:r>
+            <a:r>
+              <a:rPr lang="en-US" altLang="zh-CN" dirty="0">
+                <a:latin typeface="+mn-ea"/>
+              </a:rPr>
+              <a:t>I/O</a:t>
+            </a:r>
+            <a:r>
+              <a:rPr lang="zh-CN" altLang="en-US" dirty="0">
+                <a:latin typeface="+mn-ea"/>
+              </a:rPr>
+              <a:t>中，要从一个文件读取数据，应用程序首先要调用操作系统函数并传送文件名，并选一个到该文件的路径来打开文件。该函数取回一个顺序号，即文件句柄（</a:t>
+            </a:r>
+            <a:r>
+              <a:rPr lang="en-US" altLang="zh-CN" dirty="0">
+                <a:latin typeface="+mn-ea"/>
+              </a:rPr>
+              <a:t>file handle</a:t>
+            </a:r>
+            <a:r>
+              <a:rPr lang="zh-CN" altLang="en-US" dirty="0">
+                <a:latin typeface="+mn-ea"/>
+              </a:rPr>
+              <a:t>），该文件句柄对于打开的文件是唯一的识别依据。要从文件中读取一块数据，应用程序需要调用函数</a:t>
+            </a:r>
+            <a:r>
+              <a:rPr lang="en-US" altLang="zh-CN" dirty="0" err="1">
+                <a:latin typeface="+mn-ea"/>
+              </a:rPr>
+              <a:t>ReadFile</a:t>
+            </a:r>
+            <a:r>
+              <a:rPr lang="zh-CN" altLang="en-US" dirty="0">
+                <a:latin typeface="+mn-ea"/>
+              </a:rPr>
+              <a:t>，并将文件句柄在内存中的地址和要拷贝的字节数传送给操作系统。当完成任务后，再通过调用系统函数来关闭该文件</a:t>
+            </a:r>
+            <a:r>
+              <a:rPr lang="zh-CN" altLang="en-US" dirty="0" smtClean="0">
+                <a:latin typeface="+mn-ea"/>
+              </a:rPr>
+              <a:t>。</a:t>
+            </a:r>
+            <a:endParaRPr lang="en-US" altLang="zh-CN" b="1" dirty="0" smtClean="0">
+              <a:latin typeface="+mn-ea"/>
+            </a:endParaRPr>
+          </a:p>
+          <a:p>
+            <a:endParaRPr lang="en-US" altLang="zh-CN" b="1" dirty="0" smtClean="0">
+              <a:latin typeface="+mn-ea"/>
+            </a:endParaRPr>
+          </a:p>
+          <a:p>
+            <a:endParaRPr lang="en-US" altLang="zh-CN" b="1" dirty="0">
+              <a:latin typeface="+mn-ea"/>
+            </a:endParaRPr>
+          </a:p>
+          <a:p>
+            <a:endParaRPr lang="en-US" altLang="zh-CN" b="1" dirty="0" smtClean="0">
+              <a:latin typeface="+mn-ea"/>
+            </a:endParaRPr>
+          </a:p>
+          <a:p>
+            <a:endParaRPr lang="en-US" altLang="zh-CN" b="1" dirty="0">
+              <a:latin typeface="+mn-ea"/>
+            </a:endParaRPr>
+          </a:p>
+          <a:p>
+            <a:r>
+              <a:rPr lang="en-US" altLang="zh-CN" b="1" dirty="0" err="1" smtClean="0">
+                <a:latin typeface="+mn-ea"/>
+              </a:rPr>
+              <a:t>lsof</a:t>
+            </a:r>
+            <a:r>
+              <a:rPr lang="en-US" altLang="zh-CN" b="1" dirty="0" smtClean="0">
+                <a:latin typeface="+mn-ea"/>
+              </a:rPr>
               <a:t> </a:t>
             </a:r>
             <a:r>
-              <a:rPr lang="en-US" altLang="zh-CN" dirty="0" smtClean="0"/>
-              <a:t>org.zyd.demo.close.io.TestCloseIO2</a:t>
-            </a:r>
-            <a:endParaRPr lang="en-US" altLang="zh-CN" dirty="0"/>
-          </a:p>
-        </p:txBody>
-      </p:sp>
-      <p:pic>
-        <p:nvPicPr>
-          <p:cNvPr id="11" name="图片 10"/>
-          <p:cNvPicPr>
-            <a:picLocks noChangeAspect="1"/>
-          </p:cNvPicPr>
-          <p:nvPr/>
-        </p:nvPicPr>
-        <p:blipFill>
-          <a:blip r:embed="rId4"/>
-          <a:stretch>
-            <a:fillRect/>
-          </a:stretch>
-        </p:blipFill>
-        <p:spPr>
-          <a:xfrm>
-            <a:off x="0" y="4020652"/>
-            <a:ext cx="12192000" cy="2837348"/>
-          </a:xfrm>
-          <a:prstGeom prst="rect">
-            <a:avLst/>
-          </a:prstGeom>
-        </p:spPr>
-      </p:pic>
+              <a:rPr lang="zh-CN" altLang="en-US" b="1" dirty="0" smtClean="0">
+                <a:latin typeface="+mn-ea"/>
+              </a:rPr>
+              <a:t>命令</a:t>
+            </a:r>
+            <a:r>
+              <a:rPr lang="en-US" altLang="zh-CN" dirty="0" smtClean="0">
+                <a:latin typeface="+mn-ea"/>
+              </a:rPr>
+              <a:t>(list open files)</a:t>
+            </a:r>
+          </a:p>
+          <a:p>
+            <a:endParaRPr lang="en-US" altLang="zh-CN" dirty="0" smtClean="0">
+              <a:latin typeface="+mn-ea"/>
+            </a:endParaRPr>
+          </a:p>
+          <a:p>
+            <a:r>
+              <a:rPr lang="zh-CN" altLang="en-US" dirty="0" smtClean="0">
+                <a:latin typeface="+mn-ea"/>
+              </a:rPr>
+              <a:t>列出当前系统打开文件的工具，每行显示一个打开的文件，不加参数默认列举系统打开的所有文件。</a:t>
+            </a:r>
+            <a:endParaRPr lang="en-US" altLang="zh-CN" dirty="0" smtClean="0">
+              <a:latin typeface="+mn-ea"/>
+            </a:endParaRPr>
+          </a:p>
+          <a:p>
+            <a:endParaRPr lang="en-US" altLang="zh-CN" u="sng" dirty="0" smtClean="0">
+              <a:latin typeface="+mn-ea"/>
+            </a:endParaRPr>
+          </a:p>
+          <a:p>
+            <a:r>
+              <a:rPr lang="en-US" altLang="zh-CN" dirty="0" smtClean="0">
+                <a:latin typeface="+mn-ea"/>
+              </a:rPr>
+              <a:t>/</a:t>
+            </a:r>
+            <a:r>
+              <a:rPr lang="en-US" altLang="zh-CN" dirty="0" err="1" smtClean="0">
+                <a:latin typeface="+mn-ea"/>
+              </a:rPr>
+              <a:t>usr</a:t>
+            </a:r>
+            <a:r>
+              <a:rPr lang="en-US" altLang="zh-CN" dirty="0" smtClean="0">
+                <a:latin typeface="+mn-ea"/>
+              </a:rPr>
+              <a:t>/</a:t>
+            </a:r>
+            <a:r>
+              <a:rPr lang="en-US" altLang="zh-CN" dirty="0" err="1" smtClean="0">
+                <a:latin typeface="+mn-ea"/>
+              </a:rPr>
+              <a:t>sbin</a:t>
+            </a:r>
+            <a:r>
+              <a:rPr lang="en-US" altLang="zh-CN" dirty="0" smtClean="0">
+                <a:latin typeface="+mn-ea"/>
+              </a:rPr>
+              <a:t>/</a:t>
+            </a:r>
+            <a:r>
+              <a:rPr lang="en-US" altLang="zh-CN" dirty="0" err="1" smtClean="0">
+                <a:latin typeface="+mn-ea"/>
+              </a:rPr>
+              <a:t>lsof</a:t>
+            </a:r>
+            <a:r>
+              <a:rPr lang="en-US" altLang="zh-CN" dirty="0" smtClean="0">
+                <a:latin typeface="+mn-ea"/>
+              </a:rPr>
+              <a:t> -p 6692 -r 5</a:t>
+            </a:r>
+          </a:p>
+          <a:p>
+            <a:endParaRPr lang="en-US" altLang="zh-CN" dirty="0" smtClean="0">
+              <a:latin typeface="+mn-ea"/>
+            </a:endParaRPr>
+          </a:p>
+          <a:p>
+            <a:r>
+              <a:rPr lang="en-US" altLang="zh-CN" dirty="0" smtClean="0">
+                <a:latin typeface="+mn-ea"/>
+              </a:rPr>
+              <a:t>COMMAND:</a:t>
+            </a:r>
+            <a:r>
+              <a:rPr lang="zh-CN" altLang="en-US" dirty="0" smtClean="0">
+                <a:latin typeface="+mn-ea"/>
+              </a:rPr>
+              <a:t>进程名称</a:t>
+            </a:r>
+          </a:p>
+          <a:p>
+            <a:r>
+              <a:rPr lang="en-US" altLang="zh-CN" dirty="0" smtClean="0">
+                <a:latin typeface="+mn-ea"/>
+              </a:rPr>
+              <a:t>PID:	</a:t>
+            </a:r>
+            <a:r>
+              <a:rPr lang="zh-CN" altLang="en-US" dirty="0" smtClean="0">
+                <a:latin typeface="+mn-ea"/>
+              </a:rPr>
+              <a:t>进程标识符</a:t>
+            </a:r>
+          </a:p>
+          <a:p>
+            <a:r>
+              <a:rPr lang="en-US" altLang="zh-CN" dirty="0" smtClean="0">
+                <a:latin typeface="+mn-ea"/>
+              </a:rPr>
+              <a:t>USER:	</a:t>
+            </a:r>
+            <a:r>
+              <a:rPr lang="zh-CN" altLang="en-US" dirty="0" smtClean="0">
+                <a:latin typeface="+mn-ea"/>
+              </a:rPr>
+              <a:t>进程所有者</a:t>
+            </a:r>
+          </a:p>
+          <a:p>
+            <a:r>
+              <a:rPr lang="en-US" altLang="zh-CN" dirty="0" smtClean="0">
+                <a:latin typeface="+mn-ea"/>
+              </a:rPr>
+              <a:t>FD:	</a:t>
+            </a:r>
+            <a:r>
+              <a:rPr lang="zh-CN" altLang="en-US" dirty="0" smtClean="0">
+                <a:latin typeface="+mn-ea"/>
+              </a:rPr>
+              <a:t>文件描述符，应用程序通过文件描述符识别到该文件。如</a:t>
+            </a:r>
+            <a:r>
+              <a:rPr lang="en-US" altLang="zh-CN" dirty="0" err="1" smtClean="0">
+                <a:latin typeface="+mn-ea"/>
+              </a:rPr>
+              <a:t>cwd</a:t>
+            </a:r>
+            <a:r>
+              <a:rPr lang="zh-CN" altLang="en-US" dirty="0" smtClean="0">
+                <a:latin typeface="+mn-ea"/>
+              </a:rPr>
+              <a:t>、</a:t>
+            </a:r>
+            <a:r>
+              <a:rPr lang="en-US" altLang="zh-CN" dirty="0" smtClean="0">
+                <a:latin typeface="+mn-ea"/>
+              </a:rPr>
+              <a:t>txt</a:t>
+            </a:r>
+            <a:r>
+              <a:rPr lang="zh-CN" altLang="en-US" dirty="0" smtClean="0">
+                <a:latin typeface="+mn-ea"/>
+              </a:rPr>
+              <a:t>等</a:t>
+            </a:r>
+          </a:p>
+          <a:p>
+            <a:r>
+              <a:rPr lang="en-US" altLang="zh-CN" dirty="0" smtClean="0">
+                <a:latin typeface="+mn-ea"/>
+              </a:rPr>
+              <a:t>TYPE:	</a:t>
+            </a:r>
+            <a:r>
+              <a:rPr lang="zh-CN" altLang="en-US" dirty="0" smtClean="0">
+                <a:latin typeface="+mn-ea"/>
+              </a:rPr>
+              <a:t>文件类型，如</a:t>
+            </a:r>
+            <a:r>
+              <a:rPr lang="en-US" altLang="zh-CN" dirty="0" smtClean="0">
+                <a:latin typeface="+mn-ea"/>
+              </a:rPr>
+              <a:t>DIR,REG</a:t>
+            </a:r>
+          </a:p>
+          <a:p>
+            <a:r>
+              <a:rPr lang="en-US" altLang="zh-CN" dirty="0" smtClean="0">
+                <a:latin typeface="+mn-ea"/>
+              </a:rPr>
+              <a:t>DEVICE:	</a:t>
+            </a:r>
+            <a:r>
+              <a:rPr lang="zh-CN" altLang="en-US" dirty="0" smtClean="0">
+                <a:latin typeface="+mn-ea"/>
+              </a:rPr>
+              <a:t>指定磁盘名称</a:t>
+            </a:r>
+          </a:p>
+          <a:p>
+            <a:r>
+              <a:rPr lang="en-US" altLang="zh-CN" dirty="0" smtClean="0">
+                <a:latin typeface="+mn-ea"/>
+              </a:rPr>
+              <a:t>SIZE:	</a:t>
+            </a:r>
+            <a:r>
+              <a:rPr lang="zh-CN" altLang="en-US" dirty="0" smtClean="0">
+                <a:latin typeface="+mn-ea"/>
+              </a:rPr>
+              <a:t>文件大小</a:t>
+            </a:r>
+          </a:p>
+          <a:p>
+            <a:r>
+              <a:rPr lang="en-US" altLang="zh-CN" dirty="0" smtClean="0">
+                <a:latin typeface="+mn-ea"/>
+              </a:rPr>
+              <a:t>NODE:	</a:t>
+            </a:r>
+            <a:r>
+              <a:rPr lang="zh-CN" altLang="en-US" dirty="0" smtClean="0">
+                <a:latin typeface="+mn-ea"/>
+              </a:rPr>
+              <a:t>索引节点（文件在磁盘上的标识）</a:t>
+            </a:r>
+          </a:p>
+          <a:p>
+            <a:r>
+              <a:rPr lang="en-US" altLang="zh-CN" dirty="0" smtClean="0">
+                <a:latin typeface="+mn-ea"/>
+              </a:rPr>
+              <a:t>NAME:	</a:t>
+            </a:r>
+            <a:r>
+              <a:rPr lang="zh-CN" altLang="en-US" dirty="0" smtClean="0">
+                <a:latin typeface="+mn-ea"/>
+              </a:rPr>
+              <a:t>打开文件的确切</a:t>
+            </a:r>
+            <a:r>
+              <a:rPr lang="zh-CN" altLang="en-US" dirty="0" smtClean="0">
+                <a:latin typeface="+mn-ea"/>
+              </a:rPr>
+              <a:t>名称</a:t>
+            </a:r>
+            <a:endParaRPr lang="en-US" altLang="zh-CN" dirty="0" smtClean="0">
+              <a:latin typeface="+mn-ea"/>
+            </a:endParaRPr>
+          </a:p>
+        </p:txBody>
+      </p:sp>
     </p:spTree>
     <p:extLst>
       <p:ext uri="{BB962C8B-B14F-4D97-AF65-F5344CB8AC3E}">
-        <p14:creationId xmlns:p14="http://schemas.microsoft.com/office/powerpoint/2010/main" val="2360590029"/>
+        <p14:creationId xmlns:p14="http://schemas.microsoft.com/office/powerpoint/2010/main" val="4181381138"/>
       </p:ext>
     </p:extLst>
   </p:cSld>
@@ -9216,14 +9947,14 @@
       </p:grpSpPr>
       <p:sp>
         <p:nvSpPr>
-          <p:cNvPr id="3" name="矩形 2"/>
+          <p:cNvPr id="7" name="矩形 6"/>
           <p:cNvSpPr/>
           <p:nvPr/>
         </p:nvSpPr>
         <p:spPr>
           <a:xfrm>
             <a:off x="0" y="0"/>
-            <a:ext cx="12192000" cy="6463308"/>
+            <a:ext cx="12192000" cy="646331"/>
           </a:xfrm>
           <a:prstGeom prst="rect">
             <a:avLst/>
@@ -9236,395 +9967,148 @@
           <a:lstStyle/>
           <a:p>
             <a:r>
-              <a:rPr lang="en-US" altLang="zh-CN" b="1" dirty="0" err="1" smtClean="0">
-                <a:latin typeface="+mn-ea"/>
-              </a:rPr>
-              <a:t>lsof</a:t>
-            </a:r>
-            <a:r>
-              <a:rPr lang="en-US" altLang="zh-CN" b="1" dirty="0" smtClean="0">
-                <a:latin typeface="+mn-ea"/>
-              </a:rPr>
+              <a:rPr lang="zh-CN" altLang="en-US" dirty="0" smtClean="0"/>
+              <a:t>演示程序</a:t>
+            </a:r>
+            <a:r>
+              <a:rPr lang="en-US" altLang="zh-CN" dirty="0" smtClean="0"/>
+              <a:t>TestCloseIO1</a:t>
+            </a:r>
+            <a:r>
+              <a:rPr lang="zh-CN" altLang="en-US" dirty="0" smtClean="0"/>
+              <a:t>控制台输出：</a:t>
+            </a:r>
+            <a:endParaRPr lang="en-US" altLang="zh-CN" dirty="0" smtClean="0"/>
+          </a:p>
+          <a:p>
+            <a:r>
+              <a:rPr lang="en-US" altLang="zh-CN" dirty="0" smtClean="0"/>
+              <a:t>java </a:t>
+            </a:r>
+            <a:r>
+              <a:rPr lang="en-US" altLang="zh-CN" dirty="0"/>
+              <a:t>-XX:+</a:t>
+            </a:r>
+            <a:r>
+              <a:rPr lang="en-US" altLang="zh-CN" dirty="0" err="1"/>
+              <a:t>PrintGCDetails</a:t>
+            </a:r>
+            <a:r>
+              <a:rPr lang="en-US" altLang="zh-CN" dirty="0" smtClean="0"/>
+              <a:t> org.zyd.demo.close.io.TestCloseIO1</a:t>
+            </a:r>
+            <a:endParaRPr lang="zh-CN" altLang="en-US" dirty="0"/>
+          </a:p>
+        </p:txBody>
+      </p:sp>
+      <p:pic>
+        <p:nvPicPr>
+          <p:cNvPr id="3" name="图片 2"/>
+          <p:cNvPicPr>
+            <a:picLocks noChangeAspect="1"/>
+          </p:cNvPicPr>
+          <p:nvPr/>
+        </p:nvPicPr>
+        <p:blipFill>
+          <a:blip r:embed="rId3"/>
+          <a:stretch>
+            <a:fillRect/>
+          </a:stretch>
+        </p:blipFill>
+        <p:spPr>
+          <a:xfrm>
+            <a:off x="0" y="646331"/>
+            <a:ext cx="12192000" cy="1824944"/>
+          </a:xfrm>
+          <a:prstGeom prst="rect">
+            <a:avLst/>
+          </a:prstGeom>
+        </p:spPr>
+      </p:pic>
+      <p:sp>
+        <p:nvSpPr>
+          <p:cNvPr id="10" name="矩形 9"/>
+          <p:cNvSpPr/>
+          <p:nvPr/>
+        </p:nvSpPr>
+        <p:spPr>
+          <a:xfrm>
+            <a:off x="0" y="3280006"/>
+            <a:ext cx="12192000" cy="646331"/>
+          </a:xfrm>
+          <a:prstGeom prst="rect">
+            <a:avLst/>
+          </a:prstGeom>
+        </p:spPr>
+        <p:txBody>
+          <a:bodyPr wrap="square">
+            <a:spAutoFit/>
+          </a:bodyPr>
+          <a:lstStyle/>
+          <a:p>
+            <a:r>
+              <a:rPr lang="zh-CN" altLang="en-US" dirty="0" smtClean="0"/>
+              <a:t>演示程序</a:t>
+            </a:r>
+            <a:r>
+              <a:rPr lang="en-US" altLang="zh-CN" dirty="0" smtClean="0"/>
+              <a:t>TestCloseIO2</a:t>
+            </a:r>
+            <a:r>
+              <a:rPr lang="zh-CN" altLang="en-US" dirty="0" smtClean="0"/>
+              <a:t>控制台输出：</a:t>
+            </a:r>
+            <a:endParaRPr lang="zh-CN" altLang="en-US" dirty="0"/>
+          </a:p>
+          <a:p>
+            <a:r>
+              <a:rPr lang="en-US" altLang="zh-CN" dirty="0"/>
+              <a:t>java -XX:+</a:t>
+            </a:r>
+            <a:r>
+              <a:rPr lang="en-US" altLang="zh-CN" dirty="0" err="1"/>
+              <a:t>PrintGCDetails</a:t>
+            </a:r>
+            <a:r>
+              <a:rPr lang="en-US" altLang="zh-CN" dirty="0"/>
               <a:t> </a:t>
             </a:r>
             <a:r>
-              <a:rPr lang="zh-CN" altLang="en-US" b="1" dirty="0" smtClean="0">
-                <a:latin typeface="+mn-ea"/>
-              </a:rPr>
-              <a:t>命令</a:t>
-            </a:r>
-            <a:r>
-              <a:rPr lang="en-US" altLang="zh-CN" dirty="0" smtClean="0">
-                <a:latin typeface="+mn-ea"/>
-              </a:rPr>
-              <a:t>(list open files)</a:t>
-            </a:r>
-          </a:p>
-          <a:p>
-            <a:endParaRPr lang="en-US" altLang="zh-CN" dirty="0" smtClean="0">
-              <a:latin typeface="+mn-ea"/>
-            </a:endParaRPr>
-          </a:p>
-          <a:p>
-            <a:r>
-              <a:rPr lang="zh-CN" altLang="en-US" dirty="0" smtClean="0">
-                <a:latin typeface="+mn-ea"/>
-              </a:rPr>
-              <a:t>列出当前系统打开文件的工具，每行显示一个打开的文件，不加参数默认列举系统打开的所有文件。</a:t>
-            </a:r>
-            <a:endParaRPr lang="en-US" altLang="zh-CN" dirty="0" smtClean="0">
-              <a:latin typeface="+mn-ea"/>
-            </a:endParaRPr>
-          </a:p>
-          <a:p>
-            <a:endParaRPr lang="en-US" altLang="zh-CN" u="sng" dirty="0" smtClean="0">
-              <a:latin typeface="+mn-ea"/>
-            </a:endParaRPr>
-          </a:p>
-          <a:p>
-            <a:r>
-              <a:rPr lang="en-US" altLang="zh-CN" dirty="0" smtClean="0">
-                <a:latin typeface="+mn-ea"/>
-              </a:rPr>
-              <a:t>/</a:t>
-            </a:r>
-            <a:r>
-              <a:rPr lang="en-US" altLang="zh-CN" dirty="0" err="1" smtClean="0">
-                <a:latin typeface="+mn-ea"/>
-              </a:rPr>
-              <a:t>usr</a:t>
-            </a:r>
-            <a:r>
-              <a:rPr lang="en-US" altLang="zh-CN" dirty="0" smtClean="0">
-                <a:latin typeface="+mn-ea"/>
-              </a:rPr>
-              <a:t>/</a:t>
-            </a:r>
-            <a:r>
-              <a:rPr lang="en-US" altLang="zh-CN" dirty="0" err="1" smtClean="0">
-                <a:latin typeface="+mn-ea"/>
-              </a:rPr>
-              <a:t>sbin</a:t>
-            </a:r>
-            <a:r>
-              <a:rPr lang="en-US" altLang="zh-CN" dirty="0" smtClean="0">
-                <a:latin typeface="+mn-ea"/>
-              </a:rPr>
-              <a:t>/</a:t>
-            </a:r>
-            <a:r>
-              <a:rPr lang="en-US" altLang="zh-CN" dirty="0" err="1" smtClean="0">
-                <a:latin typeface="+mn-ea"/>
-              </a:rPr>
-              <a:t>lsof</a:t>
-            </a:r>
-            <a:r>
-              <a:rPr lang="en-US" altLang="zh-CN" dirty="0" smtClean="0">
-                <a:latin typeface="+mn-ea"/>
-              </a:rPr>
-              <a:t> -p 6692 -r 5</a:t>
-            </a:r>
-          </a:p>
-          <a:p>
-            <a:endParaRPr lang="en-US" altLang="zh-CN" dirty="0" smtClean="0">
-              <a:latin typeface="+mn-ea"/>
-            </a:endParaRPr>
-          </a:p>
-          <a:p>
-            <a:r>
-              <a:rPr lang="en-US" altLang="zh-CN" dirty="0" smtClean="0">
-                <a:latin typeface="+mn-ea"/>
-              </a:rPr>
-              <a:t>COMMAND:</a:t>
-            </a:r>
-            <a:r>
-              <a:rPr lang="zh-CN" altLang="en-US" dirty="0" smtClean="0">
-                <a:latin typeface="+mn-ea"/>
-              </a:rPr>
-              <a:t>进程名称</a:t>
-            </a:r>
-          </a:p>
-          <a:p>
-            <a:r>
-              <a:rPr lang="en-US" altLang="zh-CN" dirty="0" smtClean="0">
-                <a:latin typeface="+mn-ea"/>
-              </a:rPr>
-              <a:t>PID:	</a:t>
-            </a:r>
-            <a:r>
-              <a:rPr lang="zh-CN" altLang="en-US" dirty="0" smtClean="0">
-                <a:latin typeface="+mn-ea"/>
-              </a:rPr>
-              <a:t>进程标识符</a:t>
-            </a:r>
-          </a:p>
-          <a:p>
-            <a:r>
-              <a:rPr lang="en-US" altLang="zh-CN" dirty="0" smtClean="0">
-                <a:latin typeface="+mn-ea"/>
-              </a:rPr>
-              <a:t>USER:	</a:t>
-            </a:r>
-            <a:r>
-              <a:rPr lang="zh-CN" altLang="en-US" dirty="0" smtClean="0">
-                <a:latin typeface="+mn-ea"/>
-              </a:rPr>
-              <a:t>进程所有者</a:t>
-            </a:r>
-          </a:p>
-          <a:p>
-            <a:r>
-              <a:rPr lang="en-US" altLang="zh-CN" dirty="0" smtClean="0">
-                <a:latin typeface="+mn-ea"/>
-              </a:rPr>
-              <a:t>FD:	</a:t>
-            </a:r>
-            <a:r>
-              <a:rPr lang="zh-CN" altLang="en-US" dirty="0" smtClean="0">
-                <a:latin typeface="+mn-ea"/>
-              </a:rPr>
-              <a:t>文件描述符，应用程序通过文件描述符识别到该文件。如</a:t>
-            </a:r>
-            <a:r>
-              <a:rPr lang="en-US" altLang="zh-CN" dirty="0" err="1" smtClean="0">
-                <a:latin typeface="+mn-ea"/>
-              </a:rPr>
-              <a:t>cwd</a:t>
-            </a:r>
-            <a:r>
-              <a:rPr lang="zh-CN" altLang="en-US" dirty="0" smtClean="0">
-                <a:latin typeface="+mn-ea"/>
-              </a:rPr>
-              <a:t>、</a:t>
-            </a:r>
-            <a:r>
-              <a:rPr lang="en-US" altLang="zh-CN" dirty="0" smtClean="0">
-                <a:latin typeface="+mn-ea"/>
-              </a:rPr>
-              <a:t>txt</a:t>
-            </a:r>
-            <a:r>
-              <a:rPr lang="zh-CN" altLang="en-US" dirty="0" smtClean="0">
-                <a:latin typeface="+mn-ea"/>
-              </a:rPr>
-              <a:t>等</a:t>
-            </a:r>
-          </a:p>
-          <a:p>
-            <a:r>
-              <a:rPr lang="en-US" altLang="zh-CN" dirty="0" smtClean="0">
-                <a:latin typeface="+mn-ea"/>
-              </a:rPr>
-              <a:t>TYPE:	</a:t>
-            </a:r>
-            <a:r>
-              <a:rPr lang="zh-CN" altLang="en-US" dirty="0" smtClean="0">
-                <a:latin typeface="+mn-ea"/>
-              </a:rPr>
-              <a:t>文件类型，如</a:t>
-            </a:r>
-            <a:r>
-              <a:rPr lang="en-US" altLang="zh-CN" dirty="0" smtClean="0">
-                <a:latin typeface="+mn-ea"/>
-              </a:rPr>
-              <a:t>DIR,REG</a:t>
-            </a:r>
-          </a:p>
-          <a:p>
-            <a:r>
-              <a:rPr lang="en-US" altLang="zh-CN" dirty="0" smtClean="0">
-                <a:latin typeface="+mn-ea"/>
-              </a:rPr>
-              <a:t>DEVICE:	</a:t>
-            </a:r>
-            <a:r>
-              <a:rPr lang="zh-CN" altLang="en-US" dirty="0" smtClean="0">
-                <a:latin typeface="+mn-ea"/>
-              </a:rPr>
-              <a:t>指定磁盘名称</a:t>
-            </a:r>
-          </a:p>
-          <a:p>
-            <a:r>
-              <a:rPr lang="en-US" altLang="zh-CN" dirty="0" smtClean="0">
-                <a:latin typeface="+mn-ea"/>
-              </a:rPr>
-              <a:t>SIZE:	</a:t>
-            </a:r>
-            <a:r>
-              <a:rPr lang="zh-CN" altLang="en-US" dirty="0" smtClean="0">
-                <a:latin typeface="+mn-ea"/>
-              </a:rPr>
-              <a:t>文件大小</a:t>
-            </a:r>
-          </a:p>
-          <a:p>
-            <a:r>
-              <a:rPr lang="en-US" altLang="zh-CN" dirty="0" smtClean="0">
-                <a:latin typeface="+mn-ea"/>
-              </a:rPr>
-              <a:t>NODE:	</a:t>
-            </a:r>
-            <a:r>
-              <a:rPr lang="zh-CN" altLang="en-US" dirty="0" smtClean="0">
-                <a:latin typeface="+mn-ea"/>
-              </a:rPr>
-              <a:t>索引节点（文件在磁盘上的标识）</a:t>
-            </a:r>
-          </a:p>
-          <a:p>
-            <a:r>
-              <a:rPr lang="en-US" altLang="zh-CN" dirty="0" smtClean="0">
-                <a:latin typeface="+mn-ea"/>
-              </a:rPr>
-              <a:t>NAME:	</a:t>
-            </a:r>
-            <a:r>
-              <a:rPr lang="zh-CN" altLang="en-US" dirty="0" smtClean="0">
-                <a:latin typeface="+mn-ea"/>
-              </a:rPr>
-              <a:t>打开文件的确切名称</a:t>
-            </a:r>
-            <a:endParaRPr lang="en-US" altLang="zh-CN" dirty="0" smtClean="0">
-              <a:latin typeface="+mn-ea"/>
-            </a:endParaRPr>
-          </a:p>
-          <a:p>
-            <a:endParaRPr lang="en-US" altLang="zh-CN" dirty="0" smtClean="0">
-              <a:latin typeface="+mn-ea"/>
-            </a:endParaRPr>
-          </a:p>
-          <a:p>
-            <a:endParaRPr lang="en-US" altLang="zh-CN" dirty="0" smtClean="0">
-              <a:latin typeface="+mn-ea"/>
-            </a:endParaRPr>
-          </a:p>
-          <a:p>
-            <a:endParaRPr lang="en-US" altLang="zh-CN" dirty="0">
-              <a:latin typeface="+mn-ea"/>
-            </a:endParaRPr>
-          </a:p>
-          <a:p>
-            <a:endParaRPr lang="en-US" altLang="zh-CN" dirty="0" smtClean="0">
-              <a:latin typeface="+mn-ea"/>
-            </a:endParaRPr>
-          </a:p>
-          <a:p>
-            <a:endParaRPr lang="en-US" altLang="zh-CN" dirty="0">
-              <a:latin typeface="+mn-ea"/>
-            </a:endParaRPr>
-          </a:p>
-          <a:p>
-            <a:endParaRPr lang="en-US" altLang="zh-CN" dirty="0" smtClean="0">
-              <a:latin typeface="+mn-ea"/>
-            </a:endParaRPr>
-          </a:p>
-          <a:p>
-            <a:endParaRPr lang="en-US" altLang="zh-CN" dirty="0">
-              <a:latin typeface="+mn-ea"/>
-            </a:endParaRPr>
-          </a:p>
-          <a:p>
-            <a:r>
-              <a:rPr lang="zh-CN" altLang="en-US" dirty="0" smtClean="0">
-                <a:latin typeface="+mn-ea"/>
-              </a:rPr>
-              <a:t>结论：</a:t>
-            </a:r>
-            <a:r>
-              <a:rPr lang="en-US" altLang="zh-CN" dirty="0" err="1">
-                <a:latin typeface="+mn-ea"/>
-              </a:rPr>
-              <a:t>jvm</a:t>
-            </a:r>
-            <a:r>
-              <a:rPr lang="zh-CN" altLang="en-US" dirty="0">
-                <a:latin typeface="+mn-ea"/>
-              </a:rPr>
-              <a:t>在</a:t>
-            </a:r>
-            <a:r>
-              <a:rPr lang="en-US" altLang="zh-CN" dirty="0">
-                <a:latin typeface="+mn-ea"/>
-              </a:rPr>
-              <a:t>full </a:t>
-            </a:r>
-            <a:r>
-              <a:rPr lang="en-US" altLang="zh-CN" dirty="0" err="1">
-                <a:latin typeface="+mn-ea"/>
-              </a:rPr>
-              <a:t>gc</a:t>
-            </a:r>
-            <a:r>
-              <a:rPr lang="en-US" altLang="zh-CN" dirty="0">
-                <a:latin typeface="+mn-ea"/>
-              </a:rPr>
-              <a:t>()</a:t>
-            </a:r>
-            <a:r>
-              <a:rPr lang="zh-CN" altLang="en-US" dirty="0">
-                <a:latin typeface="+mn-ea"/>
-              </a:rPr>
-              <a:t>时，超过对象作用域</a:t>
-            </a:r>
-            <a:r>
-              <a:rPr lang="zh-CN" altLang="en-US" dirty="0" smtClean="0">
-                <a:latin typeface="+mn-ea"/>
-              </a:rPr>
-              <a:t>的</a:t>
-            </a:r>
-            <a:r>
-              <a:rPr lang="en-US" altLang="zh-CN" dirty="0">
-                <a:latin typeface="+mn-ea"/>
-              </a:rPr>
-              <a:t>IO</a:t>
-            </a:r>
-            <a:r>
-              <a:rPr lang="zh-CN" altLang="en-US" dirty="0">
-                <a:latin typeface="+mn-ea"/>
-              </a:rPr>
-              <a:t>流</a:t>
-            </a:r>
-            <a:r>
-              <a:rPr lang="zh-CN" altLang="en-US" dirty="0" smtClean="0">
-                <a:latin typeface="+mn-ea"/>
-              </a:rPr>
-              <a:t>可能关闭</a:t>
-            </a:r>
-            <a:r>
-              <a:rPr lang="zh-CN" altLang="en-US" dirty="0">
-                <a:latin typeface="+mn-ea"/>
-              </a:rPr>
-              <a:t>，会将运行结束线程中的</a:t>
-            </a:r>
-            <a:r>
-              <a:rPr lang="en-US" altLang="zh-CN" dirty="0">
-                <a:latin typeface="+mn-ea"/>
-              </a:rPr>
-              <a:t>IO</a:t>
-            </a:r>
-            <a:r>
-              <a:rPr lang="zh-CN" altLang="en-US" dirty="0">
-                <a:latin typeface="+mn-ea"/>
-              </a:rPr>
-              <a:t>流</a:t>
-            </a:r>
-            <a:r>
-              <a:rPr lang="zh-CN" altLang="en-US" dirty="0" smtClean="0">
-                <a:latin typeface="+mn-ea"/>
-              </a:rPr>
-              <a:t>关闭。</a:t>
-            </a:r>
-            <a:endParaRPr lang="en-US" altLang="zh-CN" dirty="0" smtClean="0">
-              <a:latin typeface="+mn-ea"/>
-            </a:endParaRPr>
-          </a:p>
-        </p:txBody>
-      </p:sp>
+              <a:rPr lang="en-US" altLang="zh-CN" dirty="0" smtClean="0"/>
+              <a:t>org.zyd.demo.close.io.TestCloseIO2</a:t>
+            </a:r>
+            <a:endParaRPr lang="en-US" altLang="zh-CN" dirty="0"/>
+          </a:p>
+        </p:txBody>
+      </p:sp>
+      <p:pic>
+        <p:nvPicPr>
+          <p:cNvPr id="11" name="图片 10"/>
+          <p:cNvPicPr>
+            <a:picLocks noChangeAspect="1"/>
+          </p:cNvPicPr>
+          <p:nvPr/>
+        </p:nvPicPr>
+        <p:blipFill>
+          <a:blip r:embed="rId4"/>
+          <a:stretch>
+            <a:fillRect/>
+          </a:stretch>
+        </p:blipFill>
+        <p:spPr>
+          <a:xfrm>
+            <a:off x="0" y="4020652"/>
+            <a:ext cx="12192000" cy="2837348"/>
+          </a:xfrm>
+          <a:prstGeom prst="rect">
+            <a:avLst/>
+          </a:prstGeom>
+        </p:spPr>
+      </p:pic>
     </p:spTree>
     <p:extLst>
       <p:ext uri="{BB962C8B-B14F-4D97-AF65-F5344CB8AC3E}">
-        <p14:creationId xmlns:p14="http://schemas.microsoft.com/office/powerpoint/2010/main" val="4181381138"/>
+        <p14:creationId xmlns:p14="http://schemas.microsoft.com/office/powerpoint/2010/main" val="2360590029"/>
       </p:ext>
     </p:extLst>
   </p:cSld>
@@ -9680,8 +10164,8 @@
         </p:blipFill>
         <p:spPr>
           <a:xfrm>
-            <a:off x="1" y="0"/>
-            <a:ext cx="6104708" cy="6858000"/>
+            <a:off x="0" y="-2"/>
+            <a:ext cx="5947954" cy="6339491"/>
           </a:xfrm>
           <a:prstGeom prst="rect">
             <a:avLst/>
@@ -9711,13 +10195,85 @@
         <p:spPr>
           <a:xfrm>
             <a:off x="6377786" y="0"/>
-            <a:ext cx="5814214" cy="6858000"/>
+            <a:ext cx="5814214" cy="6339491"/>
           </a:xfrm>
           <a:prstGeom prst="rect">
             <a:avLst/>
           </a:prstGeom>
         </p:spPr>
       </p:pic>
+      <p:sp>
+        <p:nvSpPr>
+          <p:cNvPr id="2" name="矩形 1"/>
+          <p:cNvSpPr/>
+          <p:nvPr/>
+        </p:nvSpPr>
+        <p:spPr>
+          <a:xfrm>
+            <a:off x="0" y="6339489"/>
+            <a:ext cx="9265920" cy="369332"/>
+          </a:xfrm>
+          <a:prstGeom prst="rect">
+            <a:avLst/>
+          </a:prstGeom>
+        </p:spPr>
+        <p:txBody>
+          <a:bodyPr wrap="square">
+            <a:spAutoFit/>
+          </a:bodyPr>
+          <a:lstStyle/>
+          <a:p>
+            <a:r>
+              <a:rPr lang="zh-CN" altLang="en-US" dirty="0" smtClean="0"/>
+              <a:t>结论</a:t>
+            </a:r>
+            <a:r>
+              <a:rPr lang="zh-CN" altLang="en-US" dirty="0"/>
+              <a:t>：</a:t>
+            </a:r>
+            <a:r>
+              <a:rPr lang="en-US" altLang="zh-CN" dirty="0" err="1"/>
+              <a:t>jvm</a:t>
+            </a:r>
+            <a:r>
+              <a:rPr lang="zh-CN" altLang="en-US" dirty="0"/>
+              <a:t>在</a:t>
+            </a:r>
+            <a:r>
+              <a:rPr lang="en-US" altLang="zh-CN" dirty="0"/>
+              <a:t>full </a:t>
+            </a:r>
+            <a:r>
+              <a:rPr lang="en-US" altLang="zh-CN" dirty="0" err="1"/>
+              <a:t>gc</a:t>
+            </a:r>
+            <a:r>
+              <a:rPr lang="en-US" altLang="zh-CN" dirty="0"/>
+              <a:t>()</a:t>
+            </a:r>
+            <a:r>
+              <a:rPr lang="zh-CN" altLang="en-US" dirty="0"/>
+              <a:t>时，超过对象作用域的</a:t>
+            </a:r>
+            <a:r>
+              <a:rPr lang="en-US" altLang="zh-CN" dirty="0"/>
+              <a:t>IO</a:t>
+            </a:r>
+            <a:r>
+              <a:rPr lang="zh-CN" altLang="en-US" dirty="0"/>
+              <a:t>流可能关闭，会将运行结束线程中的</a:t>
+            </a:r>
+            <a:r>
+              <a:rPr lang="en-US" altLang="zh-CN" dirty="0"/>
+              <a:t>IO</a:t>
+            </a:r>
+            <a:r>
+              <a:rPr lang="zh-CN" altLang="en-US" dirty="0"/>
+              <a:t>流关闭。</a:t>
+            </a:r>
+          </a:p>
+        </p:txBody>
+      </p:sp>
     </p:spTree>
     <p:extLst>
       <p:ext uri="{BB962C8B-B14F-4D97-AF65-F5344CB8AC3E}">
@@ -9757,7 +10313,7 @@
         <p:spPr>
           <a:xfrm>
             <a:off x="0" y="0"/>
-            <a:ext cx="12192000" cy="6217087"/>
+            <a:ext cx="12192000" cy="5355312"/>
           </a:xfrm>
           <a:prstGeom prst="rect">
             <a:avLst/>
@@ -9769,18 +10325,26 @@
           </a:bodyPr>
           <a:lstStyle/>
           <a:p>
-            <a:r>
-              <a:rPr lang="zh-CN" altLang="en-US" b="1" dirty="0">
-                <a:latin typeface="+mn-ea"/>
-              </a:rPr>
-              <a:t>文件句柄：</a:t>
-            </a:r>
-            <a:endParaRPr lang="en-US" altLang="zh-CN" b="1" dirty="0">
+            <a:endParaRPr lang="en-US" altLang="zh-CN" dirty="0">
               <a:latin typeface="+mn-ea"/>
             </a:endParaRPr>
           </a:p>
           <a:p>
             <a:r>
+              <a:rPr lang="zh-CN" altLang="en-US" b="1" dirty="0">
+                <a:latin typeface="+mn-ea"/>
+              </a:rPr>
+              <a:t>问题阐述</a:t>
+            </a:r>
+            <a:r>
+              <a:rPr lang="zh-CN" altLang="en-US" dirty="0">
+                <a:latin typeface="+mn-ea"/>
+              </a:rPr>
+              <a:t>：</a:t>
+            </a:r>
+          </a:p>
+          <a:p>
+            <a:r>
               <a:rPr lang="en-US" altLang="zh-CN" b="1" dirty="0">
                 <a:latin typeface="+mn-ea"/>
               </a:rPr>
@@ -9793,52 +10357,22 @@
               <a:t>   </a:t>
             </a:r>
             <a:r>
-              <a:rPr lang="zh-CN" altLang="en-US" dirty="0" smtClean="0">
-                <a:latin typeface="+mn-ea"/>
-              </a:rPr>
-              <a:t>在</a:t>
+              <a:rPr lang="en-US" altLang="zh-CN" dirty="0" smtClean="0">
+                <a:latin typeface="+mn-ea"/>
+              </a:rPr>
+              <a:t>too</a:t>
+            </a:r>
+            <a:r>
+              <a:rPr lang="en-US" altLang="zh-CN" dirty="0">
+                <a:latin typeface="+mn-ea"/>
+              </a:rPr>
+              <a:t> many open files</a:t>
             </a:r>
             <a:r>
               <a:rPr lang="zh-CN" altLang="en-US" dirty="0">
                 <a:latin typeface="+mn-ea"/>
               </a:rPr>
-              <a:t>文件</a:t>
-            </a:r>
-            <a:r>
-              <a:rPr lang="en-US" altLang="zh-CN" dirty="0">
-                <a:latin typeface="+mn-ea"/>
-              </a:rPr>
-              <a:t>I/O</a:t>
-            </a:r>
-            <a:r>
-              <a:rPr lang="zh-CN" altLang="en-US" dirty="0">
-                <a:latin typeface="+mn-ea"/>
-              </a:rPr>
-              <a:t>中，要从一个文件读取数据，应用程序首先要调用操作系统函数并传送文件名，并选一个到该文件的路径来打开文件。该函数取回一个顺序号，即文件句柄（</a:t>
-            </a:r>
-            <a:r>
-              <a:rPr lang="en-US" altLang="zh-CN" dirty="0">
-                <a:latin typeface="+mn-ea"/>
-              </a:rPr>
-              <a:t>file handle</a:t>
-            </a:r>
-            <a:r>
-              <a:rPr lang="zh-CN" altLang="en-US" dirty="0">
-                <a:latin typeface="+mn-ea"/>
-              </a:rPr>
-              <a:t>），该文件句柄对于打开的文件是唯一的识别依据。要从文件中读取一块数据，应用程序需要调用函数</a:t>
-            </a:r>
-            <a:r>
-              <a:rPr lang="en-US" altLang="zh-CN" dirty="0" err="1">
-                <a:latin typeface="+mn-ea"/>
-              </a:rPr>
-              <a:t>ReadFile</a:t>
-            </a:r>
-            <a:r>
-              <a:rPr lang="zh-CN" altLang="en-US" dirty="0">
-                <a:latin typeface="+mn-ea"/>
-              </a:rPr>
-              <a:t>，并将文件句柄在内存中的地址和要拷贝的字节数传送给操作系统。当完成任务后，再通过调用系统函数来关闭该文件</a:t>
+              <a:t>：顾名思义即打开过多文件数</a:t>
             </a:r>
             <a:r>
               <a:rPr lang="zh-CN" altLang="en-US" dirty="0" smtClean="0">
@@ -9851,138 +10385,88 @@
             </a:endParaRPr>
           </a:p>
           <a:p>
-            <a:endParaRPr lang="en-US" altLang="zh-CN" dirty="0">
-              <a:latin typeface="+mn-ea"/>
-            </a:endParaRPr>
-          </a:p>
-          <a:p>
-            <a:r>
-              <a:rPr lang="zh-CN" altLang="en-US" b="1" dirty="0">
-                <a:latin typeface="+mn-ea"/>
-              </a:rPr>
-              <a:t>问题阐述</a:t>
+            <a:r>
+              <a:rPr lang="zh-CN" altLang="en-US" dirty="0" smtClean="0">
+                <a:latin typeface="+mn-ea"/>
+              </a:rPr>
+              <a:t>    这里</a:t>
             </a:r>
             <a:r>
               <a:rPr lang="zh-CN" altLang="en-US" dirty="0">
                 <a:latin typeface="+mn-ea"/>
               </a:rPr>
-              <a:t>：</a:t>
-            </a:r>
-          </a:p>
-          <a:p>
-            <a:r>
-              <a:rPr lang="en-US" altLang="zh-CN" b="1" dirty="0">
-                <a:latin typeface="+mn-ea"/>
-              </a:rPr>
-              <a:t> </a:t>
-            </a:r>
-            <a:r>
-              <a:rPr lang="en-US" altLang="zh-CN" b="1" dirty="0" smtClean="0">
-                <a:latin typeface="+mn-ea"/>
-              </a:rPr>
-              <a:t>   </a:t>
+              <a:t>的</a:t>
+            </a:r>
+            <a:r>
+              <a:rPr lang="en-US" altLang="zh-CN" dirty="0">
+                <a:latin typeface="+mn-ea"/>
+              </a:rPr>
+              <a:t>files</a:t>
+            </a:r>
+            <a:r>
+              <a:rPr lang="zh-CN" altLang="en-US" dirty="0">
+                <a:latin typeface="+mn-ea"/>
+              </a:rPr>
+              <a:t>不单是文件的意思，也包括打开的通讯链接</a:t>
+            </a:r>
+            <a:r>
+              <a:rPr lang="en-US" altLang="zh-CN" dirty="0">
+                <a:latin typeface="+mn-ea"/>
+              </a:rPr>
+              <a:t>(</a:t>
+            </a:r>
+            <a:r>
+              <a:rPr lang="zh-CN" altLang="en-US" dirty="0" smtClean="0">
+                <a:latin typeface="+mn-ea"/>
+              </a:rPr>
+              <a:t>比如</a:t>
             </a:r>
             <a:r>
               <a:rPr lang="en-US" altLang="zh-CN" dirty="0" smtClean="0">
                 <a:latin typeface="+mn-ea"/>
               </a:rPr>
-              <a:t>too</a:t>
+              <a:t>socket</a:t>
             </a:r>
             <a:r>
               <a:rPr lang="en-US" altLang="zh-CN" dirty="0">
                 <a:latin typeface="+mn-ea"/>
               </a:rPr>
-              <a:t> many open files</a:t>
+              <a:t>)</a:t>
             </a:r>
             <a:r>
               <a:rPr lang="zh-CN" altLang="en-US" dirty="0">
                 <a:latin typeface="+mn-ea"/>
               </a:rPr>
-              <a:t>：顾名思义即打开过多文件数</a:t>
-            </a:r>
-            <a:r>
-              <a:rPr lang="zh-CN" altLang="en-US" dirty="0" smtClean="0">
-                <a:latin typeface="+mn-ea"/>
-              </a:rPr>
-              <a:t>。</a:t>
-            </a:r>
+              <a:t>，正在监听的端口等等，所以有时候也可以叫做句柄</a:t>
+            </a:r>
+            <a:r>
+              <a:rPr lang="en-US" altLang="zh-CN" dirty="0" smtClean="0">
+                <a:latin typeface="+mn-ea"/>
+              </a:rPr>
+              <a:t>(handle</a:t>
+            </a:r>
+            <a:r>
+              <a:rPr lang="en-US" altLang="zh-CN" dirty="0">
+                <a:latin typeface="+mn-ea"/>
+              </a:rPr>
+              <a:t>)</a:t>
+            </a:r>
+            <a:r>
+              <a:rPr lang="zh-CN" altLang="en-US" dirty="0">
+                <a:latin typeface="+mn-ea"/>
+              </a:rPr>
+              <a:t>，这个错误通常也可以叫做句柄数超出系统限制。</a:t>
+            </a:r>
+          </a:p>
+          <a:p>
             <a:endParaRPr lang="en-US" altLang="zh-CN" dirty="0" smtClean="0">
               <a:latin typeface="+mn-ea"/>
             </a:endParaRPr>
           </a:p>
           <a:p>
-            <a:r>
-              <a:rPr lang="zh-CN" altLang="en-US" dirty="0" smtClean="0">
-                <a:latin typeface="+mn-ea"/>
-              </a:rPr>
-              <a:t>    这里</a:t>
-            </a:r>
-            <a:r>
-              <a:rPr lang="zh-CN" altLang="en-US" dirty="0">
-                <a:latin typeface="+mn-ea"/>
-              </a:rPr>
-              <a:t>的</a:t>
-            </a:r>
-            <a:r>
-              <a:rPr lang="en-US" altLang="zh-CN" dirty="0">
-                <a:latin typeface="+mn-ea"/>
-              </a:rPr>
-              <a:t>files</a:t>
-            </a:r>
-            <a:r>
-              <a:rPr lang="zh-CN" altLang="en-US" dirty="0">
-                <a:latin typeface="+mn-ea"/>
-              </a:rPr>
-              <a:t>不单是文件的意思，也包括打开的通讯链接</a:t>
-            </a:r>
-            <a:r>
-              <a:rPr lang="en-US" altLang="zh-CN" dirty="0">
-                <a:latin typeface="+mn-ea"/>
-              </a:rPr>
-              <a:t>(</a:t>
-            </a:r>
-            <a:r>
-              <a:rPr lang="zh-CN" altLang="en-US" dirty="0" smtClean="0">
-                <a:latin typeface="+mn-ea"/>
-              </a:rPr>
-              <a:t>比如</a:t>
-            </a:r>
-            <a:r>
-              <a:rPr lang="en-US" altLang="zh-CN" dirty="0" smtClean="0">
-                <a:latin typeface="+mn-ea"/>
-              </a:rPr>
-              <a:t>socket</a:t>
-            </a:r>
-            <a:r>
-              <a:rPr lang="en-US" altLang="zh-CN" dirty="0">
-                <a:latin typeface="+mn-ea"/>
-              </a:rPr>
-              <a:t>)</a:t>
-            </a:r>
-            <a:r>
-              <a:rPr lang="zh-CN" altLang="en-US" dirty="0">
-                <a:latin typeface="+mn-ea"/>
-              </a:rPr>
-              <a:t>，正在监听的端口等等，所以有时候也可以叫做句柄</a:t>
-            </a:r>
-            <a:r>
-              <a:rPr lang="en-US" altLang="zh-CN" dirty="0" smtClean="0">
-                <a:latin typeface="+mn-ea"/>
-              </a:rPr>
-              <a:t>(handle</a:t>
-            </a:r>
-            <a:r>
-              <a:rPr lang="en-US" altLang="zh-CN" dirty="0">
-                <a:latin typeface="+mn-ea"/>
-              </a:rPr>
-              <a:t>)</a:t>
-            </a:r>
-            <a:r>
-              <a:rPr lang="zh-CN" altLang="en-US" dirty="0">
-                <a:latin typeface="+mn-ea"/>
-              </a:rPr>
-              <a:t>，这个错误通常也可以叫做句柄数超出系统限制。</a:t>
-            </a:r>
+            <a:endParaRPr lang="en-US" altLang="zh-CN" dirty="0" smtClean="0">
+              <a:latin typeface="+mn-ea"/>
+            </a:endParaRPr>
           </a:p>
           <a:p>
             <a:endParaRPr lang="zh-CN" altLang="en-US" dirty="0">
@@ -10448,8 +10932,8 @@
         </p:nvSpPr>
         <p:spPr>
           <a:xfrm>
-            <a:off x="316417" y="199734"/>
-            <a:ext cx="4847766" cy="523220"/>
+            <a:off x="0" y="60296"/>
+            <a:ext cx="4929051" cy="523220"/>
           </a:xfrm>
           <a:prstGeom prst="rect">
             <a:avLst/>

--- a/Netty入门指南.pptx
+++ b/Netty入门指南.pptx
@@ -220,7 +220,7 @@
           <a:p>
             <a:fld id="{1A936FBA-7D4A-41DA-9DAD-4525C551E219}" type="datetimeFigureOut">
               <a:rPr lang="zh-CN" altLang="en-US" smtClean="0"/>
-              <a:t>2019/11/7</a:t>
+              <a:t>2020/1/8</a:t>
             </a:fld>
             <a:endParaRPr lang="zh-CN" altLang="en-US"/>
           </a:p>
@@ -1539,7 +1539,7 @@
           <a:p>
             <a:fld id="{CA6DA839-CEC4-41F8-84E7-732CD3CAE949}" type="datetimeFigureOut">
               <a:rPr lang="zh-CN" altLang="en-US" smtClean="0"/>
-              <a:t>2019/11/7</a:t>
+              <a:t>2020/1/8</a:t>
             </a:fld>
             <a:endParaRPr lang="zh-CN" altLang="en-US"/>
           </a:p>
@@ -1709,7 +1709,7 @@
           <a:p>
             <a:fld id="{CA6DA839-CEC4-41F8-84E7-732CD3CAE949}" type="datetimeFigureOut">
               <a:rPr lang="zh-CN" altLang="en-US" smtClean="0"/>
-              <a:t>2019/11/7</a:t>
+              <a:t>2020/1/8</a:t>
             </a:fld>
             <a:endParaRPr lang="zh-CN" altLang="en-US"/>
           </a:p>
@@ -1889,7 +1889,7 @@
           <a:p>
             <a:fld id="{CA6DA839-CEC4-41F8-84E7-732CD3CAE949}" type="datetimeFigureOut">
               <a:rPr lang="zh-CN" altLang="en-US" smtClean="0"/>
-              <a:t>2019/11/7</a:t>
+              <a:t>2020/1/8</a:t>
             </a:fld>
             <a:endParaRPr lang="zh-CN" altLang="en-US"/>
           </a:p>
@@ -2059,7 +2059,7 @@
           <a:p>
             <a:fld id="{CA6DA839-CEC4-41F8-84E7-732CD3CAE949}" type="datetimeFigureOut">
               <a:rPr lang="zh-CN" altLang="en-US" smtClean="0"/>
-              <a:t>2019/11/7</a:t>
+              <a:t>2020/1/8</a:t>
             </a:fld>
             <a:endParaRPr lang="zh-CN" altLang="en-US"/>
           </a:p>
@@ -2305,7 +2305,7 @@
           <a:p>
             <a:fld id="{CA6DA839-CEC4-41F8-84E7-732CD3CAE949}" type="datetimeFigureOut">
               <a:rPr lang="zh-CN" altLang="en-US" smtClean="0"/>
-              <a:t>2019/11/7</a:t>
+              <a:t>2020/1/8</a:t>
             </a:fld>
             <a:endParaRPr lang="zh-CN" altLang="en-US"/>
           </a:p>
@@ -2537,7 +2537,7 @@
           <a:p>
             <a:fld id="{CA6DA839-CEC4-41F8-84E7-732CD3CAE949}" type="datetimeFigureOut">
               <a:rPr lang="zh-CN" altLang="en-US" smtClean="0"/>
-              <a:t>2019/11/7</a:t>
+              <a:t>2020/1/8</a:t>
             </a:fld>
             <a:endParaRPr lang="zh-CN" altLang="en-US"/>
           </a:p>
@@ -2904,7 +2904,7 @@
           <a:p>
             <a:fld id="{CA6DA839-CEC4-41F8-84E7-732CD3CAE949}" type="datetimeFigureOut">
               <a:rPr lang="zh-CN" altLang="en-US" smtClean="0"/>
-              <a:t>2019/11/7</a:t>
+              <a:t>2020/1/8</a:t>
             </a:fld>
             <a:endParaRPr lang="zh-CN" altLang="en-US"/>
           </a:p>
@@ -3022,7 +3022,7 @@
           <a:p>
             <a:fld id="{CA6DA839-CEC4-41F8-84E7-732CD3CAE949}" type="datetimeFigureOut">
               <a:rPr lang="zh-CN" altLang="en-US" smtClean="0"/>
-              <a:t>2019/11/7</a:t>
+              <a:t>2020/1/8</a:t>
             </a:fld>
             <a:endParaRPr lang="zh-CN" altLang="en-US"/>
           </a:p>
@@ -3117,7 +3117,7 @@
           <a:p>
             <a:fld id="{CA6DA839-CEC4-41F8-84E7-732CD3CAE949}" type="datetimeFigureOut">
               <a:rPr lang="zh-CN" altLang="en-US" smtClean="0"/>
-              <a:t>2019/11/7</a:t>
+              <a:t>2020/1/8</a:t>
             </a:fld>
             <a:endParaRPr lang="zh-CN" altLang="en-US"/>
           </a:p>
@@ -3394,7 +3394,7 @@
           <a:p>
             <a:fld id="{CA6DA839-CEC4-41F8-84E7-732CD3CAE949}" type="datetimeFigureOut">
               <a:rPr lang="zh-CN" altLang="en-US" smtClean="0"/>
-              <a:t>2019/11/7</a:t>
+              <a:t>2020/1/8</a:t>
             </a:fld>
             <a:endParaRPr lang="zh-CN" altLang="en-US"/>
           </a:p>
@@ -3647,7 +3647,7 @@
           <a:p>
             <a:fld id="{CA6DA839-CEC4-41F8-84E7-732CD3CAE949}" type="datetimeFigureOut">
               <a:rPr lang="zh-CN" altLang="en-US" smtClean="0"/>
-              <a:t>2019/11/7</a:t>
+              <a:t>2020/1/8</a:t>
             </a:fld>
             <a:endParaRPr lang="zh-CN" altLang="en-US"/>
           </a:p>
@@ -3860,7 +3860,7 @@
           <a:p>
             <a:fld id="{CA6DA839-CEC4-41F8-84E7-732CD3CAE949}" type="datetimeFigureOut">
               <a:rPr lang="zh-CN" altLang="en-US" smtClean="0"/>
-              <a:t>2019/11/7</a:t>
+              <a:t>2020/1/8</a:t>
             </a:fld>
             <a:endParaRPr lang="zh-CN" altLang="en-US"/>
           </a:p>
@@ -5887,13 +5887,7 @@
               <a:rPr lang="zh-CN" altLang="en-US" sz="2000" b="1" dirty="0" smtClean="0">
                 <a:latin typeface="+mn-ea"/>
               </a:rPr>
-              <a:t>两</a:t>
-            </a:r>
-            <a:r>
-              <a:rPr lang="zh-CN" altLang="en-US" sz="2000" b="1" dirty="0" smtClean="0">
-                <a:latin typeface="+mn-ea"/>
-              </a:rPr>
-              <a:t>个</a:t>
+              <a:t>两个</a:t>
             </a:r>
             <a:r>
               <a:rPr lang="zh-CN" altLang="en-US" sz="2000" b="1" dirty="0">
@@ -9894,13 +9888,7 @@
               <a:rPr lang="zh-CN" altLang="en-US" dirty="0" smtClean="0">
                 <a:latin typeface="+mn-ea"/>
               </a:rPr>
-              <a:t>打开文件的确切</a:t>
-            </a:r>
-            <a:r>
-              <a:rPr lang="zh-CN" altLang="en-US" dirty="0" smtClean="0">
-                <a:latin typeface="+mn-ea"/>
-              </a:rPr>
-              <a:t>名称</a:t>
+              <a:t>打开文件的确切名称</a:t>
             </a:r>
             <a:endParaRPr lang="en-US" altLang="zh-CN" dirty="0" smtClean="0">
               <a:latin typeface="+mn-ea"/>
